--- a/DissertationPresentation.pptx
+++ b/DissertationPresentation.pptx
@@ -2,23 +2,24 @@
 <file path=ppt/presentation.xml><?xml version="1.0" encoding="utf-8"?>
 <p:presentation xmlns:a="http://schemas.openxmlformats.org/drawingml/2006/main" xmlns:r="http://schemas.openxmlformats.org/officeDocument/2006/relationships" xmlns:p="http://schemas.openxmlformats.org/presentationml/2006/main" saveSubsetFonts="1">
   <p:sldMasterIdLst>
-    <p:sldMasterId id="2147483648" r:id="rId1"/>
+    <p:sldMasterId id="2147483648" r:id="rId4"/>
   </p:sldMasterIdLst>
   <p:sldIdLst>
-    <p:sldId id="256" r:id="rId2"/>
-    <p:sldId id="257" r:id="rId3"/>
-    <p:sldId id="258" r:id="rId4"/>
-    <p:sldId id="264" r:id="rId5"/>
-    <p:sldId id="265" r:id="rId6"/>
-    <p:sldId id="267" r:id="rId7"/>
-    <p:sldId id="268" r:id="rId8"/>
-    <p:sldId id="269" r:id="rId9"/>
-    <p:sldId id="259" r:id="rId10"/>
-    <p:sldId id="260" r:id="rId11"/>
-    <p:sldId id="262" r:id="rId12"/>
-    <p:sldId id="270" r:id="rId13"/>
-    <p:sldId id="263" r:id="rId14"/>
-    <p:sldId id="261" r:id="rId15"/>
+    <p:sldId id="256" r:id="rId5"/>
+    <p:sldId id="257" r:id="rId6"/>
+    <p:sldId id="258" r:id="rId7"/>
+    <p:sldId id="264" r:id="rId8"/>
+    <p:sldId id="265" r:id="rId9"/>
+    <p:sldId id="267" r:id="rId10"/>
+    <p:sldId id="268" r:id="rId11"/>
+    <p:sldId id="269" r:id="rId12"/>
+    <p:sldId id="259" r:id="rId13"/>
+    <p:sldId id="260" r:id="rId14"/>
+    <p:sldId id="262" r:id="rId15"/>
+    <p:sldId id="270" r:id="rId16"/>
+    <p:sldId id="263" r:id="rId17"/>
+    <p:sldId id="261" r:id="rId18"/>
+    <p:sldId id="272" r:id="rId19"/>
   </p:sldIdLst>
   <p:sldSz cx="12192000" cy="6858000"/>
   <p:notesSz cx="6858000" cy="9144000"/>
@@ -117,7 +118,20 @@
       </a:defRPr>
     </a:lvl9pPr>
   </p:defaultTextStyle>
+  <p:extLst>
+    <p:ext uri="{EFAFB233-063F-42B5-8137-9DF3F51BA10A}">
+      <p15:sldGuideLst xmlns:p15="http://schemas.microsoft.com/office/powerpoint/2012/main"/>
+    </p:ext>
+  </p:extLst>
 </p:presentation>
+</file>
+
+<file path=ppt/revisionInfo.xml><?xml version="1.0" encoding="utf-8"?>
+<p1510:revInfo xmlns:a="http://schemas.openxmlformats.org/drawingml/2006/main" xmlns:r="http://schemas.openxmlformats.org/officeDocument/2006/relationships" xmlns:p1510="http://schemas.microsoft.com/office/powerpoint/2015/10/main">
+  <p1510:revLst>
+    <p1510:client id="{11169141-4CB7-4A24-A47F-A4FB8577552C}" v="160" dt="2021-09-15T04:06:17.275"/>
+  </p1510:revLst>
+</p1510:revInfo>
 </file>
 
 <file path=ppt/slideLayouts/slideLayout1.xml><?xml version="1.0" encoding="utf-8"?>
@@ -267,7 +281,7 @@
           <a:p>
             <a:fld id="{309F9295-3B68-4BF4-8C5C-415180D5DDB6}" type="datetimeFigureOut">
               <a:rPr lang="en-US" smtClean="0"/>
-              <a:t>9/15/2021</a:t>
+              <a:t>9/14/2021</a:t>
             </a:fld>
             <a:endParaRPr lang="en-US"/>
           </a:p>
@@ -465,7 +479,7 @@
           <a:p>
             <a:fld id="{309F9295-3B68-4BF4-8C5C-415180D5DDB6}" type="datetimeFigureOut">
               <a:rPr lang="en-US" smtClean="0"/>
-              <a:t>9/15/2021</a:t>
+              <a:t>9/14/2021</a:t>
             </a:fld>
             <a:endParaRPr lang="en-US"/>
           </a:p>
@@ -673,7 +687,7 @@
           <a:p>
             <a:fld id="{309F9295-3B68-4BF4-8C5C-415180D5DDB6}" type="datetimeFigureOut">
               <a:rPr lang="en-US" smtClean="0"/>
-              <a:t>9/15/2021</a:t>
+              <a:t>9/14/2021</a:t>
             </a:fld>
             <a:endParaRPr lang="en-US"/>
           </a:p>
@@ -871,7 +885,7 @@
           <a:p>
             <a:fld id="{309F9295-3B68-4BF4-8C5C-415180D5DDB6}" type="datetimeFigureOut">
               <a:rPr lang="en-US" smtClean="0"/>
-              <a:t>9/15/2021</a:t>
+              <a:t>9/14/2021</a:t>
             </a:fld>
             <a:endParaRPr lang="en-US"/>
           </a:p>
@@ -1146,7 +1160,7 @@
           <a:p>
             <a:fld id="{309F9295-3B68-4BF4-8C5C-415180D5DDB6}" type="datetimeFigureOut">
               <a:rPr lang="en-US" smtClean="0"/>
-              <a:t>9/15/2021</a:t>
+              <a:t>9/14/2021</a:t>
             </a:fld>
             <a:endParaRPr lang="en-US"/>
           </a:p>
@@ -1411,7 +1425,7 @@
           <a:p>
             <a:fld id="{309F9295-3B68-4BF4-8C5C-415180D5DDB6}" type="datetimeFigureOut">
               <a:rPr lang="en-US" smtClean="0"/>
-              <a:t>9/15/2021</a:t>
+              <a:t>9/14/2021</a:t>
             </a:fld>
             <a:endParaRPr lang="en-US"/>
           </a:p>
@@ -1823,7 +1837,7 @@
           <a:p>
             <a:fld id="{309F9295-3B68-4BF4-8C5C-415180D5DDB6}" type="datetimeFigureOut">
               <a:rPr lang="en-US" smtClean="0"/>
-              <a:t>9/15/2021</a:t>
+              <a:t>9/14/2021</a:t>
             </a:fld>
             <a:endParaRPr lang="en-US"/>
           </a:p>
@@ -1964,7 +1978,7 @@
           <a:p>
             <a:fld id="{309F9295-3B68-4BF4-8C5C-415180D5DDB6}" type="datetimeFigureOut">
               <a:rPr lang="en-US" smtClean="0"/>
-              <a:t>9/15/2021</a:t>
+              <a:t>9/14/2021</a:t>
             </a:fld>
             <a:endParaRPr lang="en-US"/>
           </a:p>
@@ -2077,7 +2091,7 @@
           <a:p>
             <a:fld id="{309F9295-3B68-4BF4-8C5C-415180D5DDB6}" type="datetimeFigureOut">
               <a:rPr lang="en-US" smtClean="0"/>
-              <a:t>9/15/2021</a:t>
+              <a:t>9/14/2021</a:t>
             </a:fld>
             <a:endParaRPr lang="en-US"/>
           </a:p>
@@ -2388,7 +2402,7 @@
           <a:p>
             <a:fld id="{309F9295-3B68-4BF4-8C5C-415180D5DDB6}" type="datetimeFigureOut">
               <a:rPr lang="en-US" smtClean="0"/>
-              <a:t>9/15/2021</a:t>
+              <a:t>9/14/2021</a:t>
             </a:fld>
             <a:endParaRPr lang="en-US"/>
           </a:p>
@@ -2676,7 +2690,7 @@
           <a:p>
             <a:fld id="{309F9295-3B68-4BF4-8C5C-415180D5DDB6}" type="datetimeFigureOut">
               <a:rPr lang="en-US" smtClean="0"/>
-              <a:t>9/15/2021</a:t>
+              <a:t>9/14/2021</a:t>
             </a:fld>
             <a:endParaRPr lang="en-US"/>
           </a:p>
@@ -2917,7 +2931,7 @@
           <a:p>
             <a:fld id="{309F9295-3B68-4BF4-8C5C-415180D5DDB6}" type="datetimeFigureOut">
               <a:rPr lang="en-US" smtClean="0"/>
-              <a:t>9/15/2021</a:t>
+              <a:t>9/14/2021</a:t>
             </a:fld>
             <a:endParaRPr lang="en-US"/>
           </a:p>
@@ -3320,6 +3334,14 @@
 <file path=ppt/slides/slide1.xml><?xml version="1.0" encoding="utf-8"?>
 <p:sld xmlns:a="http://schemas.openxmlformats.org/drawingml/2006/main" xmlns:r="http://schemas.openxmlformats.org/officeDocument/2006/relationships" xmlns:p="http://schemas.openxmlformats.org/presentationml/2006/main">
   <p:cSld>
+    <p:bg>
+      <p:bgPr>
+        <a:solidFill>
+          <a:schemeClr val="bg1"/>
+        </a:solidFill>
+        <a:effectLst/>
+      </p:bgPr>
+    </p:bg>
     <p:spTree>
       <p:nvGrpSpPr>
         <p:cNvPr id="1" name=""/>
@@ -3336,6 +3358,1024 @@
       </p:grpSpPr>
       <p:sp>
         <p:nvSpPr>
+          <p:cNvPr id="8" name="Rectangle 7">
+            <a:extLst>
+              <a:ext uri="{FF2B5EF4-FFF2-40B4-BE49-F238E27FC236}">
+                <a16:creationId xmlns:a16="http://schemas.microsoft.com/office/drawing/2014/main" id="{88294908-8B00-4F58-BBBA-20F71A40AA9E}"/>
+              </a:ext>
+              <a:ext uri="{C183D7F6-B498-43B3-948B-1728B52AA6E4}">
+                <adec:decorative xmlns:adec="http://schemas.microsoft.com/office/drawing/2017/decorative" val="1"/>
+              </a:ext>
+            </a:extLst>
+          </p:cNvPr>
+          <p:cNvSpPr>
+            <a:spLocks noGrp="1" noRot="1" noChangeAspect="1" noMove="1" noResize="1" noEditPoints="1" noAdjustHandles="1" noChangeArrowheads="1" noChangeShapeType="1" noTextEdit="1"/>
+          </p:cNvSpPr>
+          <p:nvPr>
+            <p:extLst>
+              <p:ext uri="{386F3935-93C4-4BCD-93E2-E3B085C9AB24}">
+                <p16:designElem xmlns:p16="http://schemas.microsoft.com/office/powerpoint/2015/main" val="1"/>
+              </p:ext>
+            </p:extLst>
+          </p:nvPr>
+        </p:nvSpPr>
+        <p:spPr>
+          <a:xfrm>
+            <a:off x="0" y="0"/>
+            <a:ext cx="12192000" cy="6858000"/>
+          </a:xfrm>
+          <a:prstGeom prst="rect">
+            <a:avLst/>
+          </a:prstGeom>
+          <a:solidFill>
+            <a:schemeClr val="bg2"/>
+          </a:solidFill>
+          <a:ln>
+            <a:noFill/>
+          </a:ln>
+        </p:spPr>
+        <p:style>
+          <a:lnRef idx="2">
+            <a:schemeClr val="accent1">
+              <a:shade val="50000"/>
+            </a:schemeClr>
+          </a:lnRef>
+          <a:fillRef idx="1">
+            <a:schemeClr val="accent1"/>
+          </a:fillRef>
+          <a:effectRef idx="0">
+            <a:schemeClr val="accent1"/>
+          </a:effectRef>
+          <a:fontRef idx="minor">
+            <a:schemeClr val="lt1"/>
+          </a:fontRef>
+        </p:style>
+        <p:txBody>
+          <a:bodyPr rtlCol="0" anchor="ctr"/>
+          <a:lstStyle/>
+          <a:p>
+            <a:pPr algn="ctr"/>
+            <a:endParaRPr lang="en-US" dirty="0"/>
+          </a:p>
+        </p:txBody>
+      </p:sp>
+      <p:sp>
+        <p:nvSpPr>
+          <p:cNvPr id="10" name="Freeform: Shape 9">
+            <a:extLst>
+              <a:ext uri="{FF2B5EF4-FFF2-40B4-BE49-F238E27FC236}">
+                <a16:creationId xmlns:a16="http://schemas.microsoft.com/office/drawing/2014/main" id="{4364C879-1404-4203-8E9D-CC5DE0A621A2}"/>
+              </a:ext>
+              <a:ext uri="{C183D7F6-B498-43B3-948B-1728B52AA6E4}">
+                <adec:decorative xmlns:adec="http://schemas.microsoft.com/office/drawing/2017/decorative" val="1"/>
+              </a:ext>
+            </a:extLst>
+          </p:cNvPr>
+          <p:cNvSpPr>
+            <a:spLocks noGrp="1" noRot="1" noChangeAspect="1" noMove="1" noResize="1" noEditPoints="1" noAdjustHandles="1" noChangeArrowheads="1" noChangeShapeType="1" noTextEdit="1"/>
+          </p:cNvSpPr>
+          <p:nvPr>
+            <p:extLst>
+              <p:ext uri="{386F3935-93C4-4BCD-93E2-E3B085C9AB24}">
+                <p16:designElem xmlns:p16="http://schemas.microsoft.com/office/powerpoint/2015/main" val="1"/>
+              </p:ext>
+            </p:extLst>
+          </p:nvPr>
+        </p:nvSpPr>
+        <p:spPr>
+          <a:xfrm rot="2700000">
+            <a:off x="82782" y="-1386168"/>
+            <a:ext cx="2424873" cy="3611191"/>
+          </a:xfrm>
+          <a:custGeom>
+            <a:avLst/>
+            <a:gdLst>
+              <a:gd name="connsiteX0" fmla="*/ 0 w 2424873"/>
+              <a:gd name="connsiteY0" fmla="*/ 2424874 h 3611191"/>
+              <a:gd name="connsiteX1" fmla="*/ 2424873 w 2424873"/>
+              <a:gd name="connsiteY1" fmla="*/ 0 h 3611191"/>
+              <a:gd name="connsiteX2" fmla="*/ 2424873 w 2424873"/>
+              <a:gd name="connsiteY2" fmla="*/ 3611191 h 3611191"/>
+              <a:gd name="connsiteX3" fmla="*/ 1186317 w 2424873"/>
+              <a:gd name="connsiteY3" fmla="*/ 3611191 h 3611191"/>
+            </a:gdLst>
+            <a:ahLst/>
+            <a:cxnLst>
+              <a:cxn ang="0">
+                <a:pos x="connsiteX0" y="connsiteY0"/>
+              </a:cxn>
+              <a:cxn ang="0">
+                <a:pos x="connsiteX1" y="connsiteY1"/>
+              </a:cxn>
+              <a:cxn ang="0">
+                <a:pos x="connsiteX2" y="connsiteY2"/>
+              </a:cxn>
+              <a:cxn ang="0">
+                <a:pos x="connsiteX3" y="connsiteY3"/>
+              </a:cxn>
+            </a:cxnLst>
+            <a:rect l="l" t="t" r="r" b="b"/>
+            <a:pathLst>
+              <a:path w="2424873" h="3611191">
+                <a:moveTo>
+                  <a:pt x="0" y="2424874"/>
+                </a:moveTo>
+                <a:lnTo>
+                  <a:pt x="2424873" y="0"/>
+                </a:lnTo>
+                <a:lnTo>
+                  <a:pt x="2424873" y="3611191"/>
+                </a:lnTo>
+                <a:lnTo>
+                  <a:pt x="1186317" y="3611191"/>
+                </a:lnTo>
+                <a:close/>
+              </a:path>
+            </a:pathLst>
+          </a:custGeom>
+          <a:solidFill>
+            <a:schemeClr val="accent4">
+              <a:alpha val="40000"/>
+            </a:schemeClr>
+          </a:solidFill>
+          <a:ln>
+            <a:noFill/>
+          </a:ln>
+        </p:spPr>
+        <p:style>
+          <a:lnRef idx="2">
+            <a:schemeClr val="accent1">
+              <a:shade val="50000"/>
+            </a:schemeClr>
+          </a:lnRef>
+          <a:fillRef idx="1">
+            <a:schemeClr val="accent1"/>
+          </a:fillRef>
+          <a:effectRef idx="0">
+            <a:schemeClr val="accent1"/>
+          </a:effectRef>
+          <a:fontRef idx="minor">
+            <a:schemeClr val="lt1"/>
+          </a:fontRef>
+        </p:style>
+        <p:txBody>
+          <a:bodyPr wrap="square" rtlCol="0" anchor="ctr">
+            <a:noAutofit/>
+          </a:bodyPr>
+          <a:lstStyle/>
+          <a:p>
+            <a:pPr algn="ctr"/>
+            <a:endParaRPr lang="en-US"/>
+          </a:p>
+        </p:txBody>
+      </p:sp>
+      <p:sp>
+        <p:nvSpPr>
+          <p:cNvPr id="12" name="Freeform: Shape 11">
+            <a:extLst>
+              <a:ext uri="{FF2B5EF4-FFF2-40B4-BE49-F238E27FC236}">
+                <a16:creationId xmlns:a16="http://schemas.microsoft.com/office/drawing/2014/main" id="{84617302-4B0D-4351-A6BB-6F0930D943AC}"/>
+              </a:ext>
+              <a:ext uri="{C183D7F6-B498-43B3-948B-1728B52AA6E4}">
+                <adec:decorative xmlns:adec="http://schemas.microsoft.com/office/drawing/2017/decorative" val="1"/>
+              </a:ext>
+            </a:extLst>
+          </p:cNvPr>
+          <p:cNvSpPr>
+            <a:spLocks noGrp="1" noRot="1" noChangeAspect="1" noMove="1" noResize="1" noEditPoints="1" noAdjustHandles="1" noChangeArrowheads="1" noChangeShapeType="1" noTextEdit="1"/>
+          </p:cNvSpPr>
+          <p:nvPr>
+            <p:extLst>
+              <p:ext uri="{386F3935-93C4-4BCD-93E2-E3B085C9AB24}">
+                <p16:designElem xmlns:p16="http://schemas.microsoft.com/office/powerpoint/2015/main" val="1"/>
+              </p:ext>
+            </p:extLst>
+          </p:nvPr>
+        </p:nvSpPr>
+        <p:spPr>
+          <a:xfrm rot="2700000">
+            <a:off x="1571000" y="-338582"/>
+            <a:ext cx="1635955" cy="1635955"/>
+          </a:xfrm>
+          <a:custGeom>
+            <a:avLst/>
+            <a:gdLst>
+              <a:gd name="connsiteX0" fmla="*/ 0 w 1635955"/>
+              <a:gd name="connsiteY0" fmla="*/ 957987 h 1635955"/>
+              <a:gd name="connsiteX1" fmla="*/ 957987 w 1635955"/>
+              <a:gd name="connsiteY1" fmla="*/ 0 h 1635955"/>
+              <a:gd name="connsiteX2" fmla="*/ 1635955 w 1635955"/>
+              <a:gd name="connsiteY2" fmla="*/ 0 h 1635955"/>
+              <a:gd name="connsiteX3" fmla="*/ 1635955 w 1635955"/>
+              <a:gd name="connsiteY3" fmla="*/ 1635955 h 1635955"/>
+              <a:gd name="connsiteX4" fmla="*/ 0 w 1635955"/>
+              <a:gd name="connsiteY4" fmla="*/ 1635955 h 1635955"/>
+            </a:gdLst>
+            <a:ahLst/>
+            <a:cxnLst>
+              <a:cxn ang="0">
+                <a:pos x="connsiteX0" y="connsiteY0"/>
+              </a:cxn>
+              <a:cxn ang="0">
+                <a:pos x="connsiteX1" y="connsiteY1"/>
+              </a:cxn>
+              <a:cxn ang="0">
+                <a:pos x="connsiteX2" y="connsiteY2"/>
+              </a:cxn>
+              <a:cxn ang="0">
+                <a:pos x="connsiteX3" y="connsiteY3"/>
+              </a:cxn>
+              <a:cxn ang="0">
+                <a:pos x="connsiteX4" y="connsiteY4"/>
+              </a:cxn>
+            </a:cxnLst>
+            <a:rect l="l" t="t" r="r" b="b"/>
+            <a:pathLst>
+              <a:path w="1635955" h="1635955">
+                <a:moveTo>
+                  <a:pt x="0" y="957987"/>
+                </a:moveTo>
+                <a:lnTo>
+                  <a:pt x="957987" y="0"/>
+                </a:lnTo>
+                <a:lnTo>
+                  <a:pt x="1635955" y="0"/>
+                </a:lnTo>
+                <a:lnTo>
+                  <a:pt x="1635955" y="1635955"/>
+                </a:lnTo>
+                <a:lnTo>
+                  <a:pt x="0" y="1635955"/>
+                </a:lnTo>
+                <a:close/>
+              </a:path>
+            </a:pathLst>
+          </a:custGeom>
+          <a:solidFill>
+            <a:schemeClr val="accent4">
+              <a:alpha val="40000"/>
+            </a:schemeClr>
+          </a:solidFill>
+          <a:ln>
+            <a:noFill/>
+          </a:ln>
+        </p:spPr>
+        <p:style>
+          <a:lnRef idx="2">
+            <a:schemeClr val="accent1">
+              <a:shade val="50000"/>
+            </a:schemeClr>
+          </a:lnRef>
+          <a:fillRef idx="1">
+            <a:schemeClr val="accent1"/>
+          </a:fillRef>
+          <a:effectRef idx="0">
+            <a:schemeClr val="accent1"/>
+          </a:effectRef>
+          <a:fontRef idx="minor">
+            <a:schemeClr val="lt1"/>
+          </a:fontRef>
+        </p:style>
+        <p:txBody>
+          <a:bodyPr wrap="square" rtlCol="0" anchor="ctr">
+            <a:noAutofit/>
+          </a:bodyPr>
+          <a:lstStyle/>
+          <a:p>
+            <a:pPr algn="ctr"/>
+            <a:endParaRPr lang="en-US"/>
+          </a:p>
+        </p:txBody>
+      </p:sp>
+      <p:sp>
+        <p:nvSpPr>
+          <p:cNvPr id="14" name="Freeform: Shape 13">
+            <a:extLst>
+              <a:ext uri="{FF2B5EF4-FFF2-40B4-BE49-F238E27FC236}">
+                <a16:creationId xmlns:a16="http://schemas.microsoft.com/office/drawing/2014/main" id="{DA2C7802-C2E0-4218-8F89-8DD7CCD2CD1C}"/>
+              </a:ext>
+              <a:ext uri="{C183D7F6-B498-43B3-948B-1728B52AA6E4}">
+                <adec:decorative xmlns:adec="http://schemas.microsoft.com/office/drawing/2017/decorative" val="1"/>
+              </a:ext>
+            </a:extLst>
+          </p:cNvPr>
+          <p:cNvSpPr>
+            <a:spLocks noGrp="1" noRot="1" noChangeAspect="1" noMove="1" noResize="1" noEditPoints="1" noAdjustHandles="1" noChangeArrowheads="1" noChangeShapeType="1" noTextEdit="1"/>
+          </p:cNvSpPr>
+          <p:nvPr>
+            <p:extLst>
+              <p:ext uri="{386F3935-93C4-4BCD-93E2-E3B085C9AB24}">
+                <p16:designElem xmlns:p16="http://schemas.microsoft.com/office/powerpoint/2015/main" val="1"/>
+              </p:ext>
+            </p:extLst>
+          </p:nvPr>
+        </p:nvSpPr>
+        <p:spPr>
+          <a:xfrm rot="2700000">
+            <a:off x="9627985" y="-6588"/>
+            <a:ext cx="4059393" cy="2548110"/>
+          </a:xfrm>
+          <a:custGeom>
+            <a:avLst/>
+            <a:gdLst>
+              <a:gd name="connsiteX0" fmla="*/ 0 w 4059393"/>
+              <a:gd name="connsiteY0" fmla="*/ 1511282 h 2548110"/>
+              <a:gd name="connsiteX1" fmla="*/ 1511282 w 4059393"/>
+              <a:gd name="connsiteY1" fmla="*/ 0 h 2548110"/>
+              <a:gd name="connsiteX2" fmla="*/ 4059393 w 4059393"/>
+              <a:gd name="connsiteY2" fmla="*/ 2548110 h 2548110"/>
+              <a:gd name="connsiteX3" fmla="*/ 0 w 4059393"/>
+              <a:gd name="connsiteY3" fmla="*/ 2548110 h 2548110"/>
+            </a:gdLst>
+            <a:ahLst/>
+            <a:cxnLst>
+              <a:cxn ang="0">
+                <a:pos x="connsiteX0" y="connsiteY0"/>
+              </a:cxn>
+              <a:cxn ang="0">
+                <a:pos x="connsiteX1" y="connsiteY1"/>
+              </a:cxn>
+              <a:cxn ang="0">
+                <a:pos x="connsiteX2" y="connsiteY2"/>
+              </a:cxn>
+              <a:cxn ang="0">
+                <a:pos x="connsiteX3" y="connsiteY3"/>
+              </a:cxn>
+            </a:cxnLst>
+            <a:rect l="l" t="t" r="r" b="b"/>
+            <a:pathLst>
+              <a:path w="4059393" h="2548110">
+                <a:moveTo>
+                  <a:pt x="0" y="1511282"/>
+                </a:moveTo>
+                <a:lnTo>
+                  <a:pt x="1511282" y="0"/>
+                </a:lnTo>
+                <a:lnTo>
+                  <a:pt x="4059393" y="2548110"/>
+                </a:lnTo>
+                <a:lnTo>
+                  <a:pt x="0" y="2548110"/>
+                </a:lnTo>
+                <a:close/>
+              </a:path>
+            </a:pathLst>
+          </a:custGeom>
+          <a:solidFill>
+            <a:schemeClr val="accent1">
+              <a:alpha val="30000"/>
+            </a:schemeClr>
+          </a:solidFill>
+          <a:ln>
+            <a:noFill/>
+          </a:ln>
+        </p:spPr>
+        <p:style>
+          <a:lnRef idx="2">
+            <a:schemeClr val="accent1">
+              <a:shade val="50000"/>
+            </a:schemeClr>
+          </a:lnRef>
+          <a:fillRef idx="1">
+            <a:schemeClr val="accent1"/>
+          </a:fillRef>
+          <a:effectRef idx="0">
+            <a:schemeClr val="accent1"/>
+          </a:effectRef>
+          <a:fontRef idx="minor">
+            <a:schemeClr val="lt1"/>
+          </a:fontRef>
+        </p:style>
+        <p:txBody>
+          <a:bodyPr wrap="square" rtlCol="0" anchor="ctr">
+            <a:noAutofit/>
+          </a:bodyPr>
+          <a:lstStyle/>
+          <a:p>
+            <a:pPr algn="ctr"/>
+            <a:endParaRPr lang="en-US"/>
+          </a:p>
+        </p:txBody>
+      </p:sp>
+      <p:sp>
+        <p:nvSpPr>
+          <p:cNvPr id="16" name="Rectangle 15">
+            <a:extLst>
+              <a:ext uri="{FF2B5EF4-FFF2-40B4-BE49-F238E27FC236}">
+                <a16:creationId xmlns:a16="http://schemas.microsoft.com/office/drawing/2014/main" id="{A6D7111A-21E5-4EE9-8A78-10E5530F0116}"/>
+              </a:ext>
+              <a:ext uri="{C183D7F6-B498-43B3-948B-1728B52AA6E4}">
+                <adec:decorative xmlns:adec="http://schemas.microsoft.com/office/drawing/2017/decorative" val="1"/>
+              </a:ext>
+            </a:extLst>
+          </p:cNvPr>
+          <p:cNvSpPr>
+            <a:spLocks noGrp="1" noRot="1" noChangeAspect="1" noMove="1" noResize="1" noEditPoints="1" noAdjustHandles="1" noChangeArrowheads="1" noChangeShapeType="1" noTextEdit="1"/>
+          </p:cNvSpPr>
+          <p:nvPr>
+            <p:extLst>
+              <p:ext uri="{386F3935-93C4-4BCD-93E2-E3B085C9AB24}">
+                <p16:designElem xmlns:p16="http://schemas.microsoft.com/office/powerpoint/2015/main" val="1"/>
+              </p:ext>
+            </p:extLst>
+          </p:nvPr>
+        </p:nvSpPr>
+        <p:spPr>
+          <a:xfrm rot="2700000">
+            <a:off x="10262924" y="1465780"/>
+            <a:ext cx="1185708" cy="1185708"/>
+          </a:xfrm>
+          <a:prstGeom prst="rect">
+            <a:avLst/>
+          </a:prstGeom>
+          <a:solidFill>
+            <a:schemeClr val="accent1">
+              <a:alpha val="30000"/>
+            </a:schemeClr>
+          </a:solidFill>
+          <a:ln>
+            <a:noFill/>
+          </a:ln>
+        </p:spPr>
+        <p:style>
+          <a:lnRef idx="2">
+            <a:schemeClr val="accent1">
+              <a:shade val="50000"/>
+            </a:schemeClr>
+          </a:lnRef>
+          <a:fillRef idx="1">
+            <a:schemeClr val="accent1"/>
+          </a:fillRef>
+          <a:effectRef idx="0">
+            <a:schemeClr val="accent1"/>
+          </a:effectRef>
+          <a:fontRef idx="minor">
+            <a:schemeClr val="lt1"/>
+          </a:fontRef>
+        </p:style>
+        <p:txBody>
+          <a:bodyPr wrap="square" rtlCol="0" anchor="ctr">
+            <a:noAutofit/>
+          </a:bodyPr>
+          <a:lstStyle/>
+          <a:p>
+            <a:pPr algn="ctr"/>
+            <a:endParaRPr lang="en-US"/>
+          </a:p>
+        </p:txBody>
+      </p:sp>
+      <p:sp>
+        <p:nvSpPr>
+          <p:cNvPr id="18" name="Freeform: Shape 17">
+            <a:extLst>
+              <a:ext uri="{FF2B5EF4-FFF2-40B4-BE49-F238E27FC236}">
+                <a16:creationId xmlns:a16="http://schemas.microsoft.com/office/drawing/2014/main" id="{A3969E80-A77B-49FC-9122-D89AFD5EE118}"/>
+              </a:ext>
+              <a:ext uri="{C183D7F6-B498-43B3-948B-1728B52AA6E4}">
+                <adec:decorative xmlns:adec="http://schemas.microsoft.com/office/drawing/2017/decorative" val="1"/>
+              </a:ext>
+            </a:extLst>
+          </p:cNvPr>
+          <p:cNvSpPr>
+            <a:spLocks noGrp="1" noRot="1" noChangeAspect="1" noMove="1" noResize="1" noEditPoints="1" noAdjustHandles="1" noChangeArrowheads="1" noChangeShapeType="1" noTextEdit="1"/>
+          </p:cNvSpPr>
+          <p:nvPr>
+            <p:extLst>
+              <p:ext uri="{386F3935-93C4-4BCD-93E2-E3B085C9AB24}">
+                <p16:designElem xmlns:p16="http://schemas.microsoft.com/office/powerpoint/2015/main" val="1"/>
+              </p:ext>
+            </p:extLst>
+          </p:nvPr>
+        </p:nvSpPr>
+        <p:spPr>
+          <a:xfrm rot="2700000">
+            <a:off x="-29557" y="5198743"/>
+            <a:ext cx="2444907" cy="2366116"/>
+          </a:xfrm>
+          <a:custGeom>
+            <a:avLst/>
+            <a:gdLst>
+              <a:gd name="connsiteX0" fmla="*/ 0 w 2203753"/>
+              <a:gd name="connsiteY0" fmla="*/ 0 h 2132734"/>
+              <a:gd name="connsiteX1" fmla="*/ 2203753 w 2203753"/>
+              <a:gd name="connsiteY1" fmla="*/ 0 h 2132734"/>
+              <a:gd name="connsiteX2" fmla="*/ 2203753 w 2203753"/>
+              <a:gd name="connsiteY2" fmla="*/ 576461 h 2132734"/>
+              <a:gd name="connsiteX3" fmla="*/ 647480 w 2203753"/>
+              <a:gd name="connsiteY3" fmla="*/ 2132734 h 2132734"/>
+              <a:gd name="connsiteX4" fmla="*/ 0 w 2203753"/>
+              <a:gd name="connsiteY4" fmla="*/ 1485255 h 2132734"/>
+            </a:gdLst>
+            <a:ahLst/>
+            <a:cxnLst>
+              <a:cxn ang="0">
+                <a:pos x="connsiteX0" y="connsiteY0"/>
+              </a:cxn>
+              <a:cxn ang="0">
+                <a:pos x="connsiteX1" y="connsiteY1"/>
+              </a:cxn>
+              <a:cxn ang="0">
+                <a:pos x="connsiteX2" y="connsiteY2"/>
+              </a:cxn>
+              <a:cxn ang="0">
+                <a:pos x="connsiteX3" y="connsiteY3"/>
+              </a:cxn>
+              <a:cxn ang="0">
+                <a:pos x="connsiteX4" y="connsiteY4"/>
+              </a:cxn>
+            </a:cxnLst>
+            <a:rect l="l" t="t" r="r" b="b"/>
+            <a:pathLst>
+              <a:path w="2203753" h="2132734">
+                <a:moveTo>
+                  <a:pt x="0" y="0"/>
+                </a:moveTo>
+                <a:lnTo>
+                  <a:pt x="2203753" y="0"/>
+                </a:lnTo>
+                <a:lnTo>
+                  <a:pt x="2203753" y="576461"/>
+                </a:lnTo>
+                <a:lnTo>
+                  <a:pt x="647480" y="2132734"/>
+                </a:lnTo>
+                <a:lnTo>
+                  <a:pt x="0" y="1485255"/>
+                </a:lnTo>
+                <a:close/>
+              </a:path>
+            </a:pathLst>
+          </a:custGeom>
+          <a:solidFill>
+            <a:schemeClr val="accent1">
+              <a:alpha val="30000"/>
+            </a:schemeClr>
+          </a:solidFill>
+          <a:ln>
+            <a:noFill/>
+          </a:ln>
+        </p:spPr>
+        <p:style>
+          <a:lnRef idx="2">
+            <a:schemeClr val="accent1">
+              <a:shade val="50000"/>
+            </a:schemeClr>
+          </a:lnRef>
+          <a:fillRef idx="1">
+            <a:schemeClr val="accent1"/>
+          </a:fillRef>
+          <a:effectRef idx="0">
+            <a:schemeClr val="accent1"/>
+          </a:effectRef>
+          <a:fontRef idx="minor">
+            <a:schemeClr val="lt1"/>
+          </a:fontRef>
+        </p:style>
+        <p:txBody>
+          <a:bodyPr wrap="square" rtlCol="0" anchor="ctr">
+            <a:noAutofit/>
+          </a:bodyPr>
+          <a:lstStyle/>
+          <a:p>
+            <a:pPr algn="ctr"/>
+            <a:endParaRPr lang="en-US"/>
+          </a:p>
+        </p:txBody>
+      </p:sp>
+      <p:sp>
+        <p:nvSpPr>
+          <p:cNvPr id="20" name="Rectangle 19">
+            <a:extLst>
+              <a:ext uri="{FF2B5EF4-FFF2-40B4-BE49-F238E27FC236}">
+                <a16:creationId xmlns:a16="http://schemas.microsoft.com/office/drawing/2014/main" id="{1849CA57-76BD-4CF2-80BA-D7A46A01B7B1}"/>
+              </a:ext>
+              <a:ext uri="{C183D7F6-B498-43B3-948B-1728B52AA6E4}">
+                <adec:decorative xmlns:adec="http://schemas.microsoft.com/office/drawing/2017/decorative" val="1"/>
+              </a:ext>
+            </a:extLst>
+          </p:cNvPr>
+          <p:cNvSpPr>
+            <a:spLocks noGrp="1" noRot="1" noChangeAspect="1" noMove="1" noResize="1" noEditPoints="1" noAdjustHandles="1" noChangeArrowheads="1" noChangeShapeType="1" noTextEdit="1"/>
+          </p:cNvSpPr>
+          <p:nvPr>
+            <p:extLst>
+              <p:ext uri="{386F3935-93C4-4BCD-93E2-E3B085C9AB24}">
+                <p16:designElem xmlns:p16="http://schemas.microsoft.com/office/powerpoint/2015/main" val="1"/>
+              </p:ext>
+            </p:extLst>
+          </p:nvPr>
+        </p:nvSpPr>
+        <p:spPr>
+          <a:xfrm rot="2700000">
+            <a:off x="1769787" y="5439893"/>
+            <a:ext cx="928467" cy="928467"/>
+          </a:xfrm>
+          <a:prstGeom prst="rect">
+            <a:avLst/>
+          </a:prstGeom>
+          <a:solidFill>
+            <a:schemeClr val="accent1">
+              <a:alpha val="30000"/>
+            </a:schemeClr>
+          </a:solidFill>
+          <a:ln>
+            <a:noFill/>
+          </a:ln>
+        </p:spPr>
+        <p:style>
+          <a:lnRef idx="2">
+            <a:schemeClr val="accent1">
+              <a:shade val="50000"/>
+            </a:schemeClr>
+          </a:lnRef>
+          <a:fillRef idx="1">
+            <a:schemeClr val="accent1"/>
+          </a:fillRef>
+          <a:effectRef idx="0">
+            <a:schemeClr val="accent1"/>
+          </a:effectRef>
+          <a:fontRef idx="minor">
+            <a:schemeClr val="lt1"/>
+          </a:fontRef>
+        </p:style>
+        <p:txBody>
+          <a:bodyPr wrap="square" rtlCol="0" anchor="ctr">
+            <a:noAutofit/>
+          </a:bodyPr>
+          <a:lstStyle/>
+          <a:p>
+            <a:pPr algn="ctr"/>
+            <a:endParaRPr lang="en-US">
+              <a:solidFill>
+                <a:srgbClr val="FFFFFF"/>
+              </a:solidFill>
+              <a:effectLst>
+                <a:outerShdw blurRad="38100" dist="38100" dir="2700000" algn="tl">
+                  <a:srgbClr val="000000">
+                    <a:alpha val="43137"/>
+                  </a:srgbClr>
+                </a:outerShdw>
+              </a:effectLst>
+            </a:endParaRPr>
+          </a:p>
+        </p:txBody>
+      </p:sp>
+      <p:sp>
+        <p:nvSpPr>
+          <p:cNvPr id="22" name="Freeform: Shape 21">
+            <a:extLst>
+              <a:ext uri="{FF2B5EF4-FFF2-40B4-BE49-F238E27FC236}">
+                <a16:creationId xmlns:a16="http://schemas.microsoft.com/office/drawing/2014/main" id="{35E9085E-E730-4768-83D4-6CB7E9897153}"/>
+              </a:ext>
+              <a:ext uri="{C183D7F6-B498-43B3-948B-1728B52AA6E4}">
+                <adec:decorative xmlns:adec="http://schemas.microsoft.com/office/drawing/2017/decorative" val="1"/>
+              </a:ext>
+            </a:extLst>
+          </p:cNvPr>
+          <p:cNvSpPr>
+            <a:spLocks noGrp="1" noRot="1" noChangeAspect="1" noMove="1" noResize="1" noEditPoints="1" noAdjustHandles="1" noChangeArrowheads="1" noChangeShapeType="1" noTextEdit="1"/>
+          </p:cNvSpPr>
+          <p:nvPr>
+            <p:extLst>
+              <p:ext uri="{386F3935-93C4-4BCD-93E2-E3B085C9AB24}">
+                <p16:designElem xmlns:p16="http://schemas.microsoft.com/office/powerpoint/2015/main" val="1"/>
+              </p:ext>
+            </p:extLst>
+          </p:nvPr>
+        </p:nvSpPr>
+        <p:spPr>
+          <a:xfrm rot="2700000">
+            <a:off x="3401311" y="734311"/>
+            <a:ext cx="5389379" cy="5389379"/>
+          </a:xfrm>
+          <a:custGeom>
+            <a:avLst/>
+            <a:gdLst>
+              <a:gd name="connsiteX0" fmla="*/ 0 w 5389379"/>
+              <a:gd name="connsiteY0" fmla="*/ 540040 h 5389379"/>
+              <a:gd name="connsiteX1" fmla="*/ 540040 w 5389379"/>
+              <a:gd name="connsiteY1" fmla="*/ 0 h 5389379"/>
+              <a:gd name="connsiteX2" fmla="*/ 5389379 w 5389379"/>
+              <a:gd name="connsiteY2" fmla="*/ 0 h 5389379"/>
+              <a:gd name="connsiteX3" fmla="*/ 5389379 w 5389379"/>
+              <a:gd name="connsiteY3" fmla="*/ 4838655 h 5389379"/>
+              <a:gd name="connsiteX4" fmla="*/ 4838655 w 5389379"/>
+              <a:gd name="connsiteY4" fmla="*/ 5389379 h 5389379"/>
+              <a:gd name="connsiteX5" fmla="*/ 0 w 5389379"/>
+              <a:gd name="connsiteY5" fmla="*/ 5389379 h 5389379"/>
+            </a:gdLst>
+            <a:ahLst/>
+            <a:cxnLst>
+              <a:cxn ang="0">
+                <a:pos x="connsiteX0" y="connsiteY0"/>
+              </a:cxn>
+              <a:cxn ang="0">
+                <a:pos x="connsiteX1" y="connsiteY1"/>
+              </a:cxn>
+              <a:cxn ang="0">
+                <a:pos x="connsiteX2" y="connsiteY2"/>
+              </a:cxn>
+              <a:cxn ang="0">
+                <a:pos x="connsiteX3" y="connsiteY3"/>
+              </a:cxn>
+              <a:cxn ang="0">
+                <a:pos x="connsiteX4" y="connsiteY4"/>
+              </a:cxn>
+              <a:cxn ang="0">
+                <a:pos x="connsiteX5" y="connsiteY5"/>
+              </a:cxn>
+            </a:cxnLst>
+            <a:rect l="l" t="t" r="r" b="b"/>
+            <a:pathLst>
+              <a:path w="5389379" h="5389379">
+                <a:moveTo>
+                  <a:pt x="0" y="540040"/>
+                </a:moveTo>
+                <a:lnTo>
+                  <a:pt x="540040" y="0"/>
+                </a:lnTo>
+                <a:lnTo>
+                  <a:pt x="5389379" y="0"/>
+                </a:lnTo>
+                <a:lnTo>
+                  <a:pt x="5389379" y="4838655"/>
+                </a:lnTo>
+                <a:lnTo>
+                  <a:pt x="4838655" y="5389379"/>
+                </a:lnTo>
+                <a:lnTo>
+                  <a:pt x="0" y="5389379"/>
+                </a:lnTo>
+                <a:close/>
+              </a:path>
+            </a:pathLst>
+          </a:custGeom>
+          <a:solidFill>
+            <a:srgbClr val="FFFFFF"/>
+          </a:solidFill>
+          <a:ln>
+            <a:noFill/>
+          </a:ln>
+        </p:spPr>
+        <p:style>
+          <a:lnRef idx="2">
+            <a:schemeClr val="accent1">
+              <a:shade val="50000"/>
+            </a:schemeClr>
+          </a:lnRef>
+          <a:fillRef idx="1">
+            <a:schemeClr val="accent1"/>
+          </a:fillRef>
+          <a:effectRef idx="0">
+            <a:schemeClr val="accent1"/>
+          </a:effectRef>
+          <a:fontRef idx="minor">
+            <a:schemeClr val="lt1"/>
+          </a:fontRef>
+        </p:style>
+        <p:txBody>
+          <a:bodyPr wrap="square" rtlCol="0" anchor="ctr">
+            <a:noAutofit/>
+          </a:bodyPr>
+          <a:lstStyle/>
+          <a:p>
+            <a:pPr algn="ctr"/>
+            <a:endParaRPr lang="en-US"/>
+          </a:p>
+        </p:txBody>
+      </p:sp>
+      <p:sp>
+        <p:nvSpPr>
+          <p:cNvPr id="24" name="Freeform: Shape 23">
+            <a:extLst>
+              <a:ext uri="{FF2B5EF4-FFF2-40B4-BE49-F238E27FC236}">
+                <a16:creationId xmlns:a16="http://schemas.microsoft.com/office/drawing/2014/main" id="{973272FE-A474-4CAE-8CA2-BCC8B476C3F4}"/>
+              </a:ext>
+              <a:ext uri="{C183D7F6-B498-43B3-948B-1728B52AA6E4}">
+                <adec:decorative xmlns:adec="http://schemas.microsoft.com/office/drawing/2017/decorative" val="1"/>
+              </a:ext>
+            </a:extLst>
+          </p:cNvPr>
+          <p:cNvSpPr>
+            <a:spLocks noGrp="1" noRot="1" noChangeAspect="1" noMove="1" noResize="1" noEditPoints="1" noAdjustHandles="1" noChangeArrowheads="1" noChangeShapeType="1" noTextEdit="1"/>
+          </p:cNvSpPr>
+          <p:nvPr>
+            <p:extLst>
+              <p:ext uri="{386F3935-93C4-4BCD-93E2-E3B085C9AB24}">
+                <p16:designElem xmlns:p16="http://schemas.microsoft.com/office/powerpoint/2015/main" val="1"/>
+              </p:ext>
+            </p:extLst>
+          </p:nvPr>
+        </p:nvSpPr>
+        <p:spPr>
+          <a:xfrm rot="2700000">
+            <a:off x="2700283" y="33283"/>
+            <a:ext cx="6791435" cy="6791435"/>
+          </a:xfrm>
+          <a:custGeom>
+            <a:avLst/>
+            <a:gdLst>
+              <a:gd name="connsiteX0" fmla="*/ 1860938 w 6791435"/>
+              <a:gd name="connsiteY0" fmla="*/ 81158 h 6791435"/>
+              <a:gd name="connsiteX1" fmla="*/ 1942096 w 6791435"/>
+              <a:gd name="connsiteY1" fmla="*/ 0 h 6791435"/>
+              <a:gd name="connsiteX2" fmla="*/ 6791435 w 6791435"/>
+              <a:gd name="connsiteY2" fmla="*/ 0 h 6791435"/>
+              <a:gd name="connsiteX3" fmla="*/ 6791435 w 6791435"/>
+              <a:gd name="connsiteY3" fmla="*/ 4838655 h 6791435"/>
+              <a:gd name="connsiteX4" fmla="*/ 6710277 w 6791435"/>
+              <a:gd name="connsiteY4" fmla="*/ 4919813 h 6791435"/>
+              <a:gd name="connsiteX5" fmla="*/ 6710277 w 6791435"/>
+              <a:gd name="connsiteY5" fmla="*/ 81158 h 6791435"/>
+              <a:gd name="connsiteX6" fmla="*/ 0 w 6791435"/>
+              <a:gd name="connsiteY6" fmla="*/ 1942096 h 6791435"/>
+              <a:gd name="connsiteX7" fmla="*/ 81158 w 6791435"/>
+              <a:gd name="connsiteY7" fmla="*/ 1860938 h 6791435"/>
+              <a:gd name="connsiteX8" fmla="*/ 81158 w 6791435"/>
+              <a:gd name="connsiteY8" fmla="*/ 6710277 h 6791435"/>
+              <a:gd name="connsiteX9" fmla="*/ 4919813 w 6791435"/>
+              <a:gd name="connsiteY9" fmla="*/ 6710277 h 6791435"/>
+              <a:gd name="connsiteX10" fmla="*/ 4838655 w 6791435"/>
+              <a:gd name="connsiteY10" fmla="*/ 6791435 h 6791435"/>
+              <a:gd name="connsiteX11" fmla="*/ 0 w 6791435"/>
+              <a:gd name="connsiteY11" fmla="*/ 6791435 h 6791435"/>
+            </a:gdLst>
+            <a:ahLst/>
+            <a:cxnLst>
+              <a:cxn ang="0">
+                <a:pos x="connsiteX0" y="connsiteY0"/>
+              </a:cxn>
+              <a:cxn ang="0">
+                <a:pos x="connsiteX1" y="connsiteY1"/>
+              </a:cxn>
+              <a:cxn ang="0">
+                <a:pos x="connsiteX2" y="connsiteY2"/>
+              </a:cxn>
+              <a:cxn ang="0">
+                <a:pos x="connsiteX3" y="connsiteY3"/>
+              </a:cxn>
+              <a:cxn ang="0">
+                <a:pos x="connsiteX4" y="connsiteY4"/>
+              </a:cxn>
+              <a:cxn ang="0">
+                <a:pos x="connsiteX5" y="connsiteY5"/>
+              </a:cxn>
+              <a:cxn ang="0">
+                <a:pos x="connsiteX6" y="connsiteY6"/>
+              </a:cxn>
+              <a:cxn ang="0">
+                <a:pos x="connsiteX7" y="connsiteY7"/>
+              </a:cxn>
+              <a:cxn ang="0">
+                <a:pos x="connsiteX8" y="connsiteY8"/>
+              </a:cxn>
+              <a:cxn ang="0">
+                <a:pos x="connsiteX9" y="connsiteY9"/>
+              </a:cxn>
+              <a:cxn ang="0">
+                <a:pos x="connsiteX10" y="connsiteY10"/>
+              </a:cxn>
+              <a:cxn ang="0">
+                <a:pos x="connsiteX11" y="connsiteY11"/>
+              </a:cxn>
+            </a:cxnLst>
+            <a:rect l="l" t="t" r="r" b="b"/>
+            <a:pathLst>
+              <a:path w="6791435" h="6791435">
+                <a:moveTo>
+                  <a:pt x="1860938" y="81158"/>
+                </a:moveTo>
+                <a:lnTo>
+                  <a:pt x="1942096" y="0"/>
+                </a:lnTo>
+                <a:lnTo>
+                  <a:pt x="6791435" y="0"/>
+                </a:lnTo>
+                <a:lnTo>
+                  <a:pt x="6791435" y="4838655"/>
+                </a:lnTo>
+                <a:lnTo>
+                  <a:pt x="6710277" y="4919813"/>
+                </a:lnTo>
+                <a:lnTo>
+                  <a:pt x="6710277" y="81158"/>
+                </a:lnTo>
+                <a:close/>
+                <a:moveTo>
+                  <a:pt x="0" y="1942096"/>
+                </a:moveTo>
+                <a:lnTo>
+                  <a:pt x="81158" y="1860938"/>
+                </a:lnTo>
+                <a:lnTo>
+                  <a:pt x="81158" y="6710277"/>
+                </a:lnTo>
+                <a:lnTo>
+                  <a:pt x="4919813" y="6710277"/>
+                </a:lnTo>
+                <a:lnTo>
+                  <a:pt x="4838655" y="6791435"/>
+                </a:lnTo>
+                <a:lnTo>
+                  <a:pt x="0" y="6791435"/>
+                </a:lnTo>
+                <a:close/>
+              </a:path>
+            </a:pathLst>
+          </a:custGeom>
+          <a:solidFill>
+            <a:srgbClr val="FFFFFF">
+              <a:alpha val="60000"/>
+            </a:srgbClr>
+          </a:solidFill>
+          <a:ln>
+            <a:noFill/>
+          </a:ln>
+        </p:spPr>
+        <p:style>
+          <a:lnRef idx="2">
+            <a:schemeClr val="accent1">
+              <a:shade val="50000"/>
+            </a:schemeClr>
+          </a:lnRef>
+          <a:fillRef idx="1">
+            <a:schemeClr val="accent1"/>
+          </a:fillRef>
+          <a:effectRef idx="0">
+            <a:schemeClr val="accent1"/>
+          </a:effectRef>
+          <a:fontRef idx="minor">
+            <a:schemeClr val="lt1"/>
+          </a:fontRef>
+        </p:style>
+        <p:txBody>
+          <a:bodyPr wrap="square" rtlCol="0" anchor="ctr">
+            <a:noAutofit/>
+          </a:bodyPr>
+          <a:lstStyle/>
+          <a:p>
+            <a:pPr algn="ctr"/>
+            <a:endParaRPr lang="en-US">
+              <a:solidFill>
+                <a:schemeClr val="tx1"/>
+              </a:solidFill>
+            </a:endParaRPr>
+          </a:p>
+        </p:txBody>
+      </p:sp>
+      <p:sp>
+        <p:nvSpPr>
+          <p:cNvPr id="3" name="Subtitle 2">
+            <a:extLst>
+              <a:ext uri="{FF2B5EF4-FFF2-40B4-BE49-F238E27FC236}">
+                <a16:creationId xmlns:a16="http://schemas.microsoft.com/office/drawing/2014/main" id="{0C1A0864-4AFC-496A-9A43-7E024927BDEE}"/>
+              </a:ext>
+            </a:extLst>
+          </p:cNvPr>
+          <p:cNvSpPr>
+            <a:spLocks noGrp="1"/>
+          </p:cNvSpPr>
+          <p:nvPr>
+            <p:ph type="subTitle" idx="1"/>
+          </p:nvPr>
+        </p:nvSpPr>
+        <p:spPr>
+          <a:xfrm>
+            <a:off x="4439633" y="4518923"/>
+            <a:ext cx="3312734" cy="1141851"/>
+          </a:xfrm>
+          <a:noFill/>
+        </p:spPr>
+        <p:txBody>
+          <a:bodyPr>
+            <a:normAutofit/>
+          </a:bodyPr>
+          <a:lstStyle/>
+          <a:p>
+            <a:r>
+              <a:rPr lang="en-US" sz="2000">
+                <a:solidFill>
+                  <a:srgbClr val="080808"/>
+                </a:solidFill>
+                <a:latin typeface="Times New Roman" panose="02020603050405020304" pitchFamily="18" charset="0"/>
+                <a:cs typeface="Times New Roman" panose="02020603050405020304" pitchFamily="18" charset="0"/>
+              </a:rPr>
+              <a:t>Diabetes Prediction Using Machine Learning </a:t>
+            </a:r>
+          </a:p>
+          <a:p>
+            <a:endParaRPr lang="en-US" sz="2000">
+              <a:solidFill>
+                <a:srgbClr val="080808"/>
+              </a:solidFill>
+              <a:latin typeface="Times New Roman" panose="02020603050405020304" pitchFamily="18" charset="0"/>
+              <a:cs typeface="Times New Roman" panose="02020603050405020304" pitchFamily="18" charset="0"/>
+            </a:endParaRPr>
+          </a:p>
+        </p:txBody>
+      </p:sp>
+      <p:sp>
+        <p:nvSpPr>
           <p:cNvPr id="2" name="Title 1">
             <a:extLst>
               <a:ext uri="{FF2B5EF4-FFF2-40B4-BE49-F238E27FC236}">
@@ -3350,13 +4390,24 @@
             <p:ph type="ctrTitle"/>
           </p:nvPr>
         </p:nvSpPr>
-        <p:spPr/>
-        <p:txBody>
-          <a:bodyPr/>
-          <a:lstStyle/>
-          <a:p>
-            <a:r>
-              <a:rPr lang="en-US" dirty="0">
+        <p:spPr>
+          <a:xfrm>
+            <a:off x="3204642" y="2353641"/>
+            <a:ext cx="5782716" cy="2150719"/>
+          </a:xfrm>
+          <a:noFill/>
+        </p:spPr>
+        <p:txBody>
+          <a:bodyPr anchor="ctr">
+            <a:normAutofit/>
+          </a:bodyPr>
+          <a:lstStyle/>
+          <a:p>
+            <a:r>
+              <a:rPr lang="en-US" sz="3600">
+                <a:solidFill>
+                  <a:srgbClr val="080808"/>
+                </a:solidFill>
                 <a:latin typeface="Times New Roman" panose="02020603050405020304" pitchFamily="18" charset="0"/>
                 <a:cs typeface="Times New Roman" panose="02020603050405020304" pitchFamily="18" charset="0"/>
               </a:rPr>
@@ -3367,38 +4418,178 @@
       </p:sp>
       <p:sp>
         <p:nvSpPr>
-          <p:cNvPr id="3" name="Subtitle 2">
-            <a:extLst>
-              <a:ext uri="{FF2B5EF4-FFF2-40B4-BE49-F238E27FC236}">
-                <a16:creationId xmlns:a16="http://schemas.microsoft.com/office/drawing/2014/main" id="{0C1A0864-4AFC-496A-9A43-7E024927BDEE}"/>
-              </a:ext>
-            </a:extLst>
-          </p:cNvPr>
-          <p:cNvSpPr>
-            <a:spLocks noGrp="1"/>
-          </p:cNvSpPr>
-          <p:nvPr>
-            <p:ph type="subTitle" idx="1"/>
-          </p:nvPr>
-        </p:nvSpPr>
-        <p:spPr/>
-        <p:txBody>
-          <a:bodyPr/>
-          <a:lstStyle/>
-          <a:p>
-            <a:r>
-              <a:rPr lang="en-US" dirty="0">
-                <a:latin typeface="Times New Roman" panose="02020603050405020304" pitchFamily="18" charset="0"/>
-                <a:cs typeface="Times New Roman" panose="02020603050405020304" pitchFamily="18" charset="0"/>
-              </a:rPr>
-              <a:t>Diabetes Prediction Using Machine Learning </a:t>
-            </a:r>
-          </a:p>
-          <a:p>
-            <a:endParaRPr lang="en-US" dirty="0">
-              <a:latin typeface="Times New Roman" panose="02020603050405020304" pitchFamily="18" charset="0"/>
-              <a:cs typeface="Times New Roman" panose="02020603050405020304" pitchFamily="18" charset="0"/>
-            </a:endParaRPr>
+          <p:cNvPr id="26" name="Freeform: Shape 25">
+            <a:extLst>
+              <a:ext uri="{FF2B5EF4-FFF2-40B4-BE49-F238E27FC236}">
+                <a16:creationId xmlns:a16="http://schemas.microsoft.com/office/drawing/2014/main" id="{E07981EA-05A6-437C-88D7-B377B92B031D}"/>
+              </a:ext>
+              <a:ext uri="{C183D7F6-B498-43B3-948B-1728B52AA6E4}">
+                <adec:decorative xmlns:adec="http://schemas.microsoft.com/office/drawing/2017/decorative" val="1"/>
+              </a:ext>
+            </a:extLst>
+          </p:cNvPr>
+          <p:cNvSpPr>
+            <a:spLocks noGrp="1" noRot="1" noChangeAspect="1" noMove="1" noResize="1" noEditPoints="1" noAdjustHandles="1" noChangeArrowheads="1" noChangeShapeType="1" noTextEdit="1"/>
+          </p:cNvSpPr>
+          <p:nvPr>
+            <p:extLst>
+              <p:ext uri="{386F3935-93C4-4BCD-93E2-E3B085C9AB24}">
+                <p16:designElem xmlns:p16="http://schemas.microsoft.com/office/powerpoint/2015/main" val="1"/>
+              </p:ext>
+            </p:extLst>
+          </p:nvPr>
+        </p:nvSpPr>
+        <p:spPr>
+          <a:xfrm rot="2700000">
+            <a:off x="9629823" y="5457591"/>
+            <a:ext cx="2231794" cy="2568811"/>
+          </a:xfrm>
+          <a:custGeom>
+            <a:avLst/>
+            <a:gdLst>
+              <a:gd name="connsiteX0" fmla="*/ 0 w 2940086"/>
+              <a:gd name="connsiteY0" fmla="*/ 0 h 3384061"/>
+              <a:gd name="connsiteX1" fmla="*/ 2496112 w 2940086"/>
+              <a:gd name="connsiteY1" fmla="*/ 0 h 3384061"/>
+              <a:gd name="connsiteX2" fmla="*/ 2940086 w 2940086"/>
+              <a:gd name="connsiteY2" fmla="*/ 443975 h 3384061"/>
+              <a:gd name="connsiteX3" fmla="*/ 0 w 2940086"/>
+              <a:gd name="connsiteY3" fmla="*/ 3384061 h 3384061"/>
+            </a:gdLst>
+            <a:ahLst/>
+            <a:cxnLst>
+              <a:cxn ang="0">
+                <a:pos x="connsiteX0" y="connsiteY0"/>
+              </a:cxn>
+              <a:cxn ang="0">
+                <a:pos x="connsiteX1" y="connsiteY1"/>
+              </a:cxn>
+              <a:cxn ang="0">
+                <a:pos x="connsiteX2" y="connsiteY2"/>
+              </a:cxn>
+              <a:cxn ang="0">
+                <a:pos x="connsiteX3" y="connsiteY3"/>
+              </a:cxn>
+            </a:cxnLst>
+            <a:rect l="l" t="t" r="r" b="b"/>
+            <a:pathLst>
+              <a:path w="2940086" h="3384061">
+                <a:moveTo>
+                  <a:pt x="0" y="0"/>
+                </a:moveTo>
+                <a:lnTo>
+                  <a:pt x="2496112" y="0"/>
+                </a:lnTo>
+                <a:lnTo>
+                  <a:pt x="2940086" y="443975"/>
+                </a:lnTo>
+                <a:lnTo>
+                  <a:pt x="0" y="3384061"/>
+                </a:lnTo>
+                <a:close/>
+              </a:path>
+            </a:pathLst>
+          </a:custGeom>
+          <a:solidFill>
+            <a:schemeClr val="accent4">
+              <a:alpha val="40000"/>
+            </a:schemeClr>
+          </a:solidFill>
+          <a:ln>
+            <a:noFill/>
+          </a:ln>
+        </p:spPr>
+        <p:style>
+          <a:lnRef idx="2">
+            <a:schemeClr val="accent1">
+              <a:shade val="50000"/>
+            </a:schemeClr>
+          </a:lnRef>
+          <a:fillRef idx="1">
+            <a:schemeClr val="accent1"/>
+          </a:fillRef>
+          <a:effectRef idx="0">
+            <a:schemeClr val="accent1"/>
+          </a:effectRef>
+          <a:fontRef idx="minor">
+            <a:schemeClr val="lt1"/>
+          </a:fontRef>
+        </p:style>
+        <p:txBody>
+          <a:bodyPr wrap="square" rtlCol="0" anchor="ctr">
+            <a:noAutofit/>
+          </a:bodyPr>
+          <a:lstStyle/>
+          <a:p>
+            <a:pPr algn="ctr"/>
+            <a:endParaRPr lang="en-US"/>
+          </a:p>
+        </p:txBody>
+      </p:sp>
+      <p:sp>
+        <p:nvSpPr>
+          <p:cNvPr id="28" name="Rectangle 27">
+            <a:extLst>
+              <a:ext uri="{FF2B5EF4-FFF2-40B4-BE49-F238E27FC236}">
+                <a16:creationId xmlns:a16="http://schemas.microsoft.com/office/drawing/2014/main" id="{15E3C750-986E-4769-B1AE-49289FBEE757}"/>
+              </a:ext>
+              <a:ext uri="{C183D7F6-B498-43B3-948B-1728B52AA6E4}">
+                <adec:decorative xmlns:adec="http://schemas.microsoft.com/office/drawing/2017/decorative" val="1"/>
+              </a:ext>
+            </a:extLst>
+          </p:cNvPr>
+          <p:cNvSpPr>
+            <a:spLocks noGrp="1" noRot="1" noChangeAspect="1" noMove="1" noResize="1" noEditPoints="1" noAdjustHandles="1" noChangeArrowheads="1" noChangeShapeType="1" noTextEdit="1"/>
+          </p:cNvSpPr>
+          <p:nvPr>
+            <p:extLst>
+              <p:ext uri="{386F3935-93C4-4BCD-93E2-E3B085C9AB24}">
+                <p16:designElem xmlns:p16="http://schemas.microsoft.com/office/powerpoint/2015/main" val="1"/>
+              </p:ext>
+            </p:extLst>
+          </p:nvPr>
+        </p:nvSpPr>
+        <p:spPr>
+          <a:xfrm rot="2700000">
+            <a:off x="9720059" y="5243545"/>
+            <a:ext cx="959985" cy="959985"/>
+          </a:xfrm>
+          <a:prstGeom prst="rect">
+            <a:avLst/>
+          </a:prstGeom>
+          <a:solidFill>
+            <a:schemeClr val="accent4">
+              <a:alpha val="40000"/>
+            </a:schemeClr>
+          </a:solidFill>
+          <a:ln>
+            <a:noFill/>
+          </a:ln>
+        </p:spPr>
+        <p:style>
+          <a:lnRef idx="2">
+            <a:schemeClr val="accent1">
+              <a:shade val="50000"/>
+            </a:schemeClr>
+          </a:lnRef>
+          <a:fillRef idx="1">
+            <a:schemeClr val="accent1"/>
+          </a:fillRef>
+          <a:effectRef idx="0">
+            <a:schemeClr val="accent1"/>
+          </a:effectRef>
+          <a:fontRef idx="minor">
+            <a:schemeClr val="lt1"/>
+          </a:fontRef>
+        </p:style>
+        <p:txBody>
+          <a:bodyPr wrap="square" rtlCol="0" anchor="ctr">
+            <a:noAutofit/>
+          </a:bodyPr>
+          <a:lstStyle/>
+          <a:p>
+            <a:pPr algn="ctr"/>
+            <a:endParaRPr lang="en-US"/>
           </a:p>
         </p:txBody>
       </p:sp>
@@ -3418,6 +4609,14 @@
 <file path=ppt/slides/slide10.xml><?xml version="1.0" encoding="utf-8"?>
 <p:sld xmlns:a="http://schemas.openxmlformats.org/drawingml/2006/main" xmlns:r="http://schemas.openxmlformats.org/officeDocument/2006/relationships" xmlns:p="http://schemas.openxmlformats.org/presentationml/2006/main">
   <p:cSld>
+    <p:bg>
+      <p:bgPr>
+        <a:solidFill>
+          <a:schemeClr val="bg1"/>
+        </a:solidFill>
+        <a:effectLst/>
+      </p:bgPr>
+    </p:bg>
     <p:spTree>
       <p:nvGrpSpPr>
         <p:cNvPr id="1" name=""/>
@@ -3432,6 +4631,467 @@
           <a:chExt cx="0" cy="0"/>
         </a:xfrm>
       </p:grpSpPr>
+      <p:sp useBgFill="1">
+        <p:nvSpPr>
+          <p:cNvPr id="9" name="Rectangle 8">
+            <a:extLst>
+              <a:ext uri="{FF2B5EF4-FFF2-40B4-BE49-F238E27FC236}">
+                <a16:creationId xmlns:a16="http://schemas.microsoft.com/office/drawing/2014/main" id="{C05CBC3C-2E5A-4839-8B9B-2E5A6ADF0F58}"/>
+              </a:ext>
+              <a:ext uri="{C183D7F6-B498-43B3-948B-1728B52AA6E4}">
+                <adec:decorative xmlns:adec="http://schemas.microsoft.com/office/drawing/2017/decorative" val="1"/>
+              </a:ext>
+            </a:extLst>
+          </p:cNvPr>
+          <p:cNvSpPr>
+            <a:spLocks noGrp="1" noRot="1" noChangeAspect="1" noMove="1" noResize="1" noEditPoints="1" noAdjustHandles="1" noChangeArrowheads="1" noChangeShapeType="1" noTextEdit="1"/>
+          </p:cNvSpPr>
+          <p:nvPr>
+            <p:extLst>
+              <p:ext uri="{386F3935-93C4-4BCD-93E2-E3B085C9AB24}">
+                <p16:designElem xmlns:p16="http://schemas.microsoft.com/office/powerpoint/2015/main" val="1"/>
+              </p:ext>
+            </p:extLst>
+          </p:nvPr>
+        </p:nvSpPr>
+        <p:spPr>
+          <a:xfrm>
+            <a:off x="0" y="0"/>
+            <a:ext cx="12188952" cy="6858000"/>
+          </a:xfrm>
+          <a:prstGeom prst="rect">
+            <a:avLst/>
+          </a:prstGeom>
+          <a:ln>
+            <a:noFill/>
+          </a:ln>
+        </p:spPr>
+        <p:style>
+          <a:lnRef idx="2">
+            <a:schemeClr val="accent1">
+              <a:shade val="50000"/>
+            </a:schemeClr>
+          </a:lnRef>
+          <a:fillRef idx="1">
+            <a:schemeClr val="accent1"/>
+          </a:fillRef>
+          <a:effectRef idx="0">
+            <a:schemeClr val="accent1"/>
+          </a:effectRef>
+          <a:fontRef idx="minor">
+            <a:schemeClr val="lt1"/>
+          </a:fontRef>
+        </p:style>
+        <p:txBody>
+          <a:bodyPr rtlCol="0" anchor="ctr"/>
+          <a:lstStyle/>
+          <a:p>
+            <a:pPr algn="ctr"/>
+            <a:endParaRPr lang="en-US"/>
+          </a:p>
+        </p:txBody>
+      </p:sp>
+      <p:sp>
+        <p:nvSpPr>
+          <p:cNvPr id="11" name="Freeform: Shape 10">
+            <a:extLst>
+              <a:ext uri="{FF2B5EF4-FFF2-40B4-BE49-F238E27FC236}">
+                <a16:creationId xmlns:a16="http://schemas.microsoft.com/office/drawing/2014/main" id="{DB5B423A-57CC-4C58-AA26-8E2E862B03A0}"/>
+              </a:ext>
+              <a:ext uri="{C183D7F6-B498-43B3-948B-1728B52AA6E4}">
+                <adec:decorative xmlns:adec="http://schemas.microsoft.com/office/drawing/2017/decorative" val="1"/>
+              </a:ext>
+            </a:extLst>
+          </p:cNvPr>
+          <p:cNvSpPr>
+            <a:spLocks noGrp="1" noRot="1" noChangeAspect="1" noMove="1" noResize="1" noEditPoints="1" noAdjustHandles="1" noChangeArrowheads="1" noChangeShapeType="1" noTextEdit="1"/>
+          </p:cNvSpPr>
+          <p:nvPr>
+            <p:extLst>
+              <p:ext uri="{386F3935-93C4-4BCD-93E2-E3B085C9AB24}">
+                <p16:designElem xmlns:p16="http://schemas.microsoft.com/office/powerpoint/2015/main" val="1"/>
+              </p:ext>
+            </p:extLst>
+          </p:nvPr>
+        </p:nvSpPr>
+        <p:spPr>
+          <a:xfrm>
+            <a:off x="1" y="1"/>
+            <a:ext cx="5217023" cy="3994777"/>
+          </a:xfrm>
+          <a:custGeom>
+            <a:avLst/>
+            <a:gdLst>
+              <a:gd name="connsiteX0" fmla="*/ 1945461 w 5217023"/>
+              <a:gd name="connsiteY0" fmla="*/ 3787398 h 3994777"/>
+              <a:gd name="connsiteX1" fmla="*/ 1942113 w 5217023"/>
+              <a:gd name="connsiteY1" fmla="*/ 3790053 h 3994777"/>
+              <a:gd name="connsiteX2" fmla="*/ 1946982 w 5217023"/>
+              <a:gd name="connsiteY2" fmla="*/ 3787990 h 3994777"/>
+              <a:gd name="connsiteX3" fmla="*/ 1945461 w 5217023"/>
+              <a:gd name="connsiteY3" fmla="*/ 3787398 h 3994777"/>
+              <a:gd name="connsiteX4" fmla="*/ 0 w 5217023"/>
+              <a:gd name="connsiteY4" fmla="*/ 0 h 3994777"/>
+              <a:gd name="connsiteX5" fmla="*/ 5030958 w 5217023"/>
+              <a:gd name="connsiteY5" fmla="*/ 0 h 3994777"/>
+              <a:gd name="connsiteX6" fmla="*/ 5046198 w 5217023"/>
+              <a:gd name="connsiteY6" fmla="*/ 153449 h 3994777"/>
+              <a:gd name="connsiteX7" fmla="*/ 5055729 w 5217023"/>
+              <a:gd name="connsiteY7" fmla="*/ 415828 h 3994777"/>
+              <a:gd name="connsiteX8" fmla="*/ 4735242 w 5217023"/>
+              <a:gd name="connsiteY8" fmla="*/ 1867130 h 3994777"/>
+              <a:gd name="connsiteX9" fmla="*/ 3907395 w 5217023"/>
+              <a:gd name="connsiteY9" fmla="*/ 2938441 h 3994777"/>
+              <a:gd name="connsiteX10" fmla="*/ 3946497 w 5217023"/>
+              <a:gd name="connsiteY10" fmla="*/ 2908567 h 3994777"/>
+              <a:gd name="connsiteX11" fmla="*/ 4585421 w 5217023"/>
+              <a:gd name="connsiteY11" fmla="*/ 2188401 h 3994777"/>
+              <a:gd name="connsiteX12" fmla="*/ 5142585 w 5217023"/>
+              <a:gd name="connsiteY12" fmla="*/ 276891 h 3994777"/>
+              <a:gd name="connsiteX13" fmla="*/ 5121833 w 5217023"/>
+              <a:gd name="connsiteY13" fmla="*/ 30208 h 3994777"/>
+              <a:gd name="connsiteX14" fmla="*/ 5116229 w 5217023"/>
+              <a:gd name="connsiteY14" fmla="*/ 0 h 3994777"/>
+              <a:gd name="connsiteX15" fmla="*/ 5184724 w 5217023"/>
+              <a:gd name="connsiteY15" fmla="*/ 0 h 3994777"/>
+              <a:gd name="connsiteX16" fmla="*/ 5196265 w 5217023"/>
+              <a:gd name="connsiteY16" fmla="*/ 66113 h 3994777"/>
+              <a:gd name="connsiteX17" fmla="*/ 5058603 w 5217023"/>
+              <a:gd name="connsiteY17" fmla="*/ 1368242 h 3994777"/>
+              <a:gd name="connsiteX18" fmla="*/ 4096624 w 5217023"/>
+              <a:gd name="connsiteY18" fmla="*/ 2870829 h 3994777"/>
+              <a:gd name="connsiteX19" fmla="*/ 3833203 w 5217023"/>
+              <a:gd name="connsiteY19" fmla="*/ 3092190 h 3994777"/>
+              <a:gd name="connsiteX20" fmla="*/ 3536509 w 5217023"/>
+              <a:gd name="connsiteY20" fmla="*/ 3297128 h 3994777"/>
+              <a:gd name="connsiteX21" fmla="*/ 3148966 w 5217023"/>
+              <a:gd name="connsiteY21" fmla="*/ 3485478 h 3994777"/>
+              <a:gd name="connsiteX22" fmla="*/ 1860557 w 5217023"/>
+              <a:gd name="connsiteY22" fmla="*/ 3880910 h 3994777"/>
+              <a:gd name="connsiteX23" fmla="*/ 573715 w 5217023"/>
+              <a:gd name="connsiteY23" fmla="*/ 3983764 h 3994777"/>
+              <a:gd name="connsiteX24" fmla="*/ 108410 w 5217023"/>
+              <a:gd name="connsiteY24" fmla="*/ 3908816 h 3994777"/>
+              <a:gd name="connsiteX25" fmla="*/ 0 w 5217023"/>
+              <a:gd name="connsiteY25" fmla="*/ 3876793 h 3994777"/>
+              <a:gd name="connsiteX26" fmla="*/ 0 w 5217023"/>
+              <a:gd name="connsiteY26" fmla="*/ 3802912 h 3994777"/>
+              <a:gd name="connsiteX27" fmla="*/ 36975 w 5217023"/>
+              <a:gd name="connsiteY27" fmla="*/ 3815954 h 3994777"/>
+              <a:gd name="connsiteX28" fmla="*/ 561628 w 5217023"/>
+              <a:gd name="connsiteY28" fmla="*/ 3912655 h 3994777"/>
+              <a:gd name="connsiteX29" fmla="*/ 1683086 w 5217023"/>
+              <a:gd name="connsiteY29" fmla="*/ 3844334 h 3994777"/>
+              <a:gd name="connsiteX30" fmla="*/ 1806023 w 5217023"/>
+              <a:gd name="connsiteY30" fmla="*/ 3820992 h 3994777"/>
+              <a:gd name="connsiteX31" fmla="*/ 1921817 w 5217023"/>
+              <a:gd name="connsiteY31" fmla="*/ 3795747 h 3994777"/>
+              <a:gd name="connsiteX32" fmla="*/ 1243689 w 5217023"/>
+              <a:gd name="connsiteY32" fmla="*/ 3846539 h 3994777"/>
+              <a:gd name="connsiteX33" fmla="*/ 62875 w 5217023"/>
+              <a:gd name="connsiteY33" fmla="*/ 3668143 h 3994777"/>
+              <a:gd name="connsiteX34" fmla="*/ 0 w 5217023"/>
+              <a:gd name="connsiteY34" fmla="*/ 3644185 h 3994777"/>
+            </a:gdLst>
+            <a:ahLst/>
+            <a:cxnLst>
+              <a:cxn ang="0">
+                <a:pos x="connsiteX0" y="connsiteY0"/>
+              </a:cxn>
+              <a:cxn ang="0">
+                <a:pos x="connsiteX1" y="connsiteY1"/>
+              </a:cxn>
+              <a:cxn ang="0">
+                <a:pos x="connsiteX2" y="connsiteY2"/>
+              </a:cxn>
+              <a:cxn ang="0">
+                <a:pos x="connsiteX3" y="connsiteY3"/>
+              </a:cxn>
+              <a:cxn ang="0">
+                <a:pos x="connsiteX4" y="connsiteY4"/>
+              </a:cxn>
+              <a:cxn ang="0">
+                <a:pos x="connsiteX5" y="connsiteY5"/>
+              </a:cxn>
+              <a:cxn ang="0">
+                <a:pos x="connsiteX6" y="connsiteY6"/>
+              </a:cxn>
+              <a:cxn ang="0">
+                <a:pos x="connsiteX7" y="connsiteY7"/>
+              </a:cxn>
+              <a:cxn ang="0">
+                <a:pos x="connsiteX8" y="connsiteY8"/>
+              </a:cxn>
+              <a:cxn ang="0">
+                <a:pos x="connsiteX9" y="connsiteY9"/>
+              </a:cxn>
+              <a:cxn ang="0">
+                <a:pos x="connsiteX10" y="connsiteY10"/>
+              </a:cxn>
+              <a:cxn ang="0">
+                <a:pos x="connsiteX11" y="connsiteY11"/>
+              </a:cxn>
+              <a:cxn ang="0">
+                <a:pos x="connsiteX12" y="connsiteY12"/>
+              </a:cxn>
+              <a:cxn ang="0">
+                <a:pos x="connsiteX13" y="connsiteY13"/>
+              </a:cxn>
+              <a:cxn ang="0">
+                <a:pos x="connsiteX14" y="connsiteY14"/>
+              </a:cxn>
+              <a:cxn ang="0">
+                <a:pos x="connsiteX15" y="connsiteY15"/>
+              </a:cxn>
+              <a:cxn ang="0">
+                <a:pos x="connsiteX16" y="connsiteY16"/>
+              </a:cxn>
+              <a:cxn ang="0">
+                <a:pos x="connsiteX17" y="connsiteY17"/>
+              </a:cxn>
+              <a:cxn ang="0">
+                <a:pos x="connsiteX18" y="connsiteY18"/>
+              </a:cxn>
+              <a:cxn ang="0">
+                <a:pos x="connsiteX19" y="connsiteY19"/>
+              </a:cxn>
+              <a:cxn ang="0">
+                <a:pos x="connsiteX20" y="connsiteY20"/>
+              </a:cxn>
+              <a:cxn ang="0">
+                <a:pos x="connsiteX21" y="connsiteY21"/>
+              </a:cxn>
+              <a:cxn ang="0">
+                <a:pos x="connsiteX22" y="connsiteY22"/>
+              </a:cxn>
+              <a:cxn ang="0">
+                <a:pos x="connsiteX23" y="connsiteY23"/>
+              </a:cxn>
+              <a:cxn ang="0">
+                <a:pos x="connsiteX24" y="connsiteY24"/>
+              </a:cxn>
+              <a:cxn ang="0">
+                <a:pos x="connsiteX25" y="connsiteY25"/>
+              </a:cxn>
+              <a:cxn ang="0">
+                <a:pos x="connsiteX26" y="connsiteY26"/>
+              </a:cxn>
+              <a:cxn ang="0">
+                <a:pos x="connsiteX27" y="connsiteY27"/>
+              </a:cxn>
+              <a:cxn ang="0">
+                <a:pos x="connsiteX28" y="connsiteY28"/>
+              </a:cxn>
+              <a:cxn ang="0">
+                <a:pos x="connsiteX29" y="connsiteY29"/>
+              </a:cxn>
+              <a:cxn ang="0">
+                <a:pos x="connsiteX30" y="connsiteY30"/>
+              </a:cxn>
+              <a:cxn ang="0">
+                <a:pos x="connsiteX31" y="connsiteY31"/>
+              </a:cxn>
+              <a:cxn ang="0">
+                <a:pos x="connsiteX32" y="connsiteY32"/>
+              </a:cxn>
+              <a:cxn ang="0">
+                <a:pos x="connsiteX33" y="connsiteY33"/>
+              </a:cxn>
+              <a:cxn ang="0">
+                <a:pos x="connsiteX34" y="connsiteY34"/>
+              </a:cxn>
+            </a:cxnLst>
+            <a:rect l="l" t="t" r="r" b="b"/>
+            <a:pathLst>
+              <a:path w="5217023" h="3994777">
+                <a:moveTo>
+                  <a:pt x="1945461" y="3787398"/>
+                </a:moveTo>
+                <a:lnTo>
+                  <a:pt x="1942113" y="3790053"/>
+                </a:lnTo>
+                <a:lnTo>
+                  <a:pt x="1946982" y="3787990"/>
+                </a:lnTo>
+                <a:cubicBezTo>
+                  <a:pt x="1946982" y="3787990"/>
+                  <a:pt x="1946379" y="3787019"/>
+                  <a:pt x="1945461" y="3787398"/>
+                </a:cubicBezTo>
+                <a:close/>
+                <a:moveTo>
+                  <a:pt x="0" y="0"/>
+                </a:moveTo>
+                <a:lnTo>
+                  <a:pt x="5030958" y="0"/>
+                </a:lnTo>
+                <a:lnTo>
+                  <a:pt x="5046198" y="153449"/>
+                </a:lnTo>
+                <a:cubicBezTo>
+                  <a:pt x="5052189" y="240558"/>
+                  <a:pt x="5055458" y="328007"/>
+                  <a:pt x="5055729" y="415828"/>
+                </a:cubicBezTo>
+                <a:cubicBezTo>
+                  <a:pt x="5057604" y="923672"/>
+                  <a:pt x="4959210" y="1409054"/>
+                  <a:pt x="4735242" y="1867130"/>
+                </a:cubicBezTo>
+                <a:cubicBezTo>
+                  <a:pt x="4533284" y="2280198"/>
+                  <a:pt x="4248921" y="2629330"/>
+                  <a:pt x="3907395" y="2938441"/>
+                </a:cubicBezTo>
+                <a:cubicBezTo>
+                  <a:pt x="3922498" y="2931535"/>
+                  <a:pt x="3935859" y="2921330"/>
+                  <a:pt x="3946497" y="2908567"/>
+                </a:cubicBezTo>
+                <a:cubicBezTo>
+                  <a:pt x="4193494" y="2700987"/>
+                  <a:pt x="4408756" y="2458364"/>
+                  <a:pt x="4585421" y="2188401"/>
+                </a:cubicBezTo>
+                <a:cubicBezTo>
+                  <a:pt x="4967641" y="1608533"/>
+                  <a:pt x="5169304" y="975361"/>
+                  <a:pt x="5142585" y="276891"/>
+                </a:cubicBezTo>
+                <a:cubicBezTo>
+                  <a:pt x="5139764" y="194215"/>
+                  <a:pt x="5132824" y="111888"/>
+                  <a:pt x="5121833" y="30208"/>
+                </a:cubicBezTo>
+                <a:lnTo>
+                  <a:pt x="5116229" y="0"/>
+                </a:lnTo>
+                <a:lnTo>
+                  <a:pt x="5184724" y="0"/>
+                </a:lnTo>
+                <a:lnTo>
+                  <a:pt x="5196265" y="66113"/>
+                </a:lnTo>
+                <a:cubicBezTo>
+                  <a:pt x="5249921" y="496647"/>
+                  <a:pt x="5197997" y="931171"/>
+                  <a:pt x="5058603" y="1368242"/>
+                </a:cubicBezTo>
+                <a:cubicBezTo>
+                  <a:pt x="4872414" y="1953929"/>
+                  <a:pt x="4544298" y="2451351"/>
+                  <a:pt x="4096624" y="2870829"/>
+                </a:cubicBezTo>
+                <a:cubicBezTo>
+                  <a:pt x="4012832" y="2949426"/>
+                  <a:pt x="3924415" y="3022439"/>
+                  <a:pt x="3833203" y="3092190"/>
+                </a:cubicBezTo>
+                <a:cubicBezTo>
+                  <a:pt x="3741992" y="3161943"/>
+                  <a:pt x="3648667" y="3225510"/>
+                  <a:pt x="3536509" y="3297128"/>
+                </a:cubicBezTo>
+                <a:cubicBezTo>
+                  <a:pt x="3427215" y="3372735"/>
+                  <a:pt x="3288598" y="3430233"/>
+                  <a:pt x="3148966" y="3485478"/>
+                </a:cubicBezTo>
+                <a:cubicBezTo>
+                  <a:pt x="2729930" y="3651299"/>
+                  <a:pt x="2302194" y="3788890"/>
+                  <a:pt x="1860557" y="3880910"/>
+                </a:cubicBezTo>
+                <a:cubicBezTo>
+                  <a:pt x="1435974" y="3969444"/>
+                  <a:pt x="1008052" y="4017957"/>
+                  <a:pt x="573715" y="3983764"/>
+                </a:cubicBezTo>
+                <a:cubicBezTo>
+                  <a:pt x="415134" y="3971300"/>
+                  <a:pt x="259585" y="3947743"/>
+                  <a:pt x="108410" y="3908816"/>
+                </a:cubicBezTo>
+                <a:lnTo>
+                  <a:pt x="0" y="3876793"/>
+                </a:lnTo>
+                <a:lnTo>
+                  <a:pt x="0" y="3802912"/>
+                </a:lnTo>
+                <a:lnTo>
+                  <a:pt x="36975" y="3815954"/>
+                </a:lnTo>
+                <a:cubicBezTo>
+                  <a:pt x="206404" y="3867475"/>
+                  <a:pt x="382020" y="3897326"/>
+                  <a:pt x="561628" y="3912655"/>
+                </a:cubicBezTo>
+                <a:cubicBezTo>
+                  <a:pt x="938583" y="3944832"/>
+                  <a:pt x="1311814" y="3910697"/>
+                  <a:pt x="1683086" y="3844334"/>
+                </a:cubicBezTo>
+                <a:cubicBezTo>
+                  <a:pt x="1724123" y="3837151"/>
+                  <a:pt x="1765097" y="3829374"/>
+                  <a:pt x="1806023" y="3820992"/>
+                </a:cubicBezTo>
+                <a:cubicBezTo>
+                  <a:pt x="1844740" y="3813079"/>
+                  <a:pt x="1883218" y="3804161"/>
+                  <a:pt x="1921817" y="3795747"/>
+                </a:cubicBezTo>
+                <a:cubicBezTo>
+                  <a:pt x="1697011" y="3826435"/>
+                  <a:pt x="1470551" y="3843387"/>
+                  <a:pt x="1243689" y="3846539"/>
+                </a:cubicBezTo>
+                <a:cubicBezTo>
+                  <a:pt x="839058" y="3849054"/>
+                  <a:pt x="443424" y="3800206"/>
+                  <a:pt x="62875" y="3668143"/>
+                </a:cubicBezTo>
+                <a:lnTo>
+                  <a:pt x="0" y="3644185"/>
+                </a:lnTo>
+                <a:close/>
+              </a:path>
+            </a:pathLst>
+          </a:custGeom>
+          <a:solidFill>
+            <a:schemeClr val="accent2"/>
+          </a:solidFill>
+          <a:ln>
+            <a:noFill/>
+          </a:ln>
+        </p:spPr>
+        <p:style>
+          <a:lnRef idx="2">
+            <a:schemeClr val="accent1">
+              <a:shade val="50000"/>
+            </a:schemeClr>
+          </a:lnRef>
+          <a:fillRef idx="1">
+            <a:schemeClr val="accent1"/>
+          </a:fillRef>
+          <a:effectRef idx="0">
+            <a:schemeClr val="accent1"/>
+          </a:effectRef>
+          <a:fontRef idx="minor">
+            <a:schemeClr val="lt1"/>
+          </a:fontRef>
+        </p:style>
+        <p:txBody>
+          <a:bodyPr wrap="square" rtlCol="0" anchor="ctr">
+            <a:noAutofit/>
+          </a:bodyPr>
+          <a:lstStyle/>
+          <a:p>
+            <a:pPr algn="ctr"/>
+            <a:endParaRPr lang="en-US"/>
+          </a:p>
+        </p:txBody>
+      </p:sp>
       <p:sp>
         <p:nvSpPr>
           <p:cNvPr id="2" name="Title 1">
@@ -3448,15 +5108,23 @@
             <p:ph type="title"/>
           </p:nvPr>
         </p:nvSpPr>
-        <p:spPr/>
-        <p:txBody>
-          <a:bodyPr>
+        <p:spPr>
+          <a:xfrm>
+            <a:off x="838200" y="673770"/>
+            <a:ext cx="3220329" cy="2027227"/>
+          </a:xfrm>
+        </p:spPr>
+        <p:txBody>
+          <a:bodyPr anchor="t">
             <a:normAutofit/>
           </a:bodyPr>
           <a:lstStyle/>
           <a:p>
             <a:r>
-              <a:rPr lang="en-US" sz="4000" dirty="0">
+              <a:rPr lang="en-US" sz="3400">
+                <a:solidFill>
+                  <a:srgbClr val="FFFFFF"/>
+                </a:solidFill>
                 <a:latin typeface="Times New Roman" panose="02020603050405020304" pitchFamily="18" charset="0"/>
                 <a:cs typeface="Times New Roman" panose="02020603050405020304" pitchFamily="18" charset="0"/>
               </a:rPr>
@@ -3487,8 +5155,8 @@
           </p:nvPr>
         </p:nvGraphicFramePr>
         <p:xfrm>
-          <a:off x="838200" y="1825625"/>
-          <a:ext cx="10515600" cy="4302760"/>
+          <a:off x="5542672" y="767439"/>
+          <a:ext cx="5811129" cy="5226555"/>
         </p:xfrm>
         <a:graphic>
           <a:graphicData uri="http://schemas.openxmlformats.org/drawingml/2006/table">
@@ -3497,14 +5165,14 @@
                 <a:tableStyleId>{5C22544A-7EE6-4342-B048-85BDC9FD1C3A}</a:tableStyleId>
               </a:tblPr>
               <a:tblGrid>
-                <a:gridCol w="5257800">
+                <a:gridCol w="1728846">
                   <a:extLst>
                     <a:ext uri="{9D8B030D-6E8A-4147-A177-3AD203B41FA5}">
                       <a16:colId xmlns:a16="http://schemas.microsoft.com/office/drawing/2014/main" val="2443817309"/>
                     </a:ext>
                   </a:extLst>
                 </a:gridCol>
-                <a:gridCol w="5257800">
+                <a:gridCol w="4082283">
                   <a:extLst>
                     <a:ext uri="{9D8B030D-6E8A-4147-A177-3AD203B41FA5}">
                       <a16:colId xmlns:a16="http://schemas.microsoft.com/office/drawing/2014/main" val="773117879"/>
@@ -3512,7 +5180,7 @@
                   </a:extLst>
                 </a:gridCol>
               </a:tblGrid>
-              <a:tr h="370840">
+              <a:tr h="406305">
                 <a:tc>
                   <a:txBody>
                     <a:bodyPr/>
@@ -3527,7 +5195,7 @@
                       </a:r>
                     </a:p>
                   </a:txBody>
-                  <a:tcPr/>
+                  <a:tcPr marL="92342" marR="92342" marT="46171" marB="46171"/>
                 </a:tc>
                 <a:tc>
                   <a:txBody>
@@ -3543,7 +5211,7 @@
                       </a:r>
                     </a:p>
                   </a:txBody>
-                  <a:tcPr/>
+                  <a:tcPr marL="92342" marR="92342" marT="46171" marB="46171"/>
                 </a:tc>
                 <a:extLst>
                   <a:ext uri="{0D108BD9-81ED-4DB2-BD59-A6C34878D82A}">
@@ -3551,7 +5219,7 @@
                   </a:ext>
                 </a:extLst>
               </a:tr>
-              <a:tr h="370840">
+              <a:tr h="1606750">
                 <a:tc>
                   <a:txBody>
                     <a:bodyPr/>
@@ -3566,7 +5234,7 @@
                       </a:r>
                     </a:p>
                   </a:txBody>
-                  <a:tcPr/>
+                  <a:tcPr marL="92342" marR="92342" marT="46171" marB="46171"/>
                 </a:tc>
                 <a:tc>
                   <a:txBody>
@@ -3591,7 +5259,7 @@
                       </a:endParaRPr>
                     </a:p>
                   </a:txBody>
-                  <a:tcPr/>
+                  <a:tcPr marL="92342" marR="92342" marT="46171" marB="46171"/>
                 </a:tc>
                 <a:extLst>
                   <a:ext uri="{0D108BD9-81ED-4DB2-BD59-A6C34878D82A}">
@@ -3599,7 +5267,7 @@
                   </a:ext>
                 </a:extLst>
               </a:tr>
-              <a:tr h="370840">
+              <a:tr h="1606750">
                 <a:tc>
                   <a:txBody>
                     <a:bodyPr/>
@@ -3614,7 +5282,7 @@
                       </a:r>
                     </a:p>
                   </a:txBody>
-                  <a:tcPr/>
+                  <a:tcPr marL="92342" marR="92342" marT="46171" marB="46171"/>
                 </a:tc>
                 <a:tc>
                   <a:txBody>
@@ -3639,7 +5307,7 @@
                       </a:endParaRPr>
                     </a:p>
                   </a:txBody>
-                  <a:tcPr/>
+                  <a:tcPr marL="92342" marR="92342" marT="46171" marB="46171"/>
                 </a:tc>
                 <a:extLst>
                   <a:ext uri="{0D108BD9-81ED-4DB2-BD59-A6C34878D82A}">
@@ -3647,7 +5315,7 @@
                   </a:ext>
                 </a:extLst>
               </a:tr>
-              <a:tr h="370840">
+              <a:tr h="1606750">
                 <a:tc>
                   <a:txBody>
                     <a:bodyPr/>
@@ -3662,7 +5330,7 @@
                       </a:r>
                     </a:p>
                   </a:txBody>
-                  <a:tcPr/>
+                  <a:tcPr marL="92342" marR="92342" marT="46171" marB="46171"/>
                 </a:tc>
                 <a:tc>
                   <a:txBody>
@@ -3687,7 +5355,7 @@
                       </a:endParaRPr>
                     </a:p>
                   </a:txBody>
-                  <a:tcPr/>
+                  <a:tcPr marL="92342" marR="92342" marT="46171" marB="46171"/>
                 </a:tc>
                 <a:extLst>
                   <a:ext uri="{0D108BD9-81ED-4DB2-BD59-A6C34878D82A}">
@@ -3715,6 +5383,14 @@
 <file path=ppt/slides/slide11.xml><?xml version="1.0" encoding="utf-8"?>
 <p:sld xmlns:a="http://schemas.openxmlformats.org/drawingml/2006/main" xmlns:r="http://schemas.openxmlformats.org/officeDocument/2006/relationships" xmlns:p="http://schemas.openxmlformats.org/presentationml/2006/main">
   <p:cSld>
+    <p:bg>
+      <p:bgPr>
+        <a:solidFill>
+          <a:schemeClr val="bg1"/>
+        </a:solidFill>
+        <a:effectLst/>
+      </p:bgPr>
+    </p:bg>
     <p:spTree>
       <p:nvGrpSpPr>
         <p:cNvPr id="1" name=""/>
@@ -3729,6 +5405,186 @@
           <a:chExt cx="0" cy="0"/>
         </a:xfrm>
       </p:grpSpPr>
+      <p:sp useBgFill="1">
+        <p:nvSpPr>
+          <p:cNvPr id="8" name="Rectangle 7">
+            <a:extLst>
+              <a:ext uri="{FF2B5EF4-FFF2-40B4-BE49-F238E27FC236}">
+                <a16:creationId xmlns:a16="http://schemas.microsoft.com/office/drawing/2014/main" id="{1BB867FF-FC45-48F7-8104-F89BE54909F1}"/>
+              </a:ext>
+              <a:ext uri="{C183D7F6-B498-43B3-948B-1728B52AA6E4}">
+                <adec:decorative xmlns:adec="http://schemas.microsoft.com/office/drawing/2017/decorative" val="1"/>
+              </a:ext>
+            </a:extLst>
+          </p:cNvPr>
+          <p:cNvSpPr>
+            <a:spLocks noGrp="1" noRot="1" noChangeAspect="1" noMove="1" noResize="1" noEditPoints="1" noAdjustHandles="1" noChangeArrowheads="1" noChangeShapeType="1" noTextEdit="1"/>
+          </p:cNvSpPr>
+          <p:nvPr>
+            <p:extLst>
+              <p:ext uri="{386F3935-93C4-4BCD-93E2-E3B085C9AB24}">
+                <p16:designElem xmlns:p16="http://schemas.microsoft.com/office/powerpoint/2015/main" val="1"/>
+              </p:ext>
+            </p:extLst>
+          </p:nvPr>
+        </p:nvSpPr>
+        <p:spPr>
+          <a:xfrm>
+            <a:off x="3048" y="0"/>
+            <a:ext cx="12188952" cy="6858000"/>
+          </a:xfrm>
+          <a:prstGeom prst="rect">
+            <a:avLst/>
+          </a:prstGeom>
+          <a:ln>
+            <a:noFill/>
+          </a:ln>
+        </p:spPr>
+        <p:style>
+          <a:lnRef idx="2">
+            <a:schemeClr val="accent1">
+              <a:shade val="50000"/>
+            </a:schemeClr>
+          </a:lnRef>
+          <a:fillRef idx="1">
+            <a:schemeClr val="accent1"/>
+          </a:fillRef>
+          <a:effectRef idx="0">
+            <a:schemeClr val="accent1"/>
+          </a:effectRef>
+          <a:fontRef idx="minor">
+            <a:schemeClr val="lt1"/>
+          </a:fontRef>
+        </p:style>
+        <p:txBody>
+          <a:bodyPr rtlCol="0" anchor="ctr"/>
+          <a:lstStyle/>
+          <a:p>
+            <a:pPr algn="ctr"/>
+            <a:endParaRPr lang="en-US"/>
+          </a:p>
+        </p:txBody>
+      </p:sp>
+      <p:sp>
+        <p:nvSpPr>
+          <p:cNvPr id="10" name="Freeform: Shape 9">
+            <a:extLst>
+              <a:ext uri="{FF2B5EF4-FFF2-40B4-BE49-F238E27FC236}">
+                <a16:creationId xmlns:a16="http://schemas.microsoft.com/office/drawing/2014/main" id="{8BB56887-D0D5-4F0C-9E19-7247EB83C8B7}"/>
+              </a:ext>
+              <a:ext uri="{C183D7F6-B498-43B3-948B-1728B52AA6E4}">
+                <adec:decorative xmlns:adec="http://schemas.microsoft.com/office/drawing/2017/decorative" val="1"/>
+              </a:ext>
+            </a:extLst>
+          </p:cNvPr>
+          <p:cNvSpPr>
+            <a:spLocks noGrp="1" noRot="1" noChangeAspect="1" noMove="1" noResize="1" noEditPoints="1" noAdjustHandles="1" noChangeArrowheads="1" noChangeShapeType="1" noTextEdit="1"/>
+          </p:cNvSpPr>
+          <p:nvPr>
+            <p:extLst>
+              <p:ext uri="{386F3935-93C4-4BCD-93E2-E3B085C9AB24}">
+                <p16:designElem xmlns:p16="http://schemas.microsoft.com/office/powerpoint/2015/main" val="1"/>
+              </p:ext>
+            </p:extLst>
+          </p:nvPr>
+        </p:nvSpPr>
+        <p:spPr>
+          <a:xfrm>
+            <a:off x="10208695" y="1"/>
+            <a:ext cx="1135066" cy="477997"/>
+          </a:xfrm>
+          <a:custGeom>
+            <a:avLst/>
+            <a:gdLst>
+              <a:gd name="connsiteX0" fmla="*/ 0 w 1135066"/>
+              <a:gd name="connsiteY0" fmla="*/ 0 h 477997"/>
+              <a:gd name="connsiteX1" fmla="*/ 1135066 w 1135066"/>
+              <a:gd name="connsiteY1" fmla="*/ 0 h 477997"/>
+              <a:gd name="connsiteX2" fmla="*/ 1133370 w 1135066"/>
+              <a:gd name="connsiteY2" fmla="*/ 16827 h 477997"/>
+              <a:gd name="connsiteX3" fmla="*/ 567533 w 1135066"/>
+              <a:gd name="connsiteY3" fmla="*/ 477997 h 477997"/>
+              <a:gd name="connsiteX4" fmla="*/ 1696 w 1135066"/>
+              <a:gd name="connsiteY4" fmla="*/ 16827 h 477997"/>
+            </a:gdLst>
+            <a:ahLst/>
+            <a:cxnLst>
+              <a:cxn ang="0">
+                <a:pos x="connsiteX0" y="connsiteY0"/>
+              </a:cxn>
+              <a:cxn ang="0">
+                <a:pos x="connsiteX1" y="connsiteY1"/>
+              </a:cxn>
+              <a:cxn ang="0">
+                <a:pos x="connsiteX2" y="connsiteY2"/>
+              </a:cxn>
+              <a:cxn ang="0">
+                <a:pos x="connsiteX3" y="connsiteY3"/>
+              </a:cxn>
+              <a:cxn ang="0">
+                <a:pos x="connsiteX4" y="connsiteY4"/>
+              </a:cxn>
+            </a:cxnLst>
+            <a:rect l="l" t="t" r="r" b="b"/>
+            <a:pathLst>
+              <a:path w="1135066" h="477997">
+                <a:moveTo>
+                  <a:pt x="0" y="0"/>
+                </a:moveTo>
+                <a:lnTo>
+                  <a:pt x="1135066" y="0"/>
+                </a:lnTo>
+                <a:lnTo>
+                  <a:pt x="1133370" y="16827"/>
+                </a:lnTo>
+                <a:cubicBezTo>
+                  <a:pt x="1079514" y="280016"/>
+                  <a:pt x="846644" y="477997"/>
+                  <a:pt x="567533" y="477997"/>
+                </a:cubicBezTo>
+                <a:cubicBezTo>
+                  <a:pt x="288422" y="477997"/>
+                  <a:pt x="55552" y="280016"/>
+                  <a:pt x="1696" y="16827"/>
+                </a:cubicBezTo>
+                <a:close/>
+              </a:path>
+            </a:pathLst>
+          </a:custGeom>
+          <a:solidFill>
+            <a:schemeClr val="accent4"/>
+          </a:solidFill>
+          <a:ln>
+            <a:noFill/>
+          </a:ln>
+        </p:spPr>
+        <p:style>
+          <a:lnRef idx="2">
+            <a:schemeClr val="accent1">
+              <a:shade val="50000"/>
+            </a:schemeClr>
+          </a:lnRef>
+          <a:fillRef idx="1">
+            <a:schemeClr val="accent1"/>
+          </a:fillRef>
+          <a:effectRef idx="0">
+            <a:schemeClr val="accent1"/>
+          </a:effectRef>
+          <a:fontRef idx="minor">
+            <a:schemeClr val="lt1"/>
+          </a:fontRef>
+        </p:style>
+        <p:txBody>
+          <a:bodyPr wrap="square" rtlCol="0" anchor="ctr">
+            <a:noAutofit/>
+          </a:bodyPr>
+          <a:lstStyle/>
+          <a:p>
+            <a:pPr algn="ctr"/>
+            <a:endParaRPr lang="en-US"/>
+          </a:p>
+        </p:txBody>
+      </p:sp>
       <p:sp>
         <p:nvSpPr>
           <p:cNvPr id="2" name="Title 1">
@@ -3745,7 +5601,12 @@
             <p:ph type="title"/>
           </p:nvPr>
         </p:nvSpPr>
-        <p:spPr/>
+        <p:spPr>
+          <a:xfrm>
+            <a:off x="838200" y="365125"/>
+            <a:ext cx="10515600" cy="1325563"/>
+          </a:xfrm>
+        </p:spPr>
         <p:txBody>
           <a:bodyPr>
             <a:normAutofit/>
@@ -3753,7 +5614,7 @@
           <a:lstStyle/>
           <a:p>
             <a:r>
-              <a:rPr lang="en-US" sz="4000" dirty="0">
+              <a:rPr lang="en-US">
                 <a:latin typeface="Times New Roman" panose="02020603050405020304" pitchFamily="18" charset="0"/>
                 <a:cs typeface="Times New Roman" panose="02020603050405020304" pitchFamily="18" charset="0"/>
               </a:rPr>
@@ -3764,6 +5625,67 @@
       </p:sp>
       <p:sp>
         <p:nvSpPr>
+          <p:cNvPr id="12" name="Arc 11">
+            <a:extLst>
+              <a:ext uri="{FF2B5EF4-FFF2-40B4-BE49-F238E27FC236}">
+                <a16:creationId xmlns:a16="http://schemas.microsoft.com/office/drawing/2014/main" id="{081E4A58-353D-44AE-B2FC-2A74E2E400F7}"/>
+              </a:ext>
+              <a:ext uri="{C183D7F6-B498-43B3-948B-1728B52AA6E4}">
+                <adec:decorative xmlns:adec="http://schemas.microsoft.com/office/drawing/2017/decorative" val="1"/>
+              </a:ext>
+            </a:extLst>
+          </p:cNvPr>
+          <p:cNvSpPr>
+            <a:spLocks noGrp="1" noRot="1" noChangeAspect="1" noMove="1" noResize="1" noEditPoints="1" noAdjustHandles="1" noChangeArrowheads="1" noChangeShapeType="1" noTextEdit="1"/>
+          </p:cNvSpPr>
+          <p:nvPr>
+            <p:extLst>
+              <p:ext uri="{386F3935-93C4-4BCD-93E2-E3B085C9AB24}">
+                <p16:designElem xmlns:p16="http://schemas.microsoft.com/office/powerpoint/2015/main" val="1"/>
+              </p:ext>
+            </p:extLst>
+          </p:nvPr>
+        </p:nvSpPr>
+        <p:spPr>
+          <a:xfrm rot="5400000" flipV="1">
+            <a:off x="555710" y="2183223"/>
+            <a:ext cx="4083433" cy="4083433"/>
+          </a:xfrm>
+          <a:prstGeom prst="arc">
+            <a:avLst/>
+          </a:prstGeom>
+          <a:ln w="127000" cap="rnd">
+            <a:solidFill>
+              <a:schemeClr val="accent4"/>
+            </a:solidFill>
+            <a:prstDash val="dash"/>
+          </a:ln>
+        </p:spPr>
+        <p:style>
+          <a:lnRef idx="1">
+            <a:schemeClr val="accent1"/>
+          </a:lnRef>
+          <a:fillRef idx="0">
+            <a:schemeClr val="accent1"/>
+          </a:fillRef>
+          <a:effectRef idx="0">
+            <a:schemeClr val="accent1"/>
+          </a:effectRef>
+          <a:fontRef idx="minor">
+            <a:schemeClr val="tx1"/>
+          </a:fontRef>
+        </p:style>
+        <p:txBody>
+          <a:bodyPr rtlCol="0" anchor="ctr"/>
+          <a:lstStyle/>
+          <a:p>
+            <a:pPr algn="ctr"/>
+            <a:endParaRPr lang="en-US" dirty="0"/>
+          </a:p>
+        </p:txBody>
+      </p:sp>
+      <p:sp>
+        <p:nvSpPr>
           <p:cNvPr id="3" name="Content Placeholder 2">
             <a:extLst>
               <a:ext uri="{FF2B5EF4-FFF2-40B4-BE49-F238E27FC236}">
@@ -3778,9 +5700,14 @@
             <p:ph idx="1"/>
           </p:nvPr>
         </p:nvSpPr>
-        <p:spPr/>
-        <p:txBody>
-          <a:bodyPr>
+        <p:spPr>
+          <a:xfrm>
+            <a:off x="838200" y="1825625"/>
+            <a:ext cx="10515600" cy="4351338"/>
+          </a:xfrm>
+        </p:spPr>
+        <p:txBody>
+          <a:bodyPr vert="horz" lIns="91440" tIns="45720" rIns="91440" bIns="45720" rtlCol="0" anchor="t">
             <a:normAutofit/>
           </a:bodyPr>
           <a:lstStyle/>
@@ -3831,10 +5758,36 @@
             <a:r>
               <a:rPr lang="en-US" sz="1800" dirty="0">
                 <a:effectLst/>
-                <a:latin typeface="Times New Roman" panose="02020603050405020304" pitchFamily="18" charset="0"/>
+                <a:latin typeface="Times New Roman"/>
                 <a:ea typeface="Calibri" panose="020F0502020204030204" pitchFamily="34" charset="0"/>
+                <a:cs typeface="Times New Roman"/>
               </a:rPr>
-              <a:t>From literature we know Random Forest build every tree by instance and its precision is determined by the amount of trees it builds. </a:t>
+              <a:t>From literature we know Random Forest build every tree by instance and its precision is determined by the </a:t>
+            </a:r>
+            <a:r>
+              <a:rPr lang="en-US" sz="1800" dirty="0">
+                <a:latin typeface="Times New Roman"/>
+                <a:ea typeface="Calibri" panose="020F0502020204030204" pitchFamily="34" charset="0"/>
+                <a:cs typeface="Times New Roman"/>
+              </a:rPr>
+              <a:t>number </a:t>
+            </a:r>
+            <a:r>
+              <a:rPr lang="en-US" sz="1800" dirty="0">
+                <a:effectLst/>
+                <a:latin typeface="Times New Roman"/>
+                <a:ea typeface="Calibri" panose="020F0502020204030204" pitchFamily="34" charset="0"/>
+                <a:cs typeface="Times New Roman"/>
+              </a:rPr>
+              <a:t>of trees it builds.</a:t>
+            </a:r>
+            <a:r>
+              <a:rPr lang="en-US" sz="1800" dirty="0">
+                <a:latin typeface="Times New Roman"/>
+                <a:ea typeface="Calibri" panose="020F0502020204030204" pitchFamily="34" charset="0"/>
+                <a:cs typeface="Times New Roman"/>
+              </a:rPr>
+              <a:t> </a:t>
             </a:r>
             <a:endParaRPr lang="en-US" sz="1800" dirty="0"/>
           </a:p>
@@ -3856,6 +5809,14 @@
 <file path=ppt/slides/slide12.xml><?xml version="1.0" encoding="utf-8"?>
 <p:sld xmlns:a="http://schemas.openxmlformats.org/drawingml/2006/main" xmlns:r="http://schemas.openxmlformats.org/officeDocument/2006/relationships" xmlns:p="http://schemas.openxmlformats.org/presentationml/2006/main">
   <p:cSld>
+    <p:bg>
+      <p:bgPr>
+        <a:solidFill>
+          <a:schemeClr val="bg1"/>
+        </a:solidFill>
+        <a:effectLst/>
+      </p:bgPr>
+    </p:bg>
     <p:spTree>
       <p:nvGrpSpPr>
         <p:cNvPr id="1" name=""/>
@@ -3870,6 +5831,186 @@
           <a:chExt cx="0" cy="0"/>
         </a:xfrm>
       </p:grpSpPr>
+      <p:sp useBgFill="1">
+        <p:nvSpPr>
+          <p:cNvPr id="8" name="Rectangle 7">
+            <a:extLst>
+              <a:ext uri="{FF2B5EF4-FFF2-40B4-BE49-F238E27FC236}">
+                <a16:creationId xmlns:a16="http://schemas.microsoft.com/office/drawing/2014/main" id="{1BB867FF-FC45-48F7-8104-F89BE54909F1}"/>
+              </a:ext>
+              <a:ext uri="{C183D7F6-B498-43B3-948B-1728B52AA6E4}">
+                <adec:decorative xmlns:adec="http://schemas.microsoft.com/office/drawing/2017/decorative" val="1"/>
+              </a:ext>
+            </a:extLst>
+          </p:cNvPr>
+          <p:cNvSpPr>
+            <a:spLocks noGrp="1" noRot="1" noChangeAspect="1" noMove="1" noResize="1" noEditPoints="1" noAdjustHandles="1" noChangeArrowheads="1" noChangeShapeType="1" noTextEdit="1"/>
+          </p:cNvSpPr>
+          <p:nvPr>
+            <p:extLst>
+              <p:ext uri="{386F3935-93C4-4BCD-93E2-E3B085C9AB24}">
+                <p16:designElem xmlns:p16="http://schemas.microsoft.com/office/powerpoint/2015/main" val="1"/>
+              </p:ext>
+            </p:extLst>
+          </p:nvPr>
+        </p:nvSpPr>
+        <p:spPr>
+          <a:xfrm>
+            <a:off x="3048" y="0"/>
+            <a:ext cx="12188952" cy="6858000"/>
+          </a:xfrm>
+          <a:prstGeom prst="rect">
+            <a:avLst/>
+          </a:prstGeom>
+          <a:ln>
+            <a:noFill/>
+          </a:ln>
+        </p:spPr>
+        <p:style>
+          <a:lnRef idx="2">
+            <a:schemeClr val="accent1">
+              <a:shade val="50000"/>
+            </a:schemeClr>
+          </a:lnRef>
+          <a:fillRef idx="1">
+            <a:schemeClr val="accent1"/>
+          </a:fillRef>
+          <a:effectRef idx="0">
+            <a:schemeClr val="accent1"/>
+          </a:effectRef>
+          <a:fontRef idx="minor">
+            <a:schemeClr val="lt1"/>
+          </a:fontRef>
+        </p:style>
+        <p:txBody>
+          <a:bodyPr rtlCol="0" anchor="ctr"/>
+          <a:lstStyle/>
+          <a:p>
+            <a:pPr algn="ctr"/>
+            <a:endParaRPr lang="en-US"/>
+          </a:p>
+        </p:txBody>
+      </p:sp>
+      <p:sp>
+        <p:nvSpPr>
+          <p:cNvPr id="10" name="Freeform: Shape 9">
+            <a:extLst>
+              <a:ext uri="{FF2B5EF4-FFF2-40B4-BE49-F238E27FC236}">
+                <a16:creationId xmlns:a16="http://schemas.microsoft.com/office/drawing/2014/main" id="{8BB56887-D0D5-4F0C-9E19-7247EB83C8B7}"/>
+              </a:ext>
+              <a:ext uri="{C183D7F6-B498-43B3-948B-1728B52AA6E4}">
+                <adec:decorative xmlns:adec="http://schemas.microsoft.com/office/drawing/2017/decorative" val="1"/>
+              </a:ext>
+            </a:extLst>
+          </p:cNvPr>
+          <p:cNvSpPr>
+            <a:spLocks noGrp="1" noRot="1" noChangeAspect="1" noMove="1" noResize="1" noEditPoints="1" noAdjustHandles="1" noChangeArrowheads="1" noChangeShapeType="1" noTextEdit="1"/>
+          </p:cNvSpPr>
+          <p:nvPr>
+            <p:extLst>
+              <p:ext uri="{386F3935-93C4-4BCD-93E2-E3B085C9AB24}">
+                <p16:designElem xmlns:p16="http://schemas.microsoft.com/office/powerpoint/2015/main" val="1"/>
+              </p:ext>
+            </p:extLst>
+          </p:nvPr>
+        </p:nvSpPr>
+        <p:spPr>
+          <a:xfrm>
+            <a:off x="10208695" y="1"/>
+            <a:ext cx="1135066" cy="477997"/>
+          </a:xfrm>
+          <a:custGeom>
+            <a:avLst/>
+            <a:gdLst>
+              <a:gd name="connsiteX0" fmla="*/ 0 w 1135066"/>
+              <a:gd name="connsiteY0" fmla="*/ 0 h 477997"/>
+              <a:gd name="connsiteX1" fmla="*/ 1135066 w 1135066"/>
+              <a:gd name="connsiteY1" fmla="*/ 0 h 477997"/>
+              <a:gd name="connsiteX2" fmla="*/ 1133370 w 1135066"/>
+              <a:gd name="connsiteY2" fmla="*/ 16827 h 477997"/>
+              <a:gd name="connsiteX3" fmla="*/ 567533 w 1135066"/>
+              <a:gd name="connsiteY3" fmla="*/ 477997 h 477997"/>
+              <a:gd name="connsiteX4" fmla="*/ 1696 w 1135066"/>
+              <a:gd name="connsiteY4" fmla="*/ 16827 h 477997"/>
+            </a:gdLst>
+            <a:ahLst/>
+            <a:cxnLst>
+              <a:cxn ang="0">
+                <a:pos x="connsiteX0" y="connsiteY0"/>
+              </a:cxn>
+              <a:cxn ang="0">
+                <a:pos x="connsiteX1" y="connsiteY1"/>
+              </a:cxn>
+              <a:cxn ang="0">
+                <a:pos x="connsiteX2" y="connsiteY2"/>
+              </a:cxn>
+              <a:cxn ang="0">
+                <a:pos x="connsiteX3" y="connsiteY3"/>
+              </a:cxn>
+              <a:cxn ang="0">
+                <a:pos x="connsiteX4" y="connsiteY4"/>
+              </a:cxn>
+            </a:cxnLst>
+            <a:rect l="l" t="t" r="r" b="b"/>
+            <a:pathLst>
+              <a:path w="1135066" h="477997">
+                <a:moveTo>
+                  <a:pt x="0" y="0"/>
+                </a:moveTo>
+                <a:lnTo>
+                  <a:pt x="1135066" y="0"/>
+                </a:lnTo>
+                <a:lnTo>
+                  <a:pt x="1133370" y="16827"/>
+                </a:lnTo>
+                <a:cubicBezTo>
+                  <a:pt x="1079514" y="280016"/>
+                  <a:pt x="846644" y="477997"/>
+                  <a:pt x="567533" y="477997"/>
+                </a:cubicBezTo>
+                <a:cubicBezTo>
+                  <a:pt x="288422" y="477997"/>
+                  <a:pt x="55552" y="280016"/>
+                  <a:pt x="1696" y="16827"/>
+                </a:cubicBezTo>
+                <a:close/>
+              </a:path>
+            </a:pathLst>
+          </a:custGeom>
+          <a:solidFill>
+            <a:schemeClr val="accent4"/>
+          </a:solidFill>
+          <a:ln>
+            <a:noFill/>
+          </a:ln>
+        </p:spPr>
+        <p:style>
+          <a:lnRef idx="2">
+            <a:schemeClr val="accent1">
+              <a:shade val="50000"/>
+            </a:schemeClr>
+          </a:lnRef>
+          <a:fillRef idx="1">
+            <a:schemeClr val="accent1"/>
+          </a:fillRef>
+          <a:effectRef idx="0">
+            <a:schemeClr val="accent1"/>
+          </a:effectRef>
+          <a:fontRef idx="minor">
+            <a:schemeClr val="lt1"/>
+          </a:fontRef>
+        </p:style>
+        <p:txBody>
+          <a:bodyPr wrap="square" rtlCol="0" anchor="ctr">
+            <a:noAutofit/>
+          </a:bodyPr>
+          <a:lstStyle/>
+          <a:p>
+            <a:pPr algn="ctr"/>
+            <a:endParaRPr lang="en-US"/>
+          </a:p>
+        </p:txBody>
+      </p:sp>
       <p:sp>
         <p:nvSpPr>
           <p:cNvPr id="2" name="Title 1">
@@ -3886,7 +6027,12 @@
             <p:ph type="title"/>
           </p:nvPr>
         </p:nvSpPr>
-        <p:spPr/>
+        <p:spPr>
+          <a:xfrm>
+            <a:off x="838200" y="365125"/>
+            <a:ext cx="10515600" cy="1325563"/>
+          </a:xfrm>
+        </p:spPr>
         <p:txBody>
           <a:bodyPr>
             <a:normAutofit/>
@@ -3894,7 +6040,7 @@
           <a:lstStyle/>
           <a:p>
             <a:r>
-              <a:rPr lang="en-US" sz="4000" dirty="0">
+              <a:rPr lang="en-US">
                 <a:latin typeface="Times New Roman" panose="02020603050405020304" pitchFamily="18" charset="0"/>
                 <a:cs typeface="Times New Roman" panose="02020603050405020304" pitchFamily="18" charset="0"/>
               </a:rPr>
@@ -3905,6 +6051,67 @@
       </p:sp>
       <p:sp>
         <p:nvSpPr>
+          <p:cNvPr id="12" name="Arc 11">
+            <a:extLst>
+              <a:ext uri="{FF2B5EF4-FFF2-40B4-BE49-F238E27FC236}">
+                <a16:creationId xmlns:a16="http://schemas.microsoft.com/office/drawing/2014/main" id="{081E4A58-353D-44AE-B2FC-2A74E2E400F7}"/>
+              </a:ext>
+              <a:ext uri="{C183D7F6-B498-43B3-948B-1728B52AA6E4}">
+                <adec:decorative xmlns:adec="http://schemas.microsoft.com/office/drawing/2017/decorative" val="1"/>
+              </a:ext>
+            </a:extLst>
+          </p:cNvPr>
+          <p:cNvSpPr>
+            <a:spLocks noGrp="1" noRot="1" noChangeAspect="1" noMove="1" noResize="1" noEditPoints="1" noAdjustHandles="1" noChangeArrowheads="1" noChangeShapeType="1" noTextEdit="1"/>
+          </p:cNvSpPr>
+          <p:nvPr>
+            <p:extLst>
+              <p:ext uri="{386F3935-93C4-4BCD-93E2-E3B085C9AB24}">
+                <p16:designElem xmlns:p16="http://schemas.microsoft.com/office/powerpoint/2015/main" val="1"/>
+              </p:ext>
+            </p:extLst>
+          </p:nvPr>
+        </p:nvSpPr>
+        <p:spPr>
+          <a:xfrm rot="5400000" flipV="1">
+            <a:off x="555710" y="2183223"/>
+            <a:ext cx="4083433" cy="4083433"/>
+          </a:xfrm>
+          <a:prstGeom prst="arc">
+            <a:avLst/>
+          </a:prstGeom>
+          <a:ln w="127000" cap="rnd">
+            <a:solidFill>
+              <a:schemeClr val="accent4"/>
+            </a:solidFill>
+            <a:prstDash val="dash"/>
+          </a:ln>
+        </p:spPr>
+        <p:style>
+          <a:lnRef idx="1">
+            <a:schemeClr val="accent1"/>
+          </a:lnRef>
+          <a:fillRef idx="0">
+            <a:schemeClr val="accent1"/>
+          </a:fillRef>
+          <a:effectRef idx="0">
+            <a:schemeClr val="accent1"/>
+          </a:effectRef>
+          <a:fontRef idx="minor">
+            <a:schemeClr val="tx1"/>
+          </a:fontRef>
+        </p:style>
+        <p:txBody>
+          <a:bodyPr rtlCol="0" anchor="ctr"/>
+          <a:lstStyle/>
+          <a:p>
+            <a:pPr algn="ctr"/>
+            <a:endParaRPr lang="en-US" dirty="0"/>
+          </a:p>
+        </p:txBody>
+      </p:sp>
+      <p:sp>
+        <p:nvSpPr>
           <p:cNvPr id="3" name="Content Placeholder 2">
             <a:extLst>
               <a:ext uri="{FF2B5EF4-FFF2-40B4-BE49-F238E27FC236}">
@@ -3919,9 +6126,14 @@
             <p:ph idx="1"/>
           </p:nvPr>
         </p:nvSpPr>
-        <p:spPr/>
-        <p:txBody>
-          <a:bodyPr>
+        <p:spPr>
+          <a:xfrm>
+            <a:off x="838200" y="1825625"/>
+            <a:ext cx="10515600" cy="4351338"/>
+          </a:xfrm>
+        </p:spPr>
+        <p:txBody>
+          <a:bodyPr vert="horz" lIns="91440" tIns="45720" rIns="91440" bIns="45720" rtlCol="0" anchor="t">
             <a:normAutofit/>
           </a:bodyPr>
           <a:lstStyle/>
@@ -3929,12 +6141,33 @@
             <a:r>
               <a:rPr lang="en-US" sz="1800" dirty="0">
                 <a:effectLst/>
-                <a:latin typeface="Times New Roman" panose="02020603050405020304" pitchFamily="18" charset="0"/>
+                <a:latin typeface="Times New Roman"/>
                 <a:ea typeface="Calibri" panose="020F0502020204030204" pitchFamily="34" charset="0"/>
+                <a:cs typeface="Times New Roman"/>
               </a:rPr>
-              <a:t>It took the longest time to build and its precision value was not much different from the others. From the clustering algorithms we see that the number of correctly clustered instances are high and very low when run on Weka, Simple Kmeans had a 58% correctly clustered instances and hierarchical cluster was the same.</a:t>
-            </a:r>
-            <a:endParaRPr lang="en-US" sz="1800" dirty="0"/>
+              <a:t>It took the longest time to build</a:t>
+            </a:r>
+            <a:r>
+              <a:rPr lang="en-US" sz="1800" dirty="0">
+                <a:latin typeface="Times New Roman"/>
+                <a:ea typeface="Calibri" panose="020F0502020204030204" pitchFamily="34" charset="0"/>
+                <a:cs typeface="Times New Roman"/>
+              </a:rPr>
+              <a:t>,</a:t>
+            </a:r>
+            <a:r>
+              <a:rPr lang="en-US" sz="1800" dirty="0">
+                <a:effectLst/>
+                <a:latin typeface="Times New Roman"/>
+                <a:ea typeface="Calibri" panose="020F0502020204030204" pitchFamily="34" charset="0"/>
+                <a:cs typeface="Times New Roman"/>
+              </a:rPr>
+              <a:t> and its precision value was not much different from the others. From the clustering algorithms we see that the number of correctly clustered instances are high and very low when run on Weka, Simple Kmeans had a 58% correctly clustered instances and hierarchical cluster was the same.</a:t>
+            </a:r>
+            <a:endParaRPr lang="en-US" sz="1800" dirty="0">
+              <a:latin typeface="Times New Roman"/>
+              <a:cs typeface="Times New Roman"/>
+            </a:endParaRPr>
           </a:p>
         </p:txBody>
       </p:sp>
@@ -3954,6 +6187,14 @@
 <file path=ppt/slides/slide13.xml><?xml version="1.0" encoding="utf-8"?>
 <p:sld xmlns:a="http://schemas.openxmlformats.org/drawingml/2006/main" xmlns:r="http://schemas.openxmlformats.org/officeDocument/2006/relationships" xmlns:p="http://schemas.openxmlformats.org/presentationml/2006/main">
   <p:cSld>
+    <p:bg>
+      <p:bgPr>
+        <a:solidFill>
+          <a:schemeClr val="bg1"/>
+        </a:solidFill>
+        <a:effectLst/>
+      </p:bgPr>
+    </p:bg>
     <p:spTree>
       <p:nvGrpSpPr>
         <p:cNvPr id="1" name=""/>
@@ -3968,6 +6209,129 @@
           <a:chExt cx="0" cy="0"/>
         </a:xfrm>
       </p:grpSpPr>
+      <p:sp useBgFill="1">
+        <p:nvSpPr>
+          <p:cNvPr id="8" name="Rectangle 7">
+            <a:extLst>
+              <a:ext uri="{FF2B5EF4-FFF2-40B4-BE49-F238E27FC236}">
+                <a16:creationId xmlns:a16="http://schemas.microsoft.com/office/drawing/2014/main" id="{389575E1-3389-451A-A5F7-27854C25C599}"/>
+              </a:ext>
+              <a:ext uri="{C183D7F6-B498-43B3-948B-1728B52AA6E4}">
+                <adec:decorative xmlns:adec="http://schemas.microsoft.com/office/drawing/2017/decorative" val="1"/>
+              </a:ext>
+            </a:extLst>
+          </p:cNvPr>
+          <p:cNvSpPr>
+            <a:spLocks noGrp="1" noRot="1" noChangeAspect="1" noMove="1" noResize="1" noEditPoints="1" noAdjustHandles="1" noChangeArrowheads="1" noChangeShapeType="1" noTextEdit="1"/>
+          </p:cNvSpPr>
+          <p:nvPr>
+            <p:extLst>
+              <p:ext uri="{386F3935-93C4-4BCD-93E2-E3B085C9AB24}">
+                <p16:designElem xmlns:p16="http://schemas.microsoft.com/office/powerpoint/2015/main" val="1"/>
+              </p:ext>
+            </p:extLst>
+          </p:nvPr>
+        </p:nvSpPr>
+        <p:spPr>
+          <a:xfrm>
+            <a:off x="3048" y="4293"/>
+            <a:ext cx="12188952" cy="6858000"/>
+          </a:xfrm>
+          <a:prstGeom prst="rect">
+            <a:avLst/>
+          </a:prstGeom>
+          <a:ln>
+            <a:noFill/>
+          </a:ln>
+        </p:spPr>
+        <p:style>
+          <a:lnRef idx="2">
+            <a:schemeClr val="accent1">
+              <a:shade val="50000"/>
+            </a:schemeClr>
+          </a:lnRef>
+          <a:fillRef idx="1">
+            <a:schemeClr val="accent1"/>
+          </a:fillRef>
+          <a:effectRef idx="0">
+            <a:schemeClr val="accent1"/>
+          </a:effectRef>
+          <a:fontRef idx="minor">
+            <a:schemeClr val="lt1"/>
+          </a:fontRef>
+        </p:style>
+        <p:txBody>
+          <a:bodyPr rtlCol="0" anchor="ctr"/>
+          <a:lstStyle/>
+          <a:p>
+            <a:pPr algn="ctr"/>
+            <a:endParaRPr lang="en-US"/>
+          </a:p>
+        </p:txBody>
+      </p:sp>
+      <p:sp>
+        <p:nvSpPr>
+          <p:cNvPr id="10" name="Rectangle 9">
+            <a:extLst>
+              <a:ext uri="{FF2B5EF4-FFF2-40B4-BE49-F238E27FC236}">
+                <a16:creationId xmlns:a16="http://schemas.microsoft.com/office/drawing/2014/main" id="{A53CCC5C-D88E-40FB-B30B-23DCDBD01D37}"/>
+              </a:ext>
+              <a:ext uri="{C183D7F6-B498-43B3-948B-1728B52AA6E4}">
+                <adec:decorative xmlns:adec="http://schemas.microsoft.com/office/drawing/2017/decorative" val="1"/>
+              </a:ext>
+            </a:extLst>
+          </p:cNvPr>
+          <p:cNvSpPr>
+            <a:spLocks noGrp="1" noRot="1" noChangeAspect="1" noMove="1" noResize="1" noEditPoints="1" noAdjustHandles="1" noChangeArrowheads="1" noChangeShapeType="1" noTextEdit="1"/>
+          </p:cNvSpPr>
+          <p:nvPr>
+            <p:extLst>
+              <p:ext uri="{386F3935-93C4-4BCD-93E2-E3B085C9AB24}">
+                <p16:designElem xmlns:p16="http://schemas.microsoft.com/office/powerpoint/2015/main" val="1"/>
+              </p:ext>
+            </p:extLst>
+          </p:nvPr>
+        </p:nvSpPr>
+        <p:spPr>
+          <a:xfrm>
+            <a:off x="0" y="-4"/>
+            <a:ext cx="4167268" cy="6858004"/>
+          </a:xfrm>
+          <a:prstGeom prst="rect">
+            <a:avLst/>
+          </a:prstGeom>
+          <a:solidFill>
+            <a:schemeClr val="accent2"/>
+          </a:solidFill>
+          <a:ln>
+            <a:noFill/>
+          </a:ln>
+        </p:spPr>
+        <p:style>
+          <a:lnRef idx="2">
+            <a:schemeClr val="accent1">
+              <a:shade val="50000"/>
+            </a:schemeClr>
+          </a:lnRef>
+          <a:fillRef idx="1">
+            <a:schemeClr val="accent1"/>
+          </a:fillRef>
+          <a:effectRef idx="0">
+            <a:schemeClr val="accent1"/>
+          </a:effectRef>
+          <a:fontRef idx="minor">
+            <a:schemeClr val="lt1"/>
+          </a:fontRef>
+        </p:style>
+        <p:txBody>
+          <a:bodyPr rtlCol="0" anchor="ctr"/>
+          <a:lstStyle/>
+          <a:p>
+            <a:pPr algn="ctr"/>
+            <a:endParaRPr lang="en-US"/>
+          </a:p>
+        </p:txBody>
+      </p:sp>
       <p:sp>
         <p:nvSpPr>
           <p:cNvPr id="2" name="Title 1">
@@ -3984,13 +6348,24 @@
             <p:ph type="title"/>
           </p:nvPr>
         </p:nvSpPr>
-        <p:spPr/>
-        <p:txBody>
-          <a:bodyPr/>
-          <a:lstStyle/>
-          <a:p>
-            <a:r>
-              <a:rPr lang="en-US" dirty="0"/>
+        <p:spPr>
+          <a:xfrm>
+            <a:off x="686834" y="591344"/>
+            <a:ext cx="3200400" cy="5585619"/>
+          </a:xfrm>
+        </p:spPr>
+        <p:txBody>
+          <a:bodyPr>
+            <a:normAutofit/>
+          </a:bodyPr>
+          <a:lstStyle/>
+          <a:p>
+            <a:r>
+              <a:rPr lang="en-US">
+                <a:solidFill>
+                  <a:srgbClr val="FFFFFF"/>
+                </a:solidFill>
+              </a:rPr>
               <a:t>Challenges</a:t>
             </a:r>
           </a:p>
@@ -3998,6 +6373,67 @@
       </p:sp>
       <p:sp>
         <p:nvSpPr>
+          <p:cNvPr id="12" name="Arc 11">
+            <a:extLst>
+              <a:ext uri="{FF2B5EF4-FFF2-40B4-BE49-F238E27FC236}">
+                <a16:creationId xmlns:a16="http://schemas.microsoft.com/office/drawing/2014/main" id="{081E4A58-353D-44AE-B2FC-2A74E2E400F7}"/>
+              </a:ext>
+              <a:ext uri="{C183D7F6-B498-43B3-948B-1728B52AA6E4}">
+                <adec:decorative xmlns:adec="http://schemas.microsoft.com/office/drawing/2017/decorative" val="1"/>
+              </a:ext>
+            </a:extLst>
+          </p:cNvPr>
+          <p:cNvSpPr>
+            <a:spLocks noGrp="1" noRot="1" noChangeAspect="1" noMove="1" noResize="1" noEditPoints="1" noAdjustHandles="1" noChangeArrowheads="1" noChangeShapeType="1" noTextEdit="1"/>
+          </p:cNvSpPr>
+          <p:nvPr>
+            <p:extLst>
+              <p:ext uri="{386F3935-93C4-4BCD-93E2-E3B085C9AB24}">
+                <p16:designElem xmlns:p16="http://schemas.microsoft.com/office/powerpoint/2015/main" val="1"/>
+              </p:ext>
+            </p:extLst>
+          </p:nvPr>
+        </p:nvSpPr>
+        <p:spPr>
+          <a:xfrm flipV="1">
+            <a:off x="7550402" y="2455479"/>
+            <a:ext cx="4083433" cy="4083433"/>
+          </a:xfrm>
+          <a:prstGeom prst="arc">
+            <a:avLst/>
+          </a:prstGeom>
+          <a:ln w="127000" cap="rnd">
+            <a:solidFill>
+              <a:schemeClr val="accent4"/>
+            </a:solidFill>
+            <a:prstDash val="dash"/>
+          </a:ln>
+        </p:spPr>
+        <p:style>
+          <a:lnRef idx="1">
+            <a:schemeClr val="accent1"/>
+          </a:lnRef>
+          <a:fillRef idx="0">
+            <a:schemeClr val="accent1"/>
+          </a:fillRef>
+          <a:effectRef idx="0">
+            <a:schemeClr val="accent1"/>
+          </a:effectRef>
+          <a:fontRef idx="minor">
+            <a:schemeClr val="tx1"/>
+          </a:fontRef>
+        </p:style>
+        <p:txBody>
+          <a:bodyPr rtlCol="0" anchor="ctr"/>
+          <a:lstStyle/>
+          <a:p>
+            <a:pPr algn="ctr"/>
+            <a:endParaRPr lang="en-US" dirty="0"/>
+          </a:p>
+        </p:txBody>
+      </p:sp>
+      <p:sp>
+        <p:nvSpPr>
           <p:cNvPr id="3" name="Content Placeholder 2">
             <a:extLst>
               <a:ext uri="{FF2B5EF4-FFF2-40B4-BE49-F238E27FC236}">
@@ -4012,38 +6448,34 @@
             <p:ph idx="1"/>
           </p:nvPr>
         </p:nvSpPr>
-        <p:spPr/>
-        <p:txBody>
-          <a:bodyPr/>
+        <p:spPr>
+          <a:xfrm>
+            <a:off x="4447308" y="591344"/>
+            <a:ext cx="6906491" cy="5585619"/>
+          </a:xfrm>
+        </p:spPr>
+        <p:txBody>
+          <a:bodyPr anchor="ctr">
+            <a:normAutofit/>
+          </a:bodyPr>
           <a:lstStyle/>
           <a:p>
             <a:r>
               <a:rPr lang="en-US" sz="1800" dirty="0">
                 <a:effectLst/>
-                <a:latin typeface="Times New Roman" panose="02020603050405020304" pitchFamily="18" charset="0"/>
+                <a:latin typeface="Times New Roman"/>
                 <a:ea typeface="Calibri" panose="020F0502020204030204" pitchFamily="34" charset="0"/>
-                <a:cs typeface="Times New Roman" panose="02020603050405020304" pitchFamily="18" charset="0"/>
+                <a:cs typeface="Times New Roman"/>
               </a:rPr>
-              <a:t>I had memory capacity limitations as dataset is very huge and running on my machine proved to be difficult and algorithm might have been slower to build due to that. </a:t>
-            </a:r>
-          </a:p>
-          <a:p>
+              <a:t>I had memory capacity limitations as dataset is very huge and running on my machine proved to be difficult and algorithm might have been slower to build due to that.</a:t>
+            </a:r>
             <a:r>
               <a:rPr lang="en-US" sz="1800" dirty="0">
-                <a:effectLst/>
-                <a:latin typeface="Times New Roman" panose="02020603050405020304" pitchFamily="18" charset="0"/>
+                <a:latin typeface="Times New Roman"/>
                 <a:ea typeface="Calibri" panose="020F0502020204030204" pitchFamily="34" charset="0"/>
-                <a:cs typeface="Times New Roman" panose="02020603050405020304" pitchFamily="18" charset="0"/>
+                <a:cs typeface="Times New Roman"/>
               </a:rPr>
-              <a:t>I also had challenges converting the variables to nominal value in R. </a:t>
-            </a:r>
-            <a:r>
-              <a:rPr lang="en-US" sz="1800" dirty="0">
-                <a:latin typeface="Times New Roman" panose="02020603050405020304" pitchFamily="18" charset="0"/>
-                <a:ea typeface="Calibri" panose="020F0502020204030204" pitchFamily="34" charset="0"/>
-                <a:cs typeface="Times New Roman" panose="02020603050405020304" pitchFamily="18" charset="0"/>
-              </a:rPr>
-              <a:t>To convert to nominal variables in R the factor function is required due to memory limitations this conversion could not be done all at once but bit by bit by passing each attribute to the factor function. </a:t>
+              <a:t> </a:t>
             </a:r>
             <a:endParaRPr lang="en-US" sz="1800" dirty="0">
               <a:effectLst/>
@@ -4055,11 +6487,36 @@
           <a:p>
             <a:r>
               <a:rPr lang="en-US" sz="1800" dirty="0">
-                <a:latin typeface="Times New Roman" panose="02020603050405020304" pitchFamily="18" charset="0"/>
+                <a:effectLst/>
+                <a:latin typeface="Times New Roman"/>
                 <a:ea typeface="Calibri" panose="020F0502020204030204" pitchFamily="34" charset="0"/>
-                <a:cs typeface="Times New Roman" panose="02020603050405020304" pitchFamily="18" charset="0"/>
+                <a:cs typeface="Times New Roman"/>
               </a:rPr>
-              <a:t>I had challenges in replacing missing values in R, so I made conversions to each attribute respectively. </a:t>
+              <a:t>I also had challenges converting the variables to nominal value in R. </a:t>
+            </a:r>
+            <a:r>
+              <a:rPr lang="en-US" sz="1800" dirty="0">
+                <a:latin typeface="Times New Roman"/>
+                <a:ea typeface="Calibri" panose="020F0502020204030204" pitchFamily="34" charset="0"/>
+                <a:cs typeface="Times New Roman"/>
+              </a:rPr>
+              <a:t>To convert to nominal variables in R the factor function is required due to memory limitations this conversion could not be done all at once but bit by bit by passing each attribute to the factor function. </a:t>
+            </a:r>
+            <a:endParaRPr lang="en-US" sz="1800" dirty="0">
+              <a:effectLst/>
+              <a:latin typeface="Times New Roman" panose="02020603050405020304" pitchFamily="18" charset="0"/>
+              <a:ea typeface="Calibri" panose="020F0502020204030204" pitchFamily="34" charset="0"/>
+              <a:cs typeface="Times New Roman" panose="02020603050405020304" pitchFamily="18" charset="0"/>
+            </a:endParaRPr>
+          </a:p>
+          <a:p>
+            <a:r>
+              <a:rPr lang="en-US" sz="1800" dirty="0">
+                <a:latin typeface="Times New Roman"/>
+                <a:ea typeface="Calibri" panose="020F0502020204030204" pitchFamily="34" charset="0"/>
+                <a:cs typeface="Times New Roman"/>
+              </a:rPr>
+              <a:t>I had challenges in replacing missing values in R, so I made conversions to each attribute, respectively. </a:t>
             </a:r>
             <a:endParaRPr lang="en-US" sz="1800" dirty="0">
               <a:effectLst/>
@@ -4089,6 +6546,14 @@
 <file path=ppt/slides/slide14.xml><?xml version="1.0" encoding="utf-8"?>
 <p:sld xmlns:a="http://schemas.openxmlformats.org/drawingml/2006/main" xmlns:r="http://schemas.openxmlformats.org/officeDocument/2006/relationships" xmlns:p="http://schemas.openxmlformats.org/presentationml/2006/main">
   <p:cSld>
+    <p:bg>
+      <p:bgPr>
+        <a:solidFill>
+          <a:schemeClr val="bg1"/>
+        </a:solidFill>
+        <a:effectLst/>
+      </p:bgPr>
+    </p:bg>
     <p:spTree>
       <p:nvGrpSpPr>
         <p:cNvPr id="1" name=""/>
@@ -4105,6 +6570,69 @@
       </p:grpSpPr>
       <p:sp>
         <p:nvSpPr>
+          <p:cNvPr id="8" name="Rectangle 7">
+            <a:extLst>
+              <a:ext uri="{FF2B5EF4-FFF2-40B4-BE49-F238E27FC236}">
+                <a16:creationId xmlns:a16="http://schemas.microsoft.com/office/drawing/2014/main" id="{46D6306C-ED4F-4AAE-B4A5-EEA6AFAD726E}"/>
+              </a:ext>
+              <a:ext uri="{C183D7F6-B498-43B3-948B-1728B52AA6E4}">
+                <adec:decorative xmlns:adec="http://schemas.microsoft.com/office/drawing/2017/decorative" val="1"/>
+              </a:ext>
+            </a:extLst>
+          </p:cNvPr>
+          <p:cNvSpPr>
+            <a:spLocks noGrp="1" noRot="1" noChangeAspect="1" noMove="1" noResize="1" noEditPoints="1" noAdjustHandles="1" noChangeArrowheads="1" noChangeShapeType="1" noTextEdit="1"/>
+          </p:cNvSpPr>
+          <p:nvPr>
+            <p:extLst>
+              <p:ext uri="{386F3935-93C4-4BCD-93E2-E3B085C9AB24}">
+                <p16:designElem xmlns:p16="http://schemas.microsoft.com/office/powerpoint/2015/main" val="1"/>
+              </p:ext>
+            </p:extLst>
+          </p:nvPr>
+        </p:nvSpPr>
+        <p:spPr>
+          <a:xfrm>
+            <a:off x="0" y="0"/>
+            <a:ext cx="12192000" cy="6858000"/>
+          </a:xfrm>
+          <a:prstGeom prst="rect">
+            <a:avLst/>
+          </a:prstGeom>
+          <a:solidFill>
+            <a:schemeClr val="bg1"/>
+          </a:solidFill>
+          <a:ln>
+            <a:noFill/>
+          </a:ln>
+        </p:spPr>
+        <p:style>
+          <a:lnRef idx="2">
+            <a:schemeClr val="accent1">
+              <a:shade val="50000"/>
+            </a:schemeClr>
+          </a:lnRef>
+          <a:fillRef idx="1">
+            <a:schemeClr val="accent1"/>
+          </a:fillRef>
+          <a:effectRef idx="0">
+            <a:schemeClr val="accent1"/>
+          </a:effectRef>
+          <a:fontRef idx="minor">
+            <a:schemeClr val="lt1"/>
+          </a:fontRef>
+        </p:style>
+        <p:txBody>
+          <a:bodyPr rtlCol="0" anchor="ctr"/>
+          <a:lstStyle/>
+          <a:p>
+            <a:pPr algn="ctr"/>
+            <a:endParaRPr lang="en-US" dirty="0"/>
+          </a:p>
+        </p:txBody>
+      </p:sp>
+      <p:sp>
+        <p:nvSpPr>
           <p:cNvPr id="2" name="Title 1">
             <a:extLst>
               <a:ext uri="{FF2B5EF4-FFF2-40B4-BE49-F238E27FC236}">
@@ -4119,15 +6647,20 @@
             <p:ph type="title"/>
           </p:nvPr>
         </p:nvSpPr>
-        <p:spPr/>
-        <p:txBody>
-          <a:bodyPr>
+        <p:spPr>
+          <a:xfrm>
+            <a:off x="643467" y="1698171"/>
+            <a:ext cx="3962061" cy="4516360"/>
+          </a:xfrm>
+        </p:spPr>
+        <p:txBody>
+          <a:bodyPr anchor="t">
             <a:normAutofit/>
           </a:bodyPr>
           <a:lstStyle/>
           <a:p>
             <a:r>
-              <a:rPr lang="en-US" sz="4000" dirty="0">
+              <a:rPr lang="en-US" sz="3600">
                 <a:latin typeface="Times New Roman" panose="02020603050405020304" pitchFamily="18" charset="0"/>
                 <a:cs typeface="Times New Roman" panose="02020603050405020304" pitchFamily="18" charset="0"/>
               </a:rPr>
@@ -4138,6 +6671,366 @@
       </p:sp>
       <p:sp>
         <p:nvSpPr>
+          <p:cNvPr id="10" name="Rectangle 9">
+            <a:extLst>
+              <a:ext uri="{FF2B5EF4-FFF2-40B4-BE49-F238E27FC236}">
+                <a16:creationId xmlns:a16="http://schemas.microsoft.com/office/drawing/2014/main" id="{0EC5361D-F897-4856-B945-0455A365EB24}"/>
+              </a:ext>
+              <a:ext uri="{C183D7F6-B498-43B3-948B-1728B52AA6E4}">
+                <adec:decorative xmlns:adec="http://schemas.microsoft.com/office/drawing/2017/decorative" val="1"/>
+              </a:ext>
+            </a:extLst>
+          </p:cNvPr>
+          <p:cNvSpPr>
+            <a:spLocks noGrp="1" noRot="1" noChangeAspect="1" noMove="1" noResize="1" noEditPoints="1" noAdjustHandles="1" noChangeArrowheads="1" noChangeShapeType="1" noTextEdit="1"/>
+          </p:cNvSpPr>
+          <p:nvPr>
+            <p:extLst>
+              <p:ext uri="{386F3935-93C4-4BCD-93E2-E3B085C9AB24}">
+                <p16:designElem xmlns:p16="http://schemas.microsoft.com/office/powerpoint/2015/main" val="1"/>
+              </p:ext>
+            </p:extLst>
+          </p:nvPr>
+        </p:nvSpPr>
+        <p:spPr>
+          <a:xfrm rot="2700000">
+            <a:off x="415435" y="655140"/>
+            <a:ext cx="687472" cy="687472"/>
+          </a:xfrm>
+          <a:prstGeom prst="rect">
+            <a:avLst/>
+          </a:prstGeom>
+          <a:solidFill>
+            <a:schemeClr val="accent4">
+              <a:alpha val="30000"/>
+            </a:schemeClr>
+          </a:solidFill>
+          <a:ln>
+            <a:noFill/>
+          </a:ln>
+        </p:spPr>
+        <p:style>
+          <a:lnRef idx="2">
+            <a:schemeClr val="accent1">
+              <a:shade val="50000"/>
+            </a:schemeClr>
+          </a:lnRef>
+          <a:fillRef idx="1">
+            <a:schemeClr val="accent1"/>
+          </a:fillRef>
+          <a:effectRef idx="0">
+            <a:schemeClr val="accent1"/>
+          </a:effectRef>
+          <a:fontRef idx="minor">
+            <a:schemeClr val="lt1"/>
+          </a:fontRef>
+        </p:style>
+        <p:txBody>
+          <a:bodyPr rtlCol="0" anchor="ctr"/>
+          <a:lstStyle/>
+          <a:p>
+            <a:pPr algn="ctr"/>
+            <a:endParaRPr lang="en-US"/>
+          </a:p>
+        </p:txBody>
+      </p:sp>
+      <p:sp>
+        <p:nvSpPr>
+          <p:cNvPr id="12" name="Freeform: Shape 11">
+            <a:extLst>
+              <a:ext uri="{FF2B5EF4-FFF2-40B4-BE49-F238E27FC236}">
+                <a16:creationId xmlns:a16="http://schemas.microsoft.com/office/drawing/2014/main" id="{4508C0C5-2268-42B5-B3C8-4D0899E05F8C}"/>
+              </a:ext>
+              <a:ext uri="{C183D7F6-B498-43B3-948B-1728B52AA6E4}">
+                <adec:decorative xmlns:adec="http://schemas.microsoft.com/office/drawing/2017/decorative" val="1"/>
+              </a:ext>
+            </a:extLst>
+          </p:cNvPr>
+          <p:cNvSpPr>
+            <a:spLocks noGrp="1" noRot="1" noChangeAspect="1" noMove="1" noResize="1" noEditPoints="1" noAdjustHandles="1" noChangeArrowheads="1" noChangeShapeType="1" noTextEdit="1"/>
+          </p:cNvSpPr>
+          <p:nvPr>
+            <p:extLst>
+              <p:ext uri="{386F3935-93C4-4BCD-93E2-E3B085C9AB24}">
+                <p16:designElem xmlns:p16="http://schemas.microsoft.com/office/powerpoint/2015/main" val="1"/>
+              </p:ext>
+            </p:extLst>
+          </p:nvPr>
+        </p:nvSpPr>
+        <p:spPr>
+          <a:xfrm rot="10800000">
+            <a:off x="0" y="0"/>
+            <a:ext cx="2835357" cy="1480837"/>
+          </a:xfrm>
+          <a:custGeom>
+            <a:avLst/>
+            <a:gdLst>
+              <a:gd name="connsiteX0" fmla="*/ 2835357 w 2835357"/>
+              <a:gd name="connsiteY0" fmla="*/ 1480837 h 1480837"/>
+              <a:gd name="connsiteX1" fmla="*/ 0 w 2835357"/>
+              <a:gd name="connsiteY1" fmla="*/ 1480837 h 1480837"/>
+              <a:gd name="connsiteX2" fmla="*/ 1552727 w 2835357"/>
+              <a:gd name="connsiteY2" fmla="*/ 0 h 1480837"/>
+              <a:gd name="connsiteX3" fmla="*/ 2835357 w 2835357"/>
+              <a:gd name="connsiteY3" fmla="*/ 1223245 h 1480837"/>
+            </a:gdLst>
+            <a:ahLst/>
+            <a:cxnLst>
+              <a:cxn ang="0">
+                <a:pos x="connsiteX0" y="connsiteY0"/>
+              </a:cxn>
+              <a:cxn ang="0">
+                <a:pos x="connsiteX1" y="connsiteY1"/>
+              </a:cxn>
+              <a:cxn ang="0">
+                <a:pos x="connsiteX2" y="connsiteY2"/>
+              </a:cxn>
+              <a:cxn ang="0">
+                <a:pos x="connsiteX3" y="connsiteY3"/>
+              </a:cxn>
+            </a:cxnLst>
+            <a:rect l="l" t="t" r="r" b="b"/>
+            <a:pathLst>
+              <a:path w="2835357" h="1480837">
+                <a:moveTo>
+                  <a:pt x="2835357" y="1480837"/>
+                </a:moveTo>
+                <a:lnTo>
+                  <a:pt x="0" y="1480837"/>
+                </a:lnTo>
+                <a:lnTo>
+                  <a:pt x="1552727" y="0"/>
+                </a:lnTo>
+                <a:lnTo>
+                  <a:pt x="2835357" y="1223245"/>
+                </a:lnTo>
+                <a:close/>
+              </a:path>
+            </a:pathLst>
+          </a:custGeom>
+          <a:solidFill>
+            <a:schemeClr val="accent4">
+              <a:alpha val="30000"/>
+            </a:schemeClr>
+          </a:solidFill>
+          <a:ln>
+            <a:noFill/>
+          </a:ln>
+        </p:spPr>
+        <p:style>
+          <a:lnRef idx="2">
+            <a:schemeClr val="accent1">
+              <a:shade val="50000"/>
+            </a:schemeClr>
+          </a:lnRef>
+          <a:fillRef idx="1">
+            <a:schemeClr val="accent1"/>
+          </a:fillRef>
+          <a:effectRef idx="0">
+            <a:schemeClr val="accent1"/>
+          </a:effectRef>
+          <a:fontRef idx="minor">
+            <a:schemeClr val="lt1"/>
+          </a:fontRef>
+        </p:style>
+        <p:txBody>
+          <a:bodyPr wrap="square" rtlCol="0" anchor="ctr">
+            <a:noAutofit/>
+          </a:bodyPr>
+          <a:lstStyle/>
+          <a:p>
+            <a:pPr algn="ctr"/>
+            <a:endParaRPr lang="en-US" dirty="0"/>
+          </a:p>
+        </p:txBody>
+      </p:sp>
+      <p:sp>
+        <p:nvSpPr>
+          <p:cNvPr id="14" name="Freeform: Shape 13">
+            <a:extLst>
+              <a:ext uri="{FF2B5EF4-FFF2-40B4-BE49-F238E27FC236}">
+                <a16:creationId xmlns:a16="http://schemas.microsoft.com/office/drawing/2014/main" id="{141ACBDB-38F8-4B34-8183-BD95B4E55A62}"/>
+              </a:ext>
+              <a:ext uri="{C183D7F6-B498-43B3-948B-1728B52AA6E4}">
+                <adec:decorative xmlns:adec="http://schemas.microsoft.com/office/drawing/2017/decorative" val="1"/>
+              </a:ext>
+            </a:extLst>
+          </p:cNvPr>
+          <p:cNvSpPr>
+            <a:spLocks noGrp="1" noRot="1" noChangeAspect="1" noMove="1" noResize="1" noEditPoints="1" noAdjustHandles="1" noChangeArrowheads="1" noChangeShapeType="1" noTextEdit="1"/>
+          </p:cNvSpPr>
+          <p:nvPr>
+            <p:extLst>
+              <p:ext uri="{386F3935-93C4-4BCD-93E2-E3B085C9AB24}">
+                <p16:designElem xmlns:p16="http://schemas.microsoft.com/office/powerpoint/2015/main" val="1"/>
+              </p:ext>
+            </p:extLst>
+          </p:nvPr>
+        </p:nvSpPr>
+        <p:spPr>
+          <a:xfrm rot="2700000">
+            <a:off x="10739327" y="-253670"/>
+            <a:ext cx="1827638" cy="1376989"/>
+          </a:xfrm>
+          <a:custGeom>
+            <a:avLst/>
+            <a:gdLst>
+              <a:gd name="connsiteX0" fmla="*/ 0 w 1827638"/>
+              <a:gd name="connsiteY0" fmla="*/ 987379 h 1376989"/>
+              <a:gd name="connsiteX1" fmla="*/ 987379 w 1827638"/>
+              <a:gd name="connsiteY1" fmla="*/ 0 h 1376989"/>
+              <a:gd name="connsiteX2" fmla="*/ 1827638 w 1827638"/>
+              <a:gd name="connsiteY2" fmla="*/ 840260 h 1376989"/>
+              <a:gd name="connsiteX3" fmla="*/ 1827638 w 1827638"/>
+              <a:gd name="connsiteY3" fmla="*/ 1376989 h 1376989"/>
+              <a:gd name="connsiteX4" fmla="*/ 0 w 1827638"/>
+              <a:gd name="connsiteY4" fmla="*/ 1376989 h 1376989"/>
+            </a:gdLst>
+            <a:ahLst/>
+            <a:cxnLst>
+              <a:cxn ang="0">
+                <a:pos x="connsiteX0" y="connsiteY0"/>
+              </a:cxn>
+              <a:cxn ang="0">
+                <a:pos x="connsiteX1" y="connsiteY1"/>
+              </a:cxn>
+              <a:cxn ang="0">
+                <a:pos x="connsiteX2" y="connsiteY2"/>
+              </a:cxn>
+              <a:cxn ang="0">
+                <a:pos x="connsiteX3" y="connsiteY3"/>
+              </a:cxn>
+              <a:cxn ang="0">
+                <a:pos x="connsiteX4" y="connsiteY4"/>
+              </a:cxn>
+            </a:cxnLst>
+            <a:rect l="l" t="t" r="r" b="b"/>
+            <a:pathLst>
+              <a:path w="1827638" h="1376989">
+                <a:moveTo>
+                  <a:pt x="0" y="987379"/>
+                </a:moveTo>
+                <a:lnTo>
+                  <a:pt x="987379" y="0"/>
+                </a:lnTo>
+                <a:lnTo>
+                  <a:pt x="1827638" y="840260"/>
+                </a:lnTo>
+                <a:lnTo>
+                  <a:pt x="1827638" y="1376989"/>
+                </a:lnTo>
+                <a:lnTo>
+                  <a:pt x="0" y="1376989"/>
+                </a:lnTo>
+                <a:close/>
+              </a:path>
+            </a:pathLst>
+          </a:custGeom>
+          <a:solidFill>
+            <a:schemeClr val="accent1">
+              <a:alpha val="30000"/>
+            </a:schemeClr>
+          </a:solidFill>
+          <a:ln>
+            <a:noFill/>
+          </a:ln>
+        </p:spPr>
+        <p:style>
+          <a:lnRef idx="2">
+            <a:schemeClr val="accent1">
+              <a:shade val="50000"/>
+            </a:schemeClr>
+          </a:lnRef>
+          <a:fillRef idx="1">
+            <a:schemeClr val="accent1"/>
+          </a:fillRef>
+          <a:effectRef idx="0">
+            <a:schemeClr val="accent1"/>
+          </a:effectRef>
+          <a:fontRef idx="minor">
+            <a:schemeClr val="lt1"/>
+          </a:fontRef>
+        </p:style>
+        <p:txBody>
+          <a:bodyPr wrap="square" rtlCol="0" anchor="ctr">
+            <a:noAutofit/>
+          </a:bodyPr>
+          <a:lstStyle/>
+          <a:p>
+            <a:pPr algn="ctr"/>
+            <a:endParaRPr lang="en-US" dirty="0"/>
+          </a:p>
+        </p:txBody>
+      </p:sp>
+      <p:sp>
+        <p:nvSpPr>
+          <p:cNvPr id="16" name="Rectangle 15">
+            <a:extLst>
+              <a:ext uri="{FF2B5EF4-FFF2-40B4-BE49-F238E27FC236}">
+                <a16:creationId xmlns:a16="http://schemas.microsoft.com/office/drawing/2014/main" id="{DE00DB52-3455-4E2F-867B-A6D0516E175B}"/>
+              </a:ext>
+              <a:ext uri="{C183D7F6-B498-43B3-948B-1728B52AA6E4}">
+                <adec:decorative xmlns:adec="http://schemas.microsoft.com/office/drawing/2017/decorative" val="1"/>
+              </a:ext>
+            </a:extLst>
+          </p:cNvPr>
+          <p:cNvSpPr>
+            <a:spLocks noGrp="1" noRot="1" noChangeAspect="1" noMove="1" noResize="1" noEditPoints="1" noAdjustHandles="1" noChangeArrowheads="1" noChangeShapeType="1" noTextEdit="1"/>
+          </p:cNvSpPr>
+          <p:nvPr>
+            <p:extLst>
+              <p:ext uri="{386F3935-93C4-4BCD-93E2-E3B085C9AB24}">
+                <p16:designElem xmlns:p16="http://schemas.microsoft.com/office/powerpoint/2015/main" val="1"/>
+              </p:ext>
+            </p:extLst>
+          </p:nvPr>
+        </p:nvSpPr>
+        <p:spPr>
+          <a:xfrm rot="2700000">
+            <a:off x="10653800" y="422146"/>
+            <a:ext cx="645368" cy="645368"/>
+          </a:xfrm>
+          <a:prstGeom prst="rect">
+            <a:avLst/>
+          </a:prstGeom>
+          <a:solidFill>
+            <a:schemeClr val="accent1">
+              <a:alpha val="30000"/>
+            </a:schemeClr>
+          </a:solidFill>
+          <a:ln>
+            <a:noFill/>
+          </a:ln>
+        </p:spPr>
+        <p:style>
+          <a:lnRef idx="2">
+            <a:schemeClr val="accent1">
+              <a:shade val="50000"/>
+            </a:schemeClr>
+          </a:lnRef>
+          <a:fillRef idx="1">
+            <a:schemeClr val="accent1"/>
+          </a:fillRef>
+          <a:effectRef idx="0">
+            <a:schemeClr val="accent1"/>
+          </a:effectRef>
+          <a:fontRef idx="minor">
+            <a:schemeClr val="lt1"/>
+          </a:fontRef>
+        </p:style>
+        <p:txBody>
+          <a:bodyPr wrap="square" rtlCol="0" anchor="ctr">
+            <a:noAutofit/>
+          </a:bodyPr>
+          <a:lstStyle/>
+          <a:p>
+            <a:pPr algn="ctr"/>
+            <a:endParaRPr lang="en-US"/>
+          </a:p>
+        </p:txBody>
+      </p:sp>
+      <p:sp>
+        <p:nvSpPr>
           <p:cNvPr id="3" name="Content Placeholder 2">
             <a:extLst>
               <a:ext uri="{FF2B5EF4-FFF2-40B4-BE49-F238E27FC236}">
@@ -4152,13 +7045,20 @@
             <p:ph idx="1"/>
           </p:nvPr>
         </p:nvSpPr>
-        <p:spPr/>
-        <p:txBody>
-          <a:bodyPr/>
-          <a:lstStyle/>
-          <a:p>
-            <a:r>
-              <a:rPr lang="en-US" sz="1800" dirty="0">
+        <p:spPr>
+          <a:xfrm>
+            <a:off x="5070020" y="1698170"/>
+            <a:ext cx="6478513" cy="4516361"/>
+          </a:xfrm>
+        </p:spPr>
+        <p:txBody>
+          <a:bodyPr>
+            <a:normAutofit/>
+          </a:bodyPr>
+          <a:lstStyle/>
+          <a:p>
+            <a:r>
+              <a:rPr lang="en-US" sz="1900">
                 <a:effectLst/>
                 <a:latin typeface="Times New Roman" panose="02020603050405020304" pitchFamily="18" charset="0"/>
                 <a:ea typeface="Calibri" panose="020F0502020204030204" pitchFamily="34" charset="0"/>
@@ -4168,36 +7068,162 @@
           </a:p>
           <a:p>
             <a:r>
-              <a:rPr lang="en-US" sz="1800" dirty="0">
+              <a:rPr lang="en-US" sz="1900">
                 <a:effectLst/>
                 <a:latin typeface="Times New Roman" panose="02020603050405020304" pitchFamily="18" charset="0"/>
                 <a:ea typeface="Calibri" panose="020F0502020204030204" pitchFamily="34" charset="0"/>
               </a:rPr>
               <a:t>This study discusses diabetes prediction using machine learning techniques. As is already discussed in earlier chapters some obtained results when outside of expected result outcomes not in a negative way but because of a bias. </a:t>
             </a:r>
-            <a:endParaRPr lang="en-US" sz="1800" dirty="0">
+            <a:endParaRPr lang="en-US" sz="1900">
               <a:latin typeface="Times New Roman" panose="02020603050405020304" pitchFamily="18" charset="0"/>
               <a:ea typeface="Calibri" panose="020F0502020204030204" pitchFamily="34" charset="0"/>
             </a:endParaRPr>
           </a:p>
           <a:p>
             <a:r>
-              <a:rPr lang="en-US" sz="1800" dirty="0">
+              <a:rPr lang="en-US" sz="1900">
                 <a:effectLst/>
                 <a:latin typeface="Times New Roman" panose="02020603050405020304" pitchFamily="18" charset="0"/>
                 <a:ea typeface="Calibri" panose="020F0502020204030204" pitchFamily="34" charset="0"/>
               </a:rPr>
-              <a:t>It is recommended that other machine learning techniques be explored in predicting diabetes and the diabetic types also be predicted based on dataset. The developed models each had their strengths and weaknesses which has already been discussed in the above sections. </a:t>
-            </a:r>
-            <a:r>
-              <a:rPr lang="en-US" sz="1800">
-                <a:effectLst/>
-                <a:latin typeface="Times New Roman" panose="02020603050405020304" pitchFamily="18" charset="0"/>
-                <a:ea typeface="Calibri" panose="020F0502020204030204" pitchFamily="34" charset="0"/>
-              </a:rPr>
-              <a:t>Finally, data mining has seen its useful well lived in the health sector most especially but other sectors as well. </a:t>
-            </a:r>
-            <a:endParaRPr lang="en-US" dirty="0"/>
+              <a:t>It is recommended that other machine learning techniques be explored in predicting diabetes and the diabetic types also be predicted based on dataset. The developed models each had their strengths and weaknesses which has already been discussed in the above sections. Finally, data mining has seen its useful well lived in the health sector most especially but other sectors as well. </a:t>
+            </a:r>
+            <a:endParaRPr lang="en-US" sz="1900"/>
+          </a:p>
+        </p:txBody>
+      </p:sp>
+      <p:sp>
+        <p:nvSpPr>
+          <p:cNvPr id="18" name="Isosceles Triangle 17">
+            <a:extLst>
+              <a:ext uri="{FF2B5EF4-FFF2-40B4-BE49-F238E27FC236}">
+                <a16:creationId xmlns:a16="http://schemas.microsoft.com/office/drawing/2014/main" id="{9E914C83-E0D8-4953-92D5-169D28CB43AE}"/>
+              </a:ext>
+              <a:ext uri="{C183D7F6-B498-43B3-948B-1728B52AA6E4}">
+                <adec:decorative xmlns:adec="http://schemas.microsoft.com/office/drawing/2017/decorative" val="1"/>
+              </a:ext>
+            </a:extLst>
+          </p:cNvPr>
+          <p:cNvSpPr>
+            <a:spLocks noGrp="1" noRot="1" noChangeAspect="1" noMove="1" noResize="1" noEditPoints="1" noAdjustHandles="1" noChangeArrowheads="1" noChangeShapeType="1" noTextEdit="1"/>
+          </p:cNvSpPr>
+          <p:nvPr>
+            <p:extLst>
+              <p:ext uri="{386F3935-93C4-4BCD-93E2-E3B085C9AB24}">
+                <p16:designElem xmlns:p16="http://schemas.microsoft.com/office/powerpoint/2015/main" val="1"/>
+              </p:ext>
+            </p:extLst>
+          </p:nvPr>
+        </p:nvSpPr>
+        <p:spPr>
+          <a:xfrm>
+            <a:off x="8115423" y="6115501"/>
+            <a:ext cx="1494513" cy="742499"/>
+          </a:xfrm>
+          <a:prstGeom prst="triangle">
+            <a:avLst/>
+          </a:prstGeom>
+          <a:solidFill>
+            <a:schemeClr val="accent1">
+              <a:alpha val="30000"/>
+            </a:schemeClr>
+          </a:solidFill>
+          <a:ln>
+            <a:noFill/>
+          </a:ln>
+        </p:spPr>
+        <p:style>
+          <a:lnRef idx="2">
+            <a:schemeClr val="accent1">
+              <a:shade val="50000"/>
+            </a:schemeClr>
+          </a:lnRef>
+          <a:fillRef idx="1">
+            <a:schemeClr val="accent1"/>
+          </a:fillRef>
+          <a:effectRef idx="0">
+            <a:schemeClr val="accent1"/>
+          </a:effectRef>
+          <a:fontRef idx="minor">
+            <a:schemeClr val="lt1"/>
+          </a:fontRef>
+        </p:style>
+        <p:txBody>
+          <a:bodyPr wrap="square" rtlCol="0" anchor="ctr">
+            <a:noAutofit/>
+          </a:bodyPr>
+          <a:lstStyle/>
+          <a:p>
+            <a:pPr algn="ctr"/>
+            <a:endParaRPr lang="en-US"/>
+          </a:p>
+        </p:txBody>
+      </p:sp>
+      <p:sp>
+        <p:nvSpPr>
+          <p:cNvPr id="20" name="Isosceles Triangle 19">
+            <a:extLst>
+              <a:ext uri="{FF2B5EF4-FFF2-40B4-BE49-F238E27FC236}">
+                <a16:creationId xmlns:a16="http://schemas.microsoft.com/office/drawing/2014/main" id="{3512E083-F550-46AF-8490-767ECFD00CB7}"/>
+              </a:ext>
+              <a:ext uri="{C183D7F6-B498-43B3-948B-1728B52AA6E4}">
+                <adec:decorative xmlns:adec="http://schemas.microsoft.com/office/drawing/2017/decorative" val="1"/>
+              </a:ext>
+            </a:extLst>
+          </p:cNvPr>
+          <p:cNvSpPr>
+            <a:spLocks noGrp="1" noRot="1" noChangeAspect="1" noMove="1" noResize="1" noEditPoints="1" noAdjustHandles="1" noChangeArrowheads="1" noChangeShapeType="1" noTextEdit="1"/>
+          </p:cNvSpPr>
+          <p:nvPr>
+            <p:extLst>
+              <p:ext uri="{386F3935-93C4-4BCD-93E2-E3B085C9AB24}">
+                <p16:designElem xmlns:p16="http://schemas.microsoft.com/office/powerpoint/2015/main" val="1"/>
+              </p:ext>
+            </p:extLst>
+          </p:nvPr>
+        </p:nvSpPr>
+        <p:spPr>
+          <a:xfrm>
+            <a:off x="9167297" y="6453143"/>
+            <a:ext cx="814903" cy="404857"/>
+          </a:xfrm>
+          <a:prstGeom prst="triangle">
+            <a:avLst/>
+          </a:prstGeom>
+          <a:solidFill>
+            <a:schemeClr val="accent1">
+              <a:alpha val="30000"/>
+            </a:schemeClr>
+          </a:solidFill>
+          <a:ln>
+            <a:noFill/>
+          </a:ln>
+        </p:spPr>
+        <p:style>
+          <a:lnRef idx="2">
+            <a:schemeClr val="accent1">
+              <a:shade val="50000"/>
+            </a:schemeClr>
+          </a:lnRef>
+          <a:fillRef idx="1">
+            <a:schemeClr val="accent1"/>
+          </a:fillRef>
+          <a:effectRef idx="0">
+            <a:schemeClr val="accent1"/>
+          </a:effectRef>
+          <a:fontRef idx="minor">
+            <a:schemeClr val="lt1"/>
+          </a:fontRef>
+        </p:style>
+        <p:txBody>
+          <a:bodyPr wrap="square" rtlCol="0" anchor="ctr">
+            <a:noAutofit/>
+          </a:bodyPr>
+          <a:lstStyle/>
+          <a:p>
+            <a:pPr algn="ctr"/>
+            <a:endParaRPr lang="en-US"/>
           </a:p>
         </p:txBody>
       </p:sp>
@@ -4214,9 +7240,17 @@
 </p:sld>
 </file>
 
-<file path=ppt/slides/slide2.xml><?xml version="1.0" encoding="utf-8"?>
+<file path=ppt/slides/slide15.xml><?xml version="1.0" encoding="utf-8"?>
 <p:sld xmlns:a="http://schemas.openxmlformats.org/drawingml/2006/main" xmlns:r="http://schemas.openxmlformats.org/officeDocument/2006/relationships" xmlns:p="http://schemas.openxmlformats.org/presentationml/2006/main">
   <p:cSld>
+    <p:bg>
+      <p:bgPr>
+        <a:solidFill>
+          <a:schemeClr val="bg1"/>
+        </a:solidFill>
+        <a:effectLst/>
+      </p:bgPr>
+    </p:bg>
     <p:spTree>
       <p:nvGrpSpPr>
         <p:cNvPr id="1" name=""/>
@@ -4233,10 +7267,977 @@
       </p:grpSpPr>
       <p:sp>
         <p:nvSpPr>
+          <p:cNvPr id="7" name="Rectangle 6">
+            <a:extLst>
+              <a:ext uri="{FF2B5EF4-FFF2-40B4-BE49-F238E27FC236}">
+                <a16:creationId xmlns:a16="http://schemas.microsoft.com/office/drawing/2014/main" id="{88294908-8B00-4F58-BBBA-20F71A40AA9E}"/>
+              </a:ext>
+              <a:ext uri="{C183D7F6-B498-43B3-948B-1728B52AA6E4}">
+                <adec:decorative xmlns:adec="http://schemas.microsoft.com/office/drawing/2017/decorative" val="1"/>
+              </a:ext>
+            </a:extLst>
+          </p:cNvPr>
+          <p:cNvSpPr>
+            <a:spLocks noGrp="1" noRot="1" noChangeAspect="1" noMove="1" noResize="1" noEditPoints="1" noAdjustHandles="1" noChangeArrowheads="1" noChangeShapeType="1" noTextEdit="1"/>
+          </p:cNvSpPr>
+          <p:nvPr>
+            <p:extLst>
+              <p:ext uri="{386F3935-93C4-4BCD-93E2-E3B085C9AB24}">
+                <p16:designElem xmlns:p16="http://schemas.microsoft.com/office/powerpoint/2015/main" val="1"/>
+              </p:ext>
+            </p:extLst>
+          </p:nvPr>
+        </p:nvSpPr>
+        <p:spPr>
+          <a:xfrm>
+            <a:off x="0" y="0"/>
+            <a:ext cx="12192000" cy="6858000"/>
+          </a:xfrm>
+          <a:prstGeom prst="rect">
+            <a:avLst/>
+          </a:prstGeom>
+          <a:solidFill>
+            <a:schemeClr val="bg2"/>
+          </a:solidFill>
+          <a:ln>
+            <a:noFill/>
+          </a:ln>
+        </p:spPr>
+        <p:style>
+          <a:lnRef idx="2">
+            <a:schemeClr val="accent1">
+              <a:shade val="50000"/>
+            </a:schemeClr>
+          </a:lnRef>
+          <a:fillRef idx="1">
+            <a:schemeClr val="accent1"/>
+          </a:fillRef>
+          <a:effectRef idx="0">
+            <a:schemeClr val="accent1"/>
+          </a:effectRef>
+          <a:fontRef idx="minor">
+            <a:schemeClr val="lt1"/>
+          </a:fontRef>
+        </p:style>
+        <p:txBody>
+          <a:bodyPr rtlCol="0" anchor="ctr"/>
+          <a:lstStyle/>
+          <a:p>
+            <a:pPr algn="ctr"/>
+            <a:endParaRPr lang="en-US" dirty="0"/>
+          </a:p>
+        </p:txBody>
+      </p:sp>
+      <p:sp>
+        <p:nvSpPr>
+          <p:cNvPr id="9" name="Freeform: Shape 8">
+            <a:extLst>
+              <a:ext uri="{FF2B5EF4-FFF2-40B4-BE49-F238E27FC236}">
+                <a16:creationId xmlns:a16="http://schemas.microsoft.com/office/drawing/2014/main" id="{4364C879-1404-4203-8E9D-CC5DE0A621A2}"/>
+              </a:ext>
+              <a:ext uri="{C183D7F6-B498-43B3-948B-1728B52AA6E4}">
+                <adec:decorative xmlns:adec="http://schemas.microsoft.com/office/drawing/2017/decorative" val="1"/>
+              </a:ext>
+            </a:extLst>
+          </p:cNvPr>
+          <p:cNvSpPr>
+            <a:spLocks noGrp="1" noRot="1" noChangeAspect="1" noMove="1" noResize="1" noEditPoints="1" noAdjustHandles="1" noChangeArrowheads="1" noChangeShapeType="1" noTextEdit="1"/>
+          </p:cNvSpPr>
+          <p:nvPr>
+            <p:extLst>
+              <p:ext uri="{386F3935-93C4-4BCD-93E2-E3B085C9AB24}">
+                <p16:designElem xmlns:p16="http://schemas.microsoft.com/office/powerpoint/2015/main" val="1"/>
+              </p:ext>
+            </p:extLst>
+          </p:nvPr>
+        </p:nvSpPr>
+        <p:spPr>
+          <a:xfrm rot="2700000">
+            <a:off x="82782" y="-1386168"/>
+            <a:ext cx="2424873" cy="3611191"/>
+          </a:xfrm>
+          <a:custGeom>
+            <a:avLst/>
+            <a:gdLst>
+              <a:gd name="connsiteX0" fmla="*/ 0 w 2424873"/>
+              <a:gd name="connsiteY0" fmla="*/ 2424874 h 3611191"/>
+              <a:gd name="connsiteX1" fmla="*/ 2424873 w 2424873"/>
+              <a:gd name="connsiteY1" fmla="*/ 0 h 3611191"/>
+              <a:gd name="connsiteX2" fmla="*/ 2424873 w 2424873"/>
+              <a:gd name="connsiteY2" fmla="*/ 3611191 h 3611191"/>
+              <a:gd name="connsiteX3" fmla="*/ 1186317 w 2424873"/>
+              <a:gd name="connsiteY3" fmla="*/ 3611191 h 3611191"/>
+            </a:gdLst>
+            <a:ahLst/>
+            <a:cxnLst>
+              <a:cxn ang="0">
+                <a:pos x="connsiteX0" y="connsiteY0"/>
+              </a:cxn>
+              <a:cxn ang="0">
+                <a:pos x="connsiteX1" y="connsiteY1"/>
+              </a:cxn>
+              <a:cxn ang="0">
+                <a:pos x="connsiteX2" y="connsiteY2"/>
+              </a:cxn>
+              <a:cxn ang="0">
+                <a:pos x="connsiteX3" y="connsiteY3"/>
+              </a:cxn>
+            </a:cxnLst>
+            <a:rect l="l" t="t" r="r" b="b"/>
+            <a:pathLst>
+              <a:path w="2424873" h="3611191">
+                <a:moveTo>
+                  <a:pt x="0" y="2424874"/>
+                </a:moveTo>
+                <a:lnTo>
+                  <a:pt x="2424873" y="0"/>
+                </a:lnTo>
+                <a:lnTo>
+                  <a:pt x="2424873" y="3611191"/>
+                </a:lnTo>
+                <a:lnTo>
+                  <a:pt x="1186317" y="3611191"/>
+                </a:lnTo>
+                <a:close/>
+              </a:path>
+            </a:pathLst>
+          </a:custGeom>
+          <a:solidFill>
+            <a:schemeClr val="accent4">
+              <a:alpha val="40000"/>
+            </a:schemeClr>
+          </a:solidFill>
+          <a:ln>
+            <a:noFill/>
+          </a:ln>
+        </p:spPr>
+        <p:style>
+          <a:lnRef idx="2">
+            <a:schemeClr val="accent1">
+              <a:shade val="50000"/>
+            </a:schemeClr>
+          </a:lnRef>
+          <a:fillRef idx="1">
+            <a:schemeClr val="accent1"/>
+          </a:fillRef>
+          <a:effectRef idx="0">
+            <a:schemeClr val="accent1"/>
+          </a:effectRef>
+          <a:fontRef idx="minor">
+            <a:schemeClr val="lt1"/>
+          </a:fontRef>
+        </p:style>
+        <p:txBody>
+          <a:bodyPr wrap="square" rtlCol="0" anchor="ctr">
+            <a:noAutofit/>
+          </a:bodyPr>
+          <a:lstStyle/>
+          <a:p>
+            <a:pPr algn="ctr"/>
+            <a:endParaRPr lang="en-US"/>
+          </a:p>
+        </p:txBody>
+      </p:sp>
+      <p:sp>
+        <p:nvSpPr>
+          <p:cNvPr id="11" name="Freeform: Shape 10">
+            <a:extLst>
+              <a:ext uri="{FF2B5EF4-FFF2-40B4-BE49-F238E27FC236}">
+                <a16:creationId xmlns:a16="http://schemas.microsoft.com/office/drawing/2014/main" id="{84617302-4B0D-4351-A6BB-6F0930D943AC}"/>
+              </a:ext>
+              <a:ext uri="{C183D7F6-B498-43B3-948B-1728B52AA6E4}">
+                <adec:decorative xmlns:adec="http://schemas.microsoft.com/office/drawing/2017/decorative" val="1"/>
+              </a:ext>
+            </a:extLst>
+          </p:cNvPr>
+          <p:cNvSpPr>
+            <a:spLocks noGrp="1" noRot="1" noChangeAspect="1" noMove="1" noResize="1" noEditPoints="1" noAdjustHandles="1" noChangeArrowheads="1" noChangeShapeType="1" noTextEdit="1"/>
+          </p:cNvSpPr>
+          <p:nvPr>
+            <p:extLst>
+              <p:ext uri="{386F3935-93C4-4BCD-93E2-E3B085C9AB24}">
+                <p16:designElem xmlns:p16="http://schemas.microsoft.com/office/powerpoint/2015/main" val="1"/>
+              </p:ext>
+            </p:extLst>
+          </p:nvPr>
+        </p:nvSpPr>
+        <p:spPr>
+          <a:xfrm rot="2700000">
+            <a:off x="1571000" y="-338582"/>
+            <a:ext cx="1635955" cy="1635955"/>
+          </a:xfrm>
+          <a:custGeom>
+            <a:avLst/>
+            <a:gdLst>
+              <a:gd name="connsiteX0" fmla="*/ 0 w 1635955"/>
+              <a:gd name="connsiteY0" fmla="*/ 957987 h 1635955"/>
+              <a:gd name="connsiteX1" fmla="*/ 957987 w 1635955"/>
+              <a:gd name="connsiteY1" fmla="*/ 0 h 1635955"/>
+              <a:gd name="connsiteX2" fmla="*/ 1635955 w 1635955"/>
+              <a:gd name="connsiteY2" fmla="*/ 0 h 1635955"/>
+              <a:gd name="connsiteX3" fmla="*/ 1635955 w 1635955"/>
+              <a:gd name="connsiteY3" fmla="*/ 1635955 h 1635955"/>
+              <a:gd name="connsiteX4" fmla="*/ 0 w 1635955"/>
+              <a:gd name="connsiteY4" fmla="*/ 1635955 h 1635955"/>
+            </a:gdLst>
+            <a:ahLst/>
+            <a:cxnLst>
+              <a:cxn ang="0">
+                <a:pos x="connsiteX0" y="connsiteY0"/>
+              </a:cxn>
+              <a:cxn ang="0">
+                <a:pos x="connsiteX1" y="connsiteY1"/>
+              </a:cxn>
+              <a:cxn ang="0">
+                <a:pos x="connsiteX2" y="connsiteY2"/>
+              </a:cxn>
+              <a:cxn ang="0">
+                <a:pos x="connsiteX3" y="connsiteY3"/>
+              </a:cxn>
+              <a:cxn ang="0">
+                <a:pos x="connsiteX4" y="connsiteY4"/>
+              </a:cxn>
+            </a:cxnLst>
+            <a:rect l="l" t="t" r="r" b="b"/>
+            <a:pathLst>
+              <a:path w="1635955" h="1635955">
+                <a:moveTo>
+                  <a:pt x="0" y="957987"/>
+                </a:moveTo>
+                <a:lnTo>
+                  <a:pt x="957987" y="0"/>
+                </a:lnTo>
+                <a:lnTo>
+                  <a:pt x="1635955" y="0"/>
+                </a:lnTo>
+                <a:lnTo>
+                  <a:pt x="1635955" y="1635955"/>
+                </a:lnTo>
+                <a:lnTo>
+                  <a:pt x="0" y="1635955"/>
+                </a:lnTo>
+                <a:close/>
+              </a:path>
+            </a:pathLst>
+          </a:custGeom>
+          <a:solidFill>
+            <a:schemeClr val="accent4">
+              <a:alpha val="40000"/>
+            </a:schemeClr>
+          </a:solidFill>
+          <a:ln>
+            <a:noFill/>
+          </a:ln>
+        </p:spPr>
+        <p:style>
+          <a:lnRef idx="2">
+            <a:schemeClr val="accent1">
+              <a:shade val="50000"/>
+            </a:schemeClr>
+          </a:lnRef>
+          <a:fillRef idx="1">
+            <a:schemeClr val="accent1"/>
+          </a:fillRef>
+          <a:effectRef idx="0">
+            <a:schemeClr val="accent1"/>
+          </a:effectRef>
+          <a:fontRef idx="minor">
+            <a:schemeClr val="lt1"/>
+          </a:fontRef>
+        </p:style>
+        <p:txBody>
+          <a:bodyPr wrap="square" rtlCol="0" anchor="ctr">
+            <a:noAutofit/>
+          </a:bodyPr>
+          <a:lstStyle/>
+          <a:p>
+            <a:pPr algn="ctr"/>
+            <a:endParaRPr lang="en-US"/>
+          </a:p>
+        </p:txBody>
+      </p:sp>
+      <p:sp>
+        <p:nvSpPr>
+          <p:cNvPr id="13" name="Freeform: Shape 12">
+            <a:extLst>
+              <a:ext uri="{FF2B5EF4-FFF2-40B4-BE49-F238E27FC236}">
+                <a16:creationId xmlns:a16="http://schemas.microsoft.com/office/drawing/2014/main" id="{DA2C7802-C2E0-4218-8F89-8DD7CCD2CD1C}"/>
+              </a:ext>
+              <a:ext uri="{C183D7F6-B498-43B3-948B-1728B52AA6E4}">
+                <adec:decorative xmlns:adec="http://schemas.microsoft.com/office/drawing/2017/decorative" val="1"/>
+              </a:ext>
+            </a:extLst>
+          </p:cNvPr>
+          <p:cNvSpPr>
+            <a:spLocks noGrp="1" noRot="1" noChangeAspect="1" noMove="1" noResize="1" noEditPoints="1" noAdjustHandles="1" noChangeArrowheads="1" noChangeShapeType="1" noTextEdit="1"/>
+          </p:cNvSpPr>
+          <p:nvPr>
+            <p:extLst>
+              <p:ext uri="{386F3935-93C4-4BCD-93E2-E3B085C9AB24}">
+                <p16:designElem xmlns:p16="http://schemas.microsoft.com/office/powerpoint/2015/main" val="1"/>
+              </p:ext>
+            </p:extLst>
+          </p:nvPr>
+        </p:nvSpPr>
+        <p:spPr>
+          <a:xfrm rot="2700000">
+            <a:off x="9627985" y="-6588"/>
+            <a:ext cx="4059393" cy="2548110"/>
+          </a:xfrm>
+          <a:custGeom>
+            <a:avLst/>
+            <a:gdLst>
+              <a:gd name="connsiteX0" fmla="*/ 0 w 4059393"/>
+              <a:gd name="connsiteY0" fmla="*/ 1511282 h 2548110"/>
+              <a:gd name="connsiteX1" fmla="*/ 1511282 w 4059393"/>
+              <a:gd name="connsiteY1" fmla="*/ 0 h 2548110"/>
+              <a:gd name="connsiteX2" fmla="*/ 4059393 w 4059393"/>
+              <a:gd name="connsiteY2" fmla="*/ 2548110 h 2548110"/>
+              <a:gd name="connsiteX3" fmla="*/ 0 w 4059393"/>
+              <a:gd name="connsiteY3" fmla="*/ 2548110 h 2548110"/>
+            </a:gdLst>
+            <a:ahLst/>
+            <a:cxnLst>
+              <a:cxn ang="0">
+                <a:pos x="connsiteX0" y="connsiteY0"/>
+              </a:cxn>
+              <a:cxn ang="0">
+                <a:pos x="connsiteX1" y="connsiteY1"/>
+              </a:cxn>
+              <a:cxn ang="0">
+                <a:pos x="connsiteX2" y="connsiteY2"/>
+              </a:cxn>
+              <a:cxn ang="0">
+                <a:pos x="connsiteX3" y="connsiteY3"/>
+              </a:cxn>
+            </a:cxnLst>
+            <a:rect l="l" t="t" r="r" b="b"/>
+            <a:pathLst>
+              <a:path w="4059393" h="2548110">
+                <a:moveTo>
+                  <a:pt x="0" y="1511282"/>
+                </a:moveTo>
+                <a:lnTo>
+                  <a:pt x="1511282" y="0"/>
+                </a:lnTo>
+                <a:lnTo>
+                  <a:pt x="4059393" y="2548110"/>
+                </a:lnTo>
+                <a:lnTo>
+                  <a:pt x="0" y="2548110"/>
+                </a:lnTo>
+                <a:close/>
+              </a:path>
+            </a:pathLst>
+          </a:custGeom>
+          <a:solidFill>
+            <a:schemeClr val="accent1">
+              <a:alpha val="30000"/>
+            </a:schemeClr>
+          </a:solidFill>
+          <a:ln>
+            <a:noFill/>
+          </a:ln>
+        </p:spPr>
+        <p:style>
+          <a:lnRef idx="2">
+            <a:schemeClr val="accent1">
+              <a:shade val="50000"/>
+            </a:schemeClr>
+          </a:lnRef>
+          <a:fillRef idx="1">
+            <a:schemeClr val="accent1"/>
+          </a:fillRef>
+          <a:effectRef idx="0">
+            <a:schemeClr val="accent1"/>
+          </a:effectRef>
+          <a:fontRef idx="minor">
+            <a:schemeClr val="lt1"/>
+          </a:fontRef>
+        </p:style>
+        <p:txBody>
+          <a:bodyPr wrap="square" rtlCol="0" anchor="ctr">
+            <a:noAutofit/>
+          </a:bodyPr>
+          <a:lstStyle/>
+          <a:p>
+            <a:pPr algn="ctr"/>
+            <a:endParaRPr lang="en-US"/>
+          </a:p>
+        </p:txBody>
+      </p:sp>
+      <p:sp>
+        <p:nvSpPr>
+          <p:cNvPr id="15" name="Rectangle 14">
+            <a:extLst>
+              <a:ext uri="{FF2B5EF4-FFF2-40B4-BE49-F238E27FC236}">
+                <a16:creationId xmlns:a16="http://schemas.microsoft.com/office/drawing/2014/main" id="{A6D7111A-21E5-4EE9-8A78-10E5530F0116}"/>
+              </a:ext>
+              <a:ext uri="{C183D7F6-B498-43B3-948B-1728B52AA6E4}">
+                <adec:decorative xmlns:adec="http://schemas.microsoft.com/office/drawing/2017/decorative" val="1"/>
+              </a:ext>
+            </a:extLst>
+          </p:cNvPr>
+          <p:cNvSpPr>
+            <a:spLocks noGrp="1" noRot="1" noChangeAspect="1" noMove="1" noResize="1" noEditPoints="1" noAdjustHandles="1" noChangeArrowheads="1" noChangeShapeType="1" noTextEdit="1"/>
+          </p:cNvSpPr>
+          <p:nvPr>
+            <p:extLst>
+              <p:ext uri="{386F3935-93C4-4BCD-93E2-E3B085C9AB24}">
+                <p16:designElem xmlns:p16="http://schemas.microsoft.com/office/powerpoint/2015/main" val="1"/>
+              </p:ext>
+            </p:extLst>
+          </p:nvPr>
+        </p:nvSpPr>
+        <p:spPr>
+          <a:xfrm rot="2700000">
+            <a:off x="10262924" y="1465780"/>
+            <a:ext cx="1185708" cy="1185708"/>
+          </a:xfrm>
+          <a:prstGeom prst="rect">
+            <a:avLst/>
+          </a:prstGeom>
+          <a:solidFill>
+            <a:schemeClr val="accent1">
+              <a:alpha val="30000"/>
+            </a:schemeClr>
+          </a:solidFill>
+          <a:ln>
+            <a:noFill/>
+          </a:ln>
+        </p:spPr>
+        <p:style>
+          <a:lnRef idx="2">
+            <a:schemeClr val="accent1">
+              <a:shade val="50000"/>
+            </a:schemeClr>
+          </a:lnRef>
+          <a:fillRef idx="1">
+            <a:schemeClr val="accent1"/>
+          </a:fillRef>
+          <a:effectRef idx="0">
+            <a:schemeClr val="accent1"/>
+          </a:effectRef>
+          <a:fontRef idx="minor">
+            <a:schemeClr val="lt1"/>
+          </a:fontRef>
+        </p:style>
+        <p:txBody>
+          <a:bodyPr wrap="square" rtlCol="0" anchor="ctr">
+            <a:noAutofit/>
+          </a:bodyPr>
+          <a:lstStyle/>
+          <a:p>
+            <a:pPr algn="ctr"/>
+            <a:endParaRPr lang="en-US"/>
+          </a:p>
+        </p:txBody>
+      </p:sp>
+      <p:sp>
+        <p:nvSpPr>
+          <p:cNvPr id="17" name="Freeform: Shape 16">
+            <a:extLst>
+              <a:ext uri="{FF2B5EF4-FFF2-40B4-BE49-F238E27FC236}">
+                <a16:creationId xmlns:a16="http://schemas.microsoft.com/office/drawing/2014/main" id="{A3969E80-A77B-49FC-9122-D89AFD5EE118}"/>
+              </a:ext>
+              <a:ext uri="{C183D7F6-B498-43B3-948B-1728B52AA6E4}">
+                <adec:decorative xmlns:adec="http://schemas.microsoft.com/office/drawing/2017/decorative" val="1"/>
+              </a:ext>
+            </a:extLst>
+          </p:cNvPr>
+          <p:cNvSpPr>
+            <a:spLocks noGrp="1" noRot="1" noChangeAspect="1" noMove="1" noResize="1" noEditPoints="1" noAdjustHandles="1" noChangeArrowheads="1" noChangeShapeType="1" noTextEdit="1"/>
+          </p:cNvSpPr>
+          <p:nvPr>
+            <p:extLst>
+              <p:ext uri="{386F3935-93C4-4BCD-93E2-E3B085C9AB24}">
+                <p16:designElem xmlns:p16="http://schemas.microsoft.com/office/powerpoint/2015/main" val="1"/>
+              </p:ext>
+            </p:extLst>
+          </p:nvPr>
+        </p:nvSpPr>
+        <p:spPr>
+          <a:xfrm rot="2700000">
+            <a:off x="-29557" y="5198743"/>
+            <a:ext cx="2444907" cy="2366116"/>
+          </a:xfrm>
+          <a:custGeom>
+            <a:avLst/>
+            <a:gdLst>
+              <a:gd name="connsiteX0" fmla="*/ 0 w 2203753"/>
+              <a:gd name="connsiteY0" fmla="*/ 0 h 2132734"/>
+              <a:gd name="connsiteX1" fmla="*/ 2203753 w 2203753"/>
+              <a:gd name="connsiteY1" fmla="*/ 0 h 2132734"/>
+              <a:gd name="connsiteX2" fmla="*/ 2203753 w 2203753"/>
+              <a:gd name="connsiteY2" fmla="*/ 576461 h 2132734"/>
+              <a:gd name="connsiteX3" fmla="*/ 647480 w 2203753"/>
+              <a:gd name="connsiteY3" fmla="*/ 2132734 h 2132734"/>
+              <a:gd name="connsiteX4" fmla="*/ 0 w 2203753"/>
+              <a:gd name="connsiteY4" fmla="*/ 1485255 h 2132734"/>
+            </a:gdLst>
+            <a:ahLst/>
+            <a:cxnLst>
+              <a:cxn ang="0">
+                <a:pos x="connsiteX0" y="connsiteY0"/>
+              </a:cxn>
+              <a:cxn ang="0">
+                <a:pos x="connsiteX1" y="connsiteY1"/>
+              </a:cxn>
+              <a:cxn ang="0">
+                <a:pos x="connsiteX2" y="connsiteY2"/>
+              </a:cxn>
+              <a:cxn ang="0">
+                <a:pos x="connsiteX3" y="connsiteY3"/>
+              </a:cxn>
+              <a:cxn ang="0">
+                <a:pos x="connsiteX4" y="connsiteY4"/>
+              </a:cxn>
+            </a:cxnLst>
+            <a:rect l="l" t="t" r="r" b="b"/>
+            <a:pathLst>
+              <a:path w="2203753" h="2132734">
+                <a:moveTo>
+                  <a:pt x="0" y="0"/>
+                </a:moveTo>
+                <a:lnTo>
+                  <a:pt x="2203753" y="0"/>
+                </a:lnTo>
+                <a:lnTo>
+                  <a:pt x="2203753" y="576461"/>
+                </a:lnTo>
+                <a:lnTo>
+                  <a:pt x="647480" y="2132734"/>
+                </a:lnTo>
+                <a:lnTo>
+                  <a:pt x="0" y="1485255"/>
+                </a:lnTo>
+                <a:close/>
+              </a:path>
+            </a:pathLst>
+          </a:custGeom>
+          <a:solidFill>
+            <a:schemeClr val="accent1">
+              <a:alpha val="30000"/>
+            </a:schemeClr>
+          </a:solidFill>
+          <a:ln>
+            <a:noFill/>
+          </a:ln>
+        </p:spPr>
+        <p:style>
+          <a:lnRef idx="2">
+            <a:schemeClr val="accent1">
+              <a:shade val="50000"/>
+            </a:schemeClr>
+          </a:lnRef>
+          <a:fillRef idx="1">
+            <a:schemeClr val="accent1"/>
+          </a:fillRef>
+          <a:effectRef idx="0">
+            <a:schemeClr val="accent1"/>
+          </a:effectRef>
+          <a:fontRef idx="minor">
+            <a:schemeClr val="lt1"/>
+          </a:fontRef>
+        </p:style>
+        <p:txBody>
+          <a:bodyPr wrap="square" rtlCol="0" anchor="ctr">
+            <a:noAutofit/>
+          </a:bodyPr>
+          <a:lstStyle/>
+          <a:p>
+            <a:pPr algn="ctr"/>
+            <a:endParaRPr lang="en-US"/>
+          </a:p>
+        </p:txBody>
+      </p:sp>
+      <p:sp>
+        <p:nvSpPr>
+          <p:cNvPr id="19" name="Rectangle 18">
+            <a:extLst>
+              <a:ext uri="{FF2B5EF4-FFF2-40B4-BE49-F238E27FC236}">
+                <a16:creationId xmlns:a16="http://schemas.microsoft.com/office/drawing/2014/main" id="{1849CA57-76BD-4CF2-80BA-D7A46A01B7B1}"/>
+              </a:ext>
+              <a:ext uri="{C183D7F6-B498-43B3-948B-1728B52AA6E4}">
+                <adec:decorative xmlns:adec="http://schemas.microsoft.com/office/drawing/2017/decorative" val="1"/>
+              </a:ext>
+            </a:extLst>
+          </p:cNvPr>
+          <p:cNvSpPr>
+            <a:spLocks noGrp="1" noRot="1" noChangeAspect="1" noMove="1" noResize="1" noEditPoints="1" noAdjustHandles="1" noChangeArrowheads="1" noChangeShapeType="1" noTextEdit="1"/>
+          </p:cNvSpPr>
+          <p:nvPr>
+            <p:extLst>
+              <p:ext uri="{386F3935-93C4-4BCD-93E2-E3B085C9AB24}">
+                <p16:designElem xmlns:p16="http://schemas.microsoft.com/office/powerpoint/2015/main" val="1"/>
+              </p:ext>
+            </p:extLst>
+          </p:nvPr>
+        </p:nvSpPr>
+        <p:spPr>
+          <a:xfrm rot="2700000">
+            <a:off x="1769787" y="5439893"/>
+            <a:ext cx="928467" cy="928467"/>
+          </a:xfrm>
+          <a:prstGeom prst="rect">
+            <a:avLst/>
+          </a:prstGeom>
+          <a:solidFill>
+            <a:schemeClr val="accent1">
+              <a:alpha val="30000"/>
+            </a:schemeClr>
+          </a:solidFill>
+          <a:ln>
+            <a:noFill/>
+          </a:ln>
+        </p:spPr>
+        <p:style>
+          <a:lnRef idx="2">
+            <a:schemeClr val="accent1">
+              <a:shade val="50000"/>
+            </a:schemeClr>
+          </a:lnRef>
+          <a:fillRef idx="1">
+            <a:schemeClr val="accent1"/>
+          </a:fillRef>
+          <a:effectRef idx="0">
+            <a:schemeClr val="accent1"/>
+          </a:effectRef>
+          <a:fontRef idx="minor">
+            <a:schemeClr val="lt1"/>
+          </a:fontRef>
+        </p:style>
+        <p:txBody>
+          <a:bodyPr wrap="square" rtlCol="0" anchor="ctr">
+            <a:noAutofit/>
+          </a:bodyPr>
+          <a:lstStyle/>
+          <a:p>
+            <a:pPr algn="ctr"/>
+            <a:endParaRPr lang="en-US">
+              <a:solidFill>
+                <a:srgbClr val="FFFFFF"/>
+              </a:solidFill>
+              <a:effectLst>
+                <a:outerShdw blurRad="38100" dist="38100" dir="2700000" algn="tl">
+                  <a:srgbClr val="000000">
+                    <a:alpha val="43137"/>
+                  </a:srgbClr>
+                </a:outerShdw>
+              </a:effectLst>
+            </a:endParaRPr>
+          </a:p>
+        </p:txBody>
+      </p:sp>
+      <p:sp>
+        <p:nvSpPr>
+          <p:cNvPr id="21" name="Freeform: Shape 20">
+            <a:extLst>
+              <a:ext uri="{FF2B5EF4-FFF2-40B4-BE49-F238E27FC236}">
+                <a16:creationId xmlns:a16="http://schemas.microsoft.com/office/drawing/2014/main" id="{35E9085E-E730-4768-83D4-6CB7E9897153}"/>
+              </a:ext>
+              <a:ext uri="{C183D7F6-B498-43B3-948B-1728B52AA6E4}">
+                <adec:decorative xmlns:adec="http://schemas.microsoft.com/office/drawing/2017/decorative" val="1"/>
+              </a:ext>
+            </a:extLst>
+          </p:cNvPr>
+          <p:cNvSpPr>
+            <a:spLocks noGrp="1" noRot="1" noChangeAspect="1" noMove="1" noResize="1" noEditPoints="1" noAdjustHandles="1" noChangeArrowheads="1" noChangeShapeType="1" noTextEdit="1"/>
+          </p:cNvSpPr>
+          <p:nvPr>
+            <p:extLst>
+              <p:ext uri="{386F3935-93C4-4BCD-93E2-E3B085C9AB24}">
+                <p16:designElem xmlns:p16="http://schemas.microsoft.com/office/powerpoint/2015/main" val="1"/>
+              </p:ext>
+            </p:extLst>
+          </p:nvPr>
+        </p:nvSpPr>
+        <p:spPr>
+          <a:xfrm rot="2700000">
+            <a:off x="3401311" y="734311"/>
+            <a:ext cx="5389379" cy="5389379"/>
+          </a:xfrm>
+          <a:custGeom>
+            <a:avLst/>
+            <a:gdLst>
+              <a:gd name="connsiteX0" fmla="*/ 0 w 5389379"/>
+              <a:gd name="connsiteY0" fmla="*/ 540040 h 5389379"/>
+              <a:gd name="connsiteX1" fmla="*/ 540040 w 5389379"/>
+              <a:gd name="connsiteY1" fmla="*/ 0 h 5389379"/>
+              <a:gd name="connsiteX2" fmla="*/ 5389379 w 5389379"/>
+              <a:gd name="connsiteY2" fmla="*/ 0 h 5389379"/>
+              <a:gd name="connsiteX3" fmla="*/ 5389379 w 5389379"/>
+              <a:gd name="connsiteY3" fmla="*/ 4838655 h 5389379"/>
+              <a:gd name="connsiteX4" fmla="*/ 4838655 w 5389379"/>
+              <a:gd name="connsiteY4" fmla="*/ 5389379 h 5389379"/>
+              <a:gd name="connsiteX5" fmla="*/ 0 w 5389379"/>
+              <a:gd name="connsiteY5" fmla="*/ 5389379 h 5389379"/>
+            </a:gdLst>
+            <a:ahLst/>
+            <a:cxnLst>
+              <a:cxn ang="0">
+                <a:pos x="connsiteX0" y="connsiteY0"/>
+              </a:cxn>
+              <a:cxn ang="0">
+                <a:pos x="connsiteX1" y="connsiteY1"/>
+              </a:cxn>
+              <a:cxn ang="0">
+                <a:pos x="connsiteX2" y="connsiteY2"/>
+              </a:cxn>
+              <a:cxn ang="0">
+                <a:pos x="connsiteX3" y="connsiteY3"/>
+              </a:cxn>
+              <a:cxn ang="0">
+                <a:pos x="connsiteX4" y="connsiteY4"/>
+              </a:cxn>
+              <a:cxn ang="0">
+                <a:pos x="connsiteX5" y="connsiteY5"/>
+              </a:cxn>
+            </a:cxnLst>
+            <a:rect l="l" t="t" r="r" b="b"/>
+            <a:pathLst>
+              <a:path w="5389379" h="5389379">
+                <a:moveTo>
+                  <a:pt x="0" y="540040"/>
+                </a:moveTo>
+                <a:lnTo>
+                  <a:pt x="540040" y="0"/>
+                </a:lnTo>
+                <a:lnTo>
+                  <a:pt x="5389379" y="0"/>
+                </a:lnTo>
+                <a:lnTo>
+                  <a:pt x="5389379" y="4838655"/>
+                </a:lnTo>
+                <a:lnTo>
+                  <a:pt x="4838655" y="5389379"/>
+                </a:lnTo>
+                <a:lnTo>
+                  <a:pt x="0" y="5389379"/>
+                </a:lnTo>
+                <a:close/>
+              </a:path>
+            </a:pathLst>
+          </a:custGeom>
+          <a:solidFill>
+            <a:srgbClr val="FFFFFF"/>
+          </a:solidFill>
+          <a:ln>
+            <a:noFill/>
+          </a:ln>
+        </p:spPr>
+        <p:style>
+          <a:lnRef idx="2">
+            <a:schemeClr val="accent1">
+              <a:shade val="50000"/>
+            </a:schemeClr>
+          </a:lnRef>
+          <a:fillRef idx="1">
+            <a:schemeClr val="accent1"/>
+          </a:fillRef>
+          <a:effectRef idx="0">
+            <a:schemeClr val="accent1"/>
+          </a:effectRef>
+          <a:fontRef idx="minor">
+            <a:schemeClr val="lt1"/>
+          </a:fontRef>
+        </p:style>
+        <p:txBody>
+          <a:bodyPr wrap="square" rtlCol="0" anchor="ctr">
+            <a:noAutofit/>
+          </a:bodyPr>
+          <a:lstStyle/>
+          <a:p>
+            <a:pPr algn="ctr"/>
+            <a:endParaRPr lang="en-US"/>
+          </a:p>
+        </p:txBody>
+      </p:sp>
+      <p:sp>
+        <p:nvSpPr>
+          <p:cNvPr id="23" name="Freeform: Shape 22">
+            <a:extLst>
+              <a:ext uri="{FF2B5EF4-FFF2-40B4-BE49-F238E27FC236}">
+                <a16:creationId xmlns:a16="http://schemas.microsoft.com/office/drawing/2014/main" id="{973272FE-A474-4CAE-8CA2-BCC8B476C3F4}"/>
+              </a:ext>
+              <a:ext uri="{C183D7F6-B498-43B3-948B-1728B52AA6E4}">
+                <adec:decorative xmlns:adec="http://schemas.microsoft.com/office/drawing/2017/decorative" val="1"/>
+              </a:ext>
+            </a:extLst>
+          </p:cNvPr>
+          <p:cNvSpPr>
+            <a:spLocks noGrp="1" noRot="1" noChangeAspect="1" noMove="1" noResize="1" noEditPoints="1" noAdjustHandles="1" noChangeArrowheads="1" noChangeShapeType="1" noTextEdit="1"/>
+          </p:cNvSpPr>
+          <p:nvPr>
+            <p:extLst>
+              <p:ext uri="{386F3935-93C4-4BCD-93E2-E3B085C9AB24}">
+                <p16:designElem xmlns:p16="http://schemas.microsoft.com/office/powerpoint/2015/main" val="1"/>
+              </p:ext>
+            </p:extLst>
+          </p:nvPr>
+        </p:nvSpPr>
+        <p:spPr>
+          <a:xfrm rot="2700000">
+            <a:off x="2700283" y="33283"/>
+            <a:ext cx="6791435" cy="6791435"/>
+          </a:xfrm>
+          <a:custGeom>
+            <a:avLst/>
+            <a:gdLst>
+              <a:gd name="connsiteX0" fmla="*/ 1860938 w 6791435"/>
+              <a:gd name="connsiteY0" fmla="*/ 81158 h 6791435"/>
+              <a:gd name="connsiteX1" fmla="*/ 1942096 w 6791435"/>
+              <a:gd name="connsiteY1" fmla="*/ 0 h 6791435"/>
+              <a:gd name="connsiteX2" fmla="*/ 6791435 w 6791435"/>
+              <a:gd name="connsiteY2" fmla="*/ 0 h 6791435"/>
+              <a:gd name="connsiteX3" fmla="*/ 6791435 w 6791435"/>
+              <a:gd name="connsiteY3" fmla="*/ 4838655 h 6791435"/>
+              <a:gd name="connsiteX4" fmla="*/ 6710277 w 6791435"/>
+              <a:gd name="connsiteY4" fmla="*/ 4919813 h 6791435"/>
+              <a:gd name="connsiteX5" fmla="*/ 6710277 w 6791435"/>
+              <a:gd name="connsiteY5" fmla="*/ 81158 h 6791435"/>
+              <a:gd name="connsiteX6" fmla="*/ 0 w 6791435"/>
+              <a:gd name="connsiteY6" fmla="*/ 1942096 h 6791435"/>
+              <a:gd name="connsiteX7" fmla="*/ 81158 w 6791435"/>
+              <a:gd name="connsiteY7" fmla="*/ 1860938 h 6791435"/>
+              <a:gd name="connsiteX8" fmla="*/ 81158 w 6791435"/>
+              <a:gd name="connsiteY8" fmla="*/ 6710277 h 6791435"/>
+              <a:gd name="connsiteX9" fmla="*/ 4919813 w 6791435"/>
+              <a:gd name="connsiteY9" fmla="*/ 6710277 h 6791435"/>
+              <a:gd name="connsiteX10" fmla="*/ 4838655 w 6791435"/>
+              <a:gd name="connsiteY10" fmla="*/ 6791435 h 6791435"/>
+              <a:gd name="connsiteX11" fmla="*/ 0 w 6791435"/>
+              <a:gd name="connsiteY11" fmla="*/ 6791435 h 6791435"/>
+            </a:gdLst>
+            <a:ahLst/>
+            <a:cxnLst>
+              <a:cxn ang="0">
+                <a:pos x="connsiteX0" y="connsiteY0"/>
+              </a:cxn>
+              <a:cxn ang="0">
+                <a:pos x="connsiteX1" y="connsiteY1"/>
+              </a:cxn>
+              <a:cxn ang="0">
+                <a:pos x="connsiteX2" y="connsiteY2"/>
+              </a:cxn>
+              <a:cxn ang="0">
+                <a:pos x="connsiteX3" y="connsiteY3"/>
+              </a:cxn>
+              <a:cxn ang="0">
+                <a:pos x="connsiteX4" y="connsiteY4"/>
+              </a:cxn>
+              <a:cxn ang="0">
+                <a:pos x="connsiteX5" y="connsiteY5"/>
+              </a:cxn>
+              <a:cxn ang="0">
+                <a:pos x="connsiteX6" y="connsiteY6"/>
+              </a:cxn>
+              <a:cxn ang="0">
+                <a:pos x="connsiteX7" y="connsiteY7"/>
+              </a:cxn>
+              <a:cxn ang="0">
+                <a:pos x="connsiteX8" y="connsiteY8"/>
+              </a:cxn>
+              <a:cxn ang="0">
+                <a:pos x="connsiteX9" y="connsiteY9"/>
+              </a:cxn>
+              <a:cxn ang="0">
+                <a:pos x="connsiteX10" y="connsiteY10"/>
+              </a:cxn>
+              <a:cxn ang="0">
+                <a:pos x="connsiteX11" y="connsiteY11"/>
+              </a:cxn>
+            </a:cxnLst>
+            <a:rect l="l" t="t" r="r" b="b"/>
+            <a:pathLst>
+              <a:path w="6791435" h="6791435">
+                <a:moveTo>
+                  <a:pt x="1860938" y="81158"/>
+                </a:moveTo>
+                <a:lnTo>
+                  <a:pt x="1942096" y="0"/>
+                </a:lnTo>
+                <a:lnTo>
+                  <a:pt x="6791435" y="0"/>
+                </a:lnTo>
+                <a:lnTo>
+                  <a:pt x="6791435" y="4838655"/>
+                </a:lnTo>
+                <a:lnTo>
+                  <a:pt x="6710277" y="4919813"/>
+                </a:lnTo>
+                <a:lnTo>
+                  <a:pt x="6710277" y="81158"/>
+                </a:lnTo>
+                <a:close/>
+                <a:moveTo>
+                  <a:pt x="0" y="1942096"/>
+                </a:moveTo>
+                <a:lnTo>
+                  <a:pt x="81158" y="1860938"/>
+                </a:lnTo>
+                <a:lnTo>
+                  <a:pt x="81158" y="6710277"/>
+                </a:lnTo>
+                <a:lnTo>
+                  <a:pt x="4919813" y="6710277"/>
+                </a:lnTo>
+                <a:lnTo>
+                  <a:pt x="4838655" y="6791435"/>
+                </a:lnTo>
+                <a:lnTo>
+                  <a:pt x="0" y="6791435"/>
+                </a:lnTo>
+                <a:close/>
+              </a:path>
+            </a:pathLst>
+          </a:custGeom>
+          <a:solidFill>
+            <a:srgbClr val="FFFFFF">
+              <a:alpha val="60000"/>
+            </a:srgbClr>
+          </a:solidFill>
+          <a:ln>
+            <a:noFill/>
+          </a:ln>
+        </p:spPr>
+        <p:style>
+          <a:lnRef idx="2">
+            <a:schemeClr val="accent1">
+              <a:shade val="50000"/>
+            </a:schemeClr>
+          </a:lnRef>
+          <a:fillRef idx="1">
+            <a:schemeClr val="accent1"/>
+          </a:fillRef>
+          <a:effectRef idx="0">
+            <a:schemeClr val="accent1"/>
+          </a:effectRef>
+          <a:fontRef idx="minor">
+            <a:schemeClr val="lt1"/>
+          </a:fontRef>
+        </p:style>
+        <p:txBody>
+          <a:bodyPr wrap="square" rtlCol="0" anchor="ctr">
+            <a:noAutofit/>
+          </a:bodyPr>
+          <a:lstStyle/>
+          <a:p>
+            <a:pPr algn="ctr"/>
+            <a:endParaRPr lang="en-US">
+              <a:solidFill>
+                <a:schemeClr val="tx1"/>
+              </a:solidFill>
+            </a:endParaRPr>
+          </a:p>
+        </p:txBody>
+      </p:sp>
+      <p:sp>
+        <p:nvSpPr>
           <p:cNvPr id="2" name="Title 1">
             <a:extLst>
               <a:ext uri="{FF2B5EF4-FFF2-40B4-BE49-F238E27FC236}">
-                <a16:creationId xmlns:a16="http://schemas.microsoft.com/office/drawing/2014/main" id="{0E8C2EE7-77FB-4A2C-B471-C17DDBE8BAA5}"/>
+                <a16:creationId xmlns:a16="http://schemas.microsoft.com/office/drawing/2014/main" id="{76D6C7C4-FE38-4EA1-902E-D68D29EFF4CB}"/>
               </a:ext>
             </a:extLst>
           </p:cNvPr>
@@ -4244,18 +8245,345 @@
             <a:spLocks noGrp="1"/>
           </p:cNvSpPr>
           <p:nvPr>
-            <p:ph type="title"/>
-          </p:nvPr>
-        </p:nvSpPr>
-        <p:spPr/>
-        <p:txBody>
-          <a:bodyPr>
+            <p:ph type="ctrTitle"/>
+          </p:nvPr>
+        </p:nvSpPr>
+        <p:spPr>
+          <a:xfrm>
+            <a:off x="3204642" y="2353641"/>
+            <a:ext cx="5782716" cy="2150719"/>
+          </a:xfrm>
+          <a:noFill/>
+        </p:spPr>
+        <p:txBody>
+          <a:bodyPr anchor="ctr">
             <a:normAutofit/>
           </a:bodyPr>
           <a:lstStyle/>
           <a:p>
             <a:r>
-              <a:rPr lang="en-US" sz="4000" dirty="0">
+              <a:rPr lang="en-US" sz="3600" dirty="0">
+                <a:solidFill>
+                  <a:srgbClr val="080808"/>
+                </a:solidFill>
+                <a:cs typeface="Calibri Light"/>
+              </a:rPr>
+              <a:t>THANK YOU</a:t>
+            </a:r>
+            <a:endParaRPr lang="en-US" sz="3600" dirty="0">
+              <a:cs typeface="Calibri Light"/>
+            </a:endParaRPr>
+          </a:p>
+        </p:txBody>
+      </p:sp>
+      <p:sp>
+        <p:nvSpPr>
+          <p:cNvPr id="25" name="Freeform: Shape 24">
+            <a:extLst>
+              <a:ext uri="{FF2B5EF4-FFF2-40B4-BE49-F238E27FC236}">
+                <a16:creationId xmlns:a16="http://schemas.microsoft.com/office/drawing/2014/main" id="{E07981EA-05A6-437C-88D7-B377B92B031D}"/>
+              </a:ext>
+              <a:ext uri="{C183D7F6-B498-43B3-948B-1728B52AA6E4}">
+                <adec:decorative xmlns:adec="http://schemas.microsoft.com/office/drawing/2017/decorative" val="1"/>
+              </a:ext>
+            </a:extLst>
+          </p:cNvPr>
+          <p:cNvSpPr>
+            <a:spLocks noGrp="1" noRot="1" noChangeAspect="1" noMove="1" noResize="1" noEditPoints="1" noAdjustHandles="1" noChangeArrowheads="1" noChangeShapeType="1" noTextEdit="1"/>
+          </p:cNvSpPr>
+          <p:nvPr>
+            <p:extLst>
+              <p:ext uri="{386F3935-93C4-4BCD-93E2-E3B085C9AB24}">
+                <p16:designElem xmlns:p16="http://schemas.microsoft.com/office/powerpoint/2015/main" val="1"/>
+              </p:ext>
+            </p:extLst>
+          </p:nvPr>
+        </p:nvSpPr>
+        <p:spPr>
+          <a:xfrm rot="2700000">
+            <a:off x="9629823" y="5457591"/>
+            <a:ext cx="2231794" cy="2568811"/>
+          </a:xfrm>
+          <a:custGeom>
+            <a:avLst/>
+            <a:gdLst>
+              <a:gd name="connsiteX0" fmla="*/ 0 w 2940086"/>
+              <a:gd name="connsiteY0" fmla="*/ 0 h 3384061"/>
+              <a:gd name="connsiteX1" fmla="*/ 2496112 w 2940086"/>
+              <a:gd name="connsiteY1" fmla="*/ 0 h 3384061"/>
+              <a:gd name="connsiteX2" fmla="*/ 2940086 w 2940086"/>
+              <a:gd name="connsiteY2" fmla="*/ 443975 h 3384061"/>
+              <a:gd name="connsiteX3" fmla="*/ 0 w 2940086"/>
+              <a:gd name="connsiteY3" fmla="*/ 3384061 h 3384061"/>
+            </a:gdLst>
+            <a:ahLst/>
+            <a:cxnLst>
+              <a:cxn ang="0">
+                <a:pos x="connsiteX0" y="connsiteY0"/>
+              </a:cxn>
+              <a:cxn ang="0">
+                <a:pos x="connsiteX1" y="connsiteY1"/>
+              </a:cxn>
+              <a:cxn ang="0">
+                <a:pos x="connsiteX2" y="connsiteY2"/>
+              </a:cxn>
+              <a:cxn ang="0">
+                <a:pos x="connsiteX3" y="connsiteY3"/>
+              </a:cxn>
+            </a:cxnLst>
+            <a:rect l="l" t="t" r="r" b="b"/>
+            <a:pathLst>
+              <a:path w="2940086" h="3384061">
+                <a:moveTo>
+                  <a:pt x="0" y="0"/>
+                </a:moveTo>
+                <a:lnTo>
+                  <a:pt x="2496112" y="0"/>
+                </a:lnTo>
+                <a:lnTo>
+                  <a:pt x="2940086" y="443975"/>
+                </a:lnTo>
+                <a:lnTo>
+                  <a:pt x="0" y="3384061"/>
+                </a:lnTo>
+                <a:close/>
+              </a:path>
+            </a:pathLst>
+          </a:custGeom>
+          <a:solidFill>
+            <a:schemeClr val="accent4">
+              <a:alpha val="40000"/>
+            </a:schemeClr>
+          </a:solidFill>
+          <a:ln>
+            <a:noFill/>
+          </a:ln>
+        </p:spPr>
+        <p:style>
+          <a:lnRef idx="2">
+            <a:schemeClr val="accent1">
+              <a:shade val="50000"/>
+            </a:schemeClr>
+          </a:lnRef>
+          <a:fillRef idx="1">
+            <a:schemeClr val="accent1"/>
+          </a:fillRef>
+          <a:effectRef idx="0">
+            <a:schemeClr val="accent1"/>
+          </a:effectRef>
+          <a:fontRef idx="minor">
+            <a:schemeClr val="lt1"/>
+          </a:fontRef>
+        </p:style>
+        <p:txBody>
+          <a:bodyPr wrap="square" rtlCol="0" anchor="ctr">
+            <a:noAutofit/>
+          </a:bodyPr>
+          <a:lstStyle/>
+          <a:p>
+            <a:pPr algn="ctr"/>
+            <a:endParaRPr lang="en-US"/>
+          </a:p>
+        </p:txBody>
+      </p:sp>
+      <p:sp>
+        <p:nvSpPr>
+          <p:cNvPr id="27" name="Rectangle 26">
+            <a:extLst>
+              <a:ext uri="{FF2B5EF4-FFF2-40B4-BE49-F238E27FC236}">
+                <a16:creationId xmlns:a16="http://schemas.microsoft.com/office/drawing/2014/main" id="{15E3C750-986E-4769-B1AE-49289FBEE757}"/>
+              </a:ext>
+              <a:ext uri="{C183D7F6-B498-43B3-948B-1728B52AA6E4}">
+                <adec:decorative xmlns:adec="http://schemas.microsoft.com/office/drawing/2017/decorative" val="1"/>
+              </a:ext>
+            </a:extLst>
+          </p:cNvPr>
+          <p:cNvSpPr>
+            <a:spLocks noGrp="1" noRot="1" noChangeAspect="1" noMove="1" noResize="1" noEditPoints="1" noAdjustHandles="1" noChangeArrowheads="1" noChangeShapeType="1" noTextEdit="1"/>
+          </p:cNvSpPr>
+          <p:nvPr>
+            <p:extLst>
+              <p:ext uri="{386F3935-93C4-4BCD-93E2-E3B085C9AB24}">
+                <p16:designElem xmlns:p16="http://schemas.microsoft.com/office/powerpoint/2015/main" val="1"/>
+              </p:ext>
+            </p:extLst>
+          </p:nvPr>
+        </p:nvSpPr>
+        <p:spPr>
+          <a:xfrm rot="2700000">
+            <a:off x="9720059" y="5243545"/>
+            <a:ext cx="959985" cy="959985"/>
+          </a:xfrm>
+          <a:prstGeom prst="rect">
+            <a:avLst/>
+          </a:prstGeom>
+          <a:solidFill>
+            <a:schemeClr val="accent4">
+              <a:alpha val="40000"/>
+            </a:schemeClr>
+          </a:solidFill>
+          <a:ln>
+            <a:noFill/>
+          </a:ln>
+        </p:spPr>
+        <p:style>
+          <a:lnRef idx="2">
+            <a:schemeClr val="accent1">
+              <a:shade val="50000"/>
+            </a:schemeClr>
+          </a:lnRef>
+          <a:fillRef idx="1">
+            <a:schemeClr val="accent1"/>
+          </a:fillRef>
+          <a:effectRef idx="0">
+            <a:schemeClr val="accent1"/>
+          </a:effectRef>
+          <a:fontRef idx="minor">
+            <a:schemeClr val="lt1"/>
+          </a:fontRef>
+        </p:style>
+        <p:txBody>
+          <a:bodyPr wrap="square" rtlCol="0" anchor="ctr">
+            <a:noAutofit/>
+          </a:bodyPr>
+          <a:lstStyle/>
+          <a:p>
+            <a:pPr algn="ctr"/>
+            <a:endParaRPr lang="en-US"/>
+          </a:p>
+        </p:txBody>
+      </p:sp>
+    </p:spTree>
+    <p:extLst>
+      <p:ext uri="{BB962C8B-B14F-4D97-AF65-F5344CB8AC3E}">
+        <p14:creationId xmlns:p14="http://schemas.microsoft.com/office/powerpoint/2010/main" val="1340233126"/>
+      </p:ext>
+    </p:extLst>
+  </p:cSld>
+  <p:clrMapOvr>
+    <a:masterClrMapping/>
+  </p:clrMapOvr>
+</p:sld>
+</file>
+
+<file path=ppt/slides/slide2.xml><?xml version="1.0" encoding="utf-8"?>
+<p:sld xmlns:a="http://schemas.openxmlformats.org/drawingml/2006/main" xmlns:r="http://schemas.openxmlformats.org/officeDocument/2006/relationships" xmlns:p="http://schemas.openxmlformats.org/presentationml/2006/main">
+  <p:cSld>
+    <p:bg>
+      <p:bgPr>
+        <a:solidFill>
+          <a:schemeClr val="bg1"/>
+        </a:solidFill>
+        <a:effectLst/>
+      </p:bgPr>
+    </p:bg>
+    <p:spTree>
+      <p:nvGrpSpPr>
+        <p:cNvPr id="1" name=""/>
+        <p:cNvGrpSpPr/>
+        <p:nvPr/>
+      </p:nvGrpSpPr>
+      <p:grpSpPr>
+        <a:xfrm>
+          <a:off x="0" y="0"/>
+          <a:ext cx="0" cy="0"/>
+          <a:chOff x="0" y="0"/>
+          <a:chExt cx="0" cy="0"/>
+        </a:xfrm>
+      </p:grpSpPr>
+      <p:sp>
+        <p:nvSpPr>
+          <p:cNvPr id="17" name="Rectangle 16">
+            <a:extLst>
+              <a:ext uri="{FF2B5EF4-FFF2-40B4-BE49-F238E27FC236}">
+                <a16:creationId xmlns:a16="http://schemas.microsoft.com/office/drawing/2014/main" id="{46D6306C-ED4F-4AAE-B4A5-EEA6AFAD726E}"/>
+              </a:ext>
+              <a:ext uri="{C183D7F6-B498-43B3-948B-1728B52AA6E4}">
+                <adec:decorative xmlns:adec="http://schemas.microsoft.com/office/drawing/2017/decorative" val="1"/>
+              </a:ext>
+            </a:extLst>
+          </p:cNvPr>
+          <p:cNvSpPr>
+            <a:spLocks noGrp="1" noRot="1" noChangeAspect="1" noMove="1" noResize="1" noEditPoints="1" noAdjustHandles="1" noChangeArrowheads="1" noChangeShapeType="1" noTextEdit="1"/>
+          </p:cNvSpPr>
+          <p:nvPr>
+            <p:extLst>
+              <p:ext uri="{386F3935-93C4-4BCD-93E2-E3B085C9AB24}">
+                <p16:designElem xmlns:p16="http://schemas.microsoft.com/office/powerpoint/2015/main" val="1"/>
+              </p:ext>
+            </p:extLst>
+          </p:nvPr>
+        </p:nvSpPr>
+        <p:spPr>
+          <a:xfrm>
+            <a:off x="0" y="0"/>
+            <a:ext cx="12192000" cy="6858000"/>
+          </a:xfrm>
+          <a:prstGeom prst="rect">
+            <a:avLst/>
+          </a:prstGeom>
+          <a:solidFill>
+            <a:schemeClr val="bg1"/>
+          </a:solidFill>
+          <a:ln>
+            <a:noFill/>
+          </a:ln>
+        </p:spPr>
+        <p:style>
+          <a:lnRef idx="2">
+            <a:schemeClr val="accent1">
+              <a:shade val="50000"/>
+            </a:schemeClr>
+          </a:lnRef>
+          <a:fillRef idx="1">
+            <a:schemeClr val="accent1"/>
+          </a:fillRef>
+          <a:effectRef idx="0">
+            <a:schemeClr val="accent1"/>
+          </a:effectRef>
+          <a:fontRef idx="minor">
+            <a:schemeClr val="lt1"/>
+          </a:fontRef>
+        </p:style>
+        <p:txBody>
+          <a:bodyPr rtlCol="0" anchor="ctr"/>
+          <a:lstStyle/>
+          <a:p>
+            <a:pPr algn="ctr"/>
+            <a:endParaRPr lang="en-US" dirty="0"/>
+          </a:p>
+        </p:txBody>
+      </p:sp>
+      <p:sp>
+        <p:nvSpPr>
+          <p:cNvPr id="2" name="Title 1">
+            <a:extLst>
+              <a:ext uri="{FF2B5EF4-FFF2-40B4-BE49-F238E27FC236}">
+                <a16:creationId xmlns:a16="http://schemas.microsoft.com/office/drawing/2014/main" id="{0E8C2EE7-77FB-4A2C-B471-C17DDBE8BAA5}"/>
+              </a:ext>
+            </a:extLst>
+          </p:cNvPr>
+          <p:cNvSpPr>
+            <a:spLocks noGrp="1"/>
+          </p:cNvSpPr>
+          <p:nvPr>
+            <p:ph type="title"/>
+          </p:nvPr>
+        </p:nvSpPr>
+        <p:spPr>
+          <a:xfrm>
+            <a:off x="643467" y="1698171"/>
+            <a:ext cx="3962061" cy="4516360"/>
+          </a:xfrm>
+        </p:spPr>
+        <p:txBody>
+          <a:bodyPr anchor="t">
+            <a:normAutofit/>
+          </a:bodyPr>
+          <a:lstStyle/>
+          <a:p>
+            <a:r>
+              <a:rPr lang="en-US" sz="3600">
                 <a:latin typeface="Times New Roman" panose="02020603050405020304" pitchFamily="18" charset="0"/>
                 <a:cs typeface="Times New Roman" panose="02020603050405020304" pitchFamily="18" charset="0"/>
               </a:rPr>
@@ -4266,6 +8594,366 @@
       </p:sp>
       <p:sp>
         <p:nvSpPr>
+          <p:cNvPr id="19" name="Rectangle 18">
+            <a:extLst>
+              <a:ext uri="{FF2B5EF4-FFF2-40B4-BE49-F238E27FC236}">
+                <a16:creationId xmlns:a16="http://schemas.microsoft.com/office/drawing/2014/main" id="{0EC5361D-F897-4856-B945-0455A365EB24}"/>
+              </a:ext>
+              <a:ext uri="{C183D7F6-B498-43B3-948B-1728B52AA6E4}">
+                <adec:decorative xmlns:adec="http://schemas.microsoft.com/office/drawing/2017/decorative" val="1"/>
+              </a:ext>
+            </a:extLst>
+          </p:cNvPr>
+          <p:cNvSpPr>
+            <a:spLocks noGrp="1" noRot="1" noChangeAspect="1" noMove="1" noResize="1" noEditPoints="1" noAdjustHandles="1" noChangeArrowheads="1" noChangeShapeType="1" noTextEdit="1"/>
+          </p:cNvSpPr>
+          <p:nvPr>
+            <p:extLst>
+              <p:ext uri="{386F3935-93C4-4BCD-93E2-E3B085C9AB24}">
+                <p16:designElem xmlns:p16="http://schemas.microsoft.com/office/powerpoint/2015/main" val="1"/>
+              </p:ext>
+            </p:extLst>
+          </p:nvPr>
+        </p:nvSpPr>
+        <p:spPr>
+          <a:xfrm rot="2700000">
+            <a:off x="415435" y="655140"/>
+            <a:ext cx="687472" cy="687472"/>
+          </a:xfrm>
+          <a:prstGeom prst="rect">
+            <a:avLst/>
+          </a:prstGeom>
+          <a:solidFill>
+            <a:schemeClr val="accent4">
+              <a:alpha val="30000"/>
+            </a:schemeClr>
+          </a:solidFill>
+          <a:ln>
+            <a:noFill/>
+          </a:ln>
+        </p:spPr>
+        <p:style>
+          <a:lnRef idx="2">
+            <a:schemeClr val="accent1">
+              <a:shade val="50000"/>
+            </a:schemeClr>
+          </a:lnRef>
+          <a:fillRef idx="1">
+            <a:schemeClr val="accent1"/>
+          </a:fillRef>
+          <a:effectRef idx="0">
+            <a:schemeClr val="accent1"/>
+          </a:effectRef>
+          <a:fontRef idx="minor">
+            <a:schemeClr val="lt1"/>
+          </a:fontRef>
+        </p:style>
+        <p:txBody>
+          <a:bodyPr rtlCol="0" anchor="ctr"/>
+          <a:lstStyle/>
+          <a:p>
+            <a:pPr algn="ctr"/>
+            <a:endParaRPr lang="en-US"/>
+          </a:p>
+        </p:txBody>
+      </p:sp>
+      <p:sp>
+        <p:nvSpPr>
+          <p:cNvPr id="21" name="Freeform: Shape 20">
+            <a:extLst>
+              <a:ext uri="{FF2B5EF4-FFF2-40B4-BE49-F238E27FC236}">
+                <a16:creationId xmlns:a16="http://schemas.microsoft.com/office/drawing/2014/main" id="{4508C0C5-2268-42B5-B3C8-4D0899E05F8C}"/>
+              </a:ext>
+              <a:ext uri="{C183D7F6-B498-43B3-948B-1728B52AA6E4}">
+                <adec:decorative xmlns:adec="http://schemas.microsoft.com/office/drawing/2017/decorative" val="1"/>
+              </a:ext>
+            </a:extLst>
+          </p:cNvPr>
+          <p:cNvSpPr>
+            <a:spLocks noGrp="1" noRot="1" noChangeAspect="1" noMove="1" noResize="1" noEditPoints="1" noAdjustHandles="1" noChangeArrowheads="1" noChangeShapeType="1" noTextEdit="1"/>
+          </p:cNvSpPr>
+          <p:nvPr>
+            <p:extLst>
+              <p:ext uri="{386F3935-93C4-4BCD-93E2-E3B085C9AB24}">
+                <p16:designElem xmlns:p16="http://schemas.microsoft.com/office/powerpoint/2015/main" val="1"/>
+              </p:ext>
+            </p:extLst>
+          </p:nvPr>
+        </p:nvSpPr>
+        <p:spPr>
+          <a:xfrm rot="10800000">
+            <a:off x="0" y="0"/>
+            <a:ext cx="2835357" cy="1480837"/>
+          </a:xfrm>
+          <a:custGeom>
+            <a:avLst/>
+            <a:gdLst>
+              <a:gd name="connsiteX0" fmla="*/ 2835357 w 2835357"/>
+              <a:gd name="connsiteY0" fmla="*/ 1480837 h 1480837"/>
+              <a:gd name="connsiteX1" fmla="*/ 0 w 2835357"/>
+              <a:gd name="connsiteY1" fmla="*/ 1480837 h 1480837"/>
+              <a:gd name="connsiteX2" fmla="*/ 1552727 w 2835357"/>
+              <a:gd name="connsiteY2" fmla="*/ 0 h 1480837"/>
+              <a:gd name="connsiteX3" fmla="*/ 2835357 w 2835357"/>
+              <a:gd name="connsiteY3" fmla="*/ 1223245 h 1480837"/>
+            </a:gdLst>
+            <a:ahLst/>
+            <a:cxnLst>
+              <a:cxn ang="0">
+                <a:pos x="connsiteX0" y="connsiteY0"/>
+              </a:cxn>
+              <a:cxn ang="0">
+                <a:pos x="connsiteX1" y="connsiteY1"/>
+              </a:cxn>
+              <a:cxn ang="0">
+                <a:pos x="connsiteX2" y="connsiteY2"/>
+              </a:cxn>
+              <a:cxn ang="0">
+                <a:pos x="connsiteX3" y="connsiteY3"/>
+              </a:cxn>
+            </a:cxnLst>
+            <a:rect l="l" t="t" r="r" b="b"/>
+            <a:pathLst>
+              <a:path w="2835357" h="1480837">
+                <a:moveTo>
+                  <a:pt x="2835357" y="1480837"/>
+                </a:moveTo>
+                <a:lnTo>
+                  <a:pt x="0" y="1480837"/>
+                </a:lnTo>
+                <a:lnTo>
+                  <a:pt x="1552727" y="0"/>
+                </a:lnTo>
+                <a:lnTo>
+                  <a:pt x="2835357" y="1223245"/>
+                </a:lnTo>
+                <a:close/>
+              </a:path>
+            </a:pathLst>
+          </a:custGeom>
+          <a:solidFill>
+            <a:schemeClr val="accent4">
+              <a:alpha val="30000"/>
+            </a:schemeClr>
+          </a:solidFill>
+          <a:ln>
+            <a:noFill/>
+          </a:ln>
+        </p:spPr>
+        <p:style>
+          <a:lnRef idx="2">
+            <a:schemeClr val="accent1">
+              <a:shade val="50000"/>
+            </a:schemeClr>
+          </a:lnRef>
+          <a:fillRef idx="1">
+            <a:schemeClr val="accent1"/>
+          </a:fillRef>
+          <a:effectRef idx="0">
+            <a:schemeClr val="accent1"/>
+          </a:effectRef>
+          <a:fontRef idx="minor">
+            <a:schemeClr val="lt1"/>
+          </a:fontRef>
+        </p:style>
+        <p:txBody>
+          <a:bodyPr wrap="square" rtlCol="0" anchor="ctr">
+            <a:noAutofit/>
+          </a:bodyPr>
+          <a:lstStyle/>
+          <a:p>
+            <a:pPr algn="ctr"/>
+            <a:endParaRPr lang="en-US" dirty="0"/>
+          </a:p>
+        </p:txBody>
+      </p:sp>
+      <p:sp>
+        <p:nvSpPr>
+          <p:cNvPr id="23" name="Freeform: Shape 22">
+            <a:extLst>
+              <a:ext uri="{FF2B5EF4-FFF2-40B4-BE49-F238E27FC236}">
+                <a16:creationId xmlns:a16="http://schemas.microsoft.com/office/drawing/2014/main" id="{141ACBDB-38F8-4B34-8183-BD95B4E55A62}"/>
+              </a:ext>
+              <a:ext uri="{C183D7F6-B498-43B3-948B-1728B52AA6E4}">
+                <adec:decorative xmlns:adec="http://schemas.microsoft.com/office/drawing/2017/decorative" val="1"/>
+              </a:ext>
+            </a:extLst>
+          </p:cNvPr>
+          <p:cNvSpPr>
+            <a:spLocks noGrp="1" noRot="1" noChangeAspect="1" noMove="1" noResize="1" noEditPoints="1" noAdjustHandles="1" noChangeArrowheads="1" noChangeShapeType="1" noTextEdit="1"/>
+          </p:cNvSpPr>
+          <p:nvPr>
+            <p:extLst>
+              <p:ext uri="{386F3935-93C4-4BCD-93E2-E3B085C9AB24}">
+                <p16:designElem xmlns:p16="http://schemas.microsoft.com/office/powerpoint/2015/main" val="1"/>
+              </p:ext>
+            </p:extLst>
+          </p:nvPr>
+        </p:nvSpPr>
+        <p:spPr>
+          <a:xfrm rot="2700000">
+            <a:off x="10739327" y="-253670"/>
+            <a:ext cx="1827638" cy="1376989"/>
+          </a:xfrm>
+          <a:custGeom>
+            <a:avLst/>
+            <a:gdLst>
+              <a:gd name="connsiteX0" fmla="*/ 0 w 1827638"/>
+              <a:gd name="connsiteY0" fmla="*/ 987379 h 1376989"/>
+              <a:gd name="connsiteX1" fmla="*/ 987379 w 1827638"/>
+              <a:gd name="connsiteY1" fmla="*/ 0 h 1376989"/>
+              <a:gd name="connsiteX2" fmla="*/ 1827638 w 1827638"/>
+              <a:gd name="connsiteY2" fmla="*/ 840260 h 1376989"/>
+              <a:gd name="connsiteX3" fmla="*/ 1827638 w 1827638"/>
+              <a:gd name="connsiteY3" fmla="*/ 1376989 h 1376989"/>
+              <a:gd name="connsiteX4" fmla="*/ 0 w 1827638"/>
+              <a:gd name="connsiteY4" fmla="*/ 1376989 h 1376989"/>
+            </a:gdLst>
+            <a:ahLst/>
+            <a:cxnLst>
+              <a:cxn ang="0">
+                <a:pos x="connsiteX0" y="connsiteY0"/>
+              </a:cxn>
+              <a:cxn ang="0">
+                <a:pos x="connsiteX1" y="connsiteY1"/>
+              </a:cxn>
+              <a:cxn ang="0">
+                <a:pos x="connsiteX2" y="connsiteY2"/>
+              </a:cxn>
+              <a:cxn ang="0">
+                <a:pos x="connsiteX3" y="connsiteY3"/>
+              </a:cxn>
+              <a:cxn ang="0">
+                <a:pos x="connsiteX4" y="connsiteY4"/>
+              </a:cxn>
+            </a:cxnLst>
+            <a:rect l="l" t="t" r="r" b="b"/>
+            <a:pathLst>
+              <a:path w="1827638" h="1376989">
+                <a:moveTo>
+                  <a:pt x="0" y="987379"/>
+                </a:moveTo>
+                <a:lnTo>
+                  <a:pt x="987379" y="0"/>
+                </a:lnTo>
+                <a:lnTo>
+                  <a:pt x="1827638" y="840260"/>
+                </a:lnTo>
+                <a:lnTo>
+                  <a:pt x="1827638" y="1376989"/>
+                </a:lnTo>
+                <a:lnTo>
+                  <a:pt x="0" y="1376989"/>
+                </a:lnTo>
+                <a:close/>
+              </a:path>
+            </a:pathLst>
+          </a:custGeom>
+          <a:solidFill>
+            <a:schemeClr val="accent1">
+              <a:alpha val="30000"/>
+            </a:schemeClr>
+          </a:solidFill>
+          <a:ln>
+            <a:noFill/>
+          </a:ln>
+        </p:spPr>
+        <p:style>
+          <a:lnRef idx="2">
+            <a:schemeClr val="accent1">
+              <a:shade val="50000"/>
+            </a:schemeClr>
+          </a:lnRef>
+          <a:fillRef idx="1">
+            <a:schemeClr val="accent1"/>
+          </a:fillRef>
+          <a:effectRef idx="0">
+            <a:schemeClr val="accent1"/>
+          </a:effectRef>
+          <a:fontRef idx="minor">
+            <a:schemeClr val="lt1"/>
+          </a:fontRef>
+        </p:style>
+        <p:txBody>
+          <a:bodyPr wrap="square" rtlCol="0" anchor="ctr">
+            <a:noAutofit/>
+          </a:bodyPr>
+          <a:lstStyle/>
+          <a:p>
+            <a:pPr algn="ctr"/>
+            <a:endParaRPr lang="en-US" dirty="0"/>
+          </a:p>
+        </p:txBody>
+      </p:sp>
+      <p:sp>
+        <p:nvSpPr>
+          <p:cNvPr id="25" name="Rectangle 24">
+            <a:extLst>
+              <a:ext uri="{FF2B5EF4-FFF2-40B4-BE49-F238E27FC236}">
+                <a16:creationId xmlns:a16="http://schemas.microsoft.com/office/drawing/2014/main" id="{DE00DB52-3455-4E2F-867B-A6D0516E175B}"/>
+              </a:ext>
+              <a:ext uri="{C183D7F6-B498-43B3-948B-1728B52AA6E4}">
+                <adec:decorative xmlns:adec="http://schemas.microsoft.com/office/drawing/2017/decorative" val="1"/>
+              </a:ext>
+            </a:extLst>
+          </p:cNvPr>
+          <p:cNvSpPr>
+            <a:spLocks noGrp="1" noRot="1" noChangeAspect="1" noMove="1" noResize="1" noEditPoints="1" noAdjustHandles="1" noChangeArrowheads="1" noChangeShapeType="1" noTextEdit="1"/>
+          </p:cNvSpPr>
+          <p:nvPr>
+            <p:extLst>
+              <p:ext uri="{386F3935-93C4-4BCD-93E2-E3B085C9AB24}">
+                <p16:designElem xmlns:p16="http://schemas.microsoft.com/office/powerpoint/2015/main" val="1"/>
+              </p:ext>
+            </p:extLst>
+          </p:nvPr>
+        </p:nvSpPr>
+        <p:spPr>
+          <a:xfrm rot="2700000">
+            <a:off x="10653800" y="422146"/>
+            <a:ext cx="645368" cy="645368"/>
+          </a:xfrm>
+          <a:prstGeom prst="rect">
+            <a:avLst/>
+          </a:prstGeom>
+          <a:solidFill>
+            <a:schemeClr val="accent1">
+              <a:alpha val="30000"/>
+            </a:schemeClr>
+          </a:solidFill>
+          <a:ln>
+            <a:noFill/>
+          </a:ln>
+        </p:spPr>
+        <p:style>
+          <a:lnRef idx="2">
+            <a:schemeClr val="accent1">
+              <a:shade val="50000"/>
+            </a:schemeClr>
+          </a:lnRef>
+          <a:fillRef idx="1">
+            <a:schemeClr val="accent1"/>
+          </a:fillRef>
+          <a:effectRef idx="0">
+            <a:schemeClr val="accent1"/>
+          </a:effectRef>
+          <a:fontRef idx="minor">
+            <a:schemeClr val="lt1"/>
+          </a:fontRef>
+        </p:style>
+        <p:txBody>
+          <a:bodyPr wrap="square" rtlCol="0" anchor="ctr">
+            <a:noAutofit/>
+          </a:bodyPr>
+          <a:lstStyle/>
+          <a:p>
+            <a:pPr algn="ctr"/>
+            <a:endParaRPr lang="en-US"/>
+          </a:p>
+        </p:txBody>
+      </p:sp>
+      <p:sp>
+        <p:nvSpPr>
           <p:cNvPr id="3" name="Content Placeholder 2">
             <a:extLst>
               <a:ext uri="{FF2B5EF4-FFF2-40B4-BE49-F238E27FC236}">
@@ -4280,84 +8968,310 @@
             <p:ph idx="1"/>
           </p:nvPr>
         </p:nvSpPr>
-        <p:spPr/>
-        <p:txBody>
-          <a:bodyPr/>
-          <a:lstStyle/>
-          <a:p>
-            <a:r>
-              <a:rPr lang="en-US" sz="1800" dirty="0">
+        <p:spPr>
+          <a:xfrm>
+            <a:off x="5070020" y="1698170"/>
+            <a:ext cx="6478513" cy="4516361"/>
+          </a:xfrm>
+        </p:spPr>
+        <p:txBody>
+          <a:bodyPr vert="horz" lIns="91440" tIns="45720" rIns="91440" bIns="45720" rtlCol="0" anchor="t">
+            <a:normAutofit/>
+          </a:bodyPr>
+          <a:lstStyle/>
+          <a:p>
+            <a:r>
+              <a:rPr lang="en-US" sz="1400" dirty="0">
                 <a:effectLst/>
-                <a:latin typeface="Times New Roman" panose="02020603050405020304" pitchFamily="18" charset="0"/>
+                <a:latin typeface="Times New Roman"/>
                 <a:ea typeface="Calibri" panose="020F0502020204030204" pitchFamily="34" charset="0"/>
+                <a:cs typeface="Times New Roman"/>
               </a:rPr>
               <a:t>Health is currently one of the most discussed agenda in the world as more effort is being put into the development of new drugs and vaccines to combat various diseases especially after the recent pandemic.</a:t>
             </a:r>
           </a:p>
           <a:p>
             <a:r>
-              <a:rPr lang="en-US" sz="1800" dirty="0">
-                <a:latin typeface="Times New Roman" panose="02020603050405020304" pitchFamily="18" charset="0"/>
+              <a:rPr lang="en-US" sz="1400" dirty="0">
+                <a:latin typeface="Times New Roman"/>
+                <a:cs typeface="Times New Roman"/>
               </a:rPr>
-              <a:t>Health care systems are being designed to further aid the advancement of medical technologies and prescription accuracies. </a:t>
-            </a:r>
-          </a:p>
-          <a:p>
-            <a:r>
-              <a:rPr lang="en-US" sz="1800" dirty="0">
+              <a:t>Health care systems are being designed to further aid the advancement of medical technologies and prescription accuracies. </a:t>
+            </a:r>
+            <a:endParaRPr lang="en-US" sz="1400" dirty="0">
+              <a:latin typeface="Times New Roman" panose="02020603050405020304" pitchFamily="18" charset="0"/>
+              <a:cs typeface="Times New Roman"/>
+            </a:endParaRPr>
+          </a:p>
+          <a:p>
+            <a:r>
+              <a:rPr lang="en-US" sz="1400" dirty="0">
                 <a:effectLst/>
-                <a:latin typeface="Times New Roman" panose="02020603050405020304" pitchFamily="18" charset="0"/>
+                <a:latin typeface="Times New Roman"/>
                 <a:ea typeface="Calibri" panose="020F0502020204030204" pitchFamily="34" charset="0"/>
+                <a:cs typeface="Times New Roman"/>
               </a:rPr>
-              <a:t>Diabetes is a life long disease that occurs when the pancreas doesn’t produce enough insulin or when the body can not effectively use the insulin that it produces. Insulin is a hormone that regulates the blood sugar. </a:t>
-            </a:r>
-          </a:p>
-          <a:p>
-            <a:r>
-              <a:rPr lang="en-US" sz="1800" dirty="0">
+              <a:t>Diabetes is a </a:t>
+            </a:r>
+            <a:r>
+              <a:rPr lang="en-US" sz="1400" dirty="0">
+                <a:latin typeface="Times New Roman"/>
+                <a:ea typeface="Calibri" panose="020F0502020204030204" pitchFamily="34" charset="0"/>
+                <a:cs typeface="Times New Roman"/>
+              </a:rPr>
+              <a:t>lifelong </a:t>
+            </a:r>
+            <a:r>
+              <a:rPr lang="en-US" sz="1400" dirty="0">
                 <a:effectLst/>
-                <a:latin typeface="Times New Roman" panose="02020603050405020304" pitchFamily="18" charset="0"/>
+                <a:latin typeface="Times New Roman"/>
                 <a:ea typeface="Calibri" panose="020F0502020204030204" pitchFamily="34" charset="0"/>
+                <a:cs typeface="Times New Roman"/>
+              </a:rPr>
+              <a:t>disease that occurs when the pancreas doesn’t produce enough insulin or when the body </a:t>
+            </a:r>
+            <a:r>
+              <a:rPr lang="en-US" sz="1400" dirty="0">
+                <a:latin typeface="Times New Roman"/>
+                <a:ea typeface="Calibri" panose="020F0502020204030204" pitchFamily="34" charset="0"/>
+                <a:cs typeface="Times New Roman"/>
+              </a:rPr>
+              <a:t>cannot</a:t>
+            </a:r>
+            <a:r>
+              <a:rPr lang="en-US" sz="1400" dirty="0">
+                <a:effectLst/>
+                <a:latin typeface="Times New Roman"/>
+                <a:ea typeface="Calibri" panose="020F0502020204030204" pitchFamily="34" charset="0"/>
+                <a:cs typeface="Times New Roman"/>
+              </a:rPr>
+              <a:t> effectively use the insulin that it produces. Insulin is a hormone that regulates the blood sugar.</a:t>
+            </a:r>
+            <a:r>
+              <a:rPr lang="en-US" sz="1400" dirty="0">
+                <a:latin typeface="Times New Roman"/>
+                <a:ea typeface="Calibri" panose="020F0502020204030204" pitchFamily="34" charset="0"/>
+                <a:cs typeface="Times New Roman"/>
+              </a:rPr>
+              <a:t> </a:t>
+            </a:r>
+            <a:endParaRPr lang="en-US" sz="1400" dirty="0">
+              <a:effectLst/>
+              <a:latin typeface="Times New Roman" panose="02020603050405020304" pitchFamily="18" charset="0"/>
+              <a:ea typeface="Calibri" panose="020F0502020204030204" pitchFamily="34" charset="0"/>
+              <a:cs typeface="Times New Roman"/>
+            </a:endParaRPr>
+          </a:p>
+          <a:p>
+            <a:r>
+              <a:rPr lang="en-US" sz="1400" dirty="0">
+                <a:effectLst/>
+                <a:latin typeface="Times New Roman"/>
+                <a:ea typeface="Calibri" panose="020F0502020204030204" pitchFamily="34" charset="0"/>
+                <a:cs typeface="Times New Roman"/>
               </a:rPr>
               <a:t>The global prevalence of diabetes has risen sharply from 4.7% in 1980 to 8.5% in 2014. Diabetes prevalence has seen more increase in middle- and low-income countries.</a:t>
             </a:r>
           </a:p>
           <a:p>
             <a:r>
-              <a:rPr lang="en-US" sz="1800" dirty="0">
+              <a:rPr lang="en-US" sz="1400" dirty="0">
+                <a:latin typeface="Times New Roman"/>
+                <a:ea typeface="Calibri" panose="020F0502020204030204" pitchFamily="34" charset="0"/>
+                <a:cs typeface="Times New Roman"/>
+              </a:rPr>
+              <a:t> </a:t>
+            </a:r>
+            <a:r>
+              <a:rPr lang="en-US" sz="1400" dirty="0">
                 <a:effectLst/>
-                <a:latin typeface="Times New Roman" panose="02020603050405020304" pitchFamily="18" charset="0"/>
+                <a:latin typeface="Times New Roman"/>
                 <a:ea typeface="Calibri" panose="020F0502020204030204" pitchFamily="34" charset="0"/>
+                <a:cs typeface="Times New Roman"/>
               </a:rPr>
-              <a:t> Diabetes is a major cause of blindness, kidney failure, heart attacks, stroke, and lower limb amputation. </a:t>
-            </a:r>
-          </a:p>
-          <a:p>
-            <a:r>
-              <a:rPr lang="en-US" sz="1800" dirty="0">
+              <a:t>Diabetes is a major cause of blindness, kidney failure, heart attacks, stroke, and lower limb amputation.</a:t>
+            </a:r>
+            <a:r>
+              <a:rPr lang="en-US" sz="1400" dirty="0">
+                <a:latin typeface="Times New Roman"/>
+                <a:ea typeface="Calibri" panose="020F0502020204030204" pitchFamily="34" charset="0"/>
+                <a:cs typeface="Times New Roman"/>
+              </a:rPr>
+              <a:t> </a:t>
+            </a:r>
+            <a:endParaRPr lang="en-US" sz="1400" dirty="0">
+              <a:effectLst/>
+              <a:latin typeface="Times New Roman" panose="02020603050405020304" pitchFamily="18" charset="0"/>
+              <a:ea typeface="Calibri" panose="020F0502020204030204" pitchFamily="34" charset="0"/>
+              <a:cs typeface="Times New Roman"/>
+            </a:endParaRPr>
+          </a:p>
+          <a:p>
+            <a:r>
+              <a:rPr lang="en-US" sz="1400" dirty="0">
                 <a:effectLst/>
-                <a:latin typeface="Times New Roman" panose="02020603050405020304" pitchFamily="18" charset="0"/>
+                <a:latin typeface="Times New Roman"/>
                 <a:ea typeface="Calibri" panose="020F0502020204030204" pitchFamily="34" charset="0"/>
+                <a:cs typeface="Times New Roman"/>
               </a:rPr>
               <a:t>The field of big data analytics is an ever-growing field that uses machine learning and other available algorithms to find patterns in datasets. Machine learning is one of the most widely used method for finding patterns and making predictions from dataset and this method is adopted in this research using tools such as R, Weka and </a:t>
             </a:r>
             <a:r>
-              <a:rPr lang="en-US" sz="1800" dirty="0" err="1">
+              <a:rPr lang="en-US" sz="1400" dirty="0" err="1">
                 <a:effectLst/>
-                <a:latin typeface="Times New Roman" panose="02020603050405020304" pitchFamily="18" charset="0"/>
+                <a:latin typeface="Times New Roman"/>
                 <a:ea typeface="Calibri" panose="020F0502020204030204" pitchFamily="34" charset="0"/>
+                <a:cs typeface="Times New Roman"/>
               </a:rPr>
               <a:t>PowerBI</a:t>
             </a:r>
             <a:r>
-              <a:rPr lang="en-US" sz="1800" dirty="0">
+              <a:rPr lang="en-US" sz="1400" dirty="0">
                 <a:effectLst/>
-                <a:latin typeface="Times New Roman" panose="02020603050405020304" pitchFamily="18" charset="0"/>
+                <a:latin typeface="Times New Roman"/>
                 <a:ea typeface="Calibri" panose="020F0502020204030204" pitchFamily="34" charset="0"/>
+                <a:cs typeface="Times New Roman"/>
               </a:rPr>
               <a:t>.</a:t>
             </a:r>
-            <a:endParaRPr lang="en-US" dirty="0"/>
+            <a:endParaRPr lang="en-US" sz="1400" dirty="0">
+              <a:latin typeface="Times New Roman"/>
+              <a:cs typeface="Times New Roman"/>
+            </a:endParaRPr>
+          </a:p>
+        </p:txBody>
+      </p:sp>
+      <p:sp>
+        <p:nvSpPr>
+          <p:cNvPr id="27" name="Isosceles Triangle 26">
+            <a:extLst>
+              <a:ext uri="{FF2B5EF4-FFF2-40B4-BE49-F238E27FC236}">
+                <a16:creationId xmlns:a16="http://schemas.microsoft.com/office/drawing/2014/main" id="{9E914C83-E0D8-4953-92D5-169D28CB43AE}"/>
+              </a:ext>
+              <a:ext uri="{C183D7F6-B498-43B3-948B-1728B52AA6E4}">
+                <adec:decorative xmlns:adec="http://schemas.microsoft.com/office/drawing/2017/decorative" val="1"/>
+              </a:ext>
+            </a:extLst>
+          </p:cNvPr>
+          <p:cNvSpPr>
+            <a:spLocks noGrp="1" noRot="1" noChangeAspect="1" noMove="1" noResize="1" noEditPoints="1" noAdjustHandles="1" noChangeArrowheads="1" noChangeShapeType="1" noTextEdit="1"/>
+          </p:cNvSpPr>
+          <p:nvPr>
+            <p:extLst>
+              <p:ext uri="{386F3935-93C4-4BCD-93E2-E3B085C9AB24}">
+                <p16:designElem xmlns:p16="http://schemas.microsoft.com/office/powerpoint/2015/main" val="1"/>
+              </p:ext>
+            </p:extLst>
+          </p:nvPr>
+        </p:nvSpPr>
+        <p:spPr>
+          <a:xfrm>
+            <a:off x="8115423" y="6115501"/>
+            <a:ext cx="1494513" cy="742499"/>
+          </a:xfrm>
+          <a:prstGeom prst="triangle">
+            <a:avLst/>
+          </a:prstGeom>
+          <a:solidFill>
+            <a:schemeClr val="accent1">
+              <a:alpha val="30000"/>
+            </a:schemeClr>
+          </a:solidFill>
+          <a:ln>
+            <a:noFill/>
+          </a:ln>
+        </p:spPr>
+        <p:style>
+          <a:lnRef idx="2">
+            <a:schemeClr val="accent1">
+              <a:shade val="50000"/>
+            </a:schemeClr>
+          </a:lnRef>
+          <a:fillRef idx="1">
+            <a:schemeClr val="accent1"/>
+          </a:fillRef>
+          <a:effectRef idx="0">
+            <a:schemeClr val="accent1"/>
+          </a:effectRef>
+          <a:fontRef idx="minor">
+            <a:schemeClr val="lt1"/>
+          </a:fontRef>
+        </p:style>
+        <p:txBody>
+          <a:bodyPr wrap="square" rtlCol="0" anchor="ctr">
+            <a:noAutofit/>
+          </a:bodyPr>
+          <a:lstStyle/>
+          <a:p>
+            <a:pPr algn="ctr"/>
+            <a:endParaRPr lang="en-US"/>
+          </a:p>
+        </p:txBody>
+      </p:sp>
+      <p:sp>
+        <p:nvSpPr>
+          <p:cNvPr id="29" name="Isosceles Triangle 28">
+            <a:extLst>
+              <a:ext uri="{FF2B5EF4-FFF2-40B4-BE49-F238E27FC236}">
+                <a16:creationId xmlns:a16="http://schemas.microsoft.com/office/drawing/2014/main" id="{3512E083-F550-46AF-8490-767ECFD00CB7}"/>
+              </a:ext>
+              <a:ext uri="{C183D7F6-B498-43B3-948B-1728B52AA6E4}">
+                <adec:decorative xmlns:adec="http://schemas.microsoft.com/office/drawing/2017/decorative" val="1"/>
+              </a:ext>
+            </a:extLst>
+          </p:cNvPr>
+          <p:cNvSpPr>
+            <a:spLocks noGrp="1" noRot="1" noChangeAspect="1" noMove="1" noResize="1" noEditPoints="1" noAdjustHandles="1" noChangeArrowheads="1" noChangeShapeType="1" noTextEdit="1"/>
+          </p:cNvSpPr>
+          <p:nvPr>
+            <p:extLst>
+              <p:ext uri="{386F3935-93C4-4BCD-93E2-E3B085C9AB24}">
+                <p16:designElem xmlns:p16="http://schemas.microsoft.com/office/powerpoint/2015/main" val="1"/>
+              </p:ext>
+            </p:extLst>
+          </p:nvPr>
+        </p:nvSpPr>
+        <p:spPr>
+          <a:xfrm>
+            <a:off x="9167297" y="6453143"/>
+            <a:ext cx="814903" cy="404857"/>
+          </a:xfrm>
+          <a:prstGeom prst="triangle">
+            <a:avLst/>
+          </a:prstGeom>
+          <a:solidFill>
+            <a:schemeClr val="accent1">
+              <a:alpha val="30000"/>
+            </a:schemeClr>
+          </a:solidFill>
+          <a:ln>
+            <a:noFill/>
+          </a:ln>
+        </p:spPr>
+        <p:style>
+          <a:lnRef idx="2">
+            <a:schemeClr val="accent1">
+              <a:shade val="50000"/>
+            </a:schemeClr>
+          </a:lnRef>
+          <a:fillRef idx="1">
+            <a:schemeClr val="accent1"/>
+          </a:fillRef>
+          <a:effectRef idx="0">
+            <a:schemeClr val="accent1"/>
+          </a:effectRef>
+          <a:fontRef idx="minor">
+            <a:schemeClr val="lt1"/>
+          </a:fontRef>
+        </p:style>
+        <p:txBody>
+          <a:bodyPr wrap="square" rtlCol="0" anchor="ctr">
+            <a:noAutofit/>
+          </a:bodyPr>
+          <a:lstStyle/>
+          <a:p>
+            <a:pPr algn="ctr"/>
+            <a:endParaRPr lang="en-US"/>
           </a:p>
         </p:txBody>
       </p:sp>
@@ -4377,6 +9291,14 @@
 <file path=ppt/slides/slide3.xml><?xml version="1.0" encoding="utf-8"?>
 <p:sld xmlns:a="http://schemas.openxmlformats.org/drawingml/2006/main" xmlns:r="http://schemas.openxmlformats.org/officeDocument/2006/relationships" xmlns:p="http://schemas.openxmlformats.org/presentationml/2006/main">
   <p:cSld>
+    <p:bg>
+      <p:bgPr>
+        <a:solidFill>
+          <a:schemeClr val="bg1"/>
+        </a:solidFill>
+        <a:effectLst/>
+      </p:bgPr>
+    </p:bg>
     <p:spTree>
       <p:nvGrpSpPr>
         <p:cNvPr id="1" name=""/>
@@ -4391,6 +9313,200 @@
           <a:chExt cx="0" cy="0"/>
         </a:xfrm>
       </p:grpSpPr>
+      <p:sp useBgFill="1">
+        <p:nvSpPr>
+          <p:cNvPr id="25" name="Rectangle 24">
+            <a:extLst>
+              <a:ext uri="{FF2B5EF4-FFF2-40B4-BE49-F238E27FC236}">
+                <a16:creationId xmlns:a16="http://schemas.microsoft.com/office/drawing/2014/main" id="{907EF6B7-1338-4443-8C46-6A318D952DFD}"/>
+              </a:ext>
+              <a:ext uri="{C183D7F6-B498-43B3-948B-1728B52AA6E4}">
+                <adec:decorative xmlns:adec="http://schemas.microsoft.com/office/drawing/2017/decorative" val="1"/>
+              </a:ext>
+            </a:extLst>
+          </p:cNvPr>
+          <p:cNvSpPr>
+            <a:spLocks noGrp="1" noRot="1" noChangeAspect="1" noMove="1" noResize="1" noEditPoints="1" noAdjustHandles="1" noChangeArrowheads="1" noChangeShapeType="1" noTextEdit="1"/>
+          </p:cNvSpPr>
+          <p:nvPr>
+            <p:extLst>
+              <p:ext uri="{386F3935-93C4-4BCD-93E2-E3B085C9AB24}">
+                <p16:designElem xmlns:p16="http://schemas.microsoft.com/office/powerpoint/2015/main" val="1"/>
+              </p:ext>
+            </p:extLst>
+          </p:nvPr>
+        </p:nvSpPr>
+        <p:spPr>
+          <a:xfrm>
+            <a:off x="3048" y="0"/>
+            <a:ext cx="12188952" cy="6858000"/>
+          </a:xfrm>
+          <a:prstGeom prst="rect">
+            <a:avLst/>
+          </a:prstGeom>
+          <a:ln>
+            <a:noFill/>
+          </a:ln>
+        </p:spPr>
+        <p:style>
+          <a:lnRef idx="2">
+            <a:schemeClr val="accent1">
+              <a:shade val="50000"/>
+            </a:schemeClr>
+          </a:lnRef>
+          <a:fillRef idx="1">
+            <a:schemeClr val="accent1"/>
+          </a:fillRef>
+          <a:effectRef idx="0">
+            <a:schemeClr val="accent1"/>
+          </a:effectRef>
+          <a:fontRef idx="minor">
+            <a:schemeClr val="lt1"/>
+          </a:fontRef>
+        </p:style>
+        <p:txBody>
+          <a:bodyPr rtlCol="0" anchor="ctr"/>
+          <a:lstStyle/>
+          <a:p>
+            <a:pPr algn="ctr"/>
+            <a:endParaRPr lang="en-US"/>
+          </a:p>
+        </p:txBody>
+      </p:sp>
+      <p:sp>
+        <p:nvSpPr>
+          <p:cNvPr id="27" name="Freeform: Shape 26">
+            <a:extLst>
+              <a:ext uri="{FF2B5EF4-FFF2-40B4-BE49-F238E27FC236}">
+                <a16:creationId xmlns:a16="http://schemas.microsoft.com/office/drawing/2014/main" id="{DAAE4CDD-124C-4DCF-9584-B6033B545DD5}"/>
+              </a:ext>
+              <a:ext uri="{C183D7F6-B498-43B3-948B-1728B52AA6E4}">
+                <adec:decorative xmlns:adec="http://schemas.microsoft.com/office/drawing/2017/decorative" val="1"/>
+              </a:ext>
+            </a:extLst>
+          </p:cNvPr>
+          <p:cNvSpPr>
+            <a:spLocks noGrp="1" noRot="1" noChangeAspect="1" noMove="1" noResize="1" noEditPoints="1" noAdjustHandles="1" noChangeArrowheads="1" noChangeShapeType="1" noTextEdit="1"/>
+          </p:cNvSpPr>
+          <p:nvPr>
+            <p:extLst>
+              <p:ext uri="{386F3935-93C4-4BCD-93E2-E3B085C9AB24}">
+                <p16:designElem xmlns:p16="http://schemas.microsoft.com/office/powerpoint/2015/main" val="1"/>
+              </p:ext>
+            </p:extLst>
+          </p:nvPr>
+        </p:nvSpPr>
+        <p:spPr>
+          <a:xfrm>
+            <a:off x="1" y="0"/>
+            <a:ext cx="4167271" cy="6858000"/>
+          </a:xfrm>
+          <a:custGeom>
+            <a:avLst/>
+            <a:gdLst>
+              <a:gd name="connsiteX0" fmla="*/ 0 w 4167271"/>
+              <a:gd name="connsiteY0" fmla="*/ 0 h 6858000"/>
+              <a:gd name="connsiteX1" fmla="*/ 2259550 w 4167271"/>
+              <a:gd name="connsiteY1" fmla="*/ 0 h 6858000"/>
+              <a:gd name="connsiteX2" fmla="*/ 2387803 w 4167271"/>
+              <a:gd name="connsiteY2" fmla="*/ 82222 h 6858000"/>
+              <a:gd name="connsiteX3" fmla="*/ 4167271 w 4167271"/>
+              <a:gd name="connsiteY3" fmla="*/ 3429000 h 6858000"/>
+              <a:gd name="connsiteX4" fmla="*/ 2387803 w 4167271"/>
+              <a:gd name="connsiteY4" fmla="*/ 6775779 h 6858000"/>
+              <a:gd name="connsiteX5" fmla="*/ 2259550 w 4167271"/>
+              <a:gd name="connsiteY5" fmla="*/ 6858000 h 6858000"/>
+              <a:gd name="connsiteX6" fmla="*/ 0 w 4167271"/>
+              <a:gd name="connsiteY6" fmla="*/ 6858000 h 6858000"/>
+            </a:gdLst>
+            <a:ahLst/>
+            <a:cxnLst>
+              <a:cxn ang="0">
+                <a:pos x="connsiteX0" y="connsiteY0"/>
+              </a:cxn>
+              <a:cxn ang="0">
+                <a:pos x="connsiteX1" y="connsiteY1"/>
+              </a:cxn>
+              <a:cxn ang="0">
+                <a:pos x="connsiteX2" y="connsiteY2"/>
+              </a:cxn>
+              <a:cxn ang="0">
+                <a:pos x="connsiteX3" y="connsiteY3"/>
+              </a:cxn>
+              <a:cxn ang="0">
+                <a:pos x="connsiteX4" y="connsiteY4"/>
+              </a:cxn>
+              <a:cxn ang="0">
+                <a:pos x="connsiteX5" y="connsiteY5"/>
+              </a:cxn>
+              <a:cxn ang="0">
+                <a:pos x="connsiteX6" y="connsiteY6"/>
+              </a:cxn>
+            </a:cxnLst>
+            <a:rect l="l" t="t" r="r" b="b"/>
+            <a:pathLst>
+              <a:path w="4167271" h="6858000">
+                <a:moveTo>
+                  <a:pt x="0" y="0"/>
+                </a:moveTo>
+                <a:lnTo>
+                  <a:pt x="2259550" y="0"/>
+                </a:lnTo>
+                <a:lnTo>
+                  <a:pt x="2387803" y="82222"/>
+                </a:lnTo>
+                <a:cubicBezTo>
+                  <a:pt x="3461407" y="807534"/>
+                  <a:pt x="4167271" y="2035835"/>
+                  <a:pt x="4167271" y="3429000"/>
+                </a:cubicBezTo>
+                <a:cubicBezTo>
+                  <a:pt x="4167271" y="4822165"/>
+                  <a:pt x="3461407" y="6050467"/>
+                  <a:pt x="2387803" y="6775779"/>
+                </a:cubicBezTo>
+                <a:lnTo>
+                  <a:pt x="2259550" y="6858000"/>
+                </a:lnTo>
+                <a:lnTo>
+                  <a:pt x="0" y="6858000"/>
+                </a:lnTo>
+                <a:close/>
+              </a:path>
+            </a:pathLst>
+          </a:custGeom>
+          <a:solidFill>
+            <a:schemeClr val="accent2"/>
+          </a:solidFill>
+          <a:ln>
+            <a:noFill/>
+          </a:ln>
+        </p:spPr>
+        <p:style>
+          <a:lnRef idx="2">
+            <a:schemeClr val="accent1">
+              <a:shade val="50000"/>
+            </a:schemeClr>
+          </a:lnRef>
+          <a:fillRef idx="1">
+            <a:schemeClr val="accent1"/>
+          </a:fillRef>
+          <a:effectRef idx="0">
+            <a:schemeClr val="accent1"/>
+          </a:effectRef>
+          <a:fontRef idx="minor">
+            <a:schemeClr val="lt1"/>
+          </a:fontRef>
+        </p:style>
+        <p:txBody>
+          <a:bodyPr rtlCol="0" anchor="ctr"/>
+          <a:lstStyle/>
+          <a:p>
+            <a:pPr algn="ctr"/>
+            <a:endParaRPr lang="en-US"/>
+          </a:p>
+        </p:txBody>
+      </p:sp>
       <p:sp>
         <p:nvSpPr>
           <p:cNvPr id="2" name="Title 1">
@@ -4407,7 +9523,12 @@
             <p:ph type="title"/>
           </p:nvPr>
         </p:nvSpPr>
-        <p:spPr/>
+        <p:spPr>
+          <a:xfrm>
+            <a:off x="686834" y="1153572"/>
+            <a:ext cx="3200400" cy="4461163"/>
+          </a:xfrm>
+        </p:spPr>
         <p:txBody>
           <a:bodyPr>
             <a:normAutofit/>
@@ -4415,7 +9536,10 @@
           <a:lstStyle/>
           <a:p>
             <a:r>
-              <a:rPr lang="en-US" sz="4000" dirty="0">
+              <a:rPr lang="en-US">
+                <a:solidFill>
+                  <a:srgbClr val="FFFFFF"/>
+                </a:solidFill>
                 <a:latin typeface="Times New Roman" panose="02020603050405020304" pitchFamily="18" charset="0"/>
                 <a:cs typeface="Times New Roman" panose="02020603050405020304" pitchFamily="18" charset="0"/>
               </a:rPr>
@@ -4426,6 +9550,67 @@
       </p:sp>
       <p:sp>
         <p:nvSpPr>
+          <p:cNvPr id="29" name="Arc 28">
+            <a:extLst>
+              <a:ext uri="{FF2B5EF4-FFF2-40B4-BE49-F238E27FC236}">
+                <a16:creationId xmlns:a16="http://schemas.microsoft.com/office/drawing/2014/main" id="{081E4A58-353D-44AE-B2FC-2A74E2E400F7}"/>
+              </a:ext>
+              <a:ext uri="{C183D7F6-B498-43B3-948B-1728B52AA6E4}">
+                <adec:decorative xmlns:adec="http://schemas.microsoft.com/office/drawing/2017/decorative" val="1"/>
+              </a:ext>
+            </a:extLst>
+          </p:cNvPr>
+          <p:cNvSpPr>
+            <a:spLocks noGrp="1" noRot="1" noChangeAspect="1" noMove="1" noResize="1" noEditPoints="1" noAdjustHandles="1" noChangeArrowheads="1" noChangeShapeType="1" noTextEdit="1"/>
+          </p:cNvSpPr>
+          <p:nvPr>
+            <p:extLst>
+              <p:ext uri="{386F3935-93C4-4BCD-93E2-E3B085C9AB24}">
+                <p16:designElem xmlns:p16="http://schemas.microsoft.com/office/powerpoint/2015/main" val="1"/>
+              </p:ext>
+            </p:extLst>
+          </p:nvPr>
+        </p:nvSpPr>
+        <p:spPr>
+          <a:xfrm flipV="1">
+            <a:off x="7550402" y="2455479"/>
+            <a:ext cx="4083433" cy="4083433"/>
+          </a:xfrm>
+          <a:prstGeom prst="arc">
+            <a:avLst/>
+          </a:prstGeom>
+          <a:ln w="127000" cap="rnd">
+            <a:solidFill>
+              <a:schemeClr val="accent4"/>
+            </a:solidFill>
+            <a:prstDash val="dash"/>
+          </a:ln>
+        </p:spPr>
+        <p:style>
+          <a:lnRef idx="1">
+            <a:schemeClr val="accent1"/>
+          </a:lnRef>
+          <a:fillRef idx="0">
+            <a:schemeClr val="accent1"/>
+          </a:fillRef>
+          <a:effectRef idx="0">
+            <a:schemeClr val="accent1"/>
+          </a:effectRef>
+          <a:fontRef idx="minor">
+            <a:schemeClr val="tx1"/>
+          </a:fontRef>
+        </p:style>
+        <p:txBody>
+          <a:bodyPr rtlCol="0" anchor="ctr"/>
+          <a:lstStyle/>
+          <a:p>
+            <a:pPr algn="ctr"/>
+            <a:endParaRPr lang="en-US" dirty="0"/>
+          </a:p>
+        </p:txBody>
+      </p:sp>
+      <p:sp>
+        <p:nvSpPr>
           <p:cNvPr id="3" name="Content Placeholder 2">
             <a:extLst>
               <a:ext uri="{FF2B5EF4-FFF2-40B4-BE49-F238E27FC236}">
@@ -4440,83 +9625,152 @@
             <p:ph idx="1"/>
           </p:nvPr>
         </p:nvSpPr>
-        <p:spPr/>
-        <p:txBody>
-          <a:bodyPr/>
-          <a:lstStyle/>
-          <a:p>
-            <a:r>
-              <a:rPr lang="en-US" sz="1800" dirty="0">
-                <a:latin typeface="Times New Roman" panose="02020603050405020304" pitchFamily="18" charset="0"/>
-                <a:cs typeface="Times New Roman" panose="02020603050405020304" pitchFamily="18" charset="0"/>
+        <p:spPr>
+          <a:xfrm>
+            <a:off x="4447308" y="591344"/>
+            <a:ext cx="6906491" cy="5585619"/>
+          </a:xfrm>
+        </p:spPr>
+        <p:txBody>
+          <a:bodyPr vert="horz" lIns="91440" tIns="45720" rIns="91440" bIns="45720" rtlCol="0" anchor="ctr">
+            <a:normAutofit/>
+          </a:bodyPr>
+          <a:lstStyle/>
+          <a:p>
+            <a:r>
+              <a:rPr lang="en-US" sz="1800">
+                <a:latin typeface="Times New Roman"/>
+                <a:cs typeface="Times New Roman"/>
               </a:rPr>
-              <a:t>Data Set</a:t>
-            </a:r>
-            <a:r>
-              <a:rPr lang="en-US" dirty="0">
-                <a:latin typeface="Times New Roman" panose="02020603050405020304" pitchFamily="18" charset="0"/>
-                <a:cs typeface="Times New Roman" panose="02020603050405020304" pitchFamily="18" charset="0"/>
+              <a:t>Data Set: </a:t>
+            </a:r>
+            <a:r>
+              <a:rPr lang="en-US" sz="1800">
+                <a:effectLst/>
+                <a:latin typeface="Times New Roman"/>
+                <a:ea typeface="Calibri" panose="020F0502020204030204" pitchFamily="34" charset="0"/>
+                <a:cs typeface="Times New Roman"/>
               </a:rPr>
-              <a:t>: </a:t>
-            </a:r>
-            <a:r>
-              <a:rPr lang="en-US" sz="1800" dirty="0">
-                <a:effectLst/>
-                <a:latin typeface="Times New Roman" panose="02020603050405020304" pitchFamily="18" charset="0"/>
+              <a:t>To create a predictive analysis system a comprehensive dataset to learn from and a test dataset that ensure that the machine learning algorithm reaches the expected accuracy standards.</a:t>
+            </a:r>
+            <a:r>
+              <a:rPr lang="en-US" sz="1800">
+                <a:latin typeface="Times New Roman"/>
                 <a:ea typeface="Calibri" panose="020F0502020204030204" pitchFamily="34" charset="0"/>
+                <a:cs typeface="Times New Roman"/>
               </a:rPr>
-              <a:t>To create a predictive analysis system a comprehensive dataset to learn from and a test dataset that ensure that the machine learning algorithm reaches the expected accuracy standards. </a:t>
-            </a:r>
-          </a:p>
-          <a:p>
-            <a:r>
-              <a:rPr lang="en-US" sz="1800" dirty="0">
-                <a:effectLst/>
-                <a:latin typeface="Times New Roman" panose="02020603050405020304" pitchFamily="18" charset="0"/>
-                <a:ea typeface="Calibri" panose="020F0502020204030204" pitchFamily="34" charset="0"/>
-              </a:rPr>
-              <a:t>In order to develop an accurate Diabetes prediction model the dataset used in this research includes data gather from 130 US hospitals and discusses over 50 features representing patients and hospital outcomes and it includes data from 101, 766 patients. </a:t>
-            </a:r>
-            <a:endParaRPr lang="en-US" sz="1800" dirty="0">
+              <a:t> </a:t>
+            </a:r>
+            <a:endParaRPr lang="en-US" sz="1800">
+              <a:effectLst/>
               <a:latin typeface="Times New Roman" panose="02020603050405020304" pitchFamily="18" charset="0"/>
               <a:ea typeface="Calibri" panose="020F0502020204030204" pitchFamily="34" charset="0"/>
             </a:endParaRPr>
           </a:p>
           <a:p>
             <a:r>
-              <a:rPr lang="en-US" sz="1800" dirty="0">
+              <a:rPr lang="en-US" sz="1800">
                 <a:effectLst/>
-                <a:latin typeface="Times New Roman" panose="02020603050405020304" pitchFamily="18" charset="0"/>
+                <a:latin typeface="Times New Roman"/>
                 <a:ea typeface="Calibri" panose="020F0502020204030204" pitchFamily="34" charset="0"/>
-                <a:cs typeface="Times New Roman" panose="02020603050405020304" pitchFamily="18" charset="0"/>
+                <a:cs typeface="Times New Roman"/>
+              </a:rPr>
+              <a:t>In order to develop an accurate Diabetes prediction</a:t>
+            </a:r>
+            <a:r>
+              <a:rPr lang="en-US" sz="1800">
+                <a:latin typeface="Times New Roman"/>
+                <a:ea typeface="Calibri" panose="020F0502020204030204" pitchFamily="34" charset="0"/>
+                <a:cs typeface="Times New Roman"/>
+              </a:rPr>
+              <a:t>,</a:t>
+            </a:r>
+            <a:r>
+              <a:rPr lang="en-US" sz="1800">
+                <a:effectLst/>
+                <a:latin typeface="Times New Roman"/>
+                <a:ea typeface="Calibri" panose="020F0502020204030204" pitchFamily="34" charset="0"/>
+                <a:cs typeface="Times New Roman"/>
+              </a:rPr>
+              <a:t> model the dataset used in this research includes data gather from 130 US hospitals and discusses over 50 features representing patients and hospital outcomes and it includes data from 101, 766 patients.</a:t>
+            </a:r>
+            <a:r>
+              <a:rPr lang="en-US" sz="1800">
+                <a:latin typeface="Times New Roman"/>
+                <a:ea typeface="Calibri" panose="020F0502020204030204" pitchFamily="34" charset="0"/>
+                <a:cs typeface="Times New Roman"/>
+              </a:rPr>
+              <a:t> </a:t>
+            </a:r>
+            <a:endParaRPr lang="en-US" sz="1800">
+              <a:latin typeface="Times New Roman" panose="02020603050405020304" pitchFamily="18" charset="0"/>
+              <a:ea typeface="Calibri" panose="020F0502020204030204" pitchFamily="34" charset="0"/>
+              <a:cs typeface="Times New Roman"/>
+            </a:endParaRPr>
+          </a:p>
+          <a:p>
+            <a:r>
+              <a:rPr lang="en-US" sz="1800">
+                <a:effectLst/>
+                <a:latin typeface="Times New Roman"/>
+                <a:ea typeface="Calibri" panose="020F0502020204030204" pitchFamily="34" charset="0"/>
+                <a:cs typeface="Times New Roman"/>
               </a:rPr>
               <a:t>The dataset contains attributes that discusses the drugs administered to the patients which can be very useful for predicting diabetes type, it also includes attributes on ethnicity as discussed earlier in this paper that race as an effect on the dominance of diabetes. Age which also plays a factor is included in the dataset</a:t>
             </a:r>
           </a:p>
           <a:p>
             <a:r>
-              <a:rPr lang="en-US" sz="1800" dirty="0">
+              <a:rPr lang="en-US" sz="1800">
                 <a:effectLst/>
-                <a:latin typeface="Times New Roman" panose="02020603050405020304" pitchFamily="18" charset="0"/>
+                <a:latin typeface="Times New Roman"/>
                 <a:ea typeface="Calibri" panose="020F0502020204030204" pitchFamily="34" charset="0"/>
-                <a:cs typeface="Times New Roman" panose="02020603050405020304" pitchFamily="18" charset="0"/>
+                <a:cs typeface="Times New Roman"/>
               </a:rPr>
-              <a:t>. From the set of available data, a split is performed to test and train data, which is a 50% split i.e., 50% of the data is used for test whilst the remaining 50% is used for training data. </a:t>
-            </a:r>
-          </a:p>
-          <a:p>
-            <a:r>
-              <a:rPr lang="en-US" sz="1800" dirty="0">
+              <a:t>. From the set of available data, a split is performed to test and train data, which is a 50% split i.e., 50% of the data is used for test whilst the remaining 50% is used for training data.</a:t>
+            </a:r>
+            <a:r>
+              <a:rPr lang="en-US" sz="1800">
+                <a:latin typeface="Times New Roman"/>
+                <a:ea typeface="Calibri" panose="020F0502020204030204" pitchFamily="34" charset="0"/>
+                <a:cs typeface="Times New Roman"/>
+              </a:rPr>
+              <a:t> </a:t>
+            </a:r>
+            <a:endParaRPr lang="en-US" sz="1800">
+              <a:effectLst/>
+              <a:latin typeface="Times New Roman" panose="02020603050405020304" pitchFamily="18" charset="0"/>
+              <a:ea typeface="Calibri" panose="020F0502020204030204" pitchFamily="34" charset="0"/>
+              <a:cs typeface="Times New Roman" panose="02020603050405020304" pitchFamily="18" charset="0"/>
+            </a:endParaRPr>
+          </a:p>
+          <a:p>
+            <a:r>
+              <a:rPr lang="en-US" sz="1800">
                 <a:effectLst/>
-                <a:latin typeface="Times New Roman" panose="02020603050405020304" pitchFamily="18" charset="0"/>
+                <a:latin typeface="Times New Roman"/>
                 <a:ea typeface="Calibri" panose="020F0502020204030204" pitchFamily="34" charset="0"/>
-                <a:cs typeface="Times New Roman" panose="02020603050405020304" pitchFamily="18" charset="0"/>
+                <a:cs typeface="Times New Roman"/>
               </a:rPr>
-              <a:t>The summary function in R was used to find the statistical analysis of the data which includes the mean median and mode function of the data. </a:t>
-            </a:r>
-          </a:p>
-          <a:p>
-            <a:endParaRPr lang="en-US" sz="1800" dirty="0">
+              <a:t>The summary function in R was used to find the statistical analysis of the data which includes the mean median and mode function of the data.</a:t>
+            </a:r>
+            <a:r>
+              <a:rPr lang="en-US" sz="1800">
+                <a:latin typeface="Times New Roman"/>
+                <a:ea typeface="Calibri" panose="020F0502020204030204" pitchFamily="34" charset="0"/>
+                <a:cs typeface="Times New Roman"/>
+              </a:rPr>
+              <a:t> </a:t>
+            </a:r>
+            <a:endParaRPr lang="en-US" sz="1800">
+              <a:effectLst/>
+              <a:latin typeface="Times New Roman" panose="02020603050405020304" pitchFamily="18" charset="0"/>
+              <a:ea typeface="Calibri" panose="020F0502020204030204" pitchFamily="34" charset="0"/>
+              <a:cs typeface="Times New Roman" panose="02020603050405020304" pitchFamily="18" charset="0"/>
+            </a:endParaRPr>
+          </a:p>
+          <a:p>
+            <a:endParaRPr lang="en-US" sz="1800">
               <a:effectLst/>
               <a:latin typeface="Times New Roman" panose="02020603050405020304" pitchFamily="18" charset="0"/>
               <a:ea typeface="Calibri" panose="020F0502020204030204" pitchFamily="34" charset="0"/>
@@ -4540,6 +9794,14 @@
 <file path=ppt/slides/slide4.xml><?xml version="1.0" encoding="utf-8"?>
 <p:sld xmlns:a="http://schemas.openxmlformats.org/drawingml/2006/main" xmlns:r="http://schemas.openxmlformats.org/officeDocument/2006/relationships" xmlns:p="http://schemas.openxmlformats.org/presentationml/2006/main">
   <p:cSld>
+    <p:bg>
+      <p:bgPr>
+        <a:solidFill>
+          <a:schemeClr val="bg1"/>
+        </a:solidFill>
+        <a:effectLst/>
+      </p:bgPr>
+    </p:bg>
     <p:spTree>
       <p:nvGrpSpPr>
         <p:cNvPr id="1" name=""/>
@@ -4556,6 +9818,382 @@
       </p:grpSpPr>
       <p:sp>
         <p:nvSpPr>
+          <p:cNvPr id="42" name="Rectangle 40">
+            <a:extLst>
+              <a:ext uri="{FF2B5EF4-FFF2-40B4-BE49-F238E27FC236}">
+                <a16:creationId xmlns:a16="http://schemas.microsoft.com/office/drawing/2014/main" id="{0DE6A193-4755-479A-BC6F-A7EBCA73BE1A}"/>
+              </a:ext>
+              <a:ext uri="{C183D7F6-B498-43B3-948B-1728B52AA6E4}">
+                <adec:decorative xmlns:adec="http://schemas.microsoft.com/office/drawing/2017/decorative" val="1"/>
+              </a:ext>
+            </a:extLst>
+          </p:cNvPr>
+          <p:cNvSpPr>
+            <a:spLocks noGrp="1" noRot="1" noChangeAspect="1" noMove="1" noResize="1" noEditPoints="1" noAdjustHandles="1" noChangeArrowheads="1" noChangeShapeType="1" noTextEdit="1"/>
+          </p:cNvSpPr>
+          <p:nvPr>
+            <p:extLst>
+              <p:ext uri="{386F3935-93C4-4BCD-93E2-E3B085C9AB24}">
+                <p16:designElem xmlns:p16="http://schemas.microsoft.com/office/powerpoint/2015/main" val="1"/>
+              </p:ext>
+            </p:extLst>
+          </p:nvPr>
+        </p:nvSpPr>
+        <p:spPr>
+          <a:xfrm>
+            <a:off x="0" y="0"/>
+            <a:ext cx="12192001" cy="6858000"/>
+          </a:xfrm>
+          <a:prstGeom prst="rect">
+            <a:avLst/>
+          </a:prstGeom>
+          <a:solidFill>
+            <a:schemeClr val="tx1"/>
+          </a:solidFill>
+          <a:ln>
+            <a:noFill/>
+          </a:ln>
+        </p:spPr>
+        <p:style>
+          <a:lnRef idx="2">
+            <a:schemeClr val="accent1">
+              <a:shade val="50000"/>
+            </a:schemeClr>
+          </a:lnRef>
+          <a:fillRef idx="1">
+            <a:schemeClr val="accent1"/>
+          </a:fillRef>
+          <a:effectRef idx="0">
+            <a:schemeClr val="accent1"/>
+          </a:effectRef>
+          <a:fontRef idx="minor">
+            <a:schemeClr val="lt1"/>
+          </a:fontRef>
+        </p:style>
+        <p:txBody>
+          <a:bodyPr rtlCol="0" anchor="ctr"/>
+          <a:lstStyle/>
+          <a:p>
+            <a:pPr algn="ctr"/>
+            <a:endParaRPr lang="en-US"/>
+          </a:p>
+        </p:txBody>
+      </p:sp>
+      <p:sp>
+        <p:nvSpPr>
+          <p:cNvPr id="44" name="Freeform: Shape 42">
+            <a:extLst>
+              <a:ext uri="{FF2B5EF4-FFF2-40B4-BE49-F238E27FC236}">
+                <a16:creationId xmlns:a16="http://schemas.microsoft.com/office/drawing/2014/main" id="{5A55B759-31A7-423C-9BC2-A8BC09FE98B9}"/>
+              </a:ext>
+              <a:ext uri="{C183D7F6-B498-43B3-948B-1728B52AA6E4}">
+                <adec:decorative xmlns:adec="http://schemas.microsoft.com/office/drawing/2017/decorative" val="1"/>
+              </a:ext>
+            </a:extLst>
+          </p:cNvPr>
+          <p:cNvSpPr>
+            <a:spLocks noGrp="1" noRot="1" noChangeAspect="1" noMove="1" noResize="1" noEditPoints="1" noAdjustHandles="1" noChangeArrowheads="1" noChangeShapeType="1" noTextEdit="1"/>
+          </p:cNvSpPr>
+          <p:nvPr>
+            <p:extLst>
+              <p:ext uri="{386F3935-93C4-4BCD-93E2-E3B085C9AB24}">
+                <p16:designElem xmlns:p16="http://schemas.microsoft.com/office/powerpoint/2015/main" val="1"/>
+              </p:ext>
+            </p:extLst>
+          </p:nvPr>
+        </p:nvSpPr>
+        <p:spPr>
+          <a:xfrm flipV="1">
+            <a:off x="0" y="-478"/>
+            <a:ext cx="6754318" cy="6858478"/>
+          </a:xfrm>
+          <a:custGeom>
+            <a:avLst/>
+            <a:gdLst>
+              <a:gd name="connsiteX0" fmla="*/ 0 w 6754318"/>
+              <a:gd name="connsiteY0" fmla="*/ 6858478 h 6858478"/>
+              <a:gd name="connsiteX1" fmla="*/ 6754318 w 6754318"/>
+              <a:gd name="connsiteY1" fmla="*/ 6858478 h 6858478"/>
+              <a:gd name="connsiteX2" fmla="*/ 3577943 w 6754318"/>
+              <a:gd name="connsiteY2" fmla="*/ 0 h 6858478"/>
+              <a:gd name="connsiteX3" fmla="*/ 3572366 w 6754318"/>
+              <a:gd name="connsiteY3" fmla="*/ 0 h 6858478"/>
+              <a:gd name="connsiteX4" fmla="*/ 2506138 w 6754318"/>
+              <a:gd name="connsiteY4" fmla="*/ 0 h 6858478"/>
+              <a:gd name="connsiteX5" fmla="*/ 0 w 6754318"/>
+              <a:gd name="connsiteY5" fmla="*/ 0 h 6858478"/>
+            </a:gdLst>
+            <a:ahLst/>
+            <a:cxnLst>
+              <a:cxn ang="0">
+                <a:pos x="connsiteX0" y="connsiteY0"/>
+              </a:cxn>
+              <a:cxn ang="0">
+                <a:pos x="connsiteX1" y="connsiteY1"/>
+              </a:cxn>
+              <a:cxn ang="0">
+                <a:pos x="connsiteX2" y="connsiteY2"/>
+              </a:cxn>
+              <a:cxn ang="0">
+                <a:pos x="connsiteX3" y="connsiteY3"/>
+              </a:cxn>
+              <a:cxn ang="0">
+                <a:pos x="connsiteX4" y="connsiteY4"/>
+              </a:cxn>
+              <a:cxn ang="0">
+                <a:pos x="connsiteX5" y="connsiteY5"/>
+              </a:cxn>
+            </a:cxnLst>
+            <a:rect l="l" t="t" r="r" b="b"/>
+            <a:pathLst>
+              <a:path w="6754318" h="6858478">
+                <a:moveTo>
+                  <a:pt x="0" y="6858478"/>
+                </a:moveTo>
+                <a:lnTo>
+                  <a:pt x="6754318" y="6858478"/>
+                </a:lnTo>
+                <a:lnTo>
+                  <a:pt x="3577943" y="0"/>
+                </a:lnTo>
+                <a:lnTo>
+                  <a:pt x="3572366" y="0"/>
+                </a:lnTo>
+                <a:lnTo>
+                  <a:pt x="2506138" y="0"/>
+                </a:lnTo>
+                <a:lnTo>
+                  <a:pt x="0" y="0"/>
+                </a:lnTo>
+                <a:close/>
+              </a:path>
+            </a:pathLst>
+          </a:custGeom>
+          <a:solidFill>
+            <a:schemeClr val="bg1">
+              <a:lumMod val="85000"/>
+              <a:lumOff val="15000"/>
+              <a:alpha val="70000"/>
+            </a:schemeClr>
+          </a:solidFill>
+          <a:ln>
+            <a:noFill/>
+          </a:ln>
+        </p:spPr>
+        <p:style>
+          <a:lnRef idx="2">
+            <a:schemeClr val="accent1">
+              <a:shade val="50000"/>
+            </a:schemeClr>
+          </a:lnRef>
+          <a:fillRef idx="1">
+            <a:schemeClr val="accent1"/>
+          </a:fillRef>
+          <a:effectRef idx="0">
+            <a:schemeClr val="accent1"/>
+          </a:effectRef>
+          <a:fontRef idx="minor">
+            <a:schemeClr val="lt1"/>
+          </a:fontRef>
+        </p:style>
+        <p:txBody>
+          <a:bodyPr wrap="square" rtlCol="0" anchor="ctr">
+            <a:noAutofit/>
+          </a:bodyPr>
+          <a:lstStyle/>
+          <a:p>
+            <a:pPr marL="0" marR="0" lvl="0" indent="0" algn="ctr" defTabSz="914400" rtl="0" eaLnBrk="1" fontAlgn="auto" latinLnBrk="0" hangingPunct="1">
+              <a:lnSpc>
+                <a:spcPct val="100000"/>
+              </a:lnSpc>
+              <a:spcBef>
+                <a:spcPts val="0"/>
+              </a:spcBef>
+              <a:spcAft>
+                <a:spcPts val="0"/>
+              </a:spcAft>
+              <a:buClrTx/>
+              <a:buSzTx/>
+              <a:buFontTx/>
+              <a:buNone/>
+              <a:tabLst/>
+              <a:defRPr/>
+            </a:pPr>
+            <a:endParaRPr kumimoji="0" lang="en-US" sz="1800" b="0" i="0" u="none" strike="noStrike" kern="1200" cap="none" spc="0" normalizeH="0" baseline="0" noProof="0">
+              <a:ln>
+                <a:noFill/>
+              </a:ln>
+              <a:solidFill>
+                <a:prstClr val="white"/>
+              </a:solidFill>
+              <a:effectLst/>
+              <a:uLnTx/>
+              <a:uFillTx/>
+              <a:latin typeface="Calibri" panose="020F0502020204030204"/>
+              <a:ea typeface="+mn-ea"/>
+              <a:cs typeface="+mn-cs"/>
+            </a:endParaRPr>
+          </a:p>
+        </p:txBody>
+      </p:sp>
+      <p:sp>
+        <p:nvSpPr>
+          <p:cNvPr id="46" name="Freeform: Shape 44">
+            <a:extLst>
+              <a:ext uri="{FF2B5EF4-FFF2-40B4-BE49-F238E27FC236}">
+                <a16:creationId xmlns:a16="http://schemas.microsoft.com/office/drawing/2014/main" id="{F78796AF-79A0-47AC-BEFD-BFFC00F968C4}"/>
+              </a:ext>
+              <a:ext uri="{C183D7F6-B498-43B3-948B-1728B52AA6E4}">
+                <adec:decorative xmlns:adec="http://schemas.microsoft.com/office/drawing/2017/decorative" val="1"/>
+              </a:ext>
+            </a:extLst>
+          </p:cNvPr>
+          <p:cNvSpPr>
+            <a:spLocks noGrp="1" noRot="1" noChangeAspect="1" noMove="1" noResize="1" noEditPoints="1" noAdjustHandles="1" noChangeArrowheads="1" noChangeShapeType="1" noTextEdit="1"/>
+          </p:cNvSpPr>
+          <p:nvPr>
+            <p:extLst>
+              <p:ext uri="{386F3935-93C4-4BCD-93E2-E3B085C9AB24}">
+                <p16:designElem xmlns:p16="http://schemas.microsoft.com/office/powerpoint/2015/main" val="1"/>
+              </p:ext>
+            </p:extLst>
+          </p:nvPr>
+        </p:nvSpPr>
+        <p:spPr>
+          <a:xfrm flipV="1">
+            <a:off x="1" y="-478"/>
+            <a:ext cx="5953780" cy="6858478"/>
+          </a:xfrm>
+          <a:custGeom>
+            <a:avLst/>
+            <a:gdLst>
+              <a:gd name="connsiteX0" fmla="*/ 0 w 5953780"/>
+              <a:gd name="connsiteY0" fmla="*/ 6858478 h 6858478"/>
+              <a:gd name="connsiteX1" fmla="*/ 5953780 w 5953780"/>
+              <a:gd name="connsiteY1" fmla="*/ 6858478 h 6858478"/>
+              <a:gd name="connsiteX2" fmla="*/ 2777405 w 5953780"/>
+              <a:gd name="connsiteY2" fmla="*/ 0 h 6858478"/>
+              <a:gd name="connsiteX3" fmla="*/ 2771828 w 5953780"/>
+              <a:gd name="connsiteY3" fmla="*/ 0 h 6858478"/>
+              <a:gd name="connsiteX4" fmla="*/ 1705600 w 5953780"/>
+              <a:gd name="connsiteY4" fmla="*/ 0 h 6858478"/>
+              <a:gd name="connsiteX5" fmla="*/ 0 w 5953780"/>
+              <a:gd name="connsiteY5" fmla="*/ 0 h 6858478"/>
+            </a:gdLst>
+            <a:ahLst/>
+            <a:cxnLst>
+              <a:cxn ang="0">
+                <a:pos x="connsiteX0" y="connsiteY0"/>
+              </a:cxn>
+              <a:cxn ang="0">
+                <a:pos x="connsiteX1" y="connsiteY1"/>
+              </a:cxn>
+              <a:cxn ang="0">
+                <a:pos x="connsiteX2" y="connsiteY2"/>
+              </a:cxn>
+              <a:cxn ang="0">
+                <a:pos x="connsiteX3" y="connsiteY3"/>
+              </a:cxn>
+              <a:cxn ang="0">
+                <a:pos x="connsiteX4" y="connsiteY4"/>
+              </a:cxn>
+              <a:cxn ang="0">
+                <a:pos x="connsiteX5" y="connsiteY5"/>
+              </a:cxn>
+            </a:cxnLst>
+            <a:rect l="l" t="t" r="r" b="b"/>
+            <a:pathLst>
+              <a:path w="5953780" h="6858478">
+                <a:moveTo>
+                  <a:pt x="0" y="6858478"/>
+                </a:moveTo>
+                <a:lnTo>
+                  <a:pt x="5953780" y="6858478"/>
+                </a:lnTo>
+                <a:lnTo>
+                  <a:pt x="2777405" y="0"/>
+                </a:lnTo>
+                <a:lnTo>
+                  <a:pt x="2771828" y="0"/>
+                </a:lnTo>
+                <a:lnTo>
+                  <a:pt x="1705600" y="0"/>
+                </a:lnTo>
+                <a:lnTo>
+                  <a:pt x="0" y="0"/>
+                </a:lnTo>
+                <a:close/>
+              </a:path>
+            </a:pathLst>
+          </a:custGeom>
+          <a:solidFill>
+            <a:schemeClr val="bg1">
+              <a:lumMod val="85000"/>
+              <a:lumOff val="15000"/>
+            </a:schemeClr>
+          </a:solidFill>
+          <a:ln>
+            <a:noFill/>
+          </a:ln>
+        </p:spPr>
+        <p:style>
+          <a:lnRef idx="2">
+            <a:schemeClr val="accent1">
+              <a:shade val="50000"/>
+            </a:schemeClr>
+          </a:lnRef>
+          <a:fillRef idx="1">
+            <a:schemeClr val="accent1"/>
+          </a:fillRef>
+          <a:effectRef idx="0">
+            <a:schemeClr val="accent1"/>
+          </a:effectRef>
+          <a:fontRef idx="minor">
+            <a:schemeClr val="lt1"/>
+          </a:fontRef>
+        </p:style>
+        <p:txBody>
+          <a:bodyPr wrap="square" rtlCol="0" anchor="ctr">
+            <a:noAutofit/>
+          </a:bodyPr>
+          <a:lstStyle/>
+          <a:p>
+            <a:pPr marL="0" marR="0" lvl="0" indent="0" algn="ctr" defTabSz="914400" rtl="0" eaLnBrk="1" fontAlgn="auto" latinLnBrk="0" hangingPunct="1">
+              <a:lnSpc>
+                <a:spcPct val="100000"/>
+              </a:lnSpc>
+              <a:spcBef>
+                <a:spcPts val="0"/>
+              </a:spcBef>
+              <a:spcAft>
+                <a:spcPts val="0"/>
+              </a:spcAft>
+              <a:buClrTx/>
+              <a:buSzTx/>
+              <a:buFontTx/>
+              <a:buNone/>
+              <a:tabLst/>
+              <a:defRPr/>
+            </a:pPr>
+            <a:endParaRPr kumimoji="0" lang="en-US" sz="1800" b="0" i="0" u="none" strike="noStrike" kern="1200" cap="none" spc="0" normalizeH="0" baseline="0" noProof="0">
+              <a:ln>
+                <a:noFill/>
+              </a:ln>
+              <a:solidFill>
+                <a:prstClr val="white"/>
+              </a:solidFill>
+              <a:effectLst/>
+              <a:uLnTx/>
+              <a:uFillTx/>
+              <a:latin typeface="Calibri" panose="020F0502020204030204"/>
+              <a:ea typeface="+mn-ea"/>
+              <a:cs typeface="+mn-cs"/>
+            </a:endParaRPr>
+          </a:p>
+        </p:txBody>
+      </p:sp>
+      <p:sp>
+        <p:nvSpPr>
           <p:cNvPr id="2" name="Title 1">
             <a:extLst>
               <a:ext uri="{FF2B5EF4-FFF2-40B4-BE49-F238E27FC236}">
@@ -4570,31 +10208,69 @@
             <p:ph type="title"/>
           </p:nvPr>
         </p:nvSpPr>
-        <p:spPr/>
-        <p:txBody>
-          <a:bodyPr/>
-          <a:lstStyle/>
-          <a:p>
-            <a:r>
-              <a:rPr lang="en-US" sz="4000" dirty="0">
-                <a:latin typeface="Times New Roman" panose="02020603050405020304" pitchFamily="18" charset="0"/>
-                <a:cs typeface="Times New Roman" panose="02020603050405020304" pitchFamily="18" charset="0"/>
-              </a:rPr>
-              <a:t>Methodology - Data Set</a:t>
-            </a:r>
-            <a:r>
-              <a:rPr lang="en-US" dirty="0"/>
-              <a:t>	</a:t>
+        <p:spPr>
+          <a:xfrm>
+            <a:off x="804672" y="338328"/>
+            <a:ext cx="3877056" cy="2249424"/>
+          </a:xfrm>
+        </p:spPr>
+        <p:txBody>
+          <a:bodyPr vert="horz" lIns="91440" tIns="45720" rIns="91440" bIns="45720" rtlCol="0" anchor="b">
+            <a:normAutofit/>
+          </a:bodyPr>
+          <a:lstStyle/>
+          <a:p>
+            <a:r>
+              <a:rPr lang="en-US" sz="5000"/>
+              <a:t>Methodology - Data Set	</a:t>
+            </a:r>
+          </a:p>
+        </p:txBody>
+      </p:sp>
+      <p:sp>
+        <p:nvSpPr>
+          <p:cNvPr id="36" name="Content Placeholder 13">
+            <a:extLst>
+              <a:ext uri="{FF2B5EF4-FFF2-40B4-BE49-F238E27FC236}">
+                <a16:creationId xmlns:a16="http://schemas.microsoft.com/office/drawing/2014/main" id="{D2793D3F-FE76-4151-A4A5-BE3135301565}"/>
+              </a:ext>
+            </a:extLst>
+          </p:cNvPr>
+          <p:cNvSpPr>
+            <a:spLocks noGrp="1"/>
+          </p:cNvSpPr>
+          <p:nvPr>
+            <p:ph sz="half" idx="2"/>
+          </p:nvPr>
+        </p:nvSpPr>
+        <p:spPr>
+          <a:xfrm>
+            <a:off x="804672" y="2724912"/>
+            <a:ext cx="3209544" cy="1155525"/>
+          </a:xfrm>
+        </p:spPr>
+        <p:txBody>
+          <a:bodyPr vert="horz" lIns="91440" tIns="45720" rIns="91440" bIns="45720" rtlCol="0" anchor="t">
+            <a:normAutofit/>
+          </a:bodyPr>
+          <a:lstStyle/>
+          <a:p>
+            <a:pPr marL="0" indent="0">
+              <a:buNone/>
+            </a:pPr>
+            <a:r>
+              <a:rPr lang="en-US" sz="1900"/>
+              <a:t>The pictures show some attributes on the dataset, and the number of attributes, and instances. </a:t>
             </a:r>
           </a:p>
         </p:txBody>
       </p:sp>
       <p:pic>
         <p:nvPicPr>
-          <p:cNvPr id="5" name="Content Placeholder 4">
-            <a:extLst>
-              <a:ext uri="{FF2B5EF4-FFF2-40B4-BE49-F238E27FC236}">
-                <a16:creationId xmlns:a16="http://schemas.microsoft.com/office/drawing/2014/main" id="{34FF7FB5-4D84-4F20-A505-85F9B398998B}"/>
+          <p:cNvPr id="10" name="Content Placeholder 9">
+            <a:extLst>
+              <a:ext uri="{FF2B5EF4-FFF2-40B4-BE49-F238E27FC236}">
+                <a16:creationId xmlns:a16="http://schemas.microsoft.com/office/drawing/2014/main" id="{DA2C6CD6-8F94-42E4-8471-9CB549B07E63}"/>
               </a:ext>
             </a:extLst>
           </p:cNvPr>
@@ -4602,7 +10278,7 @@
             <a:picLocks noGrp="1" noChangeAspect="1"/>
           </p:cNvPicPr>
           <p:nvPr>
-            <p:ph sz="half" idx="2"/>
+            <p:ph sz="quarter" idx="4"/>
           </p:nvPr>
         </p:nvPicPr>
         <p:blipFill>
@@ -4613,26 +10289,27 @@
         </p:blipFill>
         <p:spPr>
           <a:xfrm>
-            <a:off x="437322" y="2080591"/>
-            <a:ext cx="5376897" cy="3328815"/>
+            <a:off x="7239001" y="448440"/>
+            <a:ext cx="4416894" cy="2374080"/>
           </a:xfrm>
+          <a:prstGeom prst="rect">
+            <a:avLst/>
+          </a:prstGeom>
         </p:spPr>
       </p:pic>
       <p:pic>
         <p:nvPicPr>
-          <p:cNvPr id="10" name="Content Placeholder 9">
-            <a:extLst>
-              <a:ext uri="{FF2B5EF4-FFF2-40B4-BE49-F238E27FC236}">
-                <a16:creationId xmlns:a16="http://schemas.microsoft.com/office/drawing/2014/main" id="{DA2C6CD6-8F94-42E4-8471-9CB549B07E63}"/>
+          <p:cNvPr id="5" name="Content Placeholder 4">
+            <a:extLst>
+              <a:ext uri="{FF2B5EF4-FFF2-40B4-BE49-F238E27FC236}">
+                <a16:creationId xmlns:a16="http://schemas.microsoft.com/office/drawing/2014/main" id="{34FF7FB5-4D84-4F20-A505-85F9B398998B}"/>
               </a:ext>
             </a:extLst>
           </p:cNvPr>
           <p:cNvPicPr>
-            <a:picLocks noGrp="1" noChangeAspect="1"/>
+            <a:picLocks noChangeAspect="1"/>
           </p:cNvPicPr>
-          <p:nvPr>
-            <p:ph sz="quarter" idx="4"/>
-          </p:nvPr>
+          <p:nvPr/>
         </p:nvPicPr>
         <p:blipFill>
           <a:blip r:embed="rId3"/>
@@ -4642,9 +10319,12 @@
         </p:blipFill>
         <p:spPr>
           <a:xfrm>
-            <a:off x="6172200" y="2080591"/>
-            <a:ext cx="5582478" cy="3328815"/>
+            <a:off x="5953781" y="3465375"/>
+            <a:ext cx="5702113" cy="2527974"/>
           </a:xfrm>
+          <a:prstGeom prst="rect">
+            <a:avLst/>
+          </a:prstGeom>
         </p:spPr>
       </p:pic>
     </p:spTree>
@@ -4655,7 +10335,7 @@
     </p:extLst>
   </p:cSld>
   <p:clrMapOvr>
-    <a:masterClrMapping/>
+    <a:overrideClrMapping bg1="dk1" tx1="lt1" bg2="dk2" tx2="lt2" accent1="accent1" accent2="accent2" accent3="accent3" accent4="accent4" accent5="accent5" accent6="accent6" hlink="hlink" folHlink="folHlink"/>
   </p:clrMapOvr>
 </p:sld>
 </file>
@@ -4663,6 +10343,14 @@
 <file path=ppt/slides/slide5.xml><?xml version="1.0" encoding="utf-8"?>
 <p:sld xmlns:a="http://schemas.openxmlformats.org/drawingml/2006/main" xmlns:r="http://schemas.openxmlformats.org/officeDocument/2006/relationships" xmlns:p="http://schemas.openxmlformats.org/presentationml/2006/main">
   <p:cSld>
+    <p:bg>
+      <p:bgPr>
+        <a:solidFill>
+          <a:schemeClr val="bg1"/>
+        </a:solidFill>
+        <a:effectLst/>
+      </p:bgPr>
+    </p:bg>
     <p:spTree>
       <p:nvGrpSpPr>
         <p:cNvPr id="1" name=""/>
@@ -4677,6 +10365,200 @@
           <a:chExt cx="0" cy="0"/>
         </a:xfrm>
       </p:grpSpPr>
+      <p:sp useBgFill="1">
+        <p:nvSpPr>
+          <p:cNvPr id="13" name="Rectangle 12">
+            <a:extLst>
+              <a:ext uri="{FF2B5EF4-FFF2-40B4-BE49-F238E27FC236}">
+                <a16:creationId xmlns:a16="http://schemas.microsoft.com/office/drawing/2014/main" id="{907EF6B7-1338-4443-8C46-6A318D952DFD}"/>
+              </a:ext>
+              <a:ext uri="{C183D7F6-B498-43B3-948B-1728B52AA6E4}">
+                <adec:decorative xmlns:adec="http://schemas.microsoft.com/office/drawing/2017/decorative" val="1"/>
+              </a:ext>
+            </a:extLst>
+          </p:cNvPr>
+          <p:cNvSpPr>
+            <a:spLocks noGrp="1" noRot="1" noChangeAspect="1" noMove="1" noResize="1" noEditPoints="1" noAdjustHandles="1" noChangeArrowheads="1" noChangeShapeType="1" noTextEdit="1"/>
+          </p:cNvSpPr>
+          <p:nvPr>
+            <p:extLst>
+              <p:ext uri="{386F3935-93C4-4BCD-93E2-E3B085C9AB24}">
+                <p16:designElem xmlns:p16="http://schemas.microsoft.com/office/powerpoint/2015/main" val="1"/>
+              </p:ext>
+            </p:extLst>
+          </p:nvPr>
+        </p:nvSpPr>
+        <p:spPr>
+          <a:xfrm>
+            <a:off x="3048" y="0"/>
+            <a:ext cx="12188952" cy="6858000"/>
+          </a:xfrm>
+          <a:prstGeom prst="rect">
+            <a:avLst/>
+          </a:prstGeom>
+          <a:ln>
+            <a:noFill/>
+          </a:ln>
+        </p:spPr>
+        <p:style>
+          <a:lnRef idx="2">
+            <a:schemeClr val="accent1">
+              <a:shade val="50000"/>
+            </a:schemeClr>
+          </a:lnRef>
+          <a:fillRef idx="1">
+            <a:schemeClr val="accent1"/>
+          </a:fillRef>
+          <a:effectRef idx="0">
+            <a:schemeClr val="accent1"/>
+          </a:effectRef>
+          <a:fontRef idx="minor">
+            <a:schemeClr val="lt1"/>
+          </a:fontRef>
+        </p:style>
+        <p:txBody>
+          <a:bodyPr rtlCol="0" anchor="ctr"/>
+          <a:lstStyle/>
+          <a:p>
+            <a:pPr algn="ctr"/>
+            <a:endParaRPr lang="en-US"/>
+          </a:p>
+        </p:txBody>
+      </p:sp>
+      <p:sp>
+        <p:nvSpPr>
+          <p:cNvPr id="15" name="Freeform: Shape 14">
+            <a:extLst>
+              <a:ext uri="{FF2B5EF4-FFF2-40B4-BE49-F238E27FC236}">
+                <a16:creationId xmlns:a16="http://schemas.microsoft.com/office/drawing/2014/main" id="{DAAE4CDD-124C-4DCF-9584-B6033B545DD5}"/>
+              </a:ext>
+              <a:ext uri="{C183D7F6-B498-43B3-948B-1728B52AA6E4}">
+                <adec:decorative xmlns:adec="http://schemas.microsoft.com/office/drawing/2017/decorative" val="1"/>
+              </a:ext>
+            </a:extLst>
+          </p:cNvPr>
+          <p:cNvSpPr>
+            <a:spLocks noGrp="1" noRot="1" noChangeAspect="1" noMove="1" noResize="1" noEditPoints="1" noAdjustHandles="1" noChangeArrowheads="1" noChangeShapeType="1" noTextEdit="1"/>
+          </p:cNvSpPr>
+          <p:nvPr>
+            <p:extLst>
+              <p:ext uri="{386F3935-93C4-4BCD-93E2-E3B085C9AB24}">
+                <p16:designElem xmlns:p16="http://schemas.microsoft.com/office/powerpoint/2015/main" val="1"/>
+              </p:ext>
+            </p:extLst>
+          </p:nvPr>
+        </p:nvSpPr>
+        <p:spPr>
+          <a:xfrm>
+            <a:off x="1" y="0"/>
+            <a:ext cx="4167271" cy="6858000"/>
+          </a:xfrm>
+          <a:custGeom>
+            <a:avLst/>
+            <a:gdLst>
+              <a:gd name="connsiteX0" fmla="*/ 0 w 4167271"/>
+              <a:gd name="connsiteY0" fmla="*/ 0 h 6858000"/>
+              <a:gd name="connsiteX1" fmla="*/ 2259550 w 4167271"/>
+              <a:gd name="connsiteY1" fmla="*/ 0 h 6858000"/>
+              <a:gd name="connsiteX2" fmla="*/ 2387803 w 4167271"/>
+              <a:gd name="connsiteY2" fmla="*/ 82222 h 6858000"/>
+              <a:gd name="connsiteX3" fmla="*/ 4167271 w 4167271"/>
+              <a:gd name="connsiteY3" fmla="*/ 3429000 h 6858000"/>
+              <a:gd name="connsiteX4" fmla="*/ 2387803 w 4167271"/>
+              <a:gd name="connsiteY4" fmla="*/ 6775779 h 6858000"/>
+              <a:gd name="connsiteX5" fmla="*/ 2259550 w 4167271"/>
+              <a:gd name="connsiteY5" fmla="*/ 6858000 h 6858000"/>
+              <a:gd name="connsiteX6" fmla="*/ 0 w 4167271"/>
+              <a:gd name="connsiteY6" fmla="*/ 6858000 h 6858000"/>
+            </a:gdLst>
+            <a:ahLst/>
+            <a:cxnLst>
+              <a:cxn ang="0">
+                <a:pos x="connsiteX0" y="connsiteY0"/>
+              </a:cxn>
+              <a:cxn ang="0">
+                <a:pos x="connsiteX1" y="connsiteY1"/>
+              </a:cxn>
+              <a:cxn ang="0">
+                <a:pos x="connsiteX2" y="connsiteY2"/>
+              </a:cxn>
+              <a:cxn ang="0">
+                <a:pos x="connsiteX3" y="connsiteY3"/>
+              </a:cxn>
+              <a:cxn ang="0">
+                <a:pos x="connsiteX4" y="connsiteY4"/>
+              </a:cxn>
+              <a:cxn ang="0">
+                <a:pos x="connsiteX5" y="connsiteY5"/>
+              </a:cxn>
+              <a:cxn ang="0">
+                <a:pos x="connsiteX6" y="connsiteY6"/>
+              </a:cxn>
+            </a:cxnLst>
+            <a:rect l="l" t="t" r="r" b="b"/>
+            <a:pathLst>
+              <a:path w="4167271" h="6858000">
+                <a:moveTo>
+                  <a:pt x="0" y="0"/>
+                </a:moveTo>
+                <a:lnTo>
+                  <a:pt x="2259550" y="0"/>
+                </a:lnTo>
+                <a:lnTo>
+                  <a:pt x="2387803" y="82222"/>
+                </a:lnTo>
+                <a:cubicBezTo>
+                  <a:pt x="3461407" y="807534"/>
+                  <a:pt x="4167271" y="2035835"/>
+                  <a:pt x="4167271" y="3429000"/>
+                </a:cubicBezTo>
+                <a:cubicBezTo>
+                  <a:pt x="4167271" y="4822165"/>
+                  <a:pt x="3461407" y="6050467"/>
+                  <a:pt x="2387803" y="6775779"/>
+                </a:cubicBezTo>
+                <a:lnTo>
+                  <a:pt x="2259550" y="6858000"/>
+                </a:lnTo>
+                <a:lnTo>
+                  <a:pt x="0" y="6858000"/>
+                </a:lnTo>
+                <a:close/>
+              </a:path>
+            </a:pathLst>
+          </a:custGeom>
+          <a:solidFill>
+            <a:schemeClr val="accent2"/>
+          </a:solidFill>
+          <a:ln>
+            <a:noFill/>
+          </a:ln>
+        </p:spPr>
+        <p:style>
+          <a:lnRef idx="2">
+            <a:schemeClr val="accent1">
+              <a:shade val="50000"/>
+            </a:schemeClr>
+          </a:lnRef>
+          <a:fillRef idx="1">
+            <a:schemeClr val="accent1"/>
+          </a:fillRef>
+          <a:effectRef idx="0">
+            <a:schemeClr val="accent1"/>
+          </a:effectRef>
+          <a:fontRef idx="minor">
+            <a:schemeClr val="lt1"/>
+          </a:fontRef>
+        </p:style>
+        <p:txBody>
+          <a:bodyPr rtlCol="0" anchor="ctr"/>
+          <a:lstStyle/>
+          <a:p>
+            <a:pPr algn="ctr"/>
+            <a:endParaRPr lang="en-US"/>
+          </a:p>
+        </p:txBody>
+      </p:sp>
       <p:sp>
         <p:nvSpPr>
           <p:cNvPr id="7" name="Title 6">
@@ -4693,7 +10575,12 @@
             <p:ph type="title"/>
           </p:nvPr>
         </p:nvSpPr>
-        <p:spPr/>
+        <p:spPr>
+          <a:xfrm>
+            <a:off x="686834" y="1153572"/>
+            <a:ext cx="3200400" cy="4461163"/>
+          </a:xfrm>
+        </p:spPr>
         <p:txBody>
           <a:bodyPr>
             <a:normAutofit/>
@@ -4701,7 +10588,10 @@
           <a:lstStyle/>
           <a:p>
             <a:r>
-              <a:rPr lang="en-US" sz="3000" dirty="0">
+              <a:rPr lang="en-US" sz="4100">
+                <a:solidFill>
+                  <a:srgbClr val="FFFFFF"/>
+                </a:solidFill>
                 <a:latin typeface="Times New Roman" panose="02020603050405020304" pitchFamily="18" charset="0"/>
                 <a:cs typeface="Times New Roman" panose="02020603050405020304" pitchFamily="18" charset="0"/>
               </a:rPr>
@@ -4712,6 +10602,67 @@
       </p:sp>
       <p:sp>
         <p:nvSpPr>
+          <p:cNvPr id="17" name="Arc 16">
+            <a:extLst>
+              <a:ext uri="{FF2B5EF4-FFF2-40B4-BE49-F238E27FC236}">
+                <a16:creationId xmlns:a16="http://schemas.microsoft.com/office/drawing/2014/main" id="{081E4A58-353D-44AE-B2FC-2A74E2E400F7}"/>
+              </a:ext>
+              <a:ext uri="{C183D7F6-B498-43B3-948B-1728B52AA6E4}">
+                <adec:decorative xmlns:adec="http://schemas.microsoft.com/office/drawing/2017/decorative" val="1"/>
+              </a:ext>
+            </a:extLst>
+          </p:cNvPr>
+          <p:cNvSpPr>
+            <a:spLocks noGrp="1" noRot="1" noChangeAspect="1" noMove="1" noResize="1" noEditPoints="1" noAdjustHandles="1" noChangeArrowheads="1" noChangeShapeType="1" noTextEdit="1"/>
+          </p:cNvSpPr>
+          <p:nvPr>
+            <p:extLst>
+              <p:ext uri="{386F3935-93C4-4BCD-93E2-E3B085C9AB24}">
+                <p16:designElem xmlns:p16="http://schemas.microsoft.com/office/powerpoint/2015/main" val="1"/>
+              </p:ext>
+            </p:extLst>
+          </p:nvPr>
+        </p:nvSpPr>
+        <p:spPr>
+          <a:xfrm flipV="1">
+            <a:off x="7550402" y="2455479"/>
+            <a:ext cx="4083433" cy="4083433"/>
+          </a:xfrm>
+          <a:prstGeom prst="arc">
+            <a:avLst/>
+          </a:prstGeom>
+          <a:ln w="127000" cap="rnd">
+            <a:solidFill>
+              <a:schemeClr val="accent4"/>
+            </a:solidFill>
+            <a:prstDash val="dash"/>
+          </a:ln>
+        </p:spPr>
+        <p:style>
+          <a:lnRef idx="1">
+            <a:schemeClr val="accent1"/>
+          </a:lnRef>
+          <a:fillRef idx="0">
+            <a:schemeClr val="accent1"/>
+          </a:fillRef>
+          <a:effectRef idx="0">
+            <a:schemeClr val="accent1"/>
+          </a:effectRef>
+          <a:fontRef idx="minor">
+            <a:schemeClr val="tx1"/>
+          </a:fontRef>
+        </p:style>
+        <p:txBody>
+          <a:bodyPr rtlCol="0" anchor="ctr"/>
+          <a:lstStyle/>
+          <a:p>
+            <a:pPr algn="ctr"/>
+            <a:endParaRPr lang="en-US" dirty="0"/>
+          </a:p>
+        </p:txBody>
+      </p:sp>
+      <p:sp>
+        <p:nvSpPr>
           <p:cNvPr id="8" name="Content Placeholder 7">
             <a:extLst>
               <a:ext uri="{FF2B5EF4-FFF2-40B4-BE49-F238E27FC236}">
@@ -4726,55 +10677,109 @@
             <p:ph idx="1"/>
           </p:nvPr>
         </p:nvSpPr>
-        <p:spPr/>
-        <p:txBody>
-          <a:bodyPr/>
-          <a:lstStyle/>
-          <a:p>
-            <a:r>
-              <a:rPr lang="en-US" sz="1800" dirty="0">
+        <p:spPr>
+          <a:xfrm>
+            <a:off x="4447308" y="591344"/>
+            <a:ext cx="6906491" cy="5585619"/>
+          </a:xfrm>
+        </p:spPr>
+        <p:txBody>
+          <a:bodyPr anchor="ctr">
+            <a:normAutofit lnSpcReduction="10000"/>
+          </a:bodyPr>
+          <a:lstStyle/>
+          <a:p>
+            <a:r>
+              <a:rPr lang="en-US" sz="2200" dirty="0">
                 <a:effectLst/>
-                <a:latin typeface="Times New Roman" panose="02020603050405020304" pitchFamily="18" charset="0"/>
+                <a:latin typeface="Times New Roman"/>
                 <a:ea typeface="Calibri" panose="020F0502020204030204" pitchFamily="34" charset="0"/>
+                <a:cs typeface="Times New Roman"/>
               </a:rPr>
-              <a:t>As discussed earlier 50 features are available in the dataset, and dataset is also highly diversified due to huge number of patients considered in the dataset. not all available attributes will contribute to the prediction of patient’s diabetes condition therefore feature selection is used to choose from among the many attributes available. </a:t>
-            </a:r>
-          </a:p>
-          <a:p>
-            <a:r>
-              <a:rPr lang="en-US" sz="1800" dirty="0">
-                <a:effectLst/>
-                <a:latin typeface="Times New Roman" panose="02020603050405020304" pitchFamily="18" charset="0"/>
+              <a:t>As discussed earlier 50 features are available in the dataset, and dataset is also highly diversified due to huge number of patients considered in the dataset. not all available attributes will contribute to the prediction of patient’s diabetes condition therefore feature selection is used to choose from among the many attributes available.</a:t>
+            </a:r>
+            <a:r>
+              <a:rPr lang="en-US" sz="2200" dirty="0">
+                <a:latin typeface="Times New Roman"/>
                 <a:ea typeface="Calibri" panose="020F0502020204030204" pitchFamily="34" charset="0"/>
-                <a:cs typeface="Times New Roman" panose="02020603050405020304" pitchFamily="18" charset="0"/>
+                <a:cs typeface="Times New Roman"/>
               </a:rPr>
-              <a:t>Different statistical techniques have been discussed in literature but the function used in this paper is the R correlation function known as Caret() that helps remove redundant feature and also ranks said feature in order of importance.</a:t>
-            </a:r>
-          </a:p>
-          <a:p>
-            <a:r>
-              <a:rPr lang="en-US" sz="1800" dirty="0">
-                <a:effectLst/>
-                <a:latin typeface="Times New Roman" panose="02020603050405020304" pitchFamily="18" charset="0"/>
-                <a:ea typeface="Calibri" panose="020F0502020204030204" pitchFamily="34" charset="0"/>
-              </a:rPr>
-              <a:t>The caret function in R is a function that helps remove redundant features based on their correlation with each other that is similarities between the features</a:t>
-            </a:r>
-            <a:endParaRPr lang="en-US" sz="1800" dirty="0">
+              <a:t> </a:t>
+            </a:r>
+            <a:endParaRPr lang="en-US" sz="2200">
+              <a:effectLst/>
               <a:latin typeface="Times New Roman" panose="02020603050405020304" pitchFamily="18" charset="0"/>
               <a:ea typeface="Calibri" panose="020F0502020204030204" pitchFamily="34" charset="0"/>
             </a:endParaRPr>
           </a:p>
           <a:p>
             <a:r>
-              <a:rPr lang="en-US" sz="1800" dirty="0">
+              <a:rPr lang="en-US" sz="2200" dirty="0">
                 <a:effectLst/>
-                <a:latin typeface="Times New Roman" panose="02020603050405020304" pitchFamily="18" charset="0"/>
+                <a:latin typeface="Times New Roman"/>
                 <a:ea typeface="Calibri" panose="020F0502020204030204" pitchFamily="34" charset="0"/>
-                <a:cs typeface="Times New Roman" panose="02020603050405020304" pitchFamily="18" charset="0"/>
+                <a:cs typeface="Times New Roman"/>
               </a:rPr>
-              <a:t>The importance of the features was also determined using the traincontrol method. </a:t>
-            </a:r>
+              <a:t>Different statistical techniques have been discussed in literature</a:t>
+            </a:r>
+            <a:r>
+              <a:rPr lang="en-US" sz="2200" dirty="0">
+                <a:latin typeface="Times New Roman"/>
+                <a:ea typeface="Calibri" panose="020F0502020204030204" pitchFamily="34" charset="0"/>
+                <a:cs typeface="Times New Roman"/>
+              </a:rPr>
+              <a:t>,</a:t>
+            </a:r>
+            <a:r>
+              <a:rPr lang="en-US" sz="2200" dirty="0">
+                <a:effectLst/>
+                <a:latin typeface="Times New Roman"/>
+                <a:ea typeface="Calibri" panose="020F0502020204030204" pitchFamily="34" charset="0"/>
+                <a:cs typeface="Times New Roman"/>
+              </a:rPr>
+              <a:t> but the function used in this paper is the R correlation function known as Caret() that helps remove redundant feature and ranks said feature in order of importance.</a:t>
+            </a:r>
+          </a:p>
+          <a:p>
+            <a:r>
+              <a:rPr lang="en-US" sz="2200" dirty="0">
+                <a:effectLst/>
+                <a:latin typeface="Times New Roman"/>
+                <a:ea typeface="Calibri" panose="020F0502020204030204" pitchFamily="34" charset="0"/>
+                <a:cs typeface="Times New Roman"/>
+              </a:rPr>
+              <a:t>The caret function in R is a function that helps remove redundant features based on their correlation with each other that is similarities between the features</a:t>
+            </a:r>
+            <a:endParaRPr lang="en-US" sz="2200" dirty="0">
+              <a:latin typeface="Times New Roman"/>
+              <a:ea typeface="Calibri" panose="020F0502020204030204" pitchFamily="34" charset="0"/>
+              <a:cs typeface="Times New Roman"/>
+            </a:endParaRPr>
+          </a:p>
+          <a:p>
+            <a:r>
+              <a:rPr lang="en-US" sz="2200" dirty="0">
+                <a:effectLst/>
+                <a:latin typeface="Times New Roman"/>
+                <a:ea typeface="Calibri" panose="020F0502020204030204" pitchFamily="34" charset="0"/>
+                <a:cs typeface="Times New Roman"/>
+              </a:rPr>
+              <a:t>The importance of the features was also determined using the traincontrol method.</a:t>
+            </a:r>
+            <a:r>
+              <a:rPr lang="en-US" sz="2200" dirty="0">
+                <a:latin typeface="Times New Roman"/>
+                <a:ea typeface="Calibri" panose="020F0502020204030204" pitchFamily="34" charset="0"/>
+                <a:cs typeface="Times New Roman"/>
+              </a:rPr>
+              <a:t> </a:t>
+            </a:r>
+            <a:endParaRPr lang="en-US" sz="2200" dirty="0">
+              <a:effectLst/>
+              <a:latin typeface="Times New Roman" panose="02020603050405020304" pitchFamily="18" charset="0"/>
+              <a:ea typeface="Calibri" panose="020F0502020204030204" pitchFamily="34" charset="0"/>
+              <a:cs typeface="Times New Roman" panose="02020603050405020304" pitchFamily="18" charset="0"/>
+            </a:endParaRPr>
           </a:p>
         </p:txBody>
       </p:sp>
@@ -4794,6 +10799,14 @@
 <file path=ppt/slides/slide6.xml><?xml version="1.0" encoding="utf-8"?>
 <p:sld xmlns:a="http://schemas.openxmlformats.org/drawingml/2006/main" xmlns:r="http://schemas.openxmlformats.org/officeDocument/2006/relationships" xmlns:p="http://schemas.openxmlformats.org/presentationml/2006/main">
   <p:cSld>
+    <p:bg>
+      <p:bgPr>
+        <a:solidFill>
+          <a:schemeClr val="bg1"/>
+        </a:solidFill>
+        <a:effectLst/>
+      </p:bgPr>
+    </p:bg>
     <p:spTree>
       <p:nvGrpSpPr>
         <p:cNvPr id="1" name=""/>
@@ -4808,6 +10821,200 @@
           <a:chExt cx="0" cy="0"/>
         </a:xfrm>
       </p:grpSpPr>
+      <p:sp useBgFill="1">
+        <p:nvSpPr>
+          <p:cNvPr id="23" name="Rectangle 7">
+            <a:extLst>
+              <a:ext uri="{FF2B5EF4-FFF2-40B4-BE49-F238E27FC236}">
+                <a16:creationId xmlns:a16="http://schemas.microsoft.com/office/drawing/2014/main" id="{907EF6B7-1338-4443-8C46-6A318D952DFD}"/>
+              </a:ext>
+              <a:ext uri="{C183D7F6-B498-43B3-948B-1728B52AA6E4}">
+                <adec:decorative xmlns:adec="http://schemas.microsoft.com/office/drawing/2017/decorative" val="1"/>
+              </a:ext>
+            </a:extLst>
+          </p:cNvPr>
+          <p:cNvSpPr>
+            <a:spLocks noGrp="1" noRot="1" noChangeAspect="1" noMove="1" noResize="1" noEditPoints="1" noAdjustHandles="1" noChangeArrowheads="1" noChangeShapeType="1" noTextEdit="1"/>
+          </p:cNvSpPr>
+          <p:nvPr>
+            <p:extLst>
+              <p:ext uri="{386F3935-93C4-4BCD-93E2-E3B085C9AB24}">
+                <p16:designElem xmlns:p16="http://schemas.microsoft.com/office/powerpoint/2015/main" val="1"/>
+              </p:ext>
+            </p:extLst>
+          </p:nvPr>
+        </p:nvSpPr>
+        <p:spPr>
+          <a:xfrm>
+            <a:off x="3048" y="0"/>
+            <a:ext cx="12188952" cy="6858000"/>
+          </a:xfrm>
+          <a:prstGeom prst="rect">
+            <a:avLst/>
+          </a:prstGeom>
+          <a:ln>
+            <a:noFill/>
+          </a:ln>
+        </p:spPr>
+        <p:style>
+          <a:lnRef idx="2">
+            <a:schemeClr val="accent1">
+              <a:shade val="50000"/>
+            </a:schemeClr>
+          </a:lnRef>
+          <a:fillRef idx="1">
+            <a:schemeClr val="accent1"/>
+          </a:fillRef>
+          <a:effectRef idx="0">
+            <a:schemeClr val="accent1"/>
+          </a:effectRef>
+          <a:fontRef idx="minor">
+            <a:schemeClr val="lt1"/>
+          </a:fontRef>
+        </p:style>
+        <p:txBody>
+          <a:bodyPr rtlCol="0" anchor="ctr"/>
+          <a:lstStyle/>
+          <a:p>
+            <a:pPr algn="ctr"/>
+            <a:endParaRPr lang="en-US"/>
+          </a:p>
+        </p:txBody>
+      </p:sp>
+      <p:sp>
+        <p:nvSpPr>
+          <p:cNvPr id="24" name="Freeform: Shape 9">
+            <a:extLst>
+              <a:ext uri="{FF2B5EF4-FFF2-40B4-BE49-F238E27FC236}">
+                <a16:creationId xmlns:a16="http://schemas.microsoft.com/office/drawing/2014/main" id="{DAAE4CDD-124C-4DCF-9584-B6033B545DD5}"/>
+              </a:ext>
+              <a:ext uri="{C183D7F6-B498-43B3-948B-1728B52AA6E4}">
+                <adec:decorative xmlns:adec="http://schemas.microsoft.com/office/drawing/2017/decorative" val="1"/>
+              </a:ext>
+            </a:extLst>
+          </p:cNvPr>
+          <p:cNvSpPr>
+            <a:spLocks noGrp="1" noRot="1" noChangeAspect="1" noMove="1" noResize="1" noEditPoints="1" noAdjustHandles="1" noChangeArrowheads="1" noChangeShapeType="1" noTextEdit="1"/>
+          </p:cNvSpPr>
+          <p:nvPr>
+            <p:extLst>
+              <p:ext uri="{386F3935-93C4-4BCD-93E2-E3B085C9AB24}">
+                <p16:designElem xmlns:p16="http://schemas.microsoft.com/office/powerpoint/2015/main" val="1"/>
+              </p:ext>
+            </p:extLst>
+          </p:nvPr>
+        </p:nvSpPr>
+        <p:spPr>
+          <a:xfrm>
+            <a:off x="1" y="0"/>
+            <a:ext cx="4167271" cy="6858000"/>
+          </a:xfrm>
+          <a:custGeom>
+            <a:avLst/>
+            <a:gdLst>
+              <a:gd name="connsiteX0" fmla="*/ 0 w 4167271"/>
+              <a:gd name="connsiteY0" fmla="*/ 0 h 6858000"/>
+              <a:gd name="connsiteX1" fmla="*/ 2259550 w 4167271"/>
+              <a:gd name="connsiteY1" fmla="*/ 0 h 6858000"/>
+              <a:gd name="connsiteX2" fmla="*/ 2387803 w 4167271"/>
+              <a:gd name="connsiteY2" fmla="*/ 82222 h 6858000"/>
+              <a:gd name="connsiteX3" fmla="*/ 4167271 w 4167271"/>
+              <a:gd name="connsiteY3" fmla="*/ 3429000 h 6858000"/>
+              <a:gd name="connsiteX4" fmla="*/ 2387803 w 4167271"/>
+              <a:gd name="connsiteY4" fmla="*/ 6775779 h 6858000"/>
+              <a:gd name="connsiteX5" fmla="*/ 2259550 w 4167271"/>
+              <a:gd name="connsiteY5" fmla="*/ 6858000 h 6858000"/>
+              <a:gd name="connsiteX6" fmla="*/ 0 w 4167271"/>
+              <a:gd name="connsiteY6" fmla="*/ 6858000 h 6858000"/>
+            </a:gdLst>
+            <a:ahLst/>
+            <a:cxnLst>
+              <a:cxn ang="0">
+                <a:pos x="connsiteX0" y="connsiteY0"/>
+              </a:cxn>
+              <a:cxn ang="0">
+                <a:pos x="connsiteX1" y="connsiteY1"/>
+              </a:cxn>
+              <a:cxn ang="0">
+                <a:pos x="connsiteX2" y="connsiteY2"/>
+              </a:cxn>
+              <a:cxn ang="0">
+                <a:pos x="connsiteX3" y="connsiteY3"/>
+              </a:cxn>
+              <a:cxn ang="0">
+                <a:pos x="connsiteX4" y="connsiteY4"/>
+              </a:cxn>
+              <a:cxn ang="0">
+                <a:pos x="connsiteX5" y="connsiteY5"/>
+              </a:cxn>
+              <a:cxn ang="0">
+                <a:pos x="connsiteX6" y="connsiteY6"/>
+              </a:cxn>
+            </a:cxnLst>
+            <a:rect l="l" t="t" r="r" b="b"/>
+            <a:pathLst>
+              <a:path w="4167271" h="6858000">
+                <a:moveTo>
+                  <a:pt x="0" y="0"/>
+                </a:moveTo>
+                <a:lnTo>
+                  <a:pt x="2259550" y="0"/>
+                </a:lnTo>
+                <a:lnTo>
+                  <a:pt x="2387803" y="82222"/>
+                </a:lnTo>
+                <a:cubicBezTo>
+                  <a:pt x="3461407" y="807534"/>
+                  <a:pt x="4167271" y="2035835"/>
+                  <a:pt x="4167271" y="3429000"/>
+                </a:cubicBezTo>
+                <a:cubicBezTo>
+                  <a:pt x="4167271" y="4822165"/>
+                  <a:pt x="3461407" y="6050467"/>
+                  <a:pt x="2387803" y="6775779"/>
+                </a:cubicBezTo>
+                <a:lnTo>
+                  <a:pt x="2259550" y="6858000"/>
+                </a:lnTo>
+                <a:lnTo>
+                  <a:pt x="0" y="6858000"/>
+                </a:lnTo>
+                <a:close/>
+              </a:path>
+            </a:pathLst>
+          </a:custGeom>
+          <a:solidFill>
+            <a:schemeClr val="accent2"/>
+          </a:solidFill>
+          <a:ln>
+            <a:noFill/>
+          </a:ln>
+        </p:spPr>
+        <p:style>
+          <a:lnRef idx="2">
+            <a:schemeClr val="accent1">
+              <a:shade val="50000"/>
+            </a:schemeClr>
+          </a:lnRef>
+          <a:fillRef idx="1">
+            <a:schemeClr val="accent1"/>
+          </a:fillRef>
+          <a:effectRef idx="0">
+            <a:schemeClr val="accent1"/>
+          </a:effectRef>
+          <a:fontRef idx="minor">
+            <a:schemeClr val="lt1"/>
+          </a:fontRef>
+        </p:style>
+        <p:txBody>
+          <a:bodyPr rtlCol="0" anchor="ctr"/>
+          <a:lstStyle/>
+          <a:p>
+            <a:pPr algn="ctr"/>
+            <a:endParaRPr lang="en-US"/>
+          </a:p>
+        </p:txBody>
+      </p:sp>
       <p:sp>
         <p:nvSpPr>
           <p:cNvPr id="2" name="Title 1">
@@ -4824,7 +11031,12 @@
             <p:ph type="title"/>
           </p:nvPr>
         </p:nvSpPr>
-        <p:spPr/>
+        <p:spPr>
+          <a:xfrm>
+            <a:off x="686834" y="1153572"/>
+            <a:ext cx="3200400" cy="4461163"/>
+          </a:xfrm>
+        </p:spPr>
         <p:txBody>
           <a:bodyPr>
             <a:normAutofit/>
@@ -4832,12 +11044,76 @@
           <a:lstStyle/>
           <a:p>
             <a:r>
-              <a:rPr lang="en-US" sz="4000" dirty="0">
+              <a:rPr lang="en-US">
+                <a:solidFill>
+                  <a:srgbClr val="FFFFFF"/>
+                </a:solidFill>
                 <a:latin typeface="Times New Roman" panose="02020603050405020304" pitchFamily="18" charset="0"/>
                 <a:cs typeface="Times New Roman" panose="02020603050405020304" pitchFamily="18" charset="0"/>
               </a:rPr>
               <a:t>Machine Learning Algorithms -  Clustering Model</a:t>
             </a:r>
+          </a:p>
+        </p:txBody>
+      </p:sp>
+      <p:sp>
+        <p:nvSpPr>
+          <p:cNvPr id="25" name="Arc 11">
+            <a:extLst>
+              <a:ext uri="{FF2B5EF4-FFF2-40B4-BE49-F238E27FC236}">
+                <a16:creationId xmlns:a16="http://schemas.microsoft.com/office/drawing/2014/main" id="{081E4A58-353D-44AE-B2FC-2A74E2E400F7}"/>
+              </a:ext>
+              <a:ext uri="{C183D7F6-B498-43B3-948B-1728B52AA6E4}">
+                <adec:decorative xmlns:adec="http://schemas.microsoft.com/office/drawing/2017/decorative" val="1"/>
+              </a:ext>
+            </a:extLst>
+          </p:cNvPr>
+          <p:cNvSpPr>
+            <a:spLocks noGrp="1" noRot="1" noChangeAspect="1" noMove="1" noResize="1" noEditPoints="1" noAdjustHandles="1" noChangeArrowheads="1" noChangeShapeType="1" noTextEdit="1"/>
+          </p:cNvSpPr>
+          <p:nvPr>
+            <p:extLst>
+              <p:ext uri="{386F3935-93C4-4BCD-93E2-E3B085C9AB24}">
+                <p16:designElem xmlns:p16="http://schemas.microsoft.com/office/powerpoint/2015/main" val="1"/>
+              </p:ext>
+            </p:extLst>
+          </p:nvPr>
+        </p:nvSpPr>
+        <p:spPr>
+          <a:xfrm flipV="1">
+            <a:off x="7550402" y="2455479"/>
+            <a:ext cx="4083433" cy="4083433"/>
+          </a:xfrm>
+          <a:prstGeom prst="arc">
+            <a:avLst/>
+          </a:prstGeom>
+          <a:ln w="127000" cap="rnd">
+            <a:solidFill>
+              <a:schemeClr val="accent4"/>
+            </a:solidFill>
+            <a:prstDash val="dash"/>
+          </a:ln>
+        </p:spPr>
+        <p:style>
+          <a:lnRef idx="1">
+            <a:schemeClr val="accent1"/>
+          </a:lnRef>
+          <a:fillRef idx="0">
+            <a:schemeClr val="accent1"/>
+          </a:fillRef>
+          <a:effectRef idx="0">
+            <a:schemeClr val="accent1"/>
+          </a:effectRef>
+          <a:fontRef idx="minor">
+            <a:schemeClr val="tx1"/>
+          </a:fontRef>
+        </p:style>
+        <p:txBody>
+          <a:bodyPr rtlCol="0" anchor="ctr"/>
+          <a:lstStyle/>
+          <a:p>
+            <a:pPr algn="ctr"/>
+            <a:endParaRPr lang="en-US" dirty="0"/>
           </a:p>
         </p:txBody>
       </p:sp>
@@ -4859,22 +11135,27 @@
                 <p:ph idx="1"/>
               </p:nvPr>
             </p:nvSpPr>
-            <p:spPr/>
+            <p:spPr>
+              <a:xfrm>
+                <a:off x="4447308" y="591344"/>
+                <a:ext cx="6906491" cy="5585619"/>
+              </a:xfrm>
+            </p:spPr>
             <p:txBody>
-              <a:bodyPr>
+              <a:bodyPr anchor="ctr">
                 <a:normAutofit/>
               </a:bodyPr>
               <a:lstStyle/>
               <a:p>
                 <a:r>
-                  <a:rPr lang="en-US" sz="1800" dirty="0">
+                  <a:rPr lang="en-US" sz="1300">
                     <a:latin typeface="Times New Roman" panose="02020603050405020304" pitchFamily="18" charset="0"/>
                     <a:cs typeface="Times New Roman" panose="02020603050405020304" pitchFamily="18" charset="0"/>
                   </a:rPr>
                   <a:t>Simple K-means: </a:t>
                 </a:r>
                 <a:r>
-                  <a:rPr lang="en-US" sz="1800" dirty="0">
+                  <a:rPr lang="en-US" sz="1300">
                     <a:effectLst/>
                     <a:latin typeface="Times New Roman" panose="02020603050405020304" pitchFamily="18" charset="0"/>
                     <a:ea typeface="Calibri" panose="020F0502020204030204" pitchFamily="34" charset="0"/>
@@ -4884,7 +11165,7 @@
               </a:p>
               <a:p>
                 <a:r>
-                  <a:rPr lang="en-US" sz="1800" dirty="0">
+                  <a:rPr lang="en-US" sz="1300">
                     <a:effectLst/>
                     <a:latin typeface="Times New Roman" panose="02020603050405020304" pitchFamily="18" charset="0"/>
                     <a:ea typeface="Calibri" panose="020F0502020204030204" pitchFamily="34" charset="0"/>
@@ -4895,9 +11176,6 @@
               </a:p>
               <a:p>
                 <a:pPr marL="1257300" lvl="2" indent="-342900">
-                  <a:lnSpc>
-                    <a:spcPct val="107000"/>
-                  </a:lnSpc>
                   <a:spcBef>
                     <a:spcPts val="0"/>
                   </a:spcBef>
@@ -4905,7 +11183,7 @@
                   <a:buChar char=""/>
                 </a:pPr>
                 <a:r>
-                  <a:rPr lang="en-US" sz="1800" dirty="0">
+                  <a:rPr lang="en-US" sz="1300">
                     <a:effectLst/>
                     <a:latin typeface="Times New Roman" panose="02020603050405020304" pitchFamily="18" charset="0"/>
                     <a:ea typeface="Calibri" panose="020F0502020204030204" pitchFamily="34" charset="0"/>
@@ -4916,9 +11194,6 @@
               </a:p>
               <a:p>
                 <a:pPr marL="1257300" lvl="2" indent="-342900">
-                  <a:lnSpc>
-                    <a:spcPct val="107000"/>
-                  </a:lnSpc>
                   <a:spcBef>
                     <a:spcPts val="0"/>
                   </a:spcBef>
@@ -4926,7 +11201,7 @@
                   <a:buChar char=""/>
                 </a:pPr>
                 <a:r>
-                  <a:rPr lang="en-US" sz="1800" dirty="0">
+                  <a:rPr lang="en-US" sz="1300">
                     <a:effectLst/>
                     <a:latin typeface="Times New Roman" panose="02020603050405020304" pitchFamily="18" charset="0"/>
                     <a:ea typeface="Calibri" panose="020F0502020204030204" pitchFamily="34" charset="0"/>
@@ -4937,9 +11212,6 @@
               </a:p>
               <a:p>
                 <a:pPr marL="1257300" lvl="2" indent="-342900">
-                  <a:lnSpc>
-                    <a:spcPct val="107000"/>
-                  </a:lnSpc>
                   <a:spcBef>
                     <a:spcPts val="0"/>
                   </a:spcBef>
@@ -4950,7 +11222,7 @@
                   <a:buChar char=""/>
                 </a:pPr>
                 <a:r>
-                  <a:rPr lang="en-US" sz="1800" dirty="0">
+                  <a:rPr lang="en-US" sz="1300">
                     <a:effectLst/>
                     <a:latin typeface="Times New Roman" panose="02020603050405020304" pitchFamily="18" charset="0"/>
                     <a:ea typeface="Calibri" panose="020F0502020204030204" pitchFamily="34" charset="0"/>
@@ -4958,21 +11230,21 @@
                   </a:rPr>
                   <a:t>Select group and finds the average</a:t>
                 </a:r>
-                <a:endParaRPr lang="en-US" sz="1800" dirty="0">
+                <a:endParaRPr lang="en-US" sz="1300">
                   <a:latin typeface="Times New Roman" panose="02020603050405020304" pitchFamily="18" charset="0"/>
                   <a:cs typeface="Times New Roman" panose="02020603050405020304" pitchFamily="18" charset="0"/>
                 </a:endParaRPr>
               </a:p>
               <a:p>
                 <a:r>
-                  <a:rPr lang="en-US" sz="1800" dirty="0">
+                  <a:rPr lang="en-US" sz="1300">
                     <a:latin typeface="Times New Roman" panose="02020603050405020304" pitchFamily="18" charset="0"/>
                     <a:cs typeface="Times New Roman" panose="02020603050405020304" pitchFamily="18" charset="0"/>
                   </a:rPr>
                   <a:t>Hierarchical Clustering: </a:t>
                 </a:r>
                 <a:r>
-                  <a:rPr lang="en-US" sz="1800" dirty="0">
+                  <a:rPr lang="en-US" sz="1300">
                     <a:effectLst/>
                     <a:latin typeface="Times New Roman" panose="02020603050405020304" pitchFamily="18" charset="0"/>
                     <a:ea typeface="Calibri" panose="020F0502020204030204" pitchFamily="34" charset="0"/>
@@ -4982,10 +11254,7 @@
                 </a:r>
               </a:p>
               <a:p>
-                <a:pPr marL="800100" lvl="1" indent="-342900" algn="just">
-                  <a:lnSpc>
-                    <a:spcPct val="107000"/>
-                  </a:lnSpc>
+                <a:pPr marL="800100" lvl="1" indent="-342900">
                   <a:spcBef>
                     <a:spcPts val="0"/>
                   </a:spcBef>
@@ -4993,7 +11262,7 @@
                   <a:buChar char=""/>
                 </a:pPr>
                 <a:r>
-                  <a:rPr lang="en-US" sz="1800" dirty="0">
+                  <a:rPr lang="en-US" sz="1300">
                     <a:effectLst/>
                     <a:latin typeface="Times New Roman" panose="02020603050405020304" pitchFamily="18" charset="0"/>
                     <a:ea typeface="Calibri" panose="020F0502020204030204" pitchFamily="34" charset="0"/>
@@ -5004,7 +11273,7 @@
                 <a14:m>
                   <m:oMath xmlns:m="http://schemas.openxmlformats.org/officeDocument/2006/math">
                     <m:r>
-                      <a:rPr lang="en-US" sz="1800" i="1">
+                      <a:rPr lang="en-US" sz="1300" i="1">
                         <a:effectLst/>
                         <a:latin typeface="Cambria Math" panose="02040503050406030204" pitchFamily="18" charset="0"/>
                         <a:ea typeface="Calibri" panose="020F0502020204030204" pitchFamily="34" charset="0"/>
@@ -5013,7 +11282,7 @@
                       <m:t>𝜗</m:t>
                     </m:r>
                     <m:r>
-                      <a:rPr lang="en-US" sz="1800" i="1">
+                      <a:rPr lang="en-US" sz="1300" i="1">
                         <a:effectLst/>
                         <a:latin typeface="Cambria Math" panose="02040503050406030204" pitchFamily="18" charset="0"/>
                         <a:ea typeface="Calibri" panose="020F0502020204030204" pitchFamily="34" charset="0"/>
@@ -5024,7 +11293,7 @@
                     <m:sSup>
                       <m:sSupPr>
                         <m:ctrlPr>
-                          <a:rPr lang="en-US" sz="1800" i="1">
+                          <a:rPr lang="en-US" sz="1300" i="1">
                             <a:effectLst/>
                             <a:latin typeface="Cambria Math" panose="02040503050406030204" pitchFamily="18" charset="0"/>
                             <a:ea typeface="Calibri" panose="020F0502020204030204" pitchFamily="34" charset="0"/>
@@ -5034,7 +11303,7 @@
                       </m:sSupPr>
                       <m:e>
                         <m:r>
-                          <a:rPr lang="en-US" sz="1800" i="1">
+                          <a:rPr lang="en-US" sz="1300" i="1">
                             <a:effectLst/>
                             <a:latin typeface="Cambria Math" panose="02040503050406030204" pitchFamily="18" charset="0"/>
                             <a:ea typeface="Calibri" panose="020F0502020204030204" pitchFamily="34" charset="0"/>
@@ -5045,7 +11314,7 @@
                       </m:e>
                       <m:sup>
                         <m:r>
-                          <a:rPr lang="en-US" sz="1800" i="1">
+                          <a:rPr lang="en-US" sz="1300" i="1">
                             <a:effectLst/>
                             <a:latin typeface="Cambria Math" panose="02040503050406030204" pitchFamily="18" charset="0"/>
                             <a:ea typeface="Calibri" panose="020F0502020204030204" pitchFamily="34" charset="0"/>
@@ -5056,7 +11325,7 @@
                       </m:sup>
                     </m:sSup>
                     <m:r>
-                      <a:rPr lang="en-US" sz="1800" i="1">
+                      <a:rPr lang="en-US" sz="1300" i="1">
                         <a:effectLst/>
                         <a:latin typeface="Cambria Math" panose="02040503050406030204" pitchFamily="18" charset="0"/>
                         <a:ea typeface="Calibri" panose="020F0502020204030204" pitchFamily="34" charset="0"/>
@@ -5067,7 +11336,7 @@
                   </m:oMath>
                 </a14:m>
                 <a:r>
-                  <a:rPr lang="en-US" sz="1800" dirty="0">
+                  <a:rPr lang="en-US" sz="1300">
                     <a:effectLst/>
                     <a:latin typeface="Times New Roman" panose="02020603050405020304" pitchFamily="18" charset="0"/>
                     <a:ea typeface="Times New Roman" panose="02020603050405020304" pitchFamily="18" charset="0"/>
@@ -5078,7 +11347,7 @@
                 <a14:m>
                   <m:oMath xmlns:m="http://schemas.openxmlformats.org/officeDocument/2006/math">
                     <m:r>
-                      <a:rPr lang="en-US" sz="1800" i="1">
+                      <a:rPr lang="en-US" sz="1300" i="1">
                         <a:effectLst/>
                         <a:latin typeface="Cambria Math" panose="02040503050406030204" pitchFamily="18" charset="0"/>
                         <a:ea typeface="Times New Roman" panose="02020603050405020304" pitchFamily="18" charset="0"/>
@@ -5087,7 +11356,7 @@
                       <m:t>𝛺</m:t>
                     </m:r>
                     <m:r>
-                      <a:rPr lang="en-US" sz="1800" i="1">
+                      <a:rPr lang="en-US" sz="1300" i="1">
                         <a:effectLst/>
                         <a:latin typeface="Cambria Math" panose="02040503050406030204" pitchFamily="18" charset="0"/>
                         <a:ea typeface="Times New Roman" panose="02020603050405020304" pitchFamily="18" charset="0"/>
@@ -5098,7 +11367,7 @@
                     <m:sSup>
                       <m:sSupPr>
                         <m:ctrlPr>
-                          <a:rPr lang="en-US" sz="1800" i="1">
+                          <a:rPr lang="en-US" sz="1300" i="1">
                             <a:effectLst/>
                             <a:latin typeface="Cambria Math" panose="02040503050406030204" pitchFamily="18" charset="0"/>
                             <a:ea typeface="Times New Roman" panose="02020603050405020304" pitchFamily="18" charset="0"/>
@@ -5108,7 +11377,7 @@
                       </m:sSupPr>
                       <m:e>
                         <m:r>
-                          <a:rPr lang="en-US" sz="1800" i="1">
+                          <a:rPr lang="en-US" sz="1300" i="1">
                             <a:effectLst/>
                             <a:latin typeface="Cambria Math" panose="02040503050406030204" pitchFamily="18" charset="0"/>
                             <a:ea typeface="Times New Roman" panose="02020603050405020304" pitchFamily="18" charset="0"/>
@@ -5119,7 +11388,7 @@
                       </m:e>
                       <m:sup>
                         <m:r>
-                          <a:rPr lang="en-US" sz="1800" i="1">
+                          <a:rPr lang="en-US" sz="1300" i="1">
                             <a:effectLst/>
                             <a:latin typeface="Cambria Math" panose="02040503050406030204" pitchFamily="18" charset="0"/>
                             <a:ea typeface="Times New Roman" panose="02020603050405020304" pitchFamily="18" charset="0"/>
@@ -5130,7 +11399,7 @@
                       </m:sup>
                     </m:sSup>
                     <m:r>
-                      <a:rPr lang="en-US" sz="1800" i="1">
+                      <a:rPr lang="en-US" sz="1300" i="1">
                         <a:effectLst/>
                         <a:latin typeface="Cambria Math" panose="02040503050406030204" pitchFamily="18" charset="0"/>
                         <a:ea typeface="Times New Roman" panose="02020603050405020304" pitchFamily="18" charset="0"/>
@@ -5141,7 +11410,7 @@
                   </m:oMath>
                 </a14:m>
                 <a:r>
-                  <a:rPr lang="en-US" sz="1800" dirty="0">
+                  <a:rPr lang="en-US" sz="1300">
                     <a:effectLst/>
                     <a:latin typeface="Times New Roman" panose="02020603050405020304" pitchFamily="18" charset="0"/>
                     <a:ea typeface="Times New Roman" panose="02020603050405020304" pitchFamily="18" charset="0"/>
@@ -5149,7 +11418,7 @@
                   </a:rPr>
                   <a:t> which makes it slow for even a simple dataset. Its method of merging is usually greedy.</a:t>
                 </a:r>
-                <a:endParaRPr lang="en-US" sz="1800" dirty="0">
+                <a:endParaRPr lang="en-US" sz="1300">
                   <a:effectLst/>
                   <a:latin typeface="Times New Roman" panose="02020603050405020304" pitchFamily="18" charset="0"/>
                   <a:ea typeface="Calibri" panose="020F0502020204030204" pitchFamily="34" charset="0"/>
@@ -5157,10 +11426,7 @@
                 </a:endParaRPr>
               </a:p>
               <a:p>
-                <a:pPr marL="800100" lvl="1" indent="-342900" algn="just">
-                  <a:lnSpc>
-                    <a:spcPct val="107000"/>
-                  </a:lnSpc>
+                <a:pPr marL="800100" lvl="1" indent="-342900">
                   <a:spcBef>
                     <a:spcPts val="0"/>
                   </a:spcBef>
@@ -5171,7 +11437,7 @@
                   <a:buChar char=""/>
                 </a:pPr>
                 <a:r>
-                  <a:rPr lang="en-US" sz="1800" dirty="0">
+                  <a:rPr lang="en-US" sz="1300">
                     <a:effectLst/>
                     <a:latin typeface="Times New Roman" panose="02020603050405020304" pitchFamily="18" charset="0"/>
                     <a:ea typeface="Calibri" panose="020F0502020204030204" pitchFamily="34" charset="0"/>
@@ -5182,7 +11448,7 @@
                 <a14:m>
                   <m:oMath xmlns:m="http://schemas.openxmlformats.org/officeDocument/2006/math">
                     <m:r>
-                      <a:rPr lang="en-US" sz="1800" i="1">
+                      <a:rPr lang="en-US" sz="1300" i="1">
                         <a:effectLst/>
                         <a:latin typeface="Cambria Math" panose="02040503050406030204" pitchFamily="18" charset="0"/>
                         <a:ea typeface="Calibri" panose="020F0502020204030204" pitchFamily="34" charset="0"/>
@@ -5191,7 +11457,7 @@
                       <m:t>𝜗</m:t>
                     </m:r>
                     <m:r>
-                      <a:rPr lang="en-US" sz="1800" i="1">
+                      <a:rPr lang="en-US" sz="1300" i="1">
                         <a:effectLst/>
                         <a:latin typeface="Cambria Math" panose="02040503050406030204" pitchFamily="18" charset="0"/>
                         <a:ea typeface="Calibri" panose="020F0502020204030204" pitchFamily="34" charset="0"/>
@@ -5202,7 +11468,7 @@
                     <m:sSup>
                       <m:sSupPr>
                         <m:ctrlPr>
-                          <a:rPr lang="en-US" sz="1800" i="1">
+                          <a:rPr lang="en-US" sz="1300" i="1">
                             <a:effectLst/>
                             <a:latin typeface="Cambria Math" panose="02040503050406030204" pitchFamily="18" charset="0"/>
                             <a:ea typeface="Calibri" panose="020F0502020204030204" pitchFamily="34" charset="0"/>
@@ -5212,7 +11478,7 @@
                       </m:sSupPr>
                       <m:e>
                         <m:r>
-                          <a:rPr lang="en-US" sz="1800" i="1">
+                          <a:rPr lang="en-US" sz="1300" i="1">
                             <a:effectLst/>
                             <a:latin typeface="Cambria Math" panose="02040503050406030204" pitchFamily="18" charset="0"/>
                             <a:ea typeface="Calibri" panose="020F0502020204030204" pitchFamily="34" charset="0"/>
@@ -5223,7 +11489,7 @@
                       </m:e>
                       <m:sup>
                         <m:r>
-                          <a:rPr lang="en-US" sz="1800" i="1">
+                          <a:rPr lang="en-US" sz="1300" i="1">
                             <a:effectLst/>
                             <a:latin typeface="Cambria Math" panose="02040503050406030204" pitchFamily="18" charset="0"/>
                             <a:ea typeface="Calibri" panose="020F0502020204030204" pitchFamily="34" charset="0"/>
@@ -5234,7 +11500,7 @@
                       </m:sup>
                     </m:sSup>
                     <m:r>
-                      <a:rPr lang="en-US" sz="1800" i="1">
+                      <a:rPr lang="en-US" sz="1300" i="1">
                         <a:effectLst/>
                         <a:latin typeface="Cambria Math" panose="02040503050406030204" pitchFamily="18" charset="0"/>
                         <a:ea typeface="Calibri" panose="020F0502020204030204" pitchFamily="34" charset="0"/>
@@ -5245,7 +11511,7 @@
                   </m:oMath>
                 </a14:m>
                 <a:r>
-                  <a:rPr lang="en-US" sz="1800" dirty="0">
+                  <a:rPr lang="en-US" sz="1300">
                     <a:effectLst/>
                     <a:latin typeface="Times New Roman" panose="02020603050405020304" pitchFamily="18" charset="0"/>
                     <a:ea typeface="Times New Roman" panose="02020603050405020304" pitchFamily="18" charset="0"/>
@@ -5253,7 +11519,7 @@
                   </a:rPr>
                   <a:t>. </a:t>
                 </a:r>
-                <a:endParaRPr lang="en-US" sz="1800" dirty="0">
+                <a:endParaRPr lang="en-US" sz="1300">
                   <a:effectLst/>
                   <a:latin typeface="Times New Roman" panose="02020603050405020304" pitchFamily="18" charset="0"/>
                   <a:ea typeface="Calibri" panose="020F0502020204030204" pitchFamily="34" charset="0"/>
@@ -5261,7 +11527,7 @@
                 </a:endParaRPr>
               </a:p>
               <a:p>
-                <a:endParaRPr lang="en-US" sz="1800" dirty="0">
+                <a:endParaRPr lang="en-US" sz="1300">
                   <a:latin typeface="Times New Roman" panose="02020603050405020304" pitchFamily="18" charset="0"/>
                   <a:cs typeface="Times New Roman" panose="02020603050405020304" pitchFamily="18" charset="0"/>
                 </a:endParaRPr>
@@ -5287,10 +11553,14 @@
               </p:nvPr>
             </p:nvSpPr>
             <p:spPr>
+              <a:xfrm>
+                <a:off x="4447308" y="591344"/>
+                <a:ext cx="6906491" cy="5585619"/>
+              </a:xfrm>
               <a:blipFill>
                 <a:blip r:embed="rId2"/>
                 <a:stretch>
-                  <a:fillRect l="-406" t="-1261" r="-928"/>
+                  <a:fillRect l="-88" r="-707"/>
                 </a:stretch>
               </a:blipFill>
             </p:spPr>
@@ -5325,6 +11595,14 @@
 <file path=ppt/slides/slide7.xml><?xml version="1.0" encoding="utf-8"?>
 <p:sld xmlns:a="http://schemas.openxmlformats.org/drawingml/2006/main" xmlns:r="http://schemas.openxmlformats.org/officeDocument/2006/relationships" xmlns:p="http://schemas.openxmlformats.org/presentationml/2006/main">
   <p:cSld>
+    <p:bg>
+      <p:bgPr>
+        <a:solidFill>
+          <a:schemeClr val="bg1"/>
+        </a:solidFill>
+        <a:effectLst/>
+      </p:bgPr>
+    </p:bg>
     <p:spTree>
       <p:nvGrpSpPr>
         <p:cNvPr id="1" name=""/>
@@ -5339,6 +11617,200 @@
           <a:chExt cx="0" cy="0"/>
         </a:xfrm>
       </p:grpSpPr>
+      <p:sp useBgFill="1">
+        <p:nvSpPr>
+          <p:cNvPr id="8" name="Rectangle 7">
+            <a:extLst>
+              <a:ext uri="{FF2B5EF4-FFF2-40B4-BE49-F238E27FC236}">
+                <a16:creationId xmlns:a16="http://schemas.microsoft.com/office/drawing/2014/main" id="{907EF6B7-1338-4443-8C46-6A318D952DFD}"/>
+              </a:ext>
+              <a:ext uri="{C183D7F6-B498-43B3-948B-1728B52AA6E4}">
+                <adec:decorative xmlns:adec="http://schemas.microsoft.com/office/drawing/2017/decorative" val="1"/>
+              </a:ext>
+            </a:extLst>
+          </p:cNvPr>
+          <p:cNvSpPr>
+            <a:spLocks noGrp="1" noRot="1" noChangeAspect="1" noMove="1" noResize="1" noEditPoints="1" noAdjustHandles="1" noChangeArrowheads="1" noChangeShapeType="1" noTextEdit="1"/>
+          </p:cNvSpPr>
+          <p:nvPr>
+            <p:extLst>
+              <p:ext uri="{386F3935-93C4-4BCD-93E2-E3B085C9AB24}">
+                <p16:designElem xmlns:p16="http://schemas.microsoft.com/office/powerpoint/2015/main" val="1"/>
+              </p:ext>
+            </p:extLst>
+          </p:nvPr>
+        </p:nvSpPr>
+        <p:spPr>
+          <a:xfrm>
+            <a:off x="3048" y="0"/>
+            <a:ext cx="12188952" cy="6858000"/>
+          </a:xfrm>
+          <a:prstGeom prst="rect">
+            <a:avLst/>
+          </a:prstGeom>
+          <a:ln>
+            <a:noFill/>
+          </a:ln>
+        </p:spPr>
+        <p:style>
+          <a:lnRef idx="2">
+            <a:schemeClr val="accent1">
+              <a:shade val="50000"/>
+            </a:schemeClr>
+          </a:lnRef>
+          <a:fillRef idx="1">
+            <a:schemeClr val="accent1"/>
+          </a:fillRef>
+          <a:effectRef idx="0">
+            <a:schemeClr val="accent1"/>
+          </a:effectRef>
+          <a:fontRef idx="minor">
+            <a:schemeClr val="lt1"/>
+          </a:fontRef>
+        </p:style>
+        <p:txBody>
+          <a:bodyPr rtlCol="0" anchor="ctr"/>
+          <a:lstStyle/>
+          <a:p>
+            <a:pPr algn="ctr"/>
+            <a:endParaRPr lang="en-US"/>
+          </a:p>
+        </p:txBody>
+      </p:sp>
+      <p:sp>
+        <p:nvSpPr>
+          <p:cNvPr id="10" name="Freeform: Shape 9">
+            <a:extLst>
+              <a:ext uri="{FF2B5EF4-FFF2-40B4-BE49-F238E27FC236}">
+                <a16:creationId xmlns:a16="http://schemas.microsoft.com/office/drawing/2014/main" id="{DAAE4CDD-124C-4DCF-9584-B6033B545DD5}"/>
+              </a:ext>
+              <a:ext uri="{C183D7F6-B498-43B3-948B-1728B52AA6E4}">
+                <adec:decorative xmlns:adec="http://schemas.microsoft.com/office/drawing/2017/decorative" val="1"/>
+              </a:ext>
+            </a:extLst>
+          </p:cNvPr>
+          <p:cNvSpPr>
+            <a:spLocks noGrp="1" noRot="1" noChangeAspect="1" noMove="1" noResize="1" noEditPoints="1" noAdjustHandles="1" noChangeArrowheads="1" noChangeShapeType="1" noTextEdit="1"/>
+          </p:cNvSpPr>
+          <p:nvPr>
+            <p:extLst>
+              <p:ext uri="{386F3935-93C4-4BCD-93E2-E3B085C9AB24}">
+                <p16:designElem xmlns:p16="http://schemas.microsoft.com/office/powerpoint/2015/main" val="1"/>
+              </p:ext>
+            </p:extLst>
+          </p:nvPr>
+        </p:nvSpPr>
+        <p:spPr>
+          <a:xfrm>
+            <a:off x="1" y="0"/>
+            <a:ext cx="4167271" cy="6858000"/>
+          </a:xfrm>
+          <a:custGeom>
+            <a:avLst/>
+            <a:gdLst>
+              <a:gd name="connsiteX0" fmla="*/ 0 w 4167271"/>
+              <a:gd name="connsiteY0" fmla="*/ 0 h 6858000"/>
+              <a:gd name="connsiteX1" fmla="*/ 2259550 w 4167271"/>
+              <a:gd name="connsiteY1" fmla="*/ 0 h 6858000"/>
+              <a:gd name="connsiteX2" fmla="*/ 2387803 w 4167271"/>
+              <a:gd name="connsiteY2" fmla="*/ 82222 h 6858000"/>
+              <a:gd name="connsiteX3" fmla="*/ 4167271 w 4167271"/>
+              <a:gd name="connsiteY3" fmla="*/ 3429000 h 6858000"/>
+              <a:gd name="connsiteX4" fmla="*/ 2387803 w 4167271"/>
+              <a:gd name="connsiteY4" fmla="*/ 6775779 h 6858000"/>
+              <a:gd name="connsiteX5" fmla="*/ 2259550 w 4167271"/>
+              <a:gd name="connsiteY5" fmla="*/ 6858000 h 6858000"/>
+              <a:gd name="connsiteX6" fmla="*/ 0 w 4167271"/>
+              <a:gd name="connsiteY6" fmla="*/ 6858000 h 6858000"/>
+            </a:gdLst>
+            <a:ahLst/>
+            <a:cxnLst>
+              <a:cxn ang="0">
+                <a:pos x="connsiteX0" y="connsiteY0"/>
+              </a:cxn>
+              <a:cxn ang="0">
+                <a:pos x="connsiteX1" y="connsiteY1"/>
+              </a:cxn>
+              <a:cxn ang="0">
+                <a:pos x="connsiteX2" y="connsiteY2"/>
+              </a:cxn>
+              <a:cxn ang="0">
+                <a:pos x="connsiteX3" y="connsiteY3"/>
+              </a:cxn>
+              <a:cxn ang="0">
+                <a:pos x="connsiteX4" y="connsiteY4"/>
+              </a:cxn>
+              <a:cxn ang="0">
+                <a:pos x="connsiteX5" y="connsiteY5"/>
+              </a:cxn>
+              <a:cxn ang="0">
+                <a:pos x="connsiteX6" y="connsiteY6"/>
+              </a:cxn>
+            </a:cxnLst>
+            <a:rect l="l" t="t" r="r" b="b"/>
+            <a:pathLst>
+              <a:path w="4167271" h="6858000">
+                <a:moveTo>
+                  <a:pt x="0" y="0"/>
+                </a:moveTo>
+                <a:lnTo>
+                  <a:pt x="2259550" y="0"/>
+                </a:lnTo>
+                <a:lnTo>
+                  <a:pt x="2387803" y="82222"/>
+                </a:lnTo>
+                <a:cubicBezTo>
+                  <a:pt x="3461407" y="807534"/>
+                  <a:pt x="4167271" y="2035835"/>
+                  <a:pt x="4167271" y="3429000"/>
+                </a:cubicBezTo>
+                <a:cubicBezTo>
+                  <a:pt x="4167271" y="4822165"/>
+                  <a:pt x="3461407" y="6050467"/>
+                  <a:pt x="2387803" y="6775779"/>
+                </a:cubicBezTo>
+                <a:lnTo>
+                  <a:pt x="2259550" y="6858000"/>
+                </a:lnTo>
+                <a:lnTo>
+                  <a:pt x="0" y="6858000"/>
+                </a:lnTo>
+                <a:close/>
+              </a:path>
+            </a:pathLst>
+          </a:custGeom>
+          <a:solidFill>
+            <a:schemeClr val="accent2"/>
+          </a:solidFill>
+          <a:ln>
+            <a:noFill/>
+          </a:ln>
+        </p:spPr>
+        <p:style>
+          <a:lnRef idx="2">
+            <a:schemeClr val="accent1">
+              <a:shade val="50000"/>
+            </a:schemeClr>
+          </a:lnRef>
+          <a:fillRef idx="1">
+            <a:schemeClr val="accent1"/>
+          </a:fillRef>
+          <a:effectRef idx="0">
+            <a:schemeClr val="accent1"/>
+          </a:effectRef>
+          <a:fontRef idx="minor">
+            <a:schemeClr val="lt1"/>
+          </a:fontRef>
+        </p:style>
+        <p:txBody>
+          <a:bodyPr rtlCol="0" anchor="ctr"/>
+          <a:lstStyle/>
+          <a:p>
+            <a:pPr algn="ctr"/>
+            <a:endParaRPr lang="en-US"/>
+          </a:p>
+        </p:txBody>
+      </p:sp>
       <p:sp>
         <p:nvSpPr>
           <p:cNvPr id="2" name="Title 1">
@@ -5355,7 +11827,12 @@
             <p:ph type="title"/>
           </p:nvPr>
         </p:nvSpPr>
-        <p:spPr/>
+        <p:spPr>
+          <a:xfrm>
+            <a:off x="686834" y="1153572"/>
+            <a:ext cx="3200400" cy="4461163"/>
+          </a:xfrm>
+        </p:spPr>
         <p:txBody>
           <a:bodyPr>
             <a:normAutofit/>
@@ -5363,7 +11840,10 @@
           <a:lstStyle/>
           <a:p>
             <a:r>
-              <a:rPr lang="en-US" sz="4000" dirty="0">
+              <a:rPr lang="en-US" sz="4100">
+                <a:solidFill>
+                  <a:srgbClr val="FFFFFF"/>
+                </a:solidFill>
                 <a:latin typeface="Times New Roman" panose="02020603050405020304" pitchFamily="18" charset="0"/>
                 <a:cs typeface="Times New Roman" panose="02020603050405020304" pitchFamily="18" charset="0"/>
               </a:rPr>
@@ -5374,6 +11854,67 @@
       </p:sp>
       <p:sp>
         <p:nvSpPr>
+          <p:cNvPr id="12" name="Arc 11">
+            <a:extLst>
+              <a:ext uri="{FF2B5EF4-FFF2-40B4-BE49-F238E27FC236}">
+                <a16:creationId xmlns:a16="http://schemas.microsoft.com/office/drawing/2014/main" id="{081E4A58-353D-44AE-B2FC-2A74E2E400F7}"/>
+              </a:ext>
+              <a:ext uri="{C183D7F6-B498-43B3-948B-1728B52AA6E4}">
+                <adec:decorative xmlns:adec="http://schemas.microsoft.com/office/drawing/2017/decorative" val="1"/>
+              </a:ext>
+            </a:extLst>
+          </p:cNvPr>
+          <p:cNvSpPr>
+            <a:spLocks noGrp="1" noRot="1" noChangeAspect="1" noMove="1" noResize="1" noEditPoints="1" noAdjustHandles="1" noChangeArrowheads="1" noChangeShapeType="1" noTextEdit="1"/>
+          </p:cNvSpPr>
+          <p:nvPr>
+            <p:extLst>
+              <p:ext uri="{386F3935-93C4-4BCD-93E2-E3B085C9AB24}">
+                <p16:designElem xmlns:p16="http://schemas.microsoft.com/office/powerpoint/2015/main" val="1"/>
+              </p:ext>
+            </p:extLst>
+          </p:nvPr>
+        </p:nvSpPr>
+        <p:spPr>
+          <a:xfrm flipV="1">
+            <a:off x="7550402" y="2455479"/>
+            <a:ext cx="4083433" cy="4083433"/>
+          </a:xfrm>
+          <a:prstGeom prst="arc">
+            <a:avLst/>
+          </a:prstGeom>
+          <a:ln w="127000" cap="rnd">
+            <a:solidFill>
+              <a:schemeClr val="accent4"/>
+            </a:solidFill>
+            <a:prstDash val="dash"/>
+          </a:ln>
+        </p:spPr>
+        <p:style>
+          <a:lnRef idx="1">
+            <a:schemeClr val="accent1"/>
+          </a:lnRef>
+          <a:fillRef idx="0">
+            <a:schemeClr val="accent1"/>
+          </a:fillRef>
+          <a:effectRef idx="0">
+            <a:schemeClr val="accent1"/>
+          </a:effectRef>
+          <a:fontRef idx="minor">
+            <a:schemeClr val="tx1"/>
+          </a:fontRef>
+        </p:style>
+        <p:txBody>
+          <a:bodyPr rtlCol="0" anchor="ctr"/>
+          <a:lstStyle/>
+          <a:p>
+            <a:pPr algn="ctr"/>
+            <a:endParaRPr lang="en-US" dirty="0"/>
+          </a:p>
+        </p:txBody>
+      </p:sp>
+      <p:sp>
+        <p:nvSpPr>
           <p:cNvPr id="3" name="Content Placeholder 2">
             <a:extLst>
               <a:ext uri="{FF2B5EF4-FFF2-40B4-BE49-F238E27FC236}">
@@ -5388,63 +11929,100 @@
             <p:ph idx="1"/>
           </p:nvPr>
         </p:nvSpPr>
-        <p:spPr/>
-        <p:txBody>
-          <a:bodyPr>
+        <p:spPr>
+          <a:xfrm>
+            <a:off x="4447308" y="591344"/>
+            <a:ext cx="6906491" cy="5585619"/>
+          </a:xfrm>
+        </p:spPr>
+        <p:txBody>
+          <a:bodyPr vert="horz" lIns="91440" tIns="45720" rIns="91440" bIns="45720" rtlCol="0" anchor="ctr">
             <a:normAutofit/>
           </a:bodyPr>
           <a:lstStyle/>
           <a:p>
             <a:r>
-              <a:rPr lang="en-US" sz="1800" dirty="0">
-                <a:latin typeface="Times New Roman" panose="02020603050405020304" pitchFamily="18" charset="0"/>
-                <a:cs typeface="Times New Roman" panose="02020603050405020304" pitchFamily="18" charset="0"/>
+              <a:rPr lang="en-US" sz="1500">
+                <a:latin typeface="Times New Roman"/>
+                <a:cs typeface="Times New Roman"/>
               </a:rPr>
               <a:t>Random Forest: </a:t>
             </a:r>
             <a:r>
-              <a:rPr lang="en-US" sz="1800" dirty="0">
+              <a:rPr lang="en-US" sz="1500">
                 <a:effectLst/>
-                <a:latin typeface="Times New Roman" panose="02020603050405020304" pitchFamily="18" charset="0"/>
+                <a:latin typeface="Times New Roman"/>
                 <a:ea typeface="Calibri" panose="020F0502020204030204" pitchFamily="34" charset="0"/>
+                <a:cs typeface="Times New Roman"/>
               </a:rPr>
-              <a:t>Is easy to implement with R and it’s used by calling the library random forest and mlbench and caret R package libraries respectively. </a:t>
-            </a:r>
-          </a:p>
-          <a:p>
-            <a:r>
-              <a:rPr lang="en-US" sz="1800" dirty="0">
+              <a:t>Is easy to implement with R and it’s used by calling the library random forest and mlbench and caret R package libraries respectively.</a:t>
+            </a:r>
+            <a:r>
+              <a:rPr lang="en-US" sz="1500">
+                <a:latin typeface="Times New Roman"/>
+                <a:ea typeface="Calibri" panose="020F0502020204030204" pitchFamily="34" charset="0"/>
+                <a:cs typeface="Times New Roman"/>
+              </a:rPr>
+              <a:t> </a:t>
+            </a:r>
+            <a:endParaRPr lang="en-US" sz="1500">
+              <a:effectLst/>
+              <a:latin typeface="Times New Roman" panose="02020603050405020304" pitchFamily="18" charset="0"/>
+              <a:ea typeface="Calibri" panose="020F0502020204030204" pitchFamily="34" charset="0"/>
+            </a:endParaRPr>
+          </a:p>
+          <a:p>
+            <a:r>
+              <a:rPr lang="en-US" sz="1500">
                 <a:effectLst/>
-                <a:latin typeface="Times New Roman" panose="02020603050405020304" pitchFamily="18" charset="0"/>
+                <a:latin typeface="Times New Roman"/>
                 <a:ea typeface="Calibri" panose="020F0502020204030204" pitchFamily="34" charset="0"/>
+                <a:cs typeface="Times New Roman"/>
               </a:rPr>
-              <a:t>It is based on decision trees and it uses the regression technique for its predictions, it combines various classifying techniques to arrive at its decisions this is possible because of its utilization of ensemble learning.</a:t>
-            </a:r>
-          </a:p>
-          <a:p>
-            <a:r>
-              <a:rPr lang="en-US" sz="1800" dirty="0">
+              <a:t>It is based on decision trees</a:t>
+            </a:r>
+            <a:r>
+              <a:rPr lang="en-US" sz="1500">
+                <a:latin typeface="Times New Roman"/>
+                <a:ea typeface="Calibri" panose="020F0502020204030204" pitchFamily="34" charset="0"/>
+                <a:cs typeface="Times New Roman"/>
+              </a:rPr>
+              <a:t>,</a:t>
+            </a:r>
+            <a:r>
+              <a:rPr lang="en-US" sz="1500">
+                <a:effectLst/>
+                <a:latin typeface="Times New Roman"/>
+                <a:ea typeface="Calibri" panose="020F0502020204030204" pitchFamily="34" charset="0"/>
+                <a:cs typeface="Times New Roman"/>
+              </a:rPr>
+              <a:t> and it uses the regression technique for its predictions, it combines various classifying techniques to arrive at its decisions this is possible because of its utilization of ensemble learning.</a:t>
+            </a:r>
+          </a:p>
+          <a:p>
+            <a:r>
+              <a:rPr lang="en-US" sz="1500">
                 <a:effectLst/>
                 <a:latin typeface="Times New Roman" panose="02020603050405020304" pitchFamily="18" charset="0"/>
                 <a:ea typeface="Calibri" panose="020F0502020204030204" pitchFamily="34" charset="0"/>
               </a:rPr>
               <a:t>A random forest consists of many decision trees and the ‘forest’ it generates its trained through bootstrapping or bagging aggregating. It also establishes it outcomes based on the decision tree; it uses the mean output of its decision trees. The more tree it generates the higher the accuracy of its prediction.</a:t>
             </a:r>
-            <a:endParaRPr lang="en-US" sz="1800" dirty="0">
+            <a:endParaRPr lang="en-US" sz="1500">
               <a:latin typeface="Times New Roman" panose="02020603050405020304" pitchFamily="18" charset="0"/>
               <a:cs typeface="Times New Roman" panose="02020603050405020304" pitchFamily="18" charset="0"/>
             </a:endParaRPr>
           </a:p>
           <a:p>
             <a:r>
-              <a:rPr lang="en-US" sz="1800" dirty="0">
+              <a:rPr lang="en-US" sz="1500">
                 <a:latin typeface="Times New Roman" panose="02020603050405020304" pitchFamily="18" charset="0"/>
                 <a:cs typeface="Times New Roman" panose="02020603050405020304" pitchFamily="18" charset="0"/>
               </a:rPr>
               <a:t>J48: </a:t>
             </a:r>
             <a:r>
-              <a:rPr lang="en-US" sz="1800" dirty="0">
+              <a:rPr lang="en-US" sz="1500">
                 <a:effectLst/>
                 <a:latin typeface="Times New Roman" panose="02020603050405020304" pitchFamily="18" charset="0"/>
                 <a:ea typeface="Calibri" panose="020F0502020204030204" pitchFamily="34" charset="0"/>
@@ -5454,34 +12032,35 @@
           </a:p>
           <a:p>
             <a:r>
-              <a:rPr lang="en-US" sz="1800" dirty="0">
+              <a:rPr lang="en-US" sz="1500">
                 <a:effectLst/>
                 <a:latin typeface="Times New Roman" panose="02020603050405020304" pitchFamily="18" charset="0"/>
                 <a:ea typeface="Calibri" panose="020F0502020204030204" pitchFamily="34" charset="0"/>
               </a:rPr>
               <a:t>The split strategies stops if a subset has a place with a similar class in all the instances.</a:t>
             </a:r>
-            <a:endParaRPr lang="en-US" sz="1800" dirty="0">
+            <a:endParaRPr lang="en-US" sz="1500">
               <a:latin typeface="Times New Roman" panose="02020603050405020304" pitchFamily="18" charset="0"/>
               <a:ea typeface="Calibri" panose="020F0502020204030204" pitchFamily="34" charset="0"/>
             </a:endParaRPr>
           </a:p>
           <a:p>
             <a:r>
-              <a:rPr lang="en-US" sz="1800" dirty="0">
+              <a:rPr lang="en-US" sz="1500">
                 <a:effectLst/>
-                <a:latin typeface="Times New Roman" panose="02020603050405020304" pitchFamily="18" charset="0"/>
+                <a:latin typeface="Times New Roman"/>
                 <a:ea typeface="Calibri" panose="020F0502020204030204" pitchFamily="34" charset="0"/>
+                <a:cs typeface="Times New Roman"/>
               </a:rPr>
-              <a:t>It develops a decision node utilizing the expected estimations of the class and can deal with particular characteristics, lost or missing attribute estimations of the data and varying attribute costs.</a:t>
-            </a:r>
-            <a:endParaRPr lang="en-US" sz="1800" dirty="0">
-              <a:latin typeface="Times New Roman" panose="02020603050405020304" pitchFamily="18" charset="0"/>
-              <a:cs typeface="Times New Roman" panose="02020603050405020304" pitchFamily="18" charset="0"/>
+              <a:t>It develops a decision node utilizing the expected estimations of the class and can deal with characteristics, lost or missing attribute estimations of the data and varying attribute costs.</a:t>
+            </a:r>
+            <a:endParaRPr lang="en-US" sz="1500">
+              <a:latin typeface="Times New Roman"/>
+              <a:cs typeface="Times New Roman"/>
             </a:endParaRPr>
           </a:p>
           <a:p>
-            <a:endParaRPr lang="en-US" sz="1800" dirty="0">
+            <a:endParaRPr lang="en-US" sz="1500">
               <a:latin typeface="Times New Roman" panose="02020603050405020304" pitchFamily="18" charset="0"/>
               <a:cs typeface="Times New Roman" panose="02020603050405020304" pitchFamily="18" charset="0"/>
             </a:endParaRPr>
@@ -5504,6 +12083,14 @@
 <file path=ppt/slides/slide8.xml><?xml version="1.0" encoding="utf-8"?>
 <p:sld xmlns:a="http://schemas.openxmlformats.org/drawingml/2006/main" xmlns:r="http://schemas.openxmlformats.org/officeDocument/2006/relationships" xmlns:p="http://schemas.openxmlformats.org/presentationml/2006/main">
   <p:cSld>
+    <p:bg>
+      <p:bgPr>
+        <a:solidFill>
+          <a:schemeClr val="bg1"/>
+        </a:solidFill>
+        <a:effectLst/>
+      </p:bgPr>
+    </p:bg>
     <p:spTree>
       <p:nvGrpSpPr>
         <p:cNvPr id="1" name=""/>
@@ -5520,6 +12107,69 @@
       </p:grpSpPr>
       <p:sp>
         <p:nvSpPr>
+          <p:cNvPr id="8" name="Rectangle 7">
+            <a:extLst>
+              <a:ext uri="{FF2B5EF4-FFF2-40B4-BE49-F238E27FC236}">
+                <a16:creationId xmlns:a16="http://schemas.microsoft.com/office/drawing/2014/main" id="{46D6306C-ED4F-4AAE-B4A5-EEA6AFAD726E}"/>
+              </a:ext>
+              <a:ext uri="{C183D7F6-B498-43B3-948B-1728B52AA6E4}">
+                <adec:decorative xmlns:adec="http://schemas.microsoft.com/office/drawing/2017/decorative" val="1"/>
+              </a:ext>
+            </a:extLst>
+          </p:cNvPr>
+          <p:cNvSpPr>
+            <a:spLocks noGrp="1" noRot="1" noChangeAspect="1" noMove="1" noResize="1" noEditPoints="1" noAdjustHandles="1" noChangeArrowheads="1" noChangeShapeType="1" noTextEdit="1"/>
+          </p:cNvSpPr>
+          <p:nvPr>
+            <p:extLst>
+              <p:ext uri="{386F3935-93C4-4BCD-93E2-E3B085C9AB24}">
+                <p16:designElem xmlns:p16="http://schemas.microsoft.com/office/powerpoint/2015/main" val="1"/>
+              </p:ext>
+            </p:extLst>
+          </p:nvPr>
+        </p:nvSpPr>
+        <p:spPr>
+          <a:xfrm>
+            <a:off x="0" y="0"/>
+            <a:ext cx="12192000" cy="6858000"/>
+          </a:xfrm>
+          <a:prstGeom prst="rect">
+            <a:avLst/>
+          </a:prstGeom>
+          <a:solidFill>
+            <a:schemeClr val="bg1"/>
+          </a:solidFill>
+          <a:ln>
+            <a:noFill/>
+          </a:ln>
+        </p:spPr>
+        <p:style>
+          <a:lnRef idx="2">
+            <a:schemeClr val="accent1">
+              <a:shade val="50000"/>
+            </a:schemeClr>
+          </a:lnRef>
+          <a:fillRef idx="1">
+            <a:schemeClr val="accent1"/>
+          </a:fillRef>
+          <a:effectRef idx="0">
+            <a:schemeClr val="accent1"/>
+          </a:effectRef>
+          <a:fontRef idx="minor">
+            <a:schemeClr val="lt1"/>
+          </a:fontRef>
+        </p:style>
+        <p:txBody>
+          <a:bodyPr rtlCol="0" anchor="ctr"/>
+          <a:lstStyle/>
+          <a:p>
+            <a:pPr algn="ctr"/>
+            <a:endParaRPr lang="en-US" dirty="0"/>
+          </a:p>
+        </p:txBody>
+      </p:sp>
+      <p:sp>
+        <p:nvSpPr>
           <p:cNvPr id="2" name="Title 1">
             <a:extLst>
               <a:ext uri="{FF2B5EF4-FFF2-40B4-BE49-F238E27FC236}">
@@ -5534,21 +12184,386 @@
             <p:ph type="title"/>
           </p:nvPr>
         </p:nvSpPr>
-        <p:spPr/>
-        <p:txBody>
-          <a:bodyPr>
+        <p:spPr>
+          <a:xfrm>
+            <a:off x="643467" y="1698171"/>
+            <a:ext cx="3962061" cy="4516360"/>
+          </a:xfrm>
+        </p:spPr>
+        <p:txBody>
+          <a:bodyPr anchor="t">
             <a:normAutofit/>
           </a:bodyPr>
           <a:lstStyle/>
           <a:p>
             <a:r>
-              <a:rPr lang="en-US" sz="4000" dirty="0">
+              <a:rPr lang="en-US" sz="3600">
                 <a:latin typeface="Times New Roman" panose="02020603050405020304" pitchFamily="18" charset="0"/>
                 <a:cs typeface="Times New Roman" panose="02020603050405020304" pitchFamily="18" charset="0"/>
               </a:rPr>
               <a:t>Machine Learning Algorithms - Classification Model</a:t>
             </a:r>
-            <a:endParaRPr lang="en-US" sz="4000" dirty="0"/>
+            <a:endParaRPr lang="en-US" sz="3600"/>
+          </a:p>
+        </p:txBody>
+      </p:sp>
+      <p:sp>
+        <p:nvSpPr>
+          <p:cNvPr id="10" name="Rectangle 9">
+            <a:extLst>
+              <a:ext uri="{FF2B5EF4-FFF2-40B4-BE49-F238E27FC236}">
+                <a16:creationId xmlns:a16="http://schemas.microsoft.com/office/drawing/2014/main" id="{0EC5361D-F897-4856-B945-0455A365EB24}"/>
+              </a:ext>
+              <a:ext uri="{C183D7F6-B498-43B3-948B-1728B52AA6E4}">
+                <adec:decorative xmlns:adec="http://schemas.microsoft.com/office/drawing/2017/decorative" val="1"/>
+              </a:ext>
+            </a:extLst>
+          </p:cNvPr>
+          <p:cNvSpPr>
+            <a:spLocks noGrp="1" noRot="1" noChangeAspect="1" noMove="1" noResize="1" noEditPoints="1" noAdjustHandles="1" noChangeArrowheads="1" noChangeShapeType="1" noTextEdit="1"/>
+          </p:cNvSpPr>
+          <p:nvPr>
+            <p:extLst>
+              <p:ext uri="{386F3935-93C4-4BCD-93E2-E3B085C9AB24}">
+                <p16:designElem xmlns:p16="http://schemas.microsoft.com/office/powerpoint/2015/main" val="1"/>
+              </p:ext>
+            </p:extLst>
+          </p:nvPr>
+        </p:nvSpPr>
+        <p:spPr>
+          <a:xfrm rot="2700000">
+            <a:off x="415435" y="655140"/>
+            <a:ext cx="687472" cy="687472"/>
+          </a:xfrm>
+          <a:prstGeom prst="rect">
+            <a:avLst/>
+          </a:prstGeom>
+          <a:solidFill>
+            <a:schemeClr val="accent4">
+              <a:alpha val="30000"/>
+            </a:schemeClr>
+          </a:solidFill>
+          <a:ln>
+            <a:noFill/>
+          </a:ln>
+        </p:spPr>
+        <p:style>
+          <a:lnRef idx="2">
+            <a:schemeClr val="accent1">
+              <a:shade val="50000"/>
+            </a:schemeClr>
+          </a:lnRef>
+          <a:fillRef idx="1">
+            <a:schemeClr val="accent1"/>
+          </a:fillRef>
+          <a:effectRef idx="0">
+            <a:schemeClr val="accent1"/>
+          </a:effectRef>
+          <a:fontRef idx="minor">
+            <a:schemeClr val="lt1"/>
+          </a:fontRef>
+        </p:style>
+        <p:txBody>
+          <a:bodyPr rtlCol="0" anchor="ctr"/>
+          <a:lstStyle/>
+          <a:p>
+            <a:pPr algn="ctr"/>
+            <a:endParaRPr lang="en-US"/>
+          </a:p>
+        </p:txBody>
+      </p:sp>
+      <p:sp>
+        <p:nvSpPr>
+          <p:cNvPr id="12" name="Freeform: Shape 11">
+            <a:extLst>
+              <a:ext uri="{FF2B5EF4-FFF2-40B4-BE49-F238E27FC236}">
+                <a16:creationId xmlns:a16="http://schemas.microsoft.com/office/drawing/2014/main" id="{4508C0C5-2268-42B5-B3C8-4D0899E05F8C}"/>
+              </a:ext>
+              <a:ext uri="{C183D7F6-B498-43B3-948B-1728B52AA6E4}">
+                <adec:decorative xmlns:adec="http://schemas.microsoft.com/office/drawing/2017/decorative" val="1"/>
+              </a:ext>
+            </a:extLst>
+          </p:cNvPr>
+          <p:cNvSpPr>
+            <a:spLocks noGrp="1" noRot="1" noChangeAspect="1" noMove="1" noResize="1" noEditPoints="1" noAdjustHandles="1" noChangeArrowheads="1" noChangeShapeType="1" noTextEdit="1"/>
+          </p:cNvSpPr>
+          <p:nvPr>
+            <p:extLst>
+              <p:ext uri="{386F3935-93C4-4BCD-93E2-E3B085C9AB24}">
+                <p16:designElem xmlns:p16="http://schemas.microsoft.com/office/powerpoint/2015/main" val="1"/>
+              </p:ext>
+            </p:extLst>
+          </p:nvPr>
+        </p:nvSpPr>
+        <p:spPr>
+          <a:xfrm rot="10800000">
+            <a:off x="0" y="0"/>
+            <a:ext cx="2835357" cy="1480837"/>
+          </a:xfrm>
+          <a:custGeom>
+            <a:avLst/>
+            <a:gdLst>
+              <a:gd name="connsiteX0" fmla="*/ 2835357 w 2835357"/>
+              <a:gd name="connsiteY0" fmla="*/ 1480837 h 1480837"/>
+              <a:gd name="connsiteX1" fmla="*/ 0 w 2835357"/>
+              <a:gd name="connsiteY1" fmla="*/ 1480837 h 1480837"/>
+              <a:gd name="connsiteX2" fmla="*/ 1552727 w 2835357"/>
+              <a:gd name="connsiteY2" fmla="*/ 0 h 1480837"/>
+              <a:gd name="connsiteX3" fmla="*/ 2835357 w 2835357"/>
+              <a:gd name="connsiteY3" fmla="*/ 1223245 h 1480837"/>
+            </a:gdLst>
+            <a:ahLst/>
+            <a:cxnLst>
+              <a:cxn ang="0">
+                <a:pos x="connsiteX0" y="connsiteY0"/>
+              </a:cxn>
+              <a:cxn ang="0">
+                <a:pos x="connsiteX1" y="connsiteY1"/>
+              </a:cxn>
+              <a:cxn ang="0">
+                <a:pos x="connsiteX2" y="connsiteY2"/>
+              </a:cxn>
+              <a:cxn ang="0">
+                <a:pos x="connsiteX3" y="connsiteY3"/>
+              </a:cxn>
+            </a:cxnLst>
+            <a:rect l="l" t="t" r="r" b="b"/>
+            <a:pathLst>
+              <a:path w="2835357" h="1480837">
+                <a:moveTo>
+                  <a:pt x="2835357" y="1480837"/>
+                </a:moveTo>
+                <a:lnTo>
+                  <a:pt x="0" y="1480837"/>
+                </a:lnTo>
+                <a:lnTo>
+                  <a:pt x="1552727" y="0"/>
+                </a:lnTo>
+                <a:lnTo>
+                  <a:pt x="2835357" y="1223245"/>
+                </a:lnTo>
+                <a:close/>
+              </a:path>
+            </a:pathLst>
+          </a:custGeom>
+          <a:solidFill>
+            <a:schemeClr val="accent4">
+              <a:alpha val="30000"/>
+            </a:schemeClr>
+          </a:solidFill>
+          <a:ln>
+            <a:noFill/>
+          </a:ln>
+        </p:spPr>
+        <p:style>
+          <a:lnRef idx="2">
+            <a:schemeClr val="accent1">
+              <a:shade val="50000"/>
+            </a:schemeClr>
+          </a:lnRef>
+          <a:fillRef idx="1">
+            <a:schemeClr val="accent1"/>
+          </a:fillRef>
+          <a:effectRef idx="0">
+            <a:schemeClr val="accent1"/>
+          </a:effectRef>
+          <a:fontRef idx="minor">
+            <a:schemeClr val="lt1"/>
+          </a:fontRef>
+        </p:style>
+        <p:txBody>
+          <a:bodyPr wrap="square" rtlCol="0" anchor="ctr">
+            <a:noAutofit/>
+          </a:bodyPr>
+          <a:lstStyle/>
+          <a:p>
+            <a:pPr algn="ctr"/>
+            <a:endParaRPr lang="en-US" dirty="0"/>
+          </a:p>
+        </p:txBody>
+      </p:sp>
+      <p:sp>
+        <p:nvSpPr>
+          <p:cNvPr id="14" name="Freeform: Shape 13">
+            <a:extLst>
+              <a:ext uri="{FF2B5EF4-FFF2-40B4-BE49-F238E27FC236}">
+                <a16:creationId xmlns:a16="http://schemas.microsoft.com/office/drawing/2014/main" id="{141ACBDB-38F8-4B34-8183-BD95B4E55A62}"/>
+              </a:ext>
+              <a:ext uri="{C183D7F6-B498-43B3-948B-1728B52AA6E4}">
+                <adec:decorative xmlns:adec="http://schemas.microsoft.com/office/drawing/2017/decorative" val="1"/>
+              </a:ext>
+            </a:extLst>
+          </p:cNvPr>
+          <p:cNvSpPr>
+            <a:spLocks noGrp="1" noRot="1" noChangeAspect="1" noMove="1" noResize="1" noEditPoints="1" noAdjustHandles="1" noChangeArrowheads="1" noChangeShapeType="1" noTextEdit="1"/>
+          </p:cNvSpPr>
+          <p:nvPr>
+            <p:extLst>
+              <p:ext uri="{386F3935-93C4-4BCD-93E2-E3B085C9AB24}">
+                <p16:designElem xmlns:p16="http://schemas.microsoft.com/office/powerpoint/2015/main" val="1"/>
+              </p:ext>
+            </p:extLst>
+          </p:nvPr>
+        </p:nvSpPr>
+        <p:spPr>
+          <a:xfrm rot="2700000">
+            <a:off x="10739327" y="-253670"/>
+            <a:ext cx="1827638" cy="1376989"/>
+          </a:xfrm>
+          <a:custGeom>
+            <a:avLst/>
+            <a:gdLst>
+              <a:gd name="connsiteX0" fmla="*/ 0 w 1827638"/>
+              <a:gd name="connsiteY0" fmla="*/ 987379 h 1376989"/>
+              <a:gd name="connsiteX1" fmla="*/ 987379 w 1827638"/>
+              <a:gd name="connsiteY1" fmla="*/ 0 h 1376989"/>
+              <a:gd name="connsiteX2" fmla="*/ 1827638 w 1827638"/>
+              <a:gd name="connsiteY2" fmla="*/ 840260 h 1376989"/>
+              <a:gd name="connsiteX3" fmla="*/ 1827638 w 1827638"/>
+              <a:gd name="connsiteY3" fmla="*/ 1376989 h 1376989"/>
+              <a:gd name="connsiteX4" fmla="*/ 0 w 1827638"/>
+              <a:gd name="connsiteY4" fmla="*/ 1376989 h 1376989"/>
+            </a:gdLst>
+            <a:ahLst/>
+            <a:cxnLst>
+              <a:cxn ang="0">
+                <a:pos x="connsiteX0" y="connsiteY0"/>
+              </a:cxn>
+              <a:cxn ang="0">
+                <a:pos x="connsiteX1" y="connsiteY1"/>
+              </a:cxn>
+              <a:cxn ang="0">
+                <a:pos x="connsiteX2" y="connsiteY2"/>
+              </a:cxn>
+              <a:cxn ang="0">
+                <a:pos x="connsiteX3" y="connsiteY3"/>
+              </a:cxn>
+              <a:cxn ang="0">
+                <a:pos x="connsiteX4" y="connsiteY4"/>
+              </a:cxn>
+            </a:cxnLst>
+            <a:rect l="l" t="t" r="r" b="b"/>
+            <a:pathLst>
+              <a:path w="1827638" h="1376989">
+                <a:moveTo>
+                  <a:pt x="0" y="987379"/>
+                </a:moveTo>
+                <a:lnTo>
+                  <a:pt x="987379" y="0"/>
+                </a:lnTo>
+                <a:lnTo>
+                  <a:pt x="1827638" y="840260"/>
+                </a:lnTo>
+                <a:lnTo>
+                  <a:pt x="1827638" y="1376989"/>
+                </a:lnTo>
+                <a:lnTo>
+                  <a:pt x="0" y="1376989"/>
+                </a:lnTo>
+                <a:close/>
+              </a:path>
+            </a:pathLst>
+          </a:custGeom>
+          <a:solidFill>
+            <a:schemeClr val="accent1">
+              <a:alpha val="30000"/>
+            </a:schemeClr>
+          </a:solidFill>
+          <a:ln>
+            <a:noFill/>
+          </a:ln>
+        </p:spPr>
+        <p:style>
+          <a:lnRef idx="2">
+            <a:schemeClr val="accent1">
+              <a:shade val="50000"/>
+            </a:schemeClr>
+          </a:lnRef>
+          <a:fillRef idx="1">
+            <a:schemeClr val="accent1"/>
+          </a:fillRef>
+          <a:effectRef idx="0">
+            <a:schemeClr val="accent1"/>
+          </a:effectRef>
+          <a:fontRef idx="minor">
+            <a:schemeClr val="lt1"/>
+          </a:fontRef>
+        </p:style>
+        <p:txBody>
+          <a:bodyPr wrap="square" rtlCol="0" anchor="ctr">
+            <a:noAutofit/>
+          </a:bodyPr>
+          <a:lstStyle/>
+          <a:p>
+            <a:pPr algn="ctr"/>
+            <a:endParaRPr lang="en-US" dirty="0"/>
+          </a:p>
+        </p:txBody>
+      </p:sp>
+      <p:sp>
+        <p:nvSpPr>
+          <p:cNvPr id="16" name="Rectangle 15">
+            <a:extLst>
+              <a:ext uri="{FF2B5EF4-FFF2-40B4-BE49-F238E27FC236}">
+                <a16:creationId xmlns:a16="http://schemas.microsoft.com/office/drawing/2014/main" id="{DE00DB52-3455-4E2F-867B-A6D0516E175B}"/>
+              </a:ext>
+              <a:ext uri="{C183D7F6-B498-43B3-948B-1728B52AA6E4}">
+                <adec:decorative xmlns:adec="http://schemas.microsoft.com/office/drawing/2017/decorative" val="1"/>
+              </a:ext>
+            </a:extLst>
+          </p:cNvPr>
+          <p:cNvSpPr>
+            <a:spLocks noGrp="1" noRot="1" noChangeAspect="1" noMove="1" noResize="1" noEditPoints="1" noAdjustHandles="1" noChangeArrowheads="1" noChangeShapeType="1" noTextEdit="1"/>
+          </p:cNvSpPr>
+          <p:nvPr>
+            <p:extLst>
+              <p:ext uri="{386F3935-93C4-4BCD-93E2-E3B085C9AB24}">
+                <p16:designElem xmlns:p16="http://schemas.microsoft.com/office/powerpoint/2015/main" val="1"/>
+              </p:ext>
+            </p:extLst>
+          </p:nvPr>
+        </p:nvSpPr>
+        <p:spPr>
+          <a:xfrm rot="2700000">
+            <a:off x="10653800" y="422146"/>
+            <a:ext cx="645368" cy="645368"/>
+          </a:xfrm>
+          <a:prstGeom prst="rect">
+            <a:avLst/>
+          </a:prstGeom>
+          <a:solidFill>
+            <a:schemeClr val="accent1">
+              <a:alpha val="30000"/>
+            </a:schemeClr>
+          </a:solidFill>
+          <a:ln>
+            <a:noFill/>
+          </a:ln>
+        </p:spPr>
+        <p:style>
+          <a:lnRef idx="2">
+            <a:schemeClr val="accent1">
+              <a:shade val="50000"/>
+            </a:schemeClr>
+          </a:lnRef>
+          <a:fillRef idx="1">
+            <a:schemeClr val="accent1"/>
+          </a:fillRef>
+          <a:effectRef idx="0">
+            <a:schemeClr val="accent1"/>
+          </a:effectRef>
+          <a:fontRef idx="minor">
+            <a:schemeClr val="lt1"/>
+          </a:fontRef>
+        </p:style>
+        <p:txBody>
+          <a:bodyPr wrap="square" rtlCol="0" anchor="ctr">
+            <a:noAutofit/>
+          </a:bodyPr>
+          <a:lstStyle/>
+          <a:p>
+            <a:pPr algn="ctr"/>
+            <a:endParaRPr lang="en-US"/>
           </a:p>
         </p:txBody>
       </p:sp>
@@ -5568,20 +12583,27 @@
             <p:ph idx="1"/>
           </p:nvPr>
         </p:nvSpPr>
-        <p:spPr/>
-        <p:txBody>
-          <a:bodyPr/>
-          <a:lstStyle/>
-          <a:p>
-            <a:r>
-              <a:rPr lang="en-US" sz="1800" dirty="0">
+        <p:spPr>
+          <a:xfrm>
+            <a:off x="5070020" y="1698170"/>
+            <a:ext cx="6478513" cy="4516361"/>
+          </a:xfrm>
+        </p:spPr>
+        <p:txBody>
+          <a:bodyPr>
+            <a:normAutofit/>
+          </a:bodyPr>
+          <a:lstStyle/>
+          <a:p>
+            <a:r>
+              <a:rPr lang="en-US" sz="2000">
                 <a:latin typeface="Times New Roman" panose="02020603050405020304" pitchFamily="18" charset="0"/>
                 <a:cs typeface="Times New Roman" panose="02020603050405020304" pitchFamily="18" charset="0"/>
               </a:rPr>
               <a:t>Naive Bayes: </a:t>
             </a:r>
             <a:r>
-              <a:rPr lang="en-US" sz="1800" dirty="0">
+              <a:rPr lang="en-US" sz="2000">
                 <a:effectLst/>
                 <a:latin typeface="Times New Roman" panose="02020603050405020304" pitchFamily="18" charset="0"/>
                 <a:ea typeface="Calibri" panose="020F0502020204030204" pitchFamily="34" charset="0"/>
@@ -5591,21 +12613,21 @@
           </a:p>
           <a:p>
             <a:r>
-              <a:rPr lang="en-US" sz="1800" dirty="0">
+              <a:rPr lang="en-US" sz="2000">
                 <a:effectLst/>
                 <a:latin typeface="Times New Roman" panose="02020603050405020304" pitchFamily="18" charset="0"/>
                 <a:ea typeface="Calibri" panose="020F0502020204030204" pitchFamily="34" charset="0"/>
               </a:rPr>
               <a:t>It uses probability in making its predictions based on applying the Bayes’ theorem and they have strong independence assumptions between the features that is it’s termed as naïve.</a:t>
             </a:r>
-            <a:endParaRPr lang="en-US" sz="1800" dirty="0">
+            <a:endParaRPr lang="en-US" sz="2000">
               <a:latin typeface="Times New Roman" panose="02020603050405020304" pitchFamily="18" charset="0"/>
               <a:ea typeface="Calibri" panose="020F0502020204030204" pitchFamily="34" charset="0"/>
             </a:endParaRPr>
           </a:p>
           <a:p>
             <a:r>
-              <a:rPr lang="en-US" sz="1800" dirty="0">
+              <a:rPr lang="en-US" sz="2000">
                 <a:effectLst/>
                 <a:latin typeface="Times New Roman" panose="02020603050405020304" pitchFamily="18" charset="0"/>
                 <a:ea typeface="Calibri" panose="020F0502020204030204" pitchFamily="34" charset="0"/>
@@ -5615,7 +12637,7 @@
           </a:p>
           <a:p>
             <a:r>
-              <a:rPr lang="en-US" sz="1800" dirty="0">
+              <a:rPr lang="en-US" sz="2000">
                 <a:effectLst/>
                 <a:latin typeface="Times New Roman" panose="02020603050405020304" pitchFamily="18" charset="0"/>
                 <a:ea typeface="Calibri" panose="020F0502020204030204" pitchFamily="34" charset="0"/>
@@ -5624,14 +12646,148 @@
             </a:r>
           </a:p>
           <a:p>
-            <a:endParaRPr lang="en-US" sz="1800" dirty="0">
+            <a:endParaRPr lang="en-US" sz="2000">
               <a:effectLst/>
               <a:latin typeface="Times New Roman" panose="02020603050405020304" pitchFamily="18" charset="0"/>
               <a:ea typeface="Calibri" panose="020F0502020204030204" pitchFamily="34" charset="0"/>
             </a:endParaRPr>
           </a:p>
           <a:p>
-            <a:endParaRPr lang="en-US" dirty="0"/>
+            <a:endParaRPr lang="en-US" sz="2000"/>
+          </a:p>
+        </p:txBody>
+      </p:sp>
+      <p:sp>
+        <p:nvSpPr>
+          <p:cNvPr id="18" name="Isosceles Triangle 17">
+            <a:extLst>
+              <a:ext uri="{FF2B5EF4-FFF2-40B4-BE49-F238E27FC236}">
+                <a16:creationId xmlns:a16="http://schemas.microsoft.com/office/drawing/2014/main" id="{9E914C83-E0D8-4953-92D5-169D28CB43AE}"/>
+              </a:ext>
+              <a:ext uri="{C183D7F6-B498-43B3-948B-1728B52AA6E4}">
+                <adec:decorative xmlns:adec="http://schemas.microsoft.com/office/drawing/2017/decorative" val="1"/>
+              </a:ext>
+            </a:extLst>
+          </p:cNvPr>
+          <p:cNvSpPr>
+            <a:spLocks noGrp="1" noRot="1" noChangeAspect="1" noMove="1" noResize="1" noEditPoints="1" noAdjustHandles="1" noChangeArrowheads="1" noChangeShapeType="1" noTextEdit="1"/>
+          </p:cNvSpPr>
+          <p:nvPr>
+            <p:extLst>
+              <p:ext uri="{386F3935-93C4-4BCD-93E2-E3B085C9AB24}">
+                <p16:designElem xmlns:p16="http://schemas.microsoft.com/office/powerpoint/2015/main" val="1"/>
+              </p:ext>
+            </p:extLst>
+          </p:nvPr>
+        </p:nvSpPr>
+        <p:spPr>
+          <a:xfrm>
+            <a:off x="8115423" y="6115501"/>
+            <a:ext cx="1494513" cy="742499"/>
+          </a:xfrm>
+          <a:prstGeom prst="triangle">
+            <a:avLst/>
+          </a:prstGeom>
+          <a:solidFill>
+            <a:schemeClr val="accent1">
+              <a:alpha val="30000"/>
+            </a:schemeClr>
+          </a:solidFill>
+          <a:ln>
+            <a:noFill/>
+          </a:ln>
+        </p:spPr>
+        <p:style>
+          <a:lnRef idx="2">
+            <a:schemeClr val="accent1">
+              <a:shade val="50000"/>
+            </a:schemeClr>
+          </a:lnRef>
+          <a:fillRef idx="1">
+            <a:schemeClr val="accent1"/>
+          </a:fillRef>
+          <a:effectRef idx="0">
+            <a:schemeClr val="accent1"/>
+          </a:effectRef>
+          <a:fontRef idx="minor">
+            <a:schemeClr val="lt1"/>
+          </a:fontRef>
+        </p:style>
+        <p:txBody>
+          <a:bodyPr wrap="square" rtlCol="0" anchor="ctr">
+            <a:noAutofit/>
+          </a:bodyPr>
+          <a:lstStyle/>
+          <a:p>
+            <a:pPr algn="ctr"/>
+            <a:endParaRPr lang="en-US"/>
+          </a:p>
+        </p:txBody>
+      </p:sp>
+      <p:sp>
+        <p:nvSpPr>
+          <p:cNvPr id="20" name="Isosceles Triangle 19">
+            <a:extLst>
+              <a:ext uri="{FF2B5EF4-FFF2-40B4-BE49-F238E27FC236}">
+                <a16:creationId xmlns:a16="http://schemas.microsoft.com/office/drawing/2014/main" id="{3512E083-F550-46AF-8490-767ECFD00CB7}"/>
+              </a:ext>
+              <a:ext uri="{C183D7F6-B498-43B3-948B-1728B52AA6E4}">
+                <adec:decorative xmlns:adec="http://schemas.microsoft.com/office/drawing/2017/decorative" val="1"/>
+              </a:ext>
+            </a:extLst>
+          </p:cNvPr>
+          <p:cNvSpPr>
+            <a:spLocks noGrp="1" noRot="1" noChangeAspect="1" noMove="1" noResize="1" noEditPoints="1" noAdjustHandles="1" noChangeArrowheads="1" noChangeShapeType="1" noTextEdit="1"/>
+          </p:cNvSpPr>
+          <p:nvPr>
+            <p:extLst>
+              <p:ext uri="{386F3935-93C4-4BCD-93E2-E3B085C9AB24}">
+                <p16:designElem xmlns:p16="http://schemas.microsoft.com/office/powerpoint/2015/main" val="1"/>
+              </p:ext>
+            </p:extLst>
+          </p:nvPr>
+        </p:nvSpPr>
+        <p:spPr>
+          <a:xfrm>
+            <a:off x="9167297" y="6453143"/>
+            <a:ext cx="814903" cy="404857"/>
+          </a:xfrm>
+          <a:prstGeom prst="triangle">
+            <a:avLst/>
+          </a:prstGeom>
+          <a:solidFill>
+            <a:schemeClr val="accent1">
+              <a:alpha val="30000"/>
+            </a:schemeClr>
+          </a:solidFill>
+          <a:ln>
+            <a:noFill/>
+          </a:ln>
+        </p:spPr>
+        <p:style>
+          <a:lnRef idx="2">
+            <a:schemeClr val="accent1">
+              <a:shade val="50000"/>
+            </a:schemeClr>
+          </a:lnRef>
+          <a:fillRef idx="1">
+            <a:schemeClr val="accent1"/>
+          </a:fillRef>
+          <a:effectRef idx="0">
+            <a:schemeClr val="accent1"/>
+          </a:effectRef>
+          <a:fontRef idx="minor">
+            <a:schemeClr val="lt1"/>
+          </a:fontRef>
+        </p:style>
+        <p:txBody>
+          <a:bodyPr wrap="square" rtlCol="0" anchor="ctr">
+            <a:noAutofit/>
+          </a:bodyPr>
+          <a:lstStyle/>
+          <a:p>
+            <a:pPr algn="ctr"/>
+            <a:endParaRPr lang="en-US"/>
           </a:p>
         </p:txBody>
       </p:sp>
@@ -5651,6 +12807,14 @@
 <file path=ppt/slides/slide9.xml><?xml version="1.0" encoding="utf-8"?>
 <p:sld xmlns:a="http://schemas.openxmlformats.org/drawingml/2006/main" xmlns:r="http://schemas.openxmlformats.org/officeDocument/2006/relationships" xmlns:p="http://schemas.openxmlformats.org/presentationml/2006/main">
   <p:cSld>
+    <p:bg>
+      <p:bgPr>
+        <a:solidFill>
+          <a:schemeClr val="bg1"/>
+        </a:solidFill>
+        <a:effectLst/>
+      </p:bgPr>
+    </p:bg>
     <p:spTree>
       <p:nvGrpSpPr>
         <p:cNvPr id="1" name=""/>
@@ -5667,6 +12831,69 @@
       </p:grpSpPr>
       <p:sp>
         <p:nvSpPr>
+          <p:cNvPr id="15" name="Rectangle 14">
+            <a:extLst>
+              <a:ext uri="{FF2B5EF4-FFF2-40B4-BE49-F238E27FC236}">
+                <a16:creationId xmlns:a16="http://schemas.microsoft.com/office/drawing/2014/main" id="{AE2B703B-46F9-481A-A605-82E2A828C4FA}"/>
+              </a:ext>
+              <a:ext uri="{C183D7F6-B498-43B3-948B-1728B52AA6E4}">
+                <adec:decorative xmlns:adec="http://schemas.microsoft.com/office/drawing/2017/decorative" val="1"/>
+              </a:ext>
+            </a:extLst>
+          </p:cNvPr>
+          <p:cNvSpPr>
+            <a:spLocks noGrp="1" noRot="1" noChangeAspect="1" noMove="1" noResize="1" noEditPoints="1" noAdjustHandles="1" noChangeArrowheads="1" noChangeShapeType="1" noTextEdit="1"/>
+          </p:cNvSpPr>
+          <p:nvPr>
+            <p:extLst>
+              <p:ext uri="{386F3935-93C4-4BCD-93E2-E3B085C9AB24}">
+                <p16:designElem xmlns:p16="http://schemas.microsoft.com/office/powerpoint/2015/main" val="1"/>
+              </p:ext>
+            </p:extLst>
+          </p:nvPr>
+        </p:nvSpPr>
+        <p:spPr>
+          <a:xfrm>
+            <a:off x="0" y="0"/>
+            <a:ext cx="12192000" cy="6858000"/>
+          </a:xfrm>
+          <a:prstGeom prst="rect">
+            <a:avLst/>
+          </a:prstGeom>
+          <a:solidFill>
+            <a:schemeClr val="accent2"/>
+          </a:solidFill>
+          <a:ln>
+            <a:noFill/>
+          </a:ln>
+        </p:spPr>
+        <p:style>
+          <a:lnRef idx="2">
+            <a:schemeClr val="accent1">
+              <a:shade val="50000"/>
+            </a:schemeClr>
+          </a:lnRef>
+          <a:fillRef idx="1">
+            <a:schemeClr val="accent1"/>
+          </a:fillRef>
+          <a:effectRef idx="0">
+            <a:schemeClr val="accent1"/>
+          </a:effectRef>
+          <a:fontRef idx="minor">
+            <a:schemeClr val="lt1"/>
+          </a:fontRef>
+        </p:style>
+        <p:txBody>
+          <a:bodyPr rtlCol="0" anchor="ctr"/>
+          <a:lstStyle/>
+          <a:p>
+            <a:pPr algn="ctr"/>
+            <a:endParaRPr lang="en-US"/>
+          </a:p>
+        </p:txBody>
+      </p:sp>
+      <p:sp>
+        <p:nvSpPr>
           <p:cNvPr id="2" name="Title 1">
             <a:extLst>
               <a:ext uri="{FF2B5EF4-FFF2-40B4-BE49-F238E27FC236}">
@@ -5681,15 +12908,24 @@
             <p:ph type="title"/>
           </p:nvPr>
         </p:nvSpPr>
-        <p:spPr/>
+        <p:spPr>
+          <a:xfrm>
+            <a:off x="838200" y="459863"/>
+            <a:ext cx="10515600" cy="1004594"/>
+          </a:xfrm>
+        </p:spPr>
         <p:txBody>
           <a:bodyPr>
             <a:normAutofit/>
           </a:bodyPr>
           <a:lstStyle/>
           <a:p>
-            <a:r>
-              <a:rPr lang="en-US" sz="4000" dirty="0">
+            <a:pPr algn="ctr"/>
+            <a:r>
+              <a:rPr lang="en-US" sz="4100">
+                <a:solidFill>
+                  <a:srgbClr val="FFFFFF"/>
+                </a:solidFill>
                 <a:latin typeface="Times New Roman" panose="02020603050405020304" pitchFamily="18" charset="0"/>
                 <a:cs typeface="Times New Roman" panose="02020603050405020304" pitchFamily="18" charset="0"/>
               </a:rPr>
@@ -5698,6 +12934,73 @@
           </a:p>
         </p:txBody>
       </p:sp>
+      <p:sp>
+        <p:nvSpPr>
+          <p:cNvPr id="17" name="Rectangle: Rounded Corners 16">
+            <a:extLst>
+              <a:ext uri="{FF2B5EF4-FFF2-40B4-BE49-F238E27FC236}">
+                <a16:creationId xmlns:a16="http://schemas.microsoft.com/office/drawing/2014/main" id="{F13BE4D7-0C3D-4906-B230-A1C5B4665CCF}"/>
+              </a:ext>
+              <a:ext uri="{C183D7F6-B498-43B3-948B-1728B52AA6E4}">
+                <adec:decorative xmlns:adec="http://schemas.microsoft.com/office/drawing/2017/decorative" val="1"/>
+              </a:ext>
+            </a:extLst>
+          </p:cNvPr>
+          <p:cNvSpPr>
+            <a:spLocks noGrp="1" noRot="1" noChangeAspect="1" noMove="1" noResize="1" noEditPoints="1" noAdjustHandles="1" noChangeArrowheads="1" noChangeShapeType="1" noTextEdit="1"/>
+          </p:cNvSpPr>
+          <p:nvPr>
+            <p:extLst>
+              <p:ext uri="{386F3935-93C4-4BCD-93E2-E3B085C9AB24}">
+                <p16:designElem xmlns:p16="http://schemas.microsoft.com/office/powerpoint/2015/main" val="1"/>
+              </p:ext>
+            </p:extLst>
+          </p:nvPr>
+        </p:nvSpPr>
+        <p:spPr>
+          <a:xfrm>
+            <a:off x="579496" y="1587970"/>
+            <a:ext cx="11033008" cy="4768380"/>
+          </a:xfrm>
+          <a:prstGeom prst="roundRect">
+            <a:avLst>
+              <a:gd name="adj" fmla="val 3174"/>
+            </a:avLst>
+          </a:prstGeom>
+          <a:solidFill>
+            <a:schemeClr val="bg1">
+              <a:alpha val="95000"/>
+            </a:schemeClr>
+          </a:solidFill>
+          <a:ln>
+            <a:noFill/>
+          </a:ln>
+        </p:spPr>
+        <p:style>
+          <a:lnRef idx="2">
+            <a:schemeClr val="accent1">
+              <a:shade val="50000"/>
+            </a:schemeClr>
+          </a:lnRef>
+          <a:fillRef idx="1">
+            <a:schemeClr val="accent1"/>
+          </a:fillRef>
+          <a:effectRef idx="0">
+            <a:schemeClr val="accent1"/>
+          </a:effectRef>
+          <a:fontRef idx="minor">
+            <a:schemeClr val="lt1"/>
+          </a:fontRef>
+        </p:style>
+        <p:txBody>
+          <a:bodyPr rtlCol="0" anchor="ctr"/>
+          <a:lstStyle/>
+          <a:p>
+            <a:pPr algn="ctr"/>
+            <a:endParaRPr lang="en-US"/>
+          </a:p>
+        </p:txBody>
+      </p:sp>
       <p:graphicFrame>
         <p:nvGraphicFramePr>
           <p:cNvPr id="10" name="Table 10">
@@ -5714,14 +13017,14 @@
             <p:ph idx="1"/>
             <p:extLst>
               <p:ext uri="{D42A27DB-BD31-4B8C-83A1-F6EECF244321}">
-                <p14:modId xmlns:p14="http://schemas.microsoft.com/office/powerpoint/2010/main" val="2514150108"/>
+                <p14:modId xmlns:p14="http://schemas.microsoft.com/office/powerpoint/2010/main" val="537749139"/>
               </p:ext>
             </p:extLst>
           </p:nvPr>
         </p:nvGraphicFramePr>
         <p:xfrm>
-          <a:off x="838200" y="1825625"/>
-          <a:ext cx="10515600" cy="3246501"/>
+          <a:off x="838200" y="2095993"/>
+          <a:ext cx="10515600" cy="3761175"/>
         </p:xfrm>
         <a:graphic>
           <a:graphicData uri="http://schemas.openxmlformats.org/drawingml/2006/table">
@@ -5730,14 +13033,14 @@
                 <a:tableStyleId>{5C22544A-7EE6-4342-B048-85BDC9FD1C3A}</a:tableStyleId>
               </a:tblPr>
               <a:tblGrid>
-                <a:gridCol w="5257800">
+                <a:gridCol w="4446507">
                   <a:extLst>
                     <a:ext uri="{9D8B030D-6E8A-4147-A177-3AD203B41FA5}">
                       <a16:colId xmlns:a16="http://schemas.microsoft.com/office/drawing/2014/main" val="3886884618"/>
                     </a:ext>
                   </a:extLst>
                 </a:gridCol>
-                <a:gridCol w="5257800">
+                <a:gridCol w="6069093">
                   <a:extLst>
                     <a:ext uri="{9D8B030D-6E8A-4147-A177-3AD203B41FA5}">
                       <a16:colId xmlns:a16="http://schemas.microsoft.com/office/drawing/2014/main" val="4040289107"/>
@@ -5745,22 +13048,22 @@
                   </a:extLst>
                 </a:gridCol>
               </a:tblGrid>
-              <a:tr h="370840">
+              <a:tr h="451564">
                 <a:tc>
                   <a:txBody>
                     <a:bodyPr/>
                     <a:lstStyle/>
                     <a:p>
                       <a:r>
-                        <a:rPr lang="en-US" dirty="0">
-                          <a:latin typeface="Times New Roman" panose="02020603050405020304" pitchFamily="18" charset="0"/>
-                          <a:cs typeface="Times New Roman" panose="02020603050405020304" pitchFamily="18" charset="0"/>
+                        <a:rPr lang="en-US" sz="2000" dirty="0">
+                          <a:latin typeface="Times New Roman"/>
+                          <a:cs typeface="Times New Roman"/>
                         </a:rPr>
                         <a:t>Algorithm</a:t>
                       </a:r>
                     </a:p>
                   </a:txBody>
-                  <a:tcPr/>
+                  <a:tcPr marL="102628" marR="102628" marT="51314" marB="51314"/>
                 </a:tc>
                 <a:tc>
                   <a:txBody>
@@ -5768,15 +13071,15 @@
                     <a:lstStyle/>
                     <a:p>
                       <a:r>
-                        <a:rPr lang="en-US" dirty="0">
-                          <a:latin typeface="Times New Roman" panose="02020603050405020304" pitchFamily="18" charset="0"/>
-                          <a:cs typeface="Times New Roman" panose="02020603050405020304" pitchFamily="18" charset="0"/>
+                        <a:rPr lang="en-US" sz="2000" dirty="0">
+                          <a:latin typeface="Times New Roman"/>
+                          <a:cs typeface="Times New Roman"/>
                         </a:rPr>
                         <a:t>Results</a:t>
                       </a:r>
                     </a:p>
                   </a:txBody>
-                  <a:tcPr/>
+                  <a:tcPr marL="102628" marR="102628" marT="51314" marB="51314"/>
                 </a:tc>
                 <a:extLst>
                   <a:ext uri="{0D108BD9-81ED-4DB2-BD59-A6C34878D82A}">
@@ -5784,22 +13087,22 @@
                   </a:ext>
                 </a:extLst>
               </a:tr>
-              <a:tr h="370840">
+              <a:tr h="2071233">
                 <a:tc>
                   <a:txBody>
                     <a:bodyPr/>
                     <a:lstStyle/>
                     <a:p>
                       <a:r>
-                        <a:rPr lang="en-US" dirty="0">
-                          <a:latin typeface="Times New Roman" panose="02020603050405020304" pitchFamily="18" charset="0"/>
-                          <a:cs typeface="Times New Roman" panose="02020603050405020304" pitchFamily="18" charset="0"/>
+                        <a:rPr lang="en-US" sz="2000" dirty="0">
+                          <a:latin typeface="Times New Roman"/>
+                          <a:cs typeface="Times New Roman"/>
                         </a:rPr>
                         <a:t>Simple Kmeans</a:t>
                       </a:r>
                     </a:p>
                   </a:txBody>
-                  <a:tcPr/>
+                  <a:tcPr marL="102628" marR="102628" marT="51314" marB="51314"/>
                 </a:tc>
                 <a:tc>
                   <a:txBody>
@@ -5818,17 +13121,23 @@
                         </a:spcAft>
                       </a:pPr>
                       <a:r>
-                        <a:rPr lang="en-US" sz="1600" dirty="0">
+                        <a:rPr lang="en-US" sz="1800" dirty="0">
                           <a:effectLst/>
-                          <a:latin typeface="Times New Roman" panose="02020603050405020304" pitchFamily="18" charset="0"/>
+                          <a:latin typeface="Times New Roman"/>
                           <a:ea typeface="Calibri" panose="020F0502020204030204" pitchFamily="34" charset="0"/>
-                          <a:cs typeface="Times New Roman" panose="02020603050405020304" pitchFamily="18" charset="0"/>
+                          <a:cs typeface="Times New Roman"/>
                         </a:rPr>
-                        <a:t>Surprisingly the results showed that it is most dominantly found in adults between the ages of 70-80 years of age after reading through literature again to confirm results it is said that most diabetic patients typically die before the age of 90(WHO, 2012). Its correctly classified instances are 89%. percentage splits of 50% was performed on the algorithm and little difference was shown in its correctly classified instances. </a:t>
+                        <a:t>Surprisingly, the results showed that it is most dominantly found in adults between the ages of 70-80 years of age after reading through literature again to confirm results it is said that most diabetic patients typically die before the age of 90(WHO, 2012). Its correctly classified instances are 89%. percentage splits of 50% was performed on the algorithm and little difference was shown in its correctly classified instances. </a:t>
                       </a:r>
+                      <a:endParaRPr lang="en-US" sz="1800">
+                        <a:effectLst/>
+                        <a:latin typeface="Times New Roman" panose="02020603050405020304" pitchFamily="18" charset="0"/>
+                        <a:ea typeface="Calibri" panose="020F0502020204030204" pitchFamily="34" charset="0"/>
+                        <a:cs typeface="Times New Roman" panose="02020603050405020304" pitchFamily="18" charset="0"/>
+                      </a:endParaRPr>
                     </a:p>
                   </a:txBody>
-                  <a:tcPr marL="68580" marR="68580" marT="0" marB="0"/>
+                  <a:tcPr marL="76971" marR="76971" marT="0" marB="0"/>
                 </a:tc>
                 <a:extLst>
                   <a:ext uri="{0D108BD9-81ED-4DB2-BD59-A6C34878D82A}">
@@ -5836,22 +13145,22 @@
                   </a:ext>
                 </a:extLst>
               </a:tr>
-              <a:tr h="370840">
+              <a:tr h="1238378">
                 <a:tc>
                   <a:txBody>
                     <a:bodyPr/>
                     <a:lstStyle/>
                     <a:p>
                       <a:r>
-                        <a:rPr lang="en-US" dirty="0">
-                          <a:latin typeface="Times New Roman" panose="02020603050405020304" pitchFamily="18" charset="0"/>
-                          <a:cs typeface="Times New Roman" panose="02020603050405020304" pitchFamily="18" charset="0"/>
+                        <a:rPr lang="en-US" sz="2000" dirty="0">
+                          <a:latin typeface="Times New Roman"/>
+                          <a:cs typeface="Times New Roman"/>
                         </a:rPr>
                         <a:t>Hierarchical Clustering</a:t>
                       </a:r>
                     </a:p>
                   </a:txBody>
-                  <a:tcPr/>
+                  <a:tcPr marL="102628" marR="102628" marT="51314" marB="51314"/>
                 </a:tc>
                 <a:tc>
                   <a:txBody>
@@ -5859,24 +13168,24 @@
                     <a:lstStyle/>
                     <a:p>
                       <a:r>
-                        <a:rPr lang="en-US" sz="1600" kern="1200" dirty="0">
+                        <a:rPr lang="en-US" sz="1800" kern="1200" dirty="0">
                           <a:solidFill>
                             <a:schemeClr val="dk1"/>
                           </a:solidFill>
                           <a:effectLst/>
-                          <a:latin typeface="Times New Roman" panose="02020603050405020304" pitchFamily="18" charset="0"/>
+                          <a:latin typeface="Times New Roman"/>
                           <a:ea typeface="+mn-ea"/>
-                          <a:cs typeface="Times New Roman" panose="02020603050405020304" pitchFamily="18" charset="0"/>
+                          <a:cs typeface="Times New Roman"/>
                         </a:rPr>
                         <a:t>When this was performed on the dataset its correctly classified instances were 87 %. Percentage splits was also performed on the dataset at 50% and its correctly classified instance dropped to 78%.</a:t>
                       </a:r>
-                      <a:endParaRPr lang="en-US" sz="1600" dirty="0">
-                        <a:latin typeface="Times New Roman" panose="02020603050405020304" pitchFamily="18" charset="0"/>
-                        <a:cs typeface="Times New Roman" panose="02020603050405020304" pitchFamily="18" charset="0"/>
+                      <a:endParaRPr lang="en-US" sz="1800" dirty="0">
+                        <a:latin typeface="Times New Roman"/>
+                        <a:cs typeface="Times New Roman"/>
                       </a:endParaRPr>
                     </a:p>
                   </a:txBody>
-                  <a:tcPr/>
+                  <a:tcPr marL="102628" marR="102628" marT="51314" marB="51314"/>
                 </a:tc>
                 <a:extLst>
                   <a:ext uri="{0D108BD9-81ED-4DB2-BD59-A6C34878D82A}">
@@ -6194,4 +13503,248 @@
     </a:ext>
   </a:extLst>
 </a:theme>
+</file>
+
+<file path=customXml/item1.xml><?xml version="1.0" encoding="utf-8"?>
+<?mso-contentType ?>
+<FormTemplates xmlns="http://schemas.microsoft.com/sharepoint/v3/contenttype/forms">
+  <Display>DocumentLibraryForm</Display>
+  <Edit>DocumentLibraryForm</Edit>
+  <New>DocumentLibraryForm</New>
+</FormTemplates>
+</file>
+
+<file path=customXml/item2.xml><?xml version="1.0" encoding="utf-8"?>
+<ct:contentTypeSchema xmlns:ct="http://schemas.microsoft.com/office/2006/metadata/contentType" xmlns:ma="http://schemas.microsoft.com/office/2006/metadata/properties/metaAttributes" ct:_="" ma:_="" ma:contentTypeName="Document" ma:contentTypeID="0x010100ADEFEB9BD67EC343893711B313010C15" ma:contentTypeVersion="7" ma:contentTypeDescription="Create a new document." ma:contentTypeScope="" ma:versionID="39a6d7fdf368cc005dc7c023ae864033">
+  <xsd:schema xmlns:xsd="http://www.w3.org/2001/XMLSchema" xmlns:xs="http://www.w3.org/2001/XMLSchema" xmlns:p="http://schemas.microsoft.com/office/2006/metadata/properties" xmlns:ns3="df4f80a2-7717-46f2-8801-be4390b2dc5c" xmlns:ns4="6f1b1108-6d4a-4d90-9016-f292c03a8d19" targetNamespace="http://schemas.microsoft.com/office/2006/metadata/properties" ma:root="true" ma:fieldsID="a79485d139c791e74d7b30e61c9943b5" ns3:_="" ns4:_="">
+    <xsd:import namespace="df4f80a2-7717-46f2-8801-be4390b2dc5c"/>
+    <xsd:import namespace="6f1b1108-6d4a-4d90-9016-f292c03a8d19"/>
+    <xsd:element name="properties">
+      <xsd:complexType>
+        <xsd:sequence>
+          <xsd:element name="documentManagement">
+            <xsd:complexType>
+              <xsd:all>
+                <xsd:element ref="ns3:MediaServiceMetadata" minOccurs="0"/>
+                <xsd:element ref="ns3:MediaServiceFastMetadata" minOccurs="0"/>
+                <xsd:element ref="ns4:SharedWithUsers" minOccurs="0"/>
+                <xsd:element ref="ns4:SharedWithDetails" minOccurs="0"/>
+                <xsd:element ref="ns4:SharingHintHash" minOccurs="0"/>
+                <xsd:element ref="ns3:MediaServiceAutoKeyPoints" minOccurs="0"/>
+                <xsd:element ref="ns3:MediaServiceKeyPoints" minOccurs="0"/>
+              </xsd:all>
+            </xsd:complexType>
+          </xsd:element>
+        </xsd:sequence>
+      </xsd:complexType>
+    </xsd:element>
+  </xsd:schema>
+  <xsd:schema xmlns:xsd="http://www.w3.org/2001/XMLSchema" xmlns:xs="http://www.w3.org/2001/XMLSchema" xmlns:dms="http://schemas.microsoft.com/office/2006/documentManagement/types" xmlns:pc="http://schemas.microsoft.com/office/infopath/2007/PartnerControls" targetNamespace="df4f80a2-7717-46f2-8801-be4390b2dc5c" elementFormDefault="qualified">
+    <xsd:import namespace="http://schemas.microsoft.com/office/2006/documentManagement/types"/>
+    <xsd:import namespace="http://schemas.microsoft.com/office/infopath/2007/PartnerControls"/>
+    <xsd:element name="MediaServiceMetadata" ma:index="8" nillable="true" ma:displayName="MediaServiceMetadata" ma:hidden="true" ma:internalName="MediaServiceMetadata" ma:readOnly="true">
+      <xsd:simpleType>
+        <xsd:restriction base="dms:Note"/>
+      </xsd:simpleType>
+    </xsd:element>
+    <xsd:element name="MediaServiceFastMetadata" ma:index="9" nillable="true" ma:displayName="MediaServiceFastMetadata" ma:hidden="true" ma:internalName="MediaServiceFastMetadata" ma:readOnly="true">
+      <xsd:simpleType>
+        <xsd:restriction base="dms:Note"/>
+      </xsd:simpleType>
+    </xsd:element>
+    <xsd:element name="MediaServiceAutoKeyPoints" ma:index="13" nillable="true" ma:displayName="MediaServiceAutoKeyPoints" ma:hidden="true" ma:internalName="MediaServiceAutoKeyPoints" ma:readOnly="true">
+      <xsd:simpleType>
+        <xsd:restriction base="dms:Note"/>
+      </xsd:simpleType>
+    </xsd:element>
+    <xsd:element name="MediaServiceKeyPoints" ma:index="14" nillable="true" ma:displayName="KeyPoints" ma:internalName="MediaServiceKeyPoints" ma:readOnly="true">
+      <xsd:simpleType>
+        <xsd:restriction base="dms:Note">
+          <xsd:maxLength value="255"/>
+        </xsd:restriction>
+      </xsd:simpleType>
+    </xsd:element>
+  </xsd:schema>
+  <xsd:schema xmlns:xsd="http://www.w3.org/2001/XMLSchema" xmlns:xs="http://www.w3.org/2001/XMLSchema" xmlns:dms="http://schemas.microsoft.com/office/2006/documentManagement/types" xmlns:pc="http://schemas.microsoft.com/office/infopath/2007/PartnerControls" targetNamespace="6f1b1108-6d4a-4d90-9016-f292c03a8d19" elementFormDefault="qualified">
+    <xsd:import namespace="http://schemas.microsoft.com/office/2006/documentManagement/types"/>
+    <xsd:import namespace="http://schemas.microsoft.com/office/infopath/2007/PartnerControls"/>
+    <xsd:element name="SharedWithUsers" ma:index="10" nillable="true" ma:displayName="Shared With" ma:internalName="SharedWithUsers" ma:readOnly="true">
+      <xsd:complexType>
+        <xsd:complexContent>
+          <xsd:extension base="dms:UserMulti">
+            <xsd:sequence>
+              <xsd:element name="UserInfo" minOccurs="0" maxOccurs="unbounded">
+                <xsd:complexType>
+                  <xsd:sequence>
+                    <xsd:element name="DisplayName" type="xsd:string" minOccurs="0"/>
+                    <xsd:element name="AccountId" type="dms:UserId" minOccurs="0" nillable="true"/>
+                    <xsd:element name="AccountType" type="xsd:string" minOccurs="0"/>
+                  </xsd:sequence>
+                </xsd:complexType>
+              </xsd:element>
+            </xsd:sequence>
+          </xsd:extension>
+        </xsd:complexContent>
+      </xsd:complexType>
+    </xsd:element>
+    <xsd:element name="SharedWithDetails" ma:index="11" nillable="true" ma:displayName="Shared With Details" ma:internalName="SharedWithDetails" ma:readOnly="true">
+      <xsd:simpleType>
+        <xsd:restriction base="dms:Note">
+          <xsd:maxLength value="255"/>
+        </xsd:restriction>
+      </xsd:simpleType>
+    </xsd:element>
+    <xsd:element name="SharingHintHash" ma:index="12" nillable="true" ma:displayName="Sharing Hint Hash" ma:hidden="true" ma:internalName="SharingHintHash" ma:readOnly="true">
+      <xsd:simpleType>
+        <xsd:restriction base="dms:Text"/>
+      </xsd:simpleType>
+    </xsd:element>
+  </xsd:schema>
+  <xsd:schema xmlns="http://schemas.openxmlformats.org/package/2006/metadata/core-properties" xmlns:xsd="http://www.w3.org/2001/XMLSchema" xmlns:xsi="http://www.w3.org/2001/XMLSchema-instance" xmlns:dc="http://purl.org/dc/elements/1.1/" xmlns:dcterms="http://purl.org/dc/terms/" xmlns:odoc="http://schemas.microsoft.com/internal/obd" targetNamespace="http://schemas.openxmlformats.org/package/2006/metadata/core-properties" elementFormDefault="qualified" attributeFormDefault="unqualified" blockDefault="#all">
+    <xsd:import namespace="http://purl.org/dc/elements/1.1/" schemaLocation="http://dublincore.org/schemas/xmls/qdc/2003/04/02/dc.xsd"/>
+    <xsd:import namespace="http://purl.org/dc/terms/" schemaLocation="http://dublincore.org/schemas/xmls/qdc/2003/04/02/dcterms.xsd"/>
+    <xsd:element name="coreProperties" type="CT_coreProperties"/>
+    <xsd:complexType name="CT_coreProperties">
+      <xsd:all>
+        <xsd:element ref="dc:creator" minOccurs="0" maxOccurs="1"/>
+        <xsd:element ref="dcterms:created" minOccurs="0" maxOccurs="1"/>
+        <xsd:element ref="dc:identifier" minOccurs="0" maxOccurs="1"/>
+        <xsd:element name="contentType" minOccurs="0" maxOccurs="1" type="xsd:string" ma:index="0" ma:displayName="Content Type"/>
+        <xsd:element ref="dc:title" minOccurs="0" maxOccurs="1" ma:index="4" ma:displayName="Title"/>
+        <xsd:element ref="dc:subject" minOccurs="0" maxOccurs="1"/>
+        <xsd:element ref="dc:description" minOccurs="0" maxOccurs="1"/>
+        <xsd:element name="keywords" minOccurs="0" maxOccurs="1" type="xsd:string"/>
+        <xsd:element ref="dc:language" minOccurs="0" maxOccurs="1"/>
+        <xsd:element name="category" minOccurs="0" maxOccurs="1" type="xsd:string"/>
+        <xsd:element name="version" minOccurs="0" maxOccurs="1" type="xsd:string"/>
+        <xsd:element name="revision" minOccurs="0" maxOccurs="1" type="xsd:string">
+          <xsd:annotation>
+            <xsd:documentation>
+                        This value indicates the number of saves or revisions. The application is responsible for updating this value after each revision.
+                    </xsd:documentation>
+          </xsd:annotation>
+        </xsd:element>
+        <xsd:element name="lastModifiedBy" minOccurs="0" maxOccurs="1" type="xsd:string"/>
+        <xsd:element ref="dcterms:modified" minOccurs="0" maxOccurs="1"/>
+        <xsd:element name="contentStatus" minOccurs="0" maxOccurs="1" type="xsd:string"/>
+      </xsd:all>
+    </xsd:complexType>
+  </xsd:schema>
+  <xs:schema xmlns:pc="http://schemas.microsoft.com/office/infopath/2007/PartnerControls" xmlns:xs="http://www.w3.org/2001/XMLSchema" targetNamespace="http://schemas.microsoft.com/office/infopath/2007/PartnerControls" elementFormDefault="qualified" attributeFormDefault="unqualified">
+    <xs:element name="Person">
+      <xs:complexType>
+        <xs:sequence>
+          <xs:element ref="pc:DisplayName" minOccurs="0"/>
+          <xs:element ref="pc:AccountId" minOccurs="0"/>
+          <xs:element ref="pc:AccountType" minOccurs="0"/>
+        </xs:sequence>
+      </xs:complexType>
+    </xs:element>
+    <xs:element name="DisplayName" type="xs:string"/>
+    <xs:element name="AccountId" type="xs:string"/>
+    <xs:element name="AccountType" type="xs:string"/>
+    <xs:element name="BDCAssociatedEntity">
+      <xs:complexType>
+        <xs:sequence>
+          <xs:element ref="pc:BDCEntity" minOccurs="0" maxOccurs="unbounded"/>
+        </xs:sequence>
+        <xs:attribute ref="pc:EntityNamespace"/>
+        <xs:attribute ref="pc:EntityName"/>
+        <xs:attribute ref="pc:SystemInstanceName"/>
+        <xs:attribute ref="pc:AssociationName"/>
+      </xs:complexType>
+    </xs:element>
+    <xs:attribute name="EntityNamespace" type="xs:string"/>
+    <xs:attribute name="EntityName" type="xs:string"/>
+    <xs:attribute name="SystemInstanceName" type="xs:string"/>
+    <xs:attribute name="AssociationName" type="xs:string"/>
+    <xs:element name="BDCEntity">
+      <xs:complexType>
+        <xs:sequence>
+          <xs:element ref="pc:EntityDisplayName" minOccurs="0"/>
+          <xs:element ref="pc:EntityInstanceReference" minOccurs="0"/>
+          <xs:element ref="pc:EntityId1" minOccurs="0"/>
+          <xs:element ref="pc:EntityId2" minOccurs="0"/>
+          <xs:element ref="pc:EntityId3" minOccurs="0"/>
+          <xs:element ref="pc:EntityId4" minOccurs="0"/>
+          <xs:element ref="pc:EntityId5" minOccurs="0"/>
+        </xs:sequence>
+      </xs:complexType>
+    </xs:element>
+    <xs:element name="EntityDisplayName" type="xs:string"/>
+    <xs:element name="EntityInstanceReference" type="xs:string"/>
+    <xs:element name="EntityId1" type="xs:string"/>
+    <xs:element name="EntityId2" type="xs:string"/>
+    <xs:element name="EntityId3" type="xs:string"/>
+    <xs:element name="EntityId4" type="xs:string"/>
+    <xs:element name="EntityId5" type="xs:string"/>
+    <xs:element name="Terms">
+      <xs:complexType>
+        <xs:sequence>
+          <xs:element ref="pc:TermInfo" minOccurs="0" maxOccurs="unbounded"/>
+        </xs:sequence>
+      </xs:complexType>
+    </xs:element>
+    <xs:element name="TermInfo">
+      <xs:complexType>
+        <xs:sequence>
+          <xs:element ref="pc:TermName" minOccurs="0"/>
+          <xs:element ref="pc:TermId" minOccurs="0"/>
+        </xs:sequence>
+      </xs:complexType>
+    </xs:element>
+    <xs:element name="TermName" type="xs:string"/>
+    <xs:element name="TermId" type="xs:string"/>
+  </xs:schema>
+</ct:contentTypeSchema>
+</file>
+
+<file path=customXml/item3.xml><?xml version="1.0" encoding="utf-8"?>
+<p:properties xmlns:p="http://schemas.microsoft.com/office/2006/metadata/properties" xmlns:xsi="http://www.w3.org/2001/XMLSchema-instance" xmlns:pc="http://schemas.microsoft.com/office/infopath/2007/PartnerControls">
+  <documentManagement/>
+</p:properties>
+</file>
+
+<file path=customXml/itemProps1.xml><?xml version="1.0" encoding="utf-8"?>
+<ds:datastoreItem xmlns:ds="http://schemas.openxmlformats.org/officeDocument/2006/customXml" ds:itemID="{D5C3A6B9-5E6F-466E-9E3C-D67A8468A1F7}">
+  <ds:schemaRefs>
+    <ds:schemaRef ds:uri="http://schemas.microsoft.com/sharepoint/v3/contenttype/forms"/>
+  </ds:schemaRefs>
+</ds:datastoreItem>
+</file>
+
+<file path=customXml/itemProps2.xml><?xml version="1.0" encoding="utf-8"?>
+<ds:datastoreItem xmlns:ds="http://schemas.openxmlformats.org/officeDocument/2006/customXml" ds:itemID="{B40BB515-391D-4CE7-B4F8-43B039190643}">
+  <ds:schemaRefs>
+    <ds:schemaRef ds:uri="http://schemas.microsoft.com/office/2006/metadata/contentType"/>
+    <ds:schemaRef ds:uri="http://schemas.microsoft.com/office/2006/metadata/properties/metaAttributes"/>
+    <ds:schemaRef ds:uri="http://www.w3.org/2001/XMLSchema"/>
+    <ds:schemaRef ds:uri="http://schemas.microsoft.com/office/2006/metadata/properties"/>
+    <ds:schemaRef ds:uri="df4f80a2-7717-46f2-8801-be4390b2dc5c"/>
+    <ds:schemaRef ds:uri="6f1b1108-6d4a-4d90-9016-f292c03a8d19"/>
+    <ds:schemaRef ds:uri="http://schemas.microsoft.com/office/2006/documentManagement/types"/>
+    <ds:schemaRef ds:uri="http://schemas.microsoft.com/office/infopath/2007/PartnerControls"/>
+    <ds:schemaRef ds:uri="http://schemas.openxmlformats.org/package/2006/metadata/core-properties"/>
+    <ds:schemaRef ds:uri="http://purl.org/dc/elements/1.1/"/>
+    <ds:schemaRef ds:uri="http://purl.org/dc/terms/"/>
+    <ds:schemaRef ds:uri="http://schemas.microsoft.com/internal/obd"/>
+  </ds:schemaRefs>
+</ds:datastoreItem>
+</file>
+
+<file path=customXml/itemProps3.xml><?xml version="1.0" encoding="utf-8"?>
+<ds:datastoreItem xmlns:ds="http://schemas.openxmlformats.org/officeDocument/2006/customXml" ds:itemID="{58944195-8B9A-47A4-89B9-4D2AE09BD664}">
+  <ds:schemaRefs>
+    <ds:schemaRef ds:uri="http://purl.org/dc/dcmitype/"/>
+    <ds:schemaRef ds:uri="http://schemas.microsoft.com/office/infopath/2007/PartnerControls"/>
+    <ds:schemaRef ds:uri="6f1b1108-6d4a-4d90-9016-f292c03a8d19"/>
+    <ds:schemaRef ds:uri="http://purl.org/dc/elements/1.1/"/>
+    <ds:schemaRef ds:uri="http://schemas.microsoft.com/office/2006/metadata/properties"/>
+    <ds:schemaRef ds:uri="http://schemas.microsoft.com/office/2006/documentManagement/types"/>
+    <ds:schemaRef ds:uri="df4f80a2-7717-46f2-8801-be4390b2dc5c"/>
+    <ds:schemaRef ds:uri="http://purl.org/dc/terms/"/>
+    <ds:schemaRef ds:uri="http://schemas.openxmlformats.org/package/2006/metadata/core-properties"/>
+    <ds:schemaRef ds:uri="http://www.w3.org/XML/1998/namespace"/>
+  </ds:schemaRefs>
+</ds:datastoreItem>
 </file>